--- a/1.Introduction.pptx
+++ b/1.Introduction.pptx
@@ -5,20 +5,19 @@
     <p:sldMasterId id="2147483660" r:id="rId4"/>
   </p:sldMasterIdLst>
   <p:notesMasterIdLst>
-    <p:notesMasterId r:id="rId13"/>
+    <p:notesMasterId r:id="rId12"/>
   </p:notesMasterIdLst>
   <p:handoutMasterIdLst>
-    <p:handoutMasterId r:id="rId14"/>
+    <p:handoutMasterId r:id="rId13"/>
   </p:handoutMasterIdLst>
   <p:sldIdLst>
     <p:sldId id="348" r:id="rId5"/>
     <p:sldId id="317" r:id="rId6"/>
     <p:sldId id="367" r:id="rId7"/>
     <p:sldId id="392" r:id="rId8"/>
-    <p:sldId id="397" r:id="rId9"/>
-    <p:sldId id="393" r:id="rId10"/>
-    <p:sldId id="396" r:id="rId11"/>
-    <p:sldId id="395" r:id="rId12"/>
+    <p:sldId id="393" r:id="rId9"/>
+    <p:sldId id="396" r:id="rId10"/>
+    <p:sldId id="395" r:id="rId11"/>
   </p:sldIdLst>
   <p:sldSz cx="12192000" cy="6858000"/>
   <p:notesSz cx="6858000" cy="9144000"/>
@@ -126,7 +125,6 @@
             <p14:sldId id="317"/>
             <p14:sldId id="367"/>
             <p14:sldId id="392"/>
-            <p14:sldId id="397"/>
             <p14:sldId id="393"/>
             <p14:sldId id="396"/>
             <p14:sldId id="395"/>
@@ -142,6 +140,58 @@
     </p:ext>
   </p:extLst>
 </p:presentation>
+</file>
+
+<file path=ppt/revisionInfo.xml><?xml version="1.0" encoding="utf-8"?>
+<p1510:revInfo xmlns:a="http://schemas.openxmlformats.org/drawingml/2006/main" xmlns:r="http://schemas.openxmlformats.org/officeDocument/2006/relationships" xmlns:p1510="http://schemas.microsoft.com/office/powerpoint/2015/10/main">
+  <p1510:revLst>
+    <p1510:client id="{E78558EB-8B3B-41F0-A3B8-70F7B755CA2C}" v="9" dt="2020-05-18T16:27:35.021"/>
+  </p1510:revLst>
+</p1510:revInfo>
+</file>
+
+<file path=ppt/changesInfos/changesInfo1.xml><?xml version="1.0" encoding="utf-8"?>
+<pc:chgInfo xmlns:a="http://schemas.openxmlformats.org/drawingml/2006/main" xmlns:r="http://schemas.openxmlformats.org/officeDocument/2006/relationships" xmlns:ac="http://schemas.microsoft.com/office/drawing/2013/main/command" xmlns:pc="http://schemas.microsoft.com/office/powerpoint/2013/main/command">
+  <pc:docChgLst>
+    <pc:chgData name="Trilok Chowdary (Byteridge Software Private Lim)" userId="S::v-trchow@microsoft.com::3df9efb5-6980-4313-85dd-81b2fb03b9c2" providerId="AD" clId="Web-{E78558EB-8B3B-41F0-A3B8-70F7B755CA2C}"/>
+    <pc:docChg chg="modSld">
+      <pc:chgData name="Trilok Chowdary (Byteridge Software Private Lim)" userId="S::v-trchow@microsoft.com::3df9efb5-6980-4313-85dd-81b2fb03b9c2" providerId="AD" clId="Web-{E78558EB-8B3B-41F0-A3B8-70F7B755CA2C}" dt="2020-05-18T16:27:35.021" v="7"/>
+      <pc:docMkLst>
+        <pc:docMk/>
+      </pc:docMkLst>
+      <pc:sldChg chg="modSp">
+        <pc:chgData name="Trilok Chowdary (Byteridge Software Private Lim)" userId="S::v-trchow@microsoft.com::3df9efb5-6980-4313-85dd-81b2fb03b9c2" providerId="AD" clId="Web-{E78558EB-8B3B-41F0-A3B8-70F7B755CA2C}" dt="2020-05-18T16:27:35.021" v="7"/>
+        <pc:sldMkLst>
+          <pc:docMk/>
+          <pc:sldMk cId="223729632" sldId="348"/>
+        </pc:sldMkLst>
+        <pc:spChg chg="mod">
+          <ac:chgData name="Trilok Chowdary (Byteridge Software Private Lim)" userId="S::v-trchow@microsoft.com::3df9efb5-6980-4313-85dd-81b2fb03b9c2" providerId="AD" clId="Web-{E78558EB-8B3B-41F0-A3B8-70F7B755CA2C}" dt="2020-05-18T16:27:35.021" v="7"/>
+          <ac:spMkLst>
+            <pc:docMk/>
+            <pc:sldMk cId="223729632" sldId="348"/>
+            <ac:spMk id="4" creationId="{00000000-0000-0000-0000-000000000000}"/>
+          </ac:spMkLst>
+        </pc:spChg>
+      </pc:sldChg>
+      <pc:sldChg chg="modSp">
+        <pc:chgData name="Trilok Chowdary (Byteridge Software Private Lim)" userId="S::v-trchow@microsoft.com::3df9efb5-6980-4313-85dd-81b2fb03b9c2" providerId="AD" clId="Web-{E78558EB-8B3B-41F0-A3B8-70F7B755CA2C}" dt="2020-05-18T16:26:55.269" v="4" actId="20577"/>
+        <pc:sldMkLst>
+          <pc:docMk/>
+          <pc:sldMk cId="2373576358" sldId="392"/>
+        </pc:sldMkLst>
+        <pc:spChg chg="mod">
+          <ac:chgData name="Trilok Chowdary (Byteridge Software Private Lim)" userId="S::v-trchow@microsoft.com::3df9efb5-6980-4313-85dd-81b2fb03b9c2" providerId="AD" clId="Web-{E78558EB-8B3B-41F0-A3B8-70F7B755CA2C}" dt="2020-05-18T16:26:55.269" v="4" actId="20577"/>
+          <ac:spMkLst>
+            <pc:docMk/>
+            <pc:sldMk cId="2373576358" sldId="392"/>
+            <ac:spMk id="4" creationId="{00000000-0000-0000-0000-000000000000}"/>
+          </ac:spMkLst>
+        </pc:spChg>
+      </pc:sldChg>
+    </pc:docChg>
+  </pc:docChgLst>
+</pc:chgInfo>
 </file>
 
 <file path=ppt/handoutMasters/handoutMaster1.xml><?xml version="1.0" encoding="utf-8"?>
@@ -226,7 +276,7 @@
           <a:p>
             <a:fld id="{312E7B4A-039C-48A2-9B2C-AF16AA3873D8}" type="datetimeFigureOut">
               <a:rPr lang="en-US" smtClean="0"/>
-              <a:t>5/21/2019</a:t>
+              <a:t>5/18/2020</a:t>
             </a:fld>
             <a:endParaRPr lang="en-US"/>
           </a:p>
@@ -391,7 +441,7 @@
           <a:p>
             <a:fld id="{DA005A0C-54D9-45AA-87D4-C551D08DFCE1}" type="datetimeFigureOut">
               <a:rPr lang="en-US" smtClean="0"/>
-              <a:t>5/21/2019</a:t>
+              <a:t>5/18/2020</a:t>
             </a:fld>
             <a:endParaRPr lang="en-US"/>
           </a:p>
@@ -3444,9 +3494,7 @@
             <a:avLst/>
           </a:prstGeom>
           <a:solidFill>
-            <a:srgbClr val="681684">
-              <a:alpha val="85000"/>
-            </a:srgbClr>
+            <a:srgbClr val="FF0000"/>
           </a:solidFill>
         </p:spPr>
         <p:txBody>
@@ -3560,7 +3608,7 @@
                 <a:latin typeface="Segoe UI Light" pitchFamily="34" charset="0"/>
                 <a:cs typeface="Segoe UI" pitchFamily="34" charset="0"/>
               </a:rPr>
-              <a:t>IDC Foundry Hyderabad</a:t>
+              <a:t>Garage India Internship Hyderabad</a:t>
             </a:r>
           </a:p>
           <a:p>
@@ -3833,16 +3881,35 @@
           <a:p>
             <a:r>
               <a:rPr lang="en-IN" dirty="0"/>
-              <a:t>Speakers – </a:t>
+              <a:t>Speakers – Vinayak, Trilok, Prakash, </a:t>
             </a:r>
             <a:r>
               <a:rPr lang="en-IN" dirty="0" err="1"/>
-              <a:t>Vinayak,Trilok</a:t>
+              <a:t>Sravani</a:t>
             </a:r>
             <a:r>
               <a:rPr lang="en-IN" dirty="0"/>
-              <a:t>, Netaji, Lakshmi, Shubham</a:t>
-            </a:r>
+              <a:t>, </a:t>
+            </a:r>
+            <a:r>
+              <a:rPr lang="en-IN" dirty="0" err="1"/>
+              <a:t>Santhan</a:t>
+            </a:r>
+            <a:r>
+              <a:rPr lang="en-IN" dirty="0"/>
+              <a:t>, Mrinal,  </a:t>
+            </a:r>
+            <a:r>
+              <a:rPr lang="en-IN" dirty="0" err="1"/>
+              <a:t>Saiteja</a:t>
+            </a:r>
+            <a:r>
+              <a:rPr lang="en-IN" dirty="0"/>
+              <a:t>, Surya, Satish, Manjunath, Jeetendra Pandey and Sanjeev’s Team</a:t>
+            </a:r>
+          </a:p>
+          <a:p>
+            <a:endParaRPr lang="en-IN" dirty="0"/>
           </a:p>
         </p:txBody>
       </p:sp>
@@ -3903,14 +3970,8 @@
             </a:pPr>
             <a:r>
               <a:rPr lang="en-US" sz="1800" dirty="0"/>
-              <a:t>Life Compass - live your goals*</a:t>
-            </a:r>
-          </a:p>
-          <a:p>
-            <a:pPr marL="0" indent="0" algn="ctr">
-              <a:buNone/>
-            </a:pPr>
-            <a:endParaRPr lang="en-US" sz="1800" dirty="0"/>
+              <a:t>Carbon Dashboard</a:t>
+            </a:r>
           </a:p>
         </p:txBody>
       </p:sp>
@@ -3926,23 +3987,30 @@
         </p:nvSpPr>
         <p:spPr>
           <a:xfrm>
-            <a:off x="379514" y="132110"/>
-            <a:ext cx="11524432" cy="1063487"/>
+            <a:off x="83976" y="132110"/>
+            <a:ext cx="11819970" cy="1063487"/>
           </a:xfrm>
         </p:spPr>
         <p:txBody>
-          <a:bodyPr/>
+          <a:bodyPr>
+            <a:normAutofit/>
+          </a:bodyPr>
           <a:lstStyle/>
           <a:p>
             <a:pPr algn="ctr"/>
             <a:r>
-              <a:rPr lang="en-IN" dirty="0"/>
-              <a:t>Foundry Projects - Hyderabad</a:t>
+              <a:rPr lang="en-IN" dirty="0">
+                <a:latin typeface="Segoe UI Light"/>
+                <a:cs typeface="Segoe UI Light"/>
+              </a:rPr>
+              <a:t>The Garage India Internship Projects </a:t>
             </a:r>
             <a:endParaRPr lang="en-IN" dirty="0">
               <a:solidFill>
                 <a:srgbClr val="FF0000"/>
               </a:solidFill>
+              <a:latin typeface="Segoe UI Light"/>
+              <a:cs typeface="Segoe UI Light"/>
             </a:endParaRPr>
           </a:p>
         </p:txBody>
@@ -3973,13 +4041,10 @@
               <a:buNone/>
             </a:pPr>
             <a:r>
-              <a:rPr lang="fr-FR" sz="1800" dirty="0" err="1"/>
-              <a:t>Seshat</a:t>
-            </a:r>
-            <a:r>
-              <a:rPr lang="fr-FR" sz="1800" dirty="0"/>
-              <a:t>: a content intelligence platform</a:t>
-            </a:r>
+              <a:rPr lang="en-US" sz="1800" dirty="0"/>
+              <a:t>Operational Evolution and Sustainability Based on Megatrends</a:t>
+            </a:r>
+            <a:endParaRPr lang="fr-FR" sz="1800" dirty="0"/>
           </a:p>
         </p:txBody>
       </p:sp>
@@ -3995,13 +4060,13 @@
         </p:nvSpPr>
         <p:spPr>
           <a:xfrm>
-            <a:off x="8079897" y="1371599"/>
-            <a:ext cx="3283113" cy="788795"/>
+            <a:off x="354389" y="4165872"/>
+            <a:ext cx="3629781" cy="1133915"/>
           </a:xfrm>
         </p:spPr>
         <p:txBody>
           <a:bodyPr>
-            <a:normAutofit fontScale="92500"/>
+            <a:normAutofit lnSpcReduction="10000"/>
           </a:bodyPr>
           <a:lstStyle/>
           <a:p>
@@ -4010,13 +4075,8 @@
             </a:pPr>
             <a:r>
               <a:rPr lang="en-US" sz="1800" dirty="0"/>
-              <a:t>Surface action-oriented individual specific notifications on Teams</a:t>
-            </a:r>
-          </a:p>
-          <a:p>
-            <a:pPr marL="0" indent="0" algn="ctr">
-              <a:buNone/>
-            </a:pPr>
+              <a:t>Excel powered platform for making customized Cashflow Management Apps for mobile first Small Business customers</a:t>
+            </a:r>
             <a:endParaRPr lang="en-IN" sz="1200" dirty="0"/>
           </a:p>
         </p:txBody>
@@ -4048,13 +4108,8 @@
             </a:pPr>
             <a:r>
               <a:rPr lang="en-US" sz="1800" dirty="0"/>
-              <a:t>API evaluation of Lobby Depart Experience* </a:t>
-            </a:r>
-          </a:p>
-          <a:p>
-            <a:pPr marL="0" indent="0" algn="ctr">
-              <a:buNone/>
-            </a:pPr>
+              <a:t>Organization News in Teams</a:t>
+            </a:r>
             <a:endParaRPr lang="en-IN" sz="1200" dirty="0"/>
           </a:p>
         </p:txBody>
@@ -4086,13 +4141,8 @@
             </a:pPr>
             <a:r>
               <a:rPr lang="en-IN" sz="1800" dirty="0"/>
-              <a:t>Intelligent voice assistant for Azure monitor</a:t>
-            </a:r>
-          </a:p>
-          <a:p>
-            <a:pPr marL="0" indent="0" algn="ctr">
-              <a:buNone/>
-            </a:pPr>
+              <a:t>PDF Reflow</a:t>
+            </a:r>
             <a:endParaRPr lang="en-IN" sz="1200" dirty="0"/>
           </a:p>
         </p:txBody>
@@ -4124,13 +4174,8 @@
             </a:pPr>
             <a:r>
               <a:rPr lang="en-US" sz="1800" dirty="0"/>
-              <a:t>Azure DevOps Bots for Slack and Team</a:t>
-            </a:r>
-          </a:p>
-          <a:p>
-            <a:pPr marL="0" indent="0" algn="ctr">
-              <a:buNone/>
-            </a:pPr>
+              <a:t>Teams for EDU - differentiated experience</a:t>
+            </a:r>
             <a:endParaRPr lang="en-IN" sz="1200" dirty="0"/>
           </a:p>
         </p:txBody>
@@ -4147,24 +4192,22 @@
         </p:nvSpPr>
         <p:spPr>
           <a:xfrm>
-            <a:off x="505115" y="4228677"/>
-            <a:ext cx="3283113" cy="788795"/>
+            <a:off x="7996336" y="1392172"/>
+            <a:ext cx="3694922" cy="1063487"/>
           </a:xfrm>
         </p:spPr>
         <p:txBody>
-          <a:bodyPr/>
+          <a:bodyPr>
+            <a:normAutofit fontScale="92500" lnSpcReduction="10000"/>
+          </a:bodyPr>
           <a:lstStyle/>
           <a:p>
             <a:pPr marL="0" indent="0" algn="ctr">
               <a:buNone/>
             </a:pPr>
             <a:r>
-              <a:rPr lang="en-IN" sz="1800" dirty="0" err="1"/>
-              <a:t>Quditor</a:t>
-            </a:r>
-            <a:r>
-              <a:rPr lang="en-IN" sz="1800" dirty="0"/>
-              <a:t>*</a:t>
+              <a:rPr lang="en-US" sz="1800" dirty="0"/>
+              <a:t>Media sharing in Microsoft Teams mobile app: Best-in class video and image sharing platform for modern users.</a:t>
             </a:r>
             <a:endParaRPr lang="en-IN" sz="1200" dirty="0"/>
           </a:p>
@@ -4197,7 +4240,7 @@
             </a:pPr>
             <a:r>
               <a:rPr lang="en-IN" sz="1800" dirty="0"/>
-              <a:t>Microsoft Edge [Anaheim] on Android*</a:t>
+              <a:t>Skill based LU</a:t>
             </a:r>
           </a:p>
         </p:txBody>
@@ -4214,13 +4257,13 @@
         </p:nvSpPr>
         <p:spPr>
           <a:xfrm>
-            <a:off x="8130138" y="4228677"/>
-            <a:ext cx="3283113" cy="788795"/>
+            <a:off x="8130138" y="4228678"/>
+            <a:ext cx="3561120" cy="1071110"/>
           </a:xfrm>
         </p:spPr>
         <p:txBody>
           <a:bodyPr>
-            <a:normAutofit/>
+            <a:normAutofit fontScale="92500" lnSpcReduction="10000"/>
           </a:bodyPr>
           <a:lstStyle/>
           <a:p>
@@ -4229,7 +4272,7 @@
             </a:pPr>
             <a:r>
               <a:rPr lang="en-US" sz="1800" dirty="0"/>
-              <a:t>Defender End Point Protection for iOS*</a:t>
+              <a:t>Multi-Platform User Interface for Mixed and Virtual Reality App to Visualize and Simulate Quantum Computing</a:t>
             </a:r>
             <a:endParaRPr lang="en-IN" sz="1200" dirty="0"/>
           </a:p>
@@ -4262,7 +4305,7 @@
             </a:pPr>
             <a:r>
               <a:rPr lang="en-US" sz="1800" dirty="0"/>
-              <a:t>Activity Feed for One Drive Consumer Web*</a:t>
+              <a:t>Outlook on Jio Phone</a:t>
             </a:r>
           </a:p>
         </p:txBody>
@@ -4299,23 +4342,23 @@
       </p:grpSpPr>
       <p:sp>
         <p:nvSpPr>
-          <p:cNvPr id="2" name="Content Placeholder 1"/>
+          <p:cNvPr id="3" name="Content Placeholder 2"/>
           <p:cNvSpPr>
             <a:spLocks noGrp="1"/>
           </p:cNvSpPr>
           <p:nvPr>
-            <p:ph sz="half" idx="2"/>
+            <p:ph sz="quarter" idx="4"/>
           </p:nvPr>
         </p:nvSpPr>
         <p:spPr>
           <a:xfrm>
-            <a:off x="1" y="1371601"/>
-            <a:ext cx="3916392" cy="788793"/>
+            <a:off x="2526632" y="2779296"/>
+            <a:ext cx="7483642" cy="974557"/>
           </a:xfrm>
         </p:spPr>
         <p:txBody>
           <a:bodyPr>
-            <a:normAutofit fontScale="85000" lnSpcReduction="10000"/>
+            <a:noAutofit/>
           </a:bodyPr>
           <a:lstStyle/>
           <a:p>
@@ -4323,10 +4366,9 @@
               <a:buNone/>
             </a:pPr>
             <a:r>
-              <a:rPr lang="en-US" b="0" dirty="0"/>
-              <a:t>Fraud Linkage Analyzer* </a:t>
-            </a:r>
-            <a:endParaRPr lang="en-US" sz="1800" dirty="0"/>
+              <a:rPr lang="en-IN" sz="5400" dirty="0"/>
+              <a:t>How do we do this?</a:t>
+            </a:r>
           </a:p>
         </p:txBody>
       </p:sp>
@@ -4340,148 +4382,25 @@
             <p:ph type="title"/>
           </p:nvPr>
         </p:nvSpPr>
-        <p:spPr>
-          <a:xfrm>
-            <a:off x="379514" y="132110"/>
-            <a:ext cx="11524432" cy="1063487"/>
-          </a:xfrm>
-        </p:spPr>
-        <p:txBody>
-          <a:bodyPr/>
-          <a:lstStyle/>
-          <a:p>
-            <a:pPr algn="ctr"/>
-            <a:r>
-              <a:rPr lang="en-IN" dirty="0"/>
-              <a:t>Foundry Projects - Bangalore</a:t>
-            </a:r>
-            <a:endParaRPr lang="en-IN" dirty="0">
-              <a:solidFill>
-                <a:srgbClr val="FF0000"/>
-              </a:solidFill>
-            </a:endParaRPr>
-          </a:p>
-        </p:txBody>
-      </p:sp>
-      <p:sp>
-        <p:nvSpPr>
-          <p:cNvPr id="10" name="Content Placeholder 1"/>
-          <p:cNvSpPr>
-            <a:spLocks noGrp="1"/>
-          </p:cNvSpPr>
-          <p:nvPr>
-            <p:ph sz="half" idx="2"/>
-          </p:nvPr>
-        </p:nvSpPr>
-        <p:spPr>
-          <a:xfrm>
-            <a:off x="7685389" y="1371601"/>
-            <a:ext cx="3809925" cy="788795"/>
-          </a:xfrm>
-        </p:spPr>
+        <p:spPr/>
         <p:txBody>
           <a:bodyPr>
-            <a:normAutofit fontScale="85000" lnSpcReduction="20000"/>
+            <a:normAutofit/>
           </a:bodyPr>
           <a:lstStyle/>
           <a:p>
-            <a:pPr marL="0" indent="0" algn="ctr">
-              <a:buNone/>
-            </a:pPr>
-            <a:r>
-              <a:rPr lang="en-US" b="0" dirty="0" err="1"/>
-              <a:t>MyRA</a:t>
-            </a:r>
-            <a:r>
-              <a:rPr lang="en-US" b="0" dirty="0"/>
-              <a:t> - My Research Assistant*</a:t>
-            </a:r>
-            <a:r>
-              <a:rPr lang="en-US" sz="1800" dirty="0"/>
-              <a:t> </a:t>
-            </a:r>
-            <a:endParaRPr lang="fr-FR" sz="1800" dirty="0"/>
-          </a:p>
-        </p:txBody>
-      </p:sp>
-      <p:sp>
-        <p:nvSpPr>
-          <p:cNvPr id="13" name="Content Placeholder 1"/>
-          <p:cNvSpPr>
-            <a:spLocks noGrp="1"/>
-          </p:cNvSpPr>
-          <p:nvPr>
-            <p:ph sz="half" idx="2"/>
-          </p:nvPr>
-        </p:nvSpPr>
-        <p:spPr>
-          <a:xfrm>
-            <a:off x="1587991" y="2914015"/>
-            <a:ext cx="3558774" cy="1314662"/>
-          </a:xfrm>
-        </p:spPr>
-        <p:txBody>
-          <a:bodyPr>
-            <a:normAutofit fontScale="85000" lnSpcReduction="10000"/>
-          </a:bodyPr>
-          <a:lstStyle/>
-          <a:p>
-            <a:pPr marL="0" indent="0" algn="ctr">
-              <a:buNone/>
-            </a:pPr>
-            <a:r>
-              <a:rPr lang="en-US" b="0" dirty="0"/>
-              <a:t>Smart Walking Stick - Low cost edition for Developing markets</a:t>
-            </a:r>
-            <a:r>
-              <a:rPr lang="en-US" sz="1800" dirty="0"/>
-              <a:t> </a:t>
-            </a:r>
-            <a:endParaRPr lang="en-IN" sz="1200" dirty="0"/>
-          </a:p>
-        </p:txBody>
-      </p:sp>
-      <p:sp>
-        <p:nvSpPr>
-          <p:cNvPr id="17" name="Content Placeholder 1"/>
-          <p:cNvSpPr>
-            <a:spLocks noGrp="1"/>
-          </p:cNvSpPr>
-          <p:nvPr>
-            <p:ph sz="half" idx="2"/>
-          </p:nvPr>
-        </p:nvSpPr>
-        <p:spPr>
-          <a:xfrm>
-            <a:off x="6667098" y="2910326"/>
-            <a:ext cx="3378239" cy="1257724"/>
-          </a:xfrm>
-        </p:spPr>
-        <p:txBody>
-          <a:bodyPr>
-            <a:normAutofit fontScale="92500" lnSpcReduction="20000"/>
-          </a:bodyPr>
-          <a:lstStyle/>
-          <a:p>
-            <a:pPr marL="0" indent="0" algn="ctr">
-              <a:buNone/>
-            </a:pPr>
-            <a:r>
-              <a:rPr lang="en-US" b="0" dirty="0"/>
-              <a:t>Modern Employee Intranet on Microsoft Teams*</a:t>
-            </a:r>
-            <a:r>
-              <a:rPr lang="en-US" sz="1800" dirty="0"/>
-              <a:t> </a:t>
-            </a:r>
-            <a:endParaRPr lang="en-IN" sz="1200" dirty="0"/>
+            <a:pPr algn="ctr"/>
+            <a:r>
+              <a:rPr lang="en-IN" dirty="0"/>
+              <a:t>The Garage India Internship Projects Projects</a:t>
+            </a:r>
           </a:p>
         </p:txBody>
       </p:sp>
     </p:spTree>
     <p:extLst>
       <p:ext uri="{BB962C8B-B14F-4D97-AF65-F5344CB8AC3E}">
-        <p14:creationId xmlns:p14="http://schemas.microsoft.com/office/powerpoint/2010/main" val="3409493168"/>
+        <p14:creationId xmlns:p14="http://schemas.microsoft.com/office/powerpoint/2010/main" val="1089944936"/>
       </p:ext>
     </p:extLst>
   </p:cSld>
@@ -4510,91 +4429,6 @@
       </p:grpSpPr>
       <p:sp>
         <p:nvSpPr>
-          <p:cNvPr id="3" name="Content Placeholder 2"/>
-          <p:cNvSpPr>
-            <a:spLocks noGrp="1"/>
-          </p:cNvSpPr>
-          <p:nvPr>
-            <p:ph sz="quarter" idx="4"/>
-          </p:nvPr>
-        </p:nvSpPr>
-        <p:spPr>
-          <a:xfrm>
-            <a:off x="2526632" y="2779296"/>
-            <a:ext cx="7483642" cy="974557"/>
-          </a:xfrm>
-        </p:spPr>
-        <p:txBody>
-          <a:bodyPr>
-            <a:noAutofit/>
-          </a:bodyPr>
-          <a:lstStyle/>
-          <a:p>
-            <a:pPr marL="0" indent="0" algn="ctr">
-              <a:buNone/>
-            </a:pPr>
-            <a:r>
-              <a:rPr lang="en-IN" sz="5400" dirty="0"/>
-              <a:t>How do we do this?</a:t>
-            </a:r>
-          </a:p>
-        </p:txBody>
-      </p:sp>
-      <p:sp>
-        <p:nvSpPr>
-          <p:cNvPr id="4" name="Title 3"/>
-          <p:cNvSpPr>
-            <a:spLocks noGrp="1"/>
-          </p:cNvSpPr>
-          <p:nvPr>
-            <p:ph type="title"/>
-          </p:nvPr>
-        </p:nvSpPr>
-        <p:spPr/>
-        <p:txBody>
-          <a:bodyPr/>
-          <a:lstStyle/>
-          <a:p>
-            <a:pPr algn="ctr"/>
-            <a:r>
-              <a:rPr lang="en-IN" dirty="0"/>
-              <a:t>Foundry Projects</a:t>
-            </a:r>
-          </a:p>
-        </p:txBody>
-      </p:sp>
-    </p:spTree>
-    <p:extLst>
-      <p:ext uri="{BB962C8B-B14F-4D97-AF65-F5344CB8AC3E}">
-        <p14:creationId xmlns:p14="http://schemas.microsoft.com/office/powerpoint/2010/main" val="1089944936"/>
-      </p:ext>
-    </p:extLst>
-  </p:cSld>
-  <p:clrMapOvr>
-    <a:masterClrMapping/>
-  </p:clrMapOvr>
-</p:sld>
-</file>
-
-<file path=ppt/slides/slide7.xml><?xml version="1.0" encoding="utf-8"?>
-<p:sld xmlns:a="http://schemas.openxmlformats.org/drawingml/2006/main" xmlns:r="http://schemas.openxmlformats.org/officeDocument/2006/relationships" xmlns:p="http://schemas.openxmlformats.org/presentationml/2006/main">
-  <p:cSld>
-    <p:spTree>
-      <p:nvGrpSpPr>
-        <p:cNvPr id="1" name=""/>
-        <p:cNvGrpSpPr/>
-        <p:nvPr/>
-      </p:nvGrpSpPr>
-      <p:grpSpPr>
-        <a:xfrm>
-          <a:off x="0" y="0"/>
-          <a:ext cx="0" cy="0"/>
-          <a:chOff x="0" y="0"/>
-          <a:chExt cx="0" cy="0"/>
-        </a:xfrm>
-      </p:grpSpPr>
-      <p:sp>
-        <p:nvSpPr>
           <p:cNvPr id="2" name="Title 1"/>
           <p:cNvSpPr>
             <a:spLocks noGrp="1"/>
@@ -4644,83 +4478,54 @@
             </a:r>
             <a:r>
               <a:rPr lang="en-IN" sz="1800" dirty="0"/>
-              <a:t> – Start 09:30</a:t>
+              <a:t> – Start 10:00</a:t>
             </a:r>
             <a:endParaRPr lang="en-IN" sz="2800" dirty="0"/>
           </a:p>
           <a:p>
             <a:r>
               <a:rPr lang="en-IN" sz="1400" dirty="0"/>
-              <a:t>Introduction to a lot of things </a:t>
-            </a:r>
-          </a:p>
-          <a:p>
+              <a:t>Agile/Git</a:t>
+            </a:r>
+          </a:p>
+          <a:p>
+            <a:r>
+              <a:rPr lang="en-IN" sz="1400" dirty="0" err="1"/>
+              <a:t>.Net</a:t>
+            </a:r>
             <a:r>
               <a:rPr lang="en-IN" sz="1400" dirty="0"/>
-              <a:t>Agile Methodology and Tools</a:t>
+              <a:t> /C# Sample hands on</a:t>
+            </a:r>
+          </a:p>
+          <a:p>
+            <a:r>
+              <a:rPr lang="en-IN" sz="1400" b="1" dirty="0"/>
+              <a:t>Lunch (13:00 – 14:00)</a:t>
             </a:r>
           </a:p>
           <a:p>
             <a:r>
               <a:rPr lang="en-IN" sz="1400" dirty="0"/>
-              <a:t>Introduction to </a:t>
-            </a:r>
-            <a:r>
-              <a:rPr lang="en-IN" sz="1400" dirty="0" err="1"/>
-              <a:t>.net</a:t>
-            </a:r>
+              <a:t>Web API, Sample</a:t>
+            </a:r>
+          </a:p>
+          <a:p>
             <a:r>
               <a:rPr lang="en-IN" sz="1400" dirty="0"/>
-              <a:t> and C#</a:t>
+              <a:t>Azure Fundamentals</a:t>
+            </a:r>
+          </a:p>
+          <a:p>
+            <a:r>
+              <a:rPr lang="en-IN" sz="1400" dirty="0"/>
+              <a:t>Node, Express, Mongo</a:t>
             </a:r>
           </a:p>
           <a:p>
             <a:r>
               <a:rPr lang="en-IN" sz="1400" b="1" dirty="0"/>
-              <a:t>Lunch (12:30 – 13:30)</a:t>
-            </a:r>
-          </a:p>
-          <a:p>
-            <a:r>
-              <a:rPr lang="en-IN" sz="1400" dirty="0"/>
-              <a:t>Python</a:t>
-            </a:r>
-          </a:p>
-          <a:p>
-            <a:r>
-              <a:rPr lang="en-IN" sz="1400" dirty="0" err="1"/>
-              <a:t>Javascript</a:t>
-            </a:r>
-            <a:endParaRPr lang="en-IN" sz="1400" dirty="0"/>
-          </a:p>
-          <a:p>
-            <a:r>
-              <a:rPr lang="en-IN" sz="1400" dirty="0"/>
-              <a:t>Browser extensions</a:t>
-            </a:r>
-          </a:p>
-          <a:p>
-            <a:r>
-              <a:rPr lang="en-IN" sz="1400" b="1" dirty="0"/>
-              <a:t>Snacks (16:00 - 16:30)</a:t>
-            </a:r>
-          </a:p>
-          <a:p>
-            <a:r>
-              <a:rPr lang="en-IN" sz="1400" dirty="0"/>
-              <a:t>Introduction to Azure</a:t>
-            </a:r>
-          </a:p>
-          <a:p>
-            <a:r>
-              <a:rPr lang="en-IN" sz="1400" dirty="0"/>
-              <a:t>Exercises of the day</a:t>
-            </a:r>
-          </a:p>
-          <a:p>
-            <a:r>
-              <a:rPr lang="en-IN" sz="1400" b="1" dirty="0"/>
-              <a:t>Day end (18:00)</a:t>
+              <a:t>Day end (17:00)</a:t>
             </a:r>
           </a:p>
         </p:txBody>
@@ -4900,68 +4705,61 @@
             </a:r>
             <a:r>
               <a:rPr lang="en-IN" sz="1800" dirty="0"/>
-              <a:t>– Start 09:30</a:t>
+              <a:t>– Start 10:00</a:t>
             </a:r>
           </a:p>
           <a:p>
             <a:r>
               <a:rPr lang="en-IN" sz="1400" dirty="0"/>
-              <a:t>Introduction to NodeJS and Angular</a:t>
+              <a:t>Android Programming</a:t>
             </a:r>
           </a:p>
           <a:p>
             <a:r>
               <a:rPr lang="en-IN" sz="1400" dirty="0"/>
-              <a:t>Introduction to ReactJS</a:t>
+              <a:t>React JS</a:t>
             </a:r>
           </a:p>
           <a:p>
             <a:r>
               <a:rPr lang="en-IN" sz="1400" dirty="0"/>
-              <a:t>Cognitive services</a:t>
+              <a:t>Quantum Basics</a:t>
             </a:r>
           </a:p>
           <a:p>
             <a:r>
               <a:rPr lang="en-IN" sz="1400" b="1" dirty="0"/>
-              <a:t>Lunch (12:30 – 13:30)</a:t>
+              <a:t>Lunch (13:00 – 14:00)</a:t>
             </a:r>
           </a:p>
           <a:p>
             <a:r>
               <a:rPr lang="en-IN" sz="1400" dirty="0"/>
-              <a:t>Azure SQL</a:t>
+              <a:t>Microsoft SQL Server</a:t>
             </a:r>
           </a:p>
           <a:p>
             <a:r>
               <a:rPr lang="en-IN" sz="1400" dirty="0"/>
-              <a:t>Web services</a:t>
+              <a:t>Azure Data factory</a:t>
+            </a:r>
+          </a:p>
+          <a:p>
+            <a:r>
+              <a:rPr lang="en-IN" sz="1400" dirty="0"/>
+              <a:t>Azure Data Lake</a:t>
+            </a:r>
+          </a:p>
+          <a:p>
+            <a:r>
+              <a:rPr lang="en-IN" sz="1400" dirty="0"/>
+              <a:t>Azure Databricks</a:t>
             </a:r>
           </a:p>
           <a:p>
             <a:r>
               <a:rPr lang="en-IN" sz="1400" b="1" dirty="0"/>
-              <a:t>Snacks (16:00 - 16:30)</a:t>
-            </a:r>
-          </a:p>
-          <a:p>
-            <a:r>
-              <a:rPr lang="en-IN" sz="1400" dirty="0"/>
-              <a:t>Bot Framework</a:t>
-            </a:r>
-          </a:p>
-          <a:p>
-            <a:r>
-              <a:rPr lang="en-IN" sz="1400" dirty="0" err="1"/>
-              <a:t>CosmosDB</a:t>
-            </a:r>
-            <a:endParaRPr lang="en-IN" sz="1400" dirty="0"/>
-          </a:p>
-          <a:p>
-            <a:r>
-              <a:rPr lang="en-IN" sz="1400" b="1" dirty="0"/>
-              <a:t>Day end (18:00)</a:t>
+              <a:t>Day end (17:30)</a:t>
             </a:r>
           </a:p>
         </p:txBody>
@@ -5145,72 +4943,49 @@
             </a:r>
             <a:r>
               <a:rPr lang="en-IN" sz="1800" dirty="0"/>
-              <a:t>– Start 09:30</a:t>
+              <a:t>– Start 10:00</a:t>
             </a:r>
           </a:p>
           <a:p>
             <a:r>
               <a:rPr lang="en-IN" sz="1400" dirty="0"/>
-              <a:t>Machine Learning</a:t>
+              <a:t>React Native</a:t>
             </a:r>
           </a:p>
           <a:p>
             <a:r>
               <a:rPr lang="en-IN" sz="1400" dirty="0"/>
-              <a:t>Deep Learning</a:t>
-            </a:r>
-          </a:p>
-          <a:p>
-            <a:r>
-              <a:rPr lang="en-IN" sz="1400" dirty="0" err="1"/>
-              <a:t>Scikit</a:t>
-            </a:r>
+              <a:t>Power BI</a:t>
+            </a:r>
+          </a:p>
+          <a:p>
             <a:r>
               <a:rPr lang="en-IN" sz="1400" dirty="0"/>
-              <a:t> learning</a:t>
+              <a:t>Basic ML and DL</a:t>
+            </a:r>
+          </a:p>
+          <a:p>
+            <a:r>
+              <a:rPr lang="en-IN" sz="1400" b="1" dirty="0"/>
+              <a:t>Lunch (12:30 – 14:00)</a:t>
             </a:r>
           </a:p>
           <a:p>
             <a:r>
               <a:rPr lang="en-IN" sz="1400" dirty="0"/>
-              <a:t>LUIS</a:t>
+              <a:t>Time series, LSTM, ARIMA</a:t>
+            </a:r>
+          </a:p>
+          <a:p>
+            <a:r>
+              <a:rPr lang="en-IN" sz="1400" dirty="0"/>
+              <a:t>Quantum - Advanced</a:t>
             </a:r>
           </a:p>
           <a:p>
             <a:r>
               <a:rPr lang="en-IN" sz="1400" b="1" dirty="0"/>
-              <a:t>Lunch (12:30 – 13:30)</a:t>
-            </a:r>
-          </a:p>
-          <a:p>
-            <a:r>
-              <a:rPr lang="en-IN" sz="1400" dirty="0"/>
-              <a:t>Android Development</a:t>
-            </a:r>
-          </a:p>
-          <a:p>
-            <a:r>
-              <a:rPr lang="en-IN" sz="1400" dirty="0"/>
-              <a:t>iOS development</a:t>
-            </a:r>
-          </a:p>
-          <a:p>
-            <a:r>
-              <a:rPr lang="en-IN" sz="1400" b="1" dirty="0"/>
-              <a:t>Snacks (16:00 - 16:30)</a:t>
-            </a:r>
-            <a:endParaRPr lang="en-IN" sz="1400" dirty="0"/>
-          </a:p>
-          <a:p>
-            <a:r>
-              <a:rPr lang="en-IN" sz="1400" dirty="0"/>
-              <a:t>Exercises of the day</a:t>
-            </a:r>
-          </a:p>
-          <a:p>
-            <a:r>
-              <a:rPr lang="en-IN" sz="1400" b="1" dirty="0"/>
-              <a:t>Day end (18:00)</a:t>
+              <a:t>Day end (16:00)</a:t>
             </a:r>
           </a:p>
           <a:p>
@@ -5235,7 +5010,7 @@
 </p:sld>
 </file>
 
-<file path=ppt/slides/slide8.xml><?xml version="1.0" encoding="utf-8"?>
+<file path=ppt/slides/slide7.xml><?xml version="1.0" encoding="utf-8"?>
 <p:sld xmlns:a="http://schemas.openxmlformats.org/drawingml/2006/main" xmlns:r="http://schemas.openxmlformats.org/officeDocument/2006/relationships" xmlns:p="http://schemas.openxmlformats.org/presentationml/2006/main">
   <p:cSld>
     <p:spTree>
@@ -5302,7 +5077,7 @@
             <a:pPr algn="ctr"/>
             <a:r>
               <a:rPr lang="en-IN" dirty="0"/>
-              <a:t>Foundry Projects</a:t>
+              <a:t>The Garage India Internship Projects Projects</a:t>
             </a:r>
           </a:p>
         </p:txBody>
@@ -6105,6 +5880,15 @@
 </file>
 
 <file path=customXml/item1.xml><?xml version="1.0" encoding="utf-8"?>
+<?mso-contentType ?>
+<FormTemplates xmlns="http://schemas.microsoft.com/sharepoint/v3/contenttype/forms">
+  <Display>DocumentLibraryForm</Display>
+  <Edit>DocumentLibraryForm</Edit>
+  <New>DocumentLibraryForm</New>
+</FormTemplates>
+</file>
+
+<file path=customXml/item2.xml><?xml version="1.0" encoding="utf-8"?>
 <ct:contentTypeSchema xmlns:ct="http://schemas.microsoft.com/office/2006/metadata/contentType" xmlns:ma="http://schemas.microsoft.com/office/2006/metadata/properties/metaAttributes" ct:_="" ma:_="" ma:contentTypeName="Document" ma:contentTypeID="0x01010011DC54E8FA166940A7080F84F8CB43C0" ma:contentTypeVersion="5" ma:contentTypeDescription="Create a new document." ma:contentTypeScope="" ma:versionID="cf59c618f8906941c836d93f4042696d">
   <xsd:schema xmlns:xsd="http://www.w3.org/2001/XMLSchema" xmlns:xs="http://www.w3.org/2001/XMLSchema" xmlns:p="http://schemas.microsoft.com/office/2006/metadata/properties" xmlns:ns2="49f23ff1-7de2-4e77-8ccc-6638caaacb57" targetNamespace="http://schemas.microsoft.com/office/2006/metadata/properties" ma:root="true" ma:fieldsID="2f21f176a9e5873be5e0250de8bfe910" ns2:_="">
     <xsd:import namespace="49f23ff1-7de2-4e77-8ccc-6638caaacb57"/>
@@ -6254,15 +6038,6 @@
 </ct:contentTypeSchema>
 </file>
 
-<file path=customXml/item2.xml><?xml version="1.0" encoding="utf-8"?>
-<?mso-contentType ?>
-<FormTemplates xmlns="http://schemas.microsoft.com/sharepoint/v3/contenttype/forms">
-  <Display>DocumentLibraryForm</Display>
-  <Edit>DocumentLibraryForm</Edit>
-  <New>DocumentLibraryForm</New>
-</FormTemplates>
-</file>
-
 <file path=customXml/item3.xml><?xml version="1.0" encoding="utf-8"?>
 <p:properties xmlns:p="http://schemas.microsoft.com/office/2006/metadata/properties" xmlns:xsi="http://www.w3.org/2001/XMLSchema-instance" xmlns:pc="http://schemas.microsoft.com/office/infopath/2007/PartnerControls">
   <documentManagement/>
@@ -6270,6 +6045,14 @@
 </file>
 
 <file path=customXml/itemProps1.xml><?xml version="1.0" encoding="utf-8"?>
+<ds:datastoreItem xmlns:ds="http://schemas.openxmlformats.org/officeDocument/2006/customXml" ds:itemID="{B0CA13EC-1D3C-4D6F-8D1C-E8A452CFC79A}">
+  <ds:schemaRefs>
+    <ds:schemaRef ds:uri="http://schemas.microsoft.com/sharepoint/v3/contenttype/forms"/>
+  </ds:schemaRefs>
+</ds:datastoreItem>
+</file>
+
+<file path=customXml/itemProps2.xml><?xml version="1.0" encoding="utf-8"?>
 <ds:datastoreItem xmlns:ds="http://schemas.openxmlformats.org/officeDocument/2006/customXml" ds:itemID="{9981D766-8238-4C46-BFD3-328D25F01F6A}">
   <ds:schemaRefs>
     <ds:schemaRef ds:uri="http://schemas.microsoft.com/office/2006/metadata/contentType"/>
@@ -6283,14 +6066,6 @@
     <ds:schemaRef ds:uri="http://purl.org/dc/elements/1.1/"/>
     <ds:schemaRef ds:uri="http://purl.org/dc/terms/"/>
     <ds:schemaRef ds:uri="http://schemas.microsoft.com/internal/obd"/>
-  </ds:schemaRefs>
-</ds:datastoreItem>
-</file>
-
-<file path=customXml/itemProps2.xml><?xml version="1.0" encoding="utf-8"?>
-<ds:datastoreItem xmlns:ds="http://schemas.openxmlformats.org/officeDocument/2006/customXml" ds:itemID="{B0CA13EC-1D3C-4D6F-8D1C-E8A452CFC79A}">
-  <ds:schemaRefs>
-    <ds:schemaRef ds:uri="http://schemas.microsoft.com/sharepoint/v3/contenttype/forms"/>
   </ds:schemaRefs>
 </ds:datastoreItem>
 </file>

--- a/1.Introduction.pptx
+++ b/1.Introduction.pptx
@@ -2,22 +2,19 @@
 <file path=ppt/presentation.xml><?xml version="1.0" encoding="utf-8"?>
 <p:presentation xmlns:a="http://schemas.openxmlformats.org/drawingml/2006/main" xmlns:r="http://schemas.openxmlformats.org/officeDocument/2006/relationships" xmlns:p="http://schemas.openxmlformats.org/presentationml/2006/main" saveSubsetFonts="1">
   <p:sldMasterIdLst>
-    <p:sldMasterId id="2147483660" r:id="rId4"/>
+    <p:sldMasterId id="2147483648" r:id="rId1"/>
   </p:sldMasterIdLst>
   <p:notesMasterIdLst>
-    <p:notesMasterId r:id="rId12"/>
+    <p:notesMasterId r:id="rId9"/>
   </p:notesMasterIdLst>
-  <p:handoutMasterIdLst>
-    <p:handoutMasterId r:id="rId13"/>
-  </p:handoutMasterIdLst>
   <p:sldIdLst>
-    <p:sldId id="348" r:id="rId5"/>
-    <p:sldId id="317" r:id="rId6"/>
-    <p:sldId id="367" r:id="rId7"/>
-    <p:sldId id="392" r:id="rId8"/>
-    <p:sldId id="393" r:id="rId9"/>
-    <p:sldId id="396" r:id="rId10"/>
-    <p:sldId id="395" r:id="rId11"/>
+    <p:sldId id="472" r:id="rId2"/>
+    <p:sldId id="348" r:id="rId3"/>
+    <p:sldId id="367" r:id="rId4"/>
+    <p:sldId id="392" r:id="rId5"/>
+    <p:sldId id="393" r:id="rId6"/>
+    <p:sldId id="396" r:id="rId7"/>
+    <p:sldId id="395" r:id="rId8"/>
   </p:sldIdLst>
   <p:sldSz cx="12192000" cy="6858000"/>
   <p:notesSz cx="6858000" cy="9144000"/>
@@ -119,10 +116,13 @@
   <p:extLst>
     <p:ext uri="{521415D9-36F7-43E2-AB2F-B90AF26B5E84}">
       <p14:sectionLst xmlns:p14="http://schemas.microsoft.com/office/powerpoint/2010/main">
+        <p14:section name="Default Section" id="{B05BD325-6047-45B7-826D-64C4156070DC}">
+          <p14:sldIdLst/>
+        </p14:section>
         <p14:section name="Default Section" id="{4ADD9365-F3C0-4595-802E-334141AAFC6E}">
           <p14:sldIdLst>
+            <p14:sldId id="472"/>
             <p14:sldId id="348"/>
-            <p14:sldId id="317"/>
             <p14:sldId id="367"/>
             <p14:sldId id="392"/>
             <p14:sldId id="393"/>
@@ -132,231 +132,8 @@
         </p14:section>
       </p14:sectionLst>
     </p:ext>
-    <p:ext uri="{EFAFB233-063F-42B5-8137-9DF3F51BA10A}">
-      <p15:sldGuideLst xmlns:p15="http://schemas.microsoft.com/office/powerpoint/2012/main"/>
-    </p:ext>
-    <p:ext uri="{2D200454-40CA-4A62-9FC3-DE9A4176ACB9}">
-      <p15:notesGuideLst xmlns:p15="http://schemas.microsoft.com/office/powerpoint/2012/main"/>
-    </p:ext>
   </p:extLst>
 </p:presentation>
-</file>
-
-<file path=ppt/revisionInfo.xml><?xml version="1.0" encoding="utf-8"?>
-<p1510:revInfo xmlns:a="http://schemas.openxmlformats.org/drawingml/2006/main" xmlns:r="http://schemas.openxmlformats.org/officeDocument/2006/relationships" xmlns:p1510="http://schemas.microsoft.com/office/powerpoint/2015/10/main">
-  <p1510:revLst>
-    <p1510:client id="{E78558EB-8B3B-41F0-A3B8-70F7B755CA2C}" v="9" dt="2020-05-18T16:27:35.021"/>
-  </p1510:revLst>
-</p1510:revInfo>
-</file>
-
-<file path=ppt/changesInfos/changesInfo1.xml><?xml version="1.0" encoding="utf-8"?>
-<pc:chgInfo xmlns:a="http://schemas.openxmlformats.org/drawingml/2006/main" xmlns:r="http://schemas.openxmlformats.org/officeDocument/2006/relationships" xmlns:ac="http://schemas.microsoft.com/office/drawing/2013/main/command" xmlns:pc="http://schemas.microsoft.com/office/powerpoint/2013/main/command">
-  <pc:docChgLst>
-    <pc:chgData name="Trilok Chowdary (Byteridge Software Private Lim)" userId="S::v-trchow@microsoft.com::3df9efb5-6980-4313-85dd-81b2fb03b9c2" providerId="AD" clId="Web-{E78558EB-8B3B-41F0-A3B8-70F7B755CA2C}"/>
-    <pc:docChg chg="modSld">
-      <pc:chgData name="Trilok Chowdary (Byteridge Software Private Lim)" userId="S::v-trchow@microsoft.com::3df9efb5-6980-4313-85dd-81b2fb03b9c2" providerId="AD" clId="Web-{E78558EB-8B3B-41F0-A3B8-70F7B755CA2C}" dt="2020-05-18T16:27:35.021" v="7"/>
-      <pc:docMkLst>
-        <pc:docMk/>
-      </pc:docMkLst>
-      <pc:sldChg chg="modSp">
-        <pc:chgData name="Trilok Chowdary (Byteridge Software Private Lim)" userId="S::v-trchow@microsoft.com::3df9efb5-6980-4313-85dd-81b2fb03b9c2" providerId="AD" clId="Web-{E78558EB-8B3B-41F0-A3B8-70F7B755CA2C}" dt="2020-05-18T16:27:35.021" v="7"/>
-        <pc:sldMkLst>
-          <pc:docMk/>
-          <pc:sldMk cId="223729632" sldId="348"/>
-        </pc:sldMkLst>
-        <pc:spChg chg="mod">
-          <ac:chgData name="Trilok Chowdary (Byteridge Software Private Lim)" userId="S::v-trchow@microsoft.com::3df9efb5-6980-4313-85dd-81b2fb03b9c2" providerId="AD" clId="Web-{E78558EB-8B3B-41F0-A3B8-70F7B755CA2C}" dt="2020-05-18T16:27:35.021" v="7"/>
-          <ac:spMkLst>
-            <pc:docMk/>
-            <pc:sldMk cId="223729632" sldId="348"/>
-            <ac:spMk id="4" creationId="{00000000-0000-0000-0000-000000000000}"/>
-          </ac:spMkLst>
-        </pc:spChg>
-      </pc:sldChg>
-      <pc:sldChg chg="modSp">
-        <pc:chgData name="Trilok Chowdary (Byteridge Software Private Lim)" userId="S::v-trchow@microsoft.com::3df9efb5-6980-4313-85dd-81b2fb03b9c2" providerId="AD" clId="Web-{E78558EB-8B3B-41F0-A3B8-70F7B755CA2C}" dt="2020-05-18T16:26:55.269" v="4" actId="20577"/>
-        <pc:sldMkLst>
-          <pc:docMk/>
-          <pc:sldMk cId="2373576358" sldId="392"/>
-        </pc:sldMkLst>
-        <pc:spChg chg="mod">
-          <ac:chgData name="Trilok Chowdary (Byteridge Software Private Lim)" userId="S::v-trchow@microsoft.com::3df9efb5-6980-4313-85dd-81b2fb03b9c2" providerId="AD" clId="Web-{E78558EB-8B3B-41F0-A3B8-70F7B755CA2C}" dt="2020-05-18T16:26:55.269" v="4" actId="20577"/>
-          <ac:spMkLst>
-            <pc:docMk/>
-            <pc:sldMk cId="2373576358" sldId="392"/>
-            <ac:spMk id="4" creationId="{00000000-0000-0000-0000-000000000000}"/>
-          </ac:spMkLst>
-        </pc:spChg>
-      </pc:sldChg>
-    </pc:docChg>
-  </pc:docChgLst>
-</pc:chgInfo>
-</file>
-
-<file path=ppt/handoutMasters/handoutMaster1.xml><?xml version="1.0" encoding="utf-8"?>
-<p:handoutMaster xmlns:a="http://schemas.openxmlformats.org/drawingml/2006/main" xmlns:r="http://schemas.openxmlformats.org/officeDocument/2006/relationships" xmlns:p="http://schemas.openxmlformats.org/presentationml/2006/main">
-  <p:cSld>
-    <p:bg>
-      <p:bgRef idx="1001">
-        <a:schemeClr val="bg1"/>
-      </p:bgRef>
-    </p:bg>
-    <p:spTree>
-      <p:nvGrpSpPr>
-        <p:cNvPr id="1" name=""/>
-        <p:cNvGrpSpPr/>
-        <p:nvPr/>
-      </p:nvGrpSpPr>
-      <p:grpSpPr>
-        <a:xfrm>
-          <a:off x="0" y="0"/>
-          <a:ext cx="0" cy="0"/>
-          <a:chOff x="0" y="0"/>
-          <a:chExt cx="0" cy="0"/>
-        </a:xfrm>
-      </p:grpSpPr>
-      <p:sp>
-        <p:nvSpPr>
-          <p:cNvPr id="2" name="Header Placeholder 1"/>
-          <p:cNvSpPr>
-            <a:spLocks noGrp="1"/>
-          </p:cNvSpPr>
-          <p:nvPr>
-            <p:ph type="hdr" sz="quarter"/>
-          </p:nvPr>
-        </p:nvSpPr>
-        <p:spPr>
-          <a:xfrm>
-            <a:off x="0" y="0"/>
-            <a:ext cx="2971800" cy="458788"/>
-          </a:xfrm>
-          <a:prstGeom prst="rect">
-            <a:avLst/>
-          </a:prstGeom>
-        </p:spPr>
-        <p:txBody>
-          <a:bodyPr vert="horz" lIns="91440" tIns="45720" rIns="91440" bIns="45720" rtlCol="0"/>
-          <a:lstStyle>
-            <a:lvl1pPr algn="l">
-              <a:defRPr sz="1200"/>
-            </a:lvl1pPr>
-          </a:lstStyle>
-          <a:p>
-            <a:endParaRPr lang="en-US"/>
-          </a:p>
-        </p:txBody>
-      </p:sp>
-      <p:sp>
-        <p:nvSpPr>
-          <p:cNvPr id="3" name="Date Placeholder 2"/>
-          <p:cNvSpPr>
-            <a:spLocks noGrp="1"/>
-          </p:cNvSpPr>
-          <p:nvPr>
-            <p:ph type="dt" sz="quarter" idx="1"/>
-          </p:nvPr>
-        </p:nvSpPr>
-        <p:spPr>
-          <a:xfrm>
-            <a:off x="3884613" y="0"/>
-            <a:ext cx="2971800" cy="458788"/>
-          </a:xfrm>
-          <a:prstGeom prst="rect">
-            <a:avLst/>
-          </a:prstGeom>
-        </p:spPr>
-        <p:txBody>
-          <a:bodyPr vert="horz" lIns="91440" tIns="45720" rIns="91440" bIns="45720" rtlCol="0"/>
-          <a:lstStyle>
-            <a:lvl1pPr algn="r">
-              <a:defRPr sz="1200"/>
-            </a:lvl1pPr>
-          </a:lstStyle>
-          <a:p>
-            <a:fld id="{312E7B4A-039C-48A2-9B2C-AF16AA3873D8}" type="datetimeFigureOut">
-              <a:rPr lang="en-US" smtClean="0"/>
-              <a:t>5/18/2020</a:t>
-            </a:fld>
-            <a:endParaRPr lang="en-US"/>
-          </a:p>
-        </p:txBody>
-      </p:sp>
-      <p:sp>
-        <p:nvSpPr>
-          <p:cNvPr id="4" name="Footer Placeholder 3"/>
-          <p:cNvSpPr>
-            <a:spLocks noGrp="1"/>
-          </p:cNvSpPr>
-          <p:nvPr>
-            <p:ph type="ftr" sz="quarter" idx="2"/>
-          </p:nvPr>
-        </p:nvSpPr>
-        <p:spPr>
-          <a:xfrm>
-            <a:off x="0" y="8685213"/>
-            <a:ext cx="2971800" cy="458787"/>
-          </a:xfrm>
-          <a:prstGeom prst="rect">
-            <a:avLst/>
-          </a:prstGeom>
-        </p:spPr>
-        <p:txBody>
-          <a:bodyPr vert="horz" lIns="91440" tIns="45720" rIns="91440" bIns="45720" rtlCol="0" anchor="b"/>
-          <a:lstStyle>
-            <a:lvl1pPr algn="l">
-              <a:defRPr sz="1200"/>
-            </a:lvl1pPr>
-          </a:lstStyle>
-          <a:p>
-            <a:endParaRPr lang="en-US"/>
-          </a:p>
-        </p:txBody>
-      </p:sp>
-      <p:sp>
-        <p:nvSpPr>
-          <p:cNvPr id="5" name="Slide Number Placeholder 4"/>
-          <p:cNvSpPr>
-            <a:spLocks noGrp="1"/>
-          </p:cNvSpPr>
-          <p:nvPr>
-            <p:ph type="sldNum" sz="quarter" idx="3"/>
-          </p:nvPr>
-        </p:nvSpPr>
-        <p:spPr>
-          <a:xfrm>
-            <a:off x="3884613" y="8685213"/>
-            <a:ext cx="2971800" cy="458787"/>
-          </a:xfrm>
-          <a:prstGeom prst="rect">
-            <a:avLst/>
-          </a:prstGeom>
-        </p:spPr>
-        <p:txBody>
-          <a:bodyPr vert="horz" lIns="91440" tIns="45720" rIns="91440" bIns="45720" rtlCol="0" anchor="b"/>
-          <a:lstStyle>
-            <a:lvl1pPr algn="r">
-              <a:defRPr sz="1200"/>
-            </a:lvl1pPr>
-          </a:lstStyle>
-          <a:p>
-            <a:fld id="{CF5FCDD8-505C-48BF-B1E5-CD9B258934D2}" type="slidenum">
-              <a:rPr lang="en-US" smtClean="0"/>
-              <a:t>‹#›</a:t>
-            </a:fld>
-            <a:endParaRPr lang="en-US"/>
-          </a:p>
-        </p:txBody>
-      </p:sp>
-    </p:spTree>
-    <p:extLst>
-      <p:ext uri="{BB962C8B-B14F-4D97-AF65-F5344CB8AC3E}">
-        <p14:creationId xmlns:p14="http://schemas.microsoft.com/office/powerpoint/2010/main" val="1781922763"/>
-      </p:ext>
-    </p:extLst>
-  </p:cSld>
-  <p:clrMap bg1="lt1" tx1="dk1" bg2="lt2" tx2="dk2" accent1="accent1" accent2="accent2" accent3="accent3" accent4="accent4" accent5="accent5" accent6="accent6" hlink="hlink" folHlink="folHlink"/>
-</p:handoutMaster>
 </file>
 
 <file path=ppt/notesMasters/notesMaster1.xml><?xml version="1.0" encoding="utf-8"?>
@@ -439,7 +216,7 @@
             </a:lvl1pPr>
           </a:lstStyle>
           <a:p>
-            <a:fld id="{DA005A0C-54D9-45AA-87D4-C551D08DFCE1}" type="datetimeFigureOut">
+            <a:fld id="{0D50C8A0-1492-41D9-9DB7-EDFB53EA040E}" type="datetimeFigureOut">
               <a:rPr lang="en-US" smtClean="0"/>
               <a:t>5/18/2020</a:t>
             </a:fld>
@@ -597,7 +374,7 @@
             </a:lvl1pPr>
           </a:lstStyle>
           <a:p>
-            <a:fld id="{4CFD207A-07DF-40AD-A916-9872E089CE7A}" type="slidenum">
+            <a:fld id="{D66458AE-9B23-4582-844E-8AE11B3C938B}" type="slidenum">
               <a:rPr lang="en-US" smtClean="0"/>
               <a:t>‹#›</a:t>
             </a:fld>
@@ -608,7 +385,7 @@
     </p:spTree>
     <p:extLst>
       <p:ext uri="{BB962C8B-B14F-4D97-AF65-F5344CB8AC3E}">
-        <p14:creationId xmlns:p14="http://schemas.microsoft.com/office/powerpoint/2010/main" val="1295718610"/>
+        <p14:creationId xmlns:p14="http://schemas.microsoft.com/office/powerpoint/2010/main" val="3062911317"/>
       </p:ext>
     </p:extLst>
   </p:cSld>
@@ -787,7 +564,7 @@
           <a:p>
             <a:fld id="{A4A2885B-73F1-47D2-956D-5BCCF738906F}" type="slidenum">
               <a:rPr lang="en-US" smtClean="0"/>
-              <a:t>1</a:t>
+              <a:t>2</a:t>
             </a:fld>
             <a:endParaRPr lang="en-US"/>
           </a:p>
@@ -806,92 +583,8 @@
 </p:notes>
 </file>
 
-<file path=ppt/notesSlides/notesSlide2.xml><?xml version="1.0" encoding="utf-8"?>
-<p:notes xmlns:a="http://schemas.openxmlformats.org/drawingml/2006/main" xmlns:r="http://schemas.openxmlformats.org/officeDocument/2006/relationships" xmlns:p="http://schemas.openxmlformats.org/presentationml/2006/main">
-  <p:cSld>
-    <p:spTree>
-      <p:nvGrpSpPr>
-        <p:cNvPr id="1" name=""/>
-        <p:cNvGrpSpPr/>
-        <p:nvPr/>
-      </p:nvGrpSpPr>
-      <p:grpSpPr>
-        <a:xfrm>
-          <a:off x="0" y="0"/>
-          <a:ext cx="0" cy="0"/>
-          <a:chOff x="0" y="0"/>
-          <a:chExt cx="0" cy="0"/>
-        </a:xfrm>
-      </p:grpSpPr>
-      <p:sp>
-        <p:nvSpPr>
-          <p:cNvPr id="2" name="Slide Image Placeholder 1"/>
-          <p:cNvSpPr>
-            <a:spLocks noGrp="1" noRot="1" noChangeAspect="1"/>
-          </p:cNvSpPr>
-          <p:nvPr>
-            <p:ph type="sldImg"/>
-          </p:nvPr>
-        </p:nvSpPr>
-        <p:spPr/>
-      </p:sp>
-      <p:sp>
-        <p:nvSpPr>
-          <p:cNvPr id="3" name="Notes Placeholder 2"/>
-          <p:cNvSpPr>
-            <a:spLocks noGrp="1"/>
-          </p:cNvSpPr>
-          <p:nvPr>
-            <p:ph type="body" idx="1"/>
-          </p:nvPr>
-        </p:nvSpPr>
-        <p:spPr/>
-        <p:txBody>
-          <a:bodyPr/>
-          <a:lstStyle/>
-          <a:p>
-            <a:endParaRPr lang="en-US"/>
-          </a:p>
-        </p:txBody>
-      </p:sp>
-      <p:sp>
-        <p:nvSpPr>
-          <p:cNvPr id="4" name="Slide Number Placeholder 3"/>
-          <p:cNvSpPr>
-            <a:spLocks noGrp="1"/>
-          </p:cNvSpPr>
-          <p:nvPr>
-            <p:ph type="sldNum" sz="quarter" idx="10"/>
-          </p:nvPr>
-        </p:nvSpPr>
-        <p:spPr/>
-        <p:txBody>
-          <a:bodyPr/>
-          <a:lstStyle/>
-          <a:p>
-            <a:fld id="{4CFD207A-07DF-40AD-A916-9872E089CE7A}" type="slidenum">
-              <a:rPr lang="en-US" smtClean="0"/>
-              <a:t>2</a:t>
-            </a:fld>
-            <a:endParaRPr lang="en-US"/>
-          </a:p>
-        </p:txBody>
-      </p:sp>
-    </p:spTree>
-    <p:extLst>
-      <p:ext uri="{BB962C8B-B14F-4D97-AF65-F5344CB8AC3E}">
-        <p14:creationId xmlns:p14="http://schemas.microsoft.com/office/powerpoint/2010/main" val="2355199449"/>
-      </p:ext>
-    </p:extLst>
-  </p:cSld>
-  <p:clrMapOvr>
-    <a:masterClrMapping/>
-  </p:clrMapOvr>
-</p:notes>
-</file>
-
 <file path=ppt/slideLayouts/slideLayout1.xml><?xml version="1.0" encoding="utf-8"?>
-<p:sldLayout xmlns:a="http://schemas.openxmlformats.org/drawingml/2006/main" xmlns:r="http://schemas.openxmlformats.org/officeDocument/2006/relationships" xmlns:p="http://schemas.openxmlformats.org/presentationml/2006/main" preserve="1" userDrawn="1">
+<p:sldLayout xmlns:a="http://schemas.openxmlformats.org/drawingml/2006/main" xmlns:r="http://schemas.openxmlformats.org/officeDocument/2006/relationships" xmlns:p="http://schemas.openxmlformats.org/presentationml/2006/main" type="title" preserve="1">
   <p:cSld name="Title Slide">
     <p:spTree>
       <p:nvGrpSpPr>
@@ -909,126 +602,101 @@
       </p:grpSpPr>
       <p:sp>
         <p:nvSpPr>
-          <p:cNvPr id="3" name="Subtitle 2"/>
-          <p:cNvSpPr>
-            <a:spLocks noGrp="1"/>
-          </p:cNvSpPr>
-          <p:nvPr>
-            <p:ph type="subTitle" idx="1"/>
+          <p:cNvPr id="2" name="Title 1">
+            <a:extLst>
+              <a:ext uri="{FF2B5EF4-FFF2-40B4-BE49-F238E27FC236}">
+                <a16:creationId xmlns:a16="http://schemas.microsoft.com/office/drawing/2014/main" id="{10DEA864-1B3F-443A-9247-46E37B8C62C3}"/>
+              </a:ext>
+            </a:extLst>
+          </p:cNvPr>
+          <p:cNvSpPr>
+            <a:spLocks noGrp="1"/>
+          </p:cNvSpPr>
+          <p:nvPr>
+            <p:ph type="ctrTitle"/>
           </p:nvPr>
         </p:nvSpPr>
         <p:spPr>
           <a:xfrm>
-            <a:off x="193271" y="5132437"/>
-            <a:ext cx="8579886" cy="1460779"/>
+            <a:off x="1524000" y="1122363"/>
+            <a:ext cx="9144000" cy="2387600"/>
           </a:xfrm>
-          <a:prstGeom prst="rect">
-            <a:avLst/>
-          </a:prstGeom>
         </p:spPr>
         <p:txBody>
-          <a:bodyPr lIns="137160" tIns="137160" rIns="137160" bIns="137160" anchor="b" anchorCtr="0">
-            <a:normAutofit/>
-          </a:bodyPr>
+          <a:bodyPr anchor="b"/>
           <a:lstStyle>
-            <a:lvl1pPr marL="0" indent="0" algn="l" defTabSz="914052" rtl="0" eaLnBrk="1" latinLnBrk="0" hangingPunct="1">
-              <a:lnSpc>
-                <a:spcPct val="100000"/>
-              </a:lnSpc>
-              <a:spcBef>
-                <a:spcPts val="0"/>
-              </a:spcBef>
-              <a:buSzPct val="90000"/>
-              <a:buFont typeface="Arial" pitchFamily="34" charset="0"/>
-              <a:buNone/>
-              <a:defRPr lang="en-US" sz="2400" b="0" kern="0" spc="0" baseline="0" dirty="0">
-                <a:solidFill>
-                  <a:schemeClr val="tx1"/>
-                </a:solidFill>
-                <a:latin typeface="Segoe UI Light" panose="020B0502040204020203" pitchFamily="34" charset="0"/>
-                <a:ea typeface="Segoe UI Light" panose="020B0502040204020203" pitchFamily="34" charset="0"/>
-                <a:cs typeface="Segoe UI Light" panose="020B0502040204020203" pitchFamily="34" charset="0"/>
-              </a:defRPr>
+            <a:lvl1pPr algn="ctr">
+              <a:defRPr sz="6000"/>
             </a:lvl1pPr>
-            <a:lvl2pPr marL="457044" indent="0" algn="ctr">
-              <a:buNone/>
-              <a:defRPr>
-                <a:solidFill>
-                  <a:schemeClr val="tx1">
-                    <a:tint val="75000"/>
-                  </a:schemeClr>
-                </a:solidFill>
-              </a:defRPr>
+          </a:lstStyle>
+          <a:p>
+            <a:r>
+              <a:rPr lang="en-US"/>
+              <a:t>Click to edit Master title style</a:t>
+            </a:r>
+          </a:p>
+        </p:txBody>
+      </p:sp>
+      <p:sp>
+        <p:nvSpPr>
+          <p:cNvPr id="3" name="Subtitle 2">
+            <a:extLst>
+              <a:ext uri="{FF2B5EF4-FFF2-40B4-BE49-F238E27FC236}">
+                <a16:creationId xmlns:a16="http://schemas.microsoft.com/office/drawing/2014/main" id="{C7DE3519-8A57-4D9B-857E-3963BCB0FCF7}"/>
+              </a:ext>
+            </a:extLst>
+          </p:cNvPr>
+          <p:cNvSpPr>
+            <a:spLocks noGrp="1"/>
+          </p:cNvSpPr>
+          <p:nvPr>
+            <p:ph type="subTitle" idx="1"/>
+          </p:nvPr>
+        </p:nvSpPr>
+        <p:spPr>
+          <a:xfrm>
+            <a:off x="1524000" y="3602038"/>
+            <a:ext cx="9144000" cy="1655762"/>
+          </a:xfrm>
+        </p:spPr>
+        <p:txBody>
+          <a:bodyPr/>
+          <a:lstStyle>
+            <a:lvl1pPr marL="0" indent="0" algn="ctr">
+              <a:buNone/>
+              <a:defRPr sz="2400"/>
+            </a:lvl1pPr>
+            <a:lvl2pPr marL="457200" indent="0" algn="ctr">
+              <a:buNone/>
+              <a:defRPr sz="2000"/>
             </a:lvl2pPr>
-            <a:lvl3pPr marL="914088" indent="0" algn="ctr">
-              <a:buNone/>
-              <a:defRPr>
-                <a:solidFill>
-                  <a:schemeClr val="tx1">
-                    <a:tint val="75000"/>
-                  </a:schemeClr>
-                </a:solidFill>
-              </a:defRPr>
+            <a:lvl3pPr marL="914400" indent="0" algn="ctr">
+              <a:buNone/>
+              <a:defRPr sz="1800"/>
             </a:lvl3pPr>
-            <a:lvl4pPr marL="1371133" indent="0" algn="ctr">
-              <a:buNone/>
-              <a:defRPr>
-                <a:solidFill>
-                  <a:schemeClr val="tx1">
-                    <a:tint val="75000"/>
-                  </a:schemeClr>
-                </a:solidFill>
-              </a:defRPr>
+            <a:lvl4pPr marL="1371600" indent="0" algn="ctr">
+              <a:buNone/>
+              <a:defRPr sz="1600"/>
             </a:lvl4pPr>
-            <a:lvl5pPr marL="1828178" indent="0" algn="ctr">
-              <a:buNone/>
-              <a:defRPr>
-                <a:solidFill>
-                  <a:schemeClr val="tx1">
-                    <a:tint val="75000"/>
-                  </a:schemeClr>
-                </a:solidFill>
-              </a:defRPr>
+            <a:lvl5pPr marL="1828800" indent="0" algn="ctr">
+              <a:buNone/>
+              <a:defRPr sz="1600"/>
             </a:lvl5pPr>
-            <a:lvl6pPr marL="2285222" indent="0" algn="ctr">
-              <a:buNone/>
-              <a:defRPr>
-                <a:solidFill>
-                  <a:schemeClr val="tx1">
-                    <a:tint val="75000"/>
-                  </a:schemeClr>
-                </a:solidFill>
-              </a:defRPr>
+            <a:lvl6pPr marL="2286000" indent="0" algn="ctr">
+              <a:buNone/>
+              <a:defRPr sz="1600"/>
             </a:lvl6pPr>
-            <a:lvl7pPr marL="2742267" indent="0" algn="ctr">
-              <a:buNone/>
-              <a:defRPr>
-                <a:solidFill>
-                  <a:schemeClr val="tx1">
-                    <a:tint val="75000"/>
-                  </a:schemeClr>
-                </a:solidFill>
-              </a:defRPr>
+            <a:lvl7pPr marL="2743200" indent="0" algn="ctr">
+              <a:buNone/>
+              <a:defRPr sz="1600"/>
             </a:lvl7pPr>
-            <a:lvl8pPr marL="3199311" indent="0" algn="ctr">
-              <a:buNone/>
-              <a:defRPr>
-                <a:solidFill>
-                  <a:schemeClr val="tx1">
-                    <a:tint val="75000"/>
-                  </a:schemeClr>
-                </a:solidFill>
-              </a:defRPr>
+            <a:lvl8pPr marL="3200400" indent="0" algn="ctr">
+              <a:buNone/>
+              <a:defRPr sz="1600"/>
             </a:lvl8pPr>
-            <a:lvl9pPr marL="3656358" indent="0" algn="ctr">
-              <a:buNone/>
-              <a:defRPr>
-                <a:solidFill>
-                  <a:schemeClr val="tx1">
-                    <a:tint val="75000"/>
-                  </a:schemeClr>
-                </a:solidFill>
-              </a:defRPr>
+            <a:lvl9pPr marL="3657600" indent="0" algn="ctr">
+              <a:buNone/>
+              <a:defRPr sz="1600"/>
             </a:lvl9pPr>
           </a:lstStyle>
           <a:p>
@@ -1036,234 +704,512 @@
               <a:rPr lang="en-US"/>
               <a:t>Click to edit Master subtitle style</a:t>
             </a:r>
-            <a:endParaRPr lang="en-US" dirty="0"/>
-          </a:p>
-        </p:txBody>
-      </p:sp>
-      <p:sp>
-        <p:nvSpPr>
-          <p:cNvPr id="10" name="Title 1"/>
-          <p:cNvSpPr>
-            <a:spLocks noGrp="1"/>
-          </p:cNvSpPr>
-          <p:nvPr>
-            <p:ph type="ctrTitle" hasCustomPrompt="1"/>
-          </p:nvPr>
-        </p:nvSpPr>
-        <p:spPr>
-          <a:xfrm>
-            <a:off x="193271" y="2415641"/>
-            <a:ext cx="8579886" cy="2603307"/>
-          </a:xfrm>
-          <a:prstGeom prst="rect">
-            <a:avLst/>
-          </a:prstGeom>
-          <a:solidFill>
-            <a:srgbClr val="7FBA00"/>
-          </a:solidFill>
-          <a:effectLst/>
-        </p:spPr>
-        <p:txBody>
-          <a:bodyPr vert="horz" lIns="137160" tIns="137160" rIns="91409" bIns="137160" rtlCol="0" anchor="b" anchorCtr="0">
-            <a:noAutofit/>
-          </a:bodyPr>
-          <a:lstStyle>
-            <a:lvl1pPr>
-              <a:defRPr lang="en-US" sz="4800" kern="0" dirty="0">
-                <a:ln w="3175">
-                  <a:noFill/>
-                </a:ln>
-                <a:gradFill flip="none" rotWithShape="1">
-                  <a:gsLst>
-                    <a:gs pos="4583">
-                      <a:srgbClr val="FFFFFF"/>
-                    </a:gs>
-                    <a:gs pos="100000">
-                      <a:srgbClr val="FFFFFF"/>
-                    </a:gs>
-                  </a:gsLst>
-                  <a:lin ang="5400000" scaled="0"/>
-                  <a:tileRect/>
-                </a:gradFill>
-              </a:defRPr>
-            </a:lvl1pPr>
-          </a:lstStyle>
-          <a:p>
-            <a:pPr lvl="0"/>
-            <a:r>
-              <a:rPr lang="en-US" dirty="0"/>
-              <a:t>Course title style</a:t>
-            </a:r>
-          </a:p>
-        </p:txBody>
-      </p:sp>
-      <p:sp>
-        <p:nvSpPr>
-          <p:cNvPr id="8" name="top right small rectangle"/>
-          <p:cNvSpPr/>
-          <p:nvPr userDrawn="1"/>
-        </p:nvSpPr>
-        <p:spPr bwMode="auto">
-          <a:xfrm>
-            <a:off x="8902492" y="2418735"/>
-            <a:ext cx="3087947" cy="2600214"/>
-          </a:xfrm>
-          <a:prstGeom prst="rect">
-            <a:avLst/>
-          </a:prstGeom>
-          <a:solidFill>
-            <a:schemeClr val="tx2"/>
-          </a:solidFill>
-          <a:ln>
-            <a:noFill/>
-            <a:headEnd type="none" w="med" len="med"/>
-            <a:tailEnd type="none" w="med" len="med"/>
-          </a:ln>
-        </p:spPr>
-        <p:style>
-          <a:lnRef idx="2">
-            <a:schemeClr val="accent5">
-              <a:shade val="50000"/>
-            </a:schemeClr>
-          </a:lnRef>
-          <a:fillRef idx="1">
-            <a:schemeClr val="accent5"/>
-          </a:fillRef>
-          <a:effectRef idx="0">
-            <a:schemeClr val="accent5"/>
-          </a:effectRef>
-          <a:fontRef idx="minor">
-            <a:schemeClr val="lt1"/>
-          </a:fontRef>
-        </p:style>
-        <p:txBody>
-          <a:bodyPr vert="horz" wrap="square" lIns="137160" tIns="137160" rIns="137160" bIns="137160" numCol="1" rtlCol="0" anchor="b" anchorCtr="0" compatLnSpc="1">
-            <a:prstTxWarp prst="textNoShape">
-              <a:avLst/>
-            </a:prstTxWarp>
-          </a:bodyPr>
-          <a:lstStyle/>
-          <a:p>
-            <a:pPr defTabSz="913788" fontAlgn="base">
-              <a:spcBef>
-                <a:spcPct val="0"/>
-              </a:spcBef>
-              <a:spcAft>
-                <a:spcPct val="0"/>
-              </a:spcAft>
-            </a:pPr>
-            <a:endParaRPr lang="en-US" sz="2000" dirty="0">
-              <a:gradFill>
-                <a:gsLst>
-                  <a:gs pos="0">
-                    <a:srgbClr val="FFFFFF"/>
-                  </a:gs>
-                  <a:gs pos="100000">
-                    <a:srgbClr val="FFFFFF"/>
-                  </a:gs>
-                </a:gsLst>
-                <a:lin ang="5400000" scaled="0"/>
-              </a:gradFill>
-              <a:latin typeface="Segoe UI Light" panose="020B0502040204020203" pitchFamily="34" charset="0"/>
-              <a:cs typeface="Segoe UI Light" panose="020B0502040204020203" pitchFamily="34" charset="0"/>
-            </a:endParaRPr>
-          </a:p>
-        </p:txBody>
-      </p:sp>
-      <p:pic>
-        <p:nvPicPr>
-          <p:cNvPr id="11" name="Picture 10"/>
-          <p:cNvPicPr>
-            <a:picLocks noChangeAspect="1"/>
-          </p:cNvPicPr>
-          <p:nvPr userDrawn="1"/>
-        </p:nvPicPr>
-        <p:blipFill rotWithShape="1">
-          <a:blip r:embed="rId2" cstate="print">
+          </a:p>
+        </p:txBody>
+      </p:sp>
+      <p:sp>
+        <p:nvSpPr>
+          <p:cNvPr id="4" name="Date Placeholder 3">
             <a:extLst>
-              <a:ext uri="{28A0092B-C50C-407E-A947-70E740481C1C}">
-                <a14:useLocalDpi xmlns:a14="http://schemas.microsoft.com/office/drawing/2010/main" val="0"/>
+              <a:ext uri="{FF2B5EF4-FFF2-40B4-BE49-F238E27FC236}">
+                <a16:creationId xmlns:a16="http://schemas.microsoft.com/office/drawing/2014/main" id="{610E2E09-3434-4246-B232-CCED1E9C7778}"/>
               </a:ext>
             </a:extLst>
-          </a:blip>
-          <a:srcRect l="9720" t="16544" r="7275" b="16691"/>
-          <a:stretch/>
-        </p:blipFill>
-        <p:spPr>
-          <a:xfrm>
-            <a:off x="10731799" y="4630992"/>
-            <a:ext cx="1131688" cy="334740"/>
-          </a:xfrm>
-          <a:prstGeom prst="rect">
-            <a:avLst/>
-          </a:prstGeom>
-        </p:spPr>
-      </p:pic>
-      <p:pic>
-        <p:nvPicPr>
-          <p:cNvPr id="2" name="Picture 1"/>
-          <p:cNvPicPr>
-            <a:picLocks noChangeAspect="1"/>
-          </p:cNvPicPr>
-          <p:nvPr userDrawn="1"/>
-        </p:nvPicPr>
-        <p:blipFill>
-          <a:blip r:embed="rId3">
+          </p:cNvPr>
+          <p:cNvSpPr>
+            <a:spLocks noGrp="1"/>
+          </p:cNvSpPr>
+          <p:nvPr>
+            <p:ph type="dt" sz="half" idx="10"/>
+          </p:nvPr>
+        </p:nvSpPr>
+        <p:spPr/>
+        <p:txBody>
+          <a:bodyPr/>
+          <a:lstStyle/>
+          <a:p>
+            <a:fld id="{571179DB-8C0F-4DAE-A821-BADEDABE9281}" type="datetimeFigureOut">
+              <a:rPr lang="en-US" smtClean="0"/>
+              <a:t>5/18/2020</a:t>
+            </a:fld>
+            <a:endParaRPr lang="en-US"/>
+          </a:p>
+        </p:txBody>
+      </p:sp>
+      <p:sp>
+        <p:nvSpPr>
+          <p:cNvPr id="5" name="Footer Placeholder 4">
             <a:extLst>
-              <a:ext uri="{28A0092B-C50C-407E-A947-70E740481C1C}">
-                <a14:useLocalDpi xmlns:a14="http://schemas.microsoft.com/office/drawing/2010/main" val="0"/>
+              <a:ext uri="{FF2B5EF4-FFF2-40B4-BE49-F238E27FC236}">
+                <a16:creationId xmlns:a16="http://schemas.microsoft.com/office/drawing/2014/main" id="{58995CAB-2AD0-4488-B2B1-E5D4A0BC2DA3}"/>
               </a:ext>
             </a:extLst>
-          </a:blip>
-          <a:stretch>
-            <a:fillRect/>
-          </a:stretch>
-        </p:blipFill>
-        <p:spPr>
-          <a:xfrm>
-            <a:off x="193271" y="164177"/>
-            <a:ext cx="2084416" cy="833766"/>
-          </a:xfrm>
-          <a:prstGeom prst="rect">
-            <a:avLst/>
-          </a:prstGeom>
-        </p:spPr>
-      </p:pic>
+          </p:cNvPr>
+          <p:cNvSpPr>
+            <a:spLocks noGrp="1"/>
+          </p:cNvSpPr>
+          <p:nvPr>
+            <p:ph type="ftr" sz="quarter" idx="11"/>
+          </p:nvPr>
+        </p:nvSpPr>
+        <p:spPr/>
+        <p:txBody>
+          <a:bodyPr/>
+          <a:lstStyle/>
+          <a:p>
+            <a:endParaRPr lang="en-US"/>
+          </a:p>
+        </p:txBody>
+      </p:sp>
+      <p:sp>
+        <p:nvSpPr>
+          <p:cNvPr id="6" name="Slide Number Placeholder 5">
+            <a:extLst>
+              <a:ext uri="{FF2B5EF4-FFF2-40B4-BE49-F238E27FC236}">
+                <a16:creationId xmlns:a16="http://schemas.microsoft.com/office/drawing/2014/main" id="{F505ECD5-6197-473D-9D01-8E108E446543}"/>
+              </a:ext>
+            </a:extLst>
+          </p:cNvPr>
+          <p:cNvSpPr>
+            <a:spLocks noGrp="1"/>
+          </p:cNvSpPr>
+          <p:nvPr>
+            <p:ph type="sldNum" sz="quarter" idx="12"/>
+          </p:nvPr>
+        </p:nvSpPr>
+        <p:spPr/>
+        <p:txBody>
+          <a:bodyPr/>
+          <a:lstStyle/>
+          <a:p>
+            <a:fld id="{1753FD4B-41E0-4270-A5D2-7394C175DF7E}" type="slidenum">
+              <a:rPr lang="en-US" smtClean="0"/>
+              <a:t>‹#›</a:t>
+            </a:fld>
+            <a:endParaRPr lang="en-US"/>
+          </a:p>
+        </p:txBody>
+      </p:sp>
     </p:spTree>
     <p:extLst>
       <p:ext uri="{BB962C8B-B14F-4D97-AF65-F5344CB8AC3E}">
-        <p14:creationId xmlns:p14="http://schemas.microsoft.com/office/powerpoint/2010/main" val="942519667"/>
+        <p14:creationId xmlns:p14="http://schemas.microsoft.com/office/powerpoint/2010/main" val="1814541769"/>
       </p:ext>
     </p:extLst>
   </p:cSld>
   <p:clrMapOvr>
     <a:masterClrMapping/>
   </p:clrMapOvr>
-  <p:extLst>
-    <p:ext uri="{DCECCB84-F9BA-43D5-87BE-67443E8EF086}">
-      <p15:sldGuideLst xmlns:p15="http://schemas.microsoft.com/office/powerpoint/2012/main">
-        <p15:guide id="1" orient="horz" pos="3792">
-          <p15:clr>
-            <a:srgbClr val="FBAE40"/>
-          </p15:clr>
-        </p15:guide>
-        <p15:guide id="2" pos="3839">
-          <p15:clr>
-            <a:srgbClr val="FBAE40"/>
-          </p15:clr>
-        </p15:guide>
-        <p15:guide id="3" orient="horz" pos="720">
-          <p15:clr>
-            <a:srgbClr val="FBAE40"/>
-          </p15:clr>
-        </p15:guide>
-      </p15:sldGuideLst>
-    </p:ext>
-  </p:extLst>
 </p:sldLayout>
 </file>
 
 <file path=ppt/slideLayouts/slideLayout10.xml><?xml version="1.0" encoding="utf-8"?>
+<p:sldLayout xmlns:a="http://schemas.openxmlformats.org/drawingml/2006/main" xmlns:r="http://schemas.openxmlformats.org/officeDocument/2006/relationships" xmlns:p="http://schemas.openxmlformats.org/presentationml/2006/main" type="vertTx" preserve="1">
+  <p:cSld name="Title and Vertical Text">
+    <p:spTree>
+      <p:nvGrpSpPr>
+        <p:cNvPr id="1" name=""/>
+        <p:cNvGrpSpPr/>
+        <p:nvPr/>
+      </p:nvGrpSpPr>
+      <p:grpSpPr>
+        <a:xfrm>
+          <a:off x="0" y="0"/>
+          <a:ext cx="0" cy="0"/>
+          <a:chOff x="0" y="0"/>
+          <a:chExt cx="0" cy="0"/>
+        </a:xfrm>
+      </p:grpSpPr>
+      <p:sp>
+        <p:nvSpPr>
+          <p:cNvPr id="2" name="Title 1">
+            <a:extLst>
+              <a:ext uri="{FF2B5EF4-FFF2-40B4-BE49-F238E27FC236}">
+                <a16:creationId xmlns:a16="http://schemas.microsoft.com/office/drawing/2014/main" id="{6A09737B-6BE4-42EA-9D1B-C1D702839666}"/>
+              </a:ext>
+            </a:extLst>
+          </p:cNvPr>
+          <p:cNvSpPr>
+            <a:spLocks noGrp="1"/>
+          </p:cNvSpPr>
+          <p:nvPr>
+            <p:ph type="title"/>
+          </p:nvPr>
+        </p:nvSpPr>
+        <p:spPr/>
+        <p:txBody>
+          <a:bodyPr/>
+          <a:lstStyle/>
+          <a:p>
+            <a:r>
+              <a:rPr lang="en-US"/>
+              <a:t>Click to edit Master title style</a:t>
+            </a:r>
+          </a:p>
+        </p:txBody>
+      </p:sp>
+      <p:sp>
+        <p:nvSpPr>
+          <p:cNvPr id="3" name="Vertical Text Placeholder 2">
+            <a:extLst>
+              <a:ext uri="{FF2B5EF4-FFF2-40B4-BE49-F238E27FC236}">
+                <a16:creationId xmlns:a16="http://schemas.microsoft.com/office/drawing/2014/main" id="{0920A3C8-4EF0-4CF1-AC79-ECB4D8D4EA15}"/>
+              </a:ext>
+            </a:extLst>
+          </p:cNvPr>
+          <p:cNvSpPr>
+            <a:spLocks noGrp="1"/>
+          </p:cNvSpPr>
+          <p:nvPr>
+            <p:ph type="body" orient="vert" idx="1"/>
+          </p:nvPr>
+        </p:nvSpPr>
+        <p:spPr/>
+        <p:txBody>
+          <a:bodyPr vert="eaVert"/>
+          <a:lstStyle/>
+          <a:p>
+            <a:pPr lvl="0"/>
+            <a:r>
+              <a:rPr lang="en-US"/>
+              <a:t>Click to edit Master text styles</a:t>
+            </a:r>
+          </a:p>
+          <a:p>
+            <a:pPr lvl="1"/>
+            <a:r>
+              <a:rPr lang="en-US"/>
+              <a:t>Second level</a:t>
+            </a:r>
+          </a:p>
+          <a:p>
+            <a:pPr lvl="2"/>
+            <a:r>
+              <a:rPr lang="en-US"/>
+              <a:t>Third level</a:t>
+            </a:r>
+          </a:p>
+          <a:p>
+            <a:pPr lvl="3"/>
+            <a:r>
+              <a:rPr lang="en-US"/>
+              <a:t>Fourth level</a:t>
+            </a:r>
+          </a:p>
+          <a:p>
+            <a:pPr lvl="4"/>
+            <a:r>
+              <a:rPr lang="en-US"/>
+              <a:t>Fifth level</a:t>
+            </a:r>
+          </a:p>
+        </p:txBody>
+      </p:sp>
+      <p:sp>
+        <p:nvSpPr>
+          <p:cNvPr id="4" name="Date Placeholder 3">
+            <a:extLst>
+              <a:ext uri="{FF2B5EF4-FFF2-40B4-BE49-F238E27FC236}">
+                <a16:creationId xmlns:a16="http://schemas.microsoft.com/office/drawing/2014/main" id="{89E1385E-9E81-4149-9258-7BB00D12B3BE}"/>
+              </a:ext>
+            </a:extLst>
+          </p:cNvPr>
+          <p:cNvSpPr>
+            <a:spLocks noGrp="1"/>
+          </p:cNvSpPr>
+          <p:nvPr>
+            <p:ph type="dt" sz="half" idx="10"/>
+          </p:nvPr>
+        </p:nvSpPr>
+        <p:spPr/>
+        <p:txBody>
+          <a:bodyPr/>
+          <a:lstStyle/>
+          <a:p>
+            <a:fld id="{571179DB-8C0F-4DAE-A821-BADEDABE9281}" type="datetimeFigureOut">
+              <a:rPr lang="en-US" smtClean="0"/>
+              <a:t>5/18/2020</a:t>
+            </a:fld>
+            <a:endParaRPr lang="en-US"/>
+          </a:p>
+        </p:txBody>
+      </p:sp>
+      <p:sp>
+        <p:nvSpPr>
+          <p:cNvPr id="5" name="Footer Placeholder 4">
+            <a:extLst>
+              <a:ext uri="{FF2B5EF4-FFF2-40B4-BE49-F238E27FC236}">
+                <a16:creationId xmlns:a16="http://schemas.microsoft.com/office/drawing/2014/main" id="{A0F7D3C2-FC3F-4571-B714-7C0805626EC6}"/>
+              </a:ext>
+            </a:extLst>
+          </p:cNvPr>
+          <p:cNvSpPr>
+            <a:spLocks noGrp="1"/>
+          </p:cNvSpPr>
+          <p:nvPr>
+            <p:ph type="ftr" sz="quarter" idx="11"/>
+          </p:nvPr>
+        </p:nvSpPr>
+        <p:spPr/>
+        <p:txBody>
+          <a:bodyPr/>
+          <a:lstStyle/>
+          <a:p>
+            <a:endParaRPr lang="en-US"/>
+          </a:p>
+        </p:txBody>
+      </p:sp>
+      <p:sp>
+        <p:nvSpPr>
+          <p:cNvPr id="6" name="Slide Number Placeholder 5">
+            <a:extLst>
+              <a:ext uri="{FF2B5EF4-FFF2-40B4-BE49-F238E27FC236}">
+                <a16:creationId xmlns:a16="http://schemas.microsoft.com/office/drawing/2014/main" id="{8CEF6C67-E71C-442C-965D-38B424FD780E}"/>
+              </a:ext>
+            </a:extLst>
+          </p:cNvPr>
+          <p:cNvSpPr>
+            <a:spLocks noGrp="1"/>
+          </p:cNvSpPr>
+          <p:nvPr>
+            <p:ph type="sldNum" sz="quarter" idx="12"/>
+          </p:nvPr>
+        </p:nvSpPr>
+        <p:spPr/>
+        <p:txBody>
+          <a:bodyPr/>
+          <a:lstStyle/>
+          <a:p>
+            <a:fld id="{1753FD4B-41E0-4270-A5D2-7394C175DF7E}" type="slidenum">
+              <a:rPr lang="en-US" smtClean="0"/>
+              <a:t>‹#›</a:t>
+            </a:fld>
+            <a:endParaRPr lang="en-US"/>
+          </a:p>
+        </p:txBody>
+      </p:sp>
+    </p:spTree>
+    <p:extLst>
+      <p:ext uri="{BB962C8B-B14F-4D97-AF65-F5344CB8AC3E}">
+        <p14:creationId xmlns:p14="http://schemas.microsoft.com/office/powerpoint/2010/main" val="1658988269"/>
+      </p:ext>
+    </p:extLst>
+  </p:cSld>
+  <p:clrMapOvr>
+    <a:masterClrMapping/>
+  </p:clrMapOvr>
+</p:sldLayout>
+</file>
+
+<file path=ppt/slideLayouts/slideLayout11.xml><?xml version="1.0" encoding="utf-8"?>
+<p:sldLayout xmlns:a="http://schemas.openxmlformats.org/drawingml/2006/main" xmlns:r="http://schemas.openxmlformats.org/officeDocument/2006/relationships" xmlns:p="http://schemas.openxmlformats.org/presentationml/2006/main" type="vertTitleAndTx" preserve="1">
+  <p:cSld name="Vertical Title and Text">
+    <p:spTree>
+      <p:nvGrpSpPr>
+        <p:cNvPr id="1" name=""/>
+        <p:cNvGrpSpPr/>
+        <p:nvPr/>
+      </p:nvGrpSpPr>
+      <p:grpSpPr>
+        <a:xfrm>
+          <a:off x="0" y="0"/>
+          <a:ext cx="0" cy="0"/>
+          <a:chOff x="0" y="0"/>
+          <a:chExt cx="0" cy="0"/>
+        </a:xfrm>
+      </p:grpSpPr>
+      <p:sp>
+        <p:nvSpPr>
+          <p:cNvPr id="2" name="Vertical Title 1">
+            <a:extLst>
+              <a:ext uri="{FF2B5EF4-FFF2-40B4-BE49-F238E27FC236}">
+                <a16:creationId xmlns:a16="http://schemas.microsoft.com/office/drawing/2014/main" id="{ACF4D550-AA4A-42AD-8247-1E25A8CFF1F1}"/>
+              </a:ext>
+            </a:extLst>
+          </p:cNvPr>
+          <p:cNvSpPr>
+            <a:spLocks noGrp="1"/>
+          </p:cNvSpPr>
+          <p:nvPr>
+            <p:ph type="title" orient="vert"/>
+          </p:nvPr>
+        </p:nvSpPr>
+        <p:spPr>
+          <a:xfrm>
+            <a:off x="8724900" y="365125"/>
+            <a:ext cx="2628900" cy="5811838"/>
+          </a:xfrm>
+        </p:spPr>
+        <p:txBody>
+          <a:bodyPr vert="eaVert"/>
+          <a:lstStyle/>
+          <a:p>
+            <a:r>
+              <a:rPr lang="en-US"/>
+              <a:t>Click to edit Master title style</a:t>
+            </a:r>
+          </a:p>
+        </p:txBody>
+      </p:sp>
+      <p:sp>
+        <p:nvSpPr>
+          <p:cNvPr id="3" name="Vertical Text Placeholder 2">
+            <a:extLst>
+              <a:ext uri="{FF2B5EF4-FFF2-40B4-BE49-F238E27FC236}">
+                <a16:creationId xmlns:a16="http://schemas.microsoft.com/office/drawing/2014/main" id="{70AA6541-9B42-43D7-BE82-41646050A385}"/>
+              </a:ext>
+            </a:extLst>
+          </p:cNvPr>
+          <p:cNvSpPr>
+            <a:spLocks noGrp="1"/>
+          </p:cNvSpPr>
+          <p:nvPr>
+            <p:ph type="body" orient="vert" idx="1"/>
+          </p:nvPr>
+        </p:nvSpPr>
+        <p:spPr>
+          <a:xfrm>
+            <a:off x="838200" y="365125"/>
+            <a:ext cx="7734300" cy="5811838"/>
+          </a:xfrm>
+        </p:spPr>
+        <p:txBody>
+          <a:bodyPr vert="eaVert"/>
+          <a:lstStyle/>
+          <a:p>
+            <a:pPr lvl="0"/>
+            <a:r>
+              <a:rPr lang="en-US"/>
+              <a:t>Click to edit Master text styles</a:t>
+            </a:r>
+          </a:p>
+          <a:p>
+            <a:pPr lvl="1"/>
+            <a:r>
+              <a:rPr lang="en-US"/>
+              <a:t>Second level</a:t>
+            </a:r>
+          </a:p>
+          <a:p>
+            <a:pPr lvl="2"/>
+            <a:r>
+              <a:rPr lang="en-US"/>
+              <a:t>Third level</a:t>
+            </a:r>
+          </a:p>
+          <a:p>
+            <a:pPr lvl="3"/>
+            <a:r>
+              <a:rPr lang="en-US"/>
+              <a:t>Fourth level</a:t>
+            </a:r>
+          </a:p>
+          <a:p>
+            <a:pPr lvl="4"/>
+            <a:r>
+              <a:rPr lang="en-US"/>
+              <a:t>Fifth level</a:t>
+            </a:r>
+          </a:p>
+        </p:txBody>
+      </p:sp>
+      <p:sp>
+        <p:nvSpPr>
+          <p:cNvPr id="4" name="Date Placeholder 3">
+            <a:extLst>
+              <a:ext uri="{FF2B5EF4-FFF2-40B4-BE49-F238E27FC236}">
+                <a16:creationId xmlns:a16="http://schemas.microsoft.com/office/drawing/2014/main" id="{CD4D98F1-3665-4F2B-9468-E5F6E6147C42}"/>
+              </a:ext>
+            </a:extLst>
+          </p:cNvPr>
+          <p:cNvSpPr>
+            <a:spLocks noGrp="1"/>
+          </p:cNvSpPr>
+          <p:nvPr>
+            <p:ph type="dt" sz="half" idx="10"/>
+          </p:nvPr>
+        </p:nvSpPr>
+        <p:spPr/>
+        <p:txBody>
+          <a:bodyPr/>
+          <a:lstStyle/>
+          <a:p>
+            <a:fld id="{571179DB-8C0F-4DAE-A821-BADEDABE9281}" type="datetimeFigureOut">
+              <a:rPr lang="en-US" smtClean="0"/>
+              <a:t>5/18/2020</a:t>
+            </a:fld>
+            <a:endParaRPr lang="en-US"/>
+          </a:p>
+        </p:txBody>
+      </p:sp>
+      <p:sp>
+        <p:nvSpPr>
+          <p:cNvPr id="5" name="Footer Placeholder 4">
+            <a:extLst>
+              <a:ext uri="{FF2B5EF4-FFF2-40B4-BE49-F238E27FC236}">
+                <a16:creationId xmlns:a16="http://schemas.microsoft.com/office/drawing/2014/main" id="{1E7791BE-09FF-4058-8EA5-3BB547ABF871}"/>
+              </a:ext>
+            </a:extLst>
+          </p:cNvPr>
+          <p:cNvSpPr>
+            <a:spLocks noGrp="1"/>
+          </p:cNvSpPr>
+          <p:nvPr>
+            <p:ph type="ftr" sz="quarter" idx="11"/>
+          </p:nvPr>
+        </p:nvSpPr>
+        <p:spPr/>
+        <p:txBody>
+          <a:bodyPr/>
+          <a:lstStyle/>
+          <a:p>
+            <a:endParaRPr lang="en-US"/>
+          </a:p>
+        </p:txBody>
+      </p:sp>
+      <p:sp>
+        <p:nvSpPr>
+          <p:cNvPr id="6" name="Slide Number Placeholder 5">
+            <a:extLst>
+              <a:ext uri="{FF2B5EF4-FFF2-40B4-BE49-F238E27FC236}">
+                <a16:creationId xmlns:a16="http://schemas.microsoft.com/office/drawing/2014/main" id="{84DD1DCC-7055-4060-93FB-E2F284691752}"/>
+              </a:ext>
+            </a:extLst>
+          </p:cNvPr>
+          <p:cNvSpPr>
+            <a:spLocks noGrp="1"/>
+          </p:cNvSpPr>
+          <p:nvPr>
+            <p:ph type="sldNum" sz="quarter" idx="12"/>
+          </p:nvPr>
+        </p:nvSpPr>
+        <p:spPr/>
+        <p:txBody>
+          <a:bodyPr/>
+          <a:lstStyle/>
+          <a:p>
+            <a:fld id="{1753FD4B-41E0-4270-A5D2-7394C175DF7E}" type="slidenum">
+              <a:rPr lang="en-US" smtClean="0"/>
+              <a:t>‹#›</a:t>
+            </a:fld>
+            <a:endParaRPr lang="en-US"/>
+          </a:p>
+        </p:txBody>
+      </p:sp>
+    </p:spTree>
+    <p:extLst>
+      <p:ext uri="{BB962C8B-B14F-4D97-AF65-F5344CB8AC3E}">
+        <p14:creationId xmlns:p14="http://schemas.microsoft.com/office/powerpoint/2010/main" val="1118926655"/>
+      </p:ext>
+    </p:extLst>
+  </p:cSld>
+  <p:clrMapOvr>
+    <a:masterClrMapping/>
+  </p:clrMapOvr>
+</p:sldLayout>
+</file>
+
+<file path=ppt/slideLayouts/slideLayout12.xml><?xml version="1.0" encoding="utf-8"?>
 <p:sldLayout xmlns:a="http://schemas.openxmlformats.org/drawingml/2006/main" xmlns:r="http://schemas.openxmlformats.org/officeDocument/2006/relationships" xmlns:p="http://schemas.openxmlformats.org/presentationml/2006/main" userDrawn="1">
   <p:cSld name="Blank Accent Color 1">
     <p:bg>
@@ -1291,7 +1237,7 @@
     </p:spTree>
     <p:extLst>
       <p:ext uri="{BB962C8B-B14F-4D97-AF65-F5344CB8AC3E}">
-        <p14:creationId xmlns:p14="http://schemas.microsoft.com/office/powerpoint/2010/main" val="3692949913"/>
+        <p14:creationId xmlns:p14="http://schemas.microsoft.com/office/powerpoint/2010/main" val="327938278"/>
       </p:ext>
     </p:extLst>
   </p:cSld>
@@ -1304,796 +1250,9 @@
 </p:sldLayout>
 </file>
 
-<file path=ppt/slideLayouts/slideLayout2.xml><?xml version="1.0" encoding="utf-8"?>
+<file path=ppt/slideLayouts/slideLayout13.xml><?xml version="1.0" encoding="utf-8"?>
 <p:sldLayout xmlns:a="http://schemas.openxmlformats.org/drawingml/2006/main" xmlns:r="http://schemas.openxmlformats.org/officeDocument/2006/relationships" xmlns:p="http://schemas.openxmlformats.org/presentationml/2006/main" userDrawn="1">
-  <p:cSld name="1_Section Header">
-    <p:spTree>
-      <p:nvGrpSpPr>
-        <p:cNvPr id="1" name=""/>
-        <p:cNvGrpSpPr/>
-        <p:nvPr/>
-      </p:nvGrpSpPr>
-      <p:grpSpPr>
-        <a:xfrm>
-          <a:off x="0" y="0"/>
-          <a:ext cx="0" cy="0"/>
-          <a:chOff x="0" y="0"/>
-          <a:chExt cx="0" cy="0"/>
-        </a:xfrm>
-      </p:grpSpPr>
-      <p:sp>
-        <p:nvSpPr>
-          <p:cNvPr id="9" name="Subtitle 2"/>
-          <p:cNvSpPr txBox="1">
-            <a:spLocks/>
-          </p:cNvSpPr>
-          <p:nvPr userDrawn="1"/>
-        </p:nvSpPr>
-        <p:spPr>
-          <a:xfrm>
-            <a:off x="8738733" y="2685050"/>
-            <a:ext cx="2241224" cy="2355337"/>
-          </a:xfrm>
-          <a:prstGeom prst="rect">
-            <a:avLst/>
-          </a:prstGeom>
-        </p:spPr>
-        <p:txBody>
-          <a:bodyPr vert="horz" lIns="91409" tIns="45705" rIns="91409" bIns="45705" rtlCol="0" anchor="ctr" anchorCtr="0">
-            <a:normAutofit/>
-          </a:bodyPr>
-          <a:lstStyle>
-            <a:lvl1pPr marL="0" indent="0" algn="l" defTabSz="914052" rtl="0" eaLnBrk="1" latinLnBrk="0" hangingPunct="1">
-              <a:lnSpc>
-                <a:spcPct val="100000"/>
-              </a:lnSpc>
-              <a:spcBef>
-                <a:spcPts val="0"/>
-              </a:spcBef>
-              <a:buSzPct val="90000"/>
-              <a:buFont typeface="Arial" pitchFamily="34" charset="0"/>
-              <a:buNone/>
-              <a:defRPr lang="en-US" sz="1800" b="1" kern="1200" spc="-30" baseline="0" dirty="0">
-                <a:gradFill>
-                  <a:gsLst>
-                    <a:gs pos="1250">
-                      <a:srgbClr val="FFFFFF"/>
-                    </a:gs>
-                    <a:gs pos="6250">
-                      <a:srgbClr val="FFFFFF"/>
-                    </a:gs>
-                  </a:gsLst>
-                  <a:lin ang="5400000" scaled="0"/>
-                </a:gradFill>
-                <a:latin typeface="Segoe UI" pitchFamily="34" charset="0"/>
-                <a:ea typeface="Segoe UI" pitchFamily="34" charset="0"/>
-                <a:cs typeface="Segoe UI" pitchFamily="34" charset="0"/>
-              </a:defRPr>
-            </a:lvl1pPr>
-            <a:lvl2pPr marL="457044" indent="0" algn="ctr" defTabSz="914088" rtl="0" eaLnBrk="1" latinLnBrk="0" hangingPunct="1">
-              <a:spcBef>
-                <a:spcPts val="300"/>
-              </a:spcBef>
-              <a:spcAft>
-                <a:spcPts val="300"/>
-              </a:spcAft>
-              <a:buFont typeface="Arial" pitchFamily="34" charset="0"/>
-              <a:buNone/>
-              <a:defRPr sz="2800" kern="1200">
-                <a:solidFill>
-                  <a:schemeClr val="tx1">
-                    <a:tint val="75000"/>
-                  </a:schemeClr>
-                </a:solidFill>
-                <a:latin typeface="Segoe UI" pitchFamily="34" charset="0"/>
-                <a:ea typeface="Segoe UI" pitchFamily="34" charset="0"/>
-                <a:cs typeface="Segoe UI" pitchFamily="34" charset="0"/>
-              </a:defRPr>
-            </a:lvl2pPr>
-            <a:lvl3pPr marL="914088" indent="0" algn="ctr" defTabSz="914088" rtl="0" eaLnBrk="1" latinLnBrk="0" hangingPunct="1">
-              <a:spcBef>
-                <a:spcPts val="200"/>
-              </a:spcBef>
-              <a:spcAft>
-                <a:spcPts val="200"/>
-              </a:spcAft>
-              <a:buFont typeface="Arial" pitchFamily="34" charset="0"/>
-              <a:buNone/>
-              <a:defRPr sz="2400" kern="1200">
-                <a:solidFill>
-                  <a:schemeClr val="tx1">
-                    <a:tint val="75000"/>
-                  </a:schemeClr>
-                </a:solidFill>
-                <a:latin typeface="Segoe UI" pitchFamily="34" charset="0"/>
-                <a:ea typeface="Segoe UI" pitchFamily="34" charset="0"/>
-                <a:cs typeface="Segoe UI" pitchFamily="34" charset="0"/>
-              </a:defRPr>
-            </a:lvl3pPr>
-            <a:lvl4pPr marL="1371133" indent="0" algn="ctr" defTabSz="914088" rtl="0" eaLnBrk="1" latinLnBrk="0" hangingPunct="1">
-              <a:spcBef>
-                <a:spcPct val="20000"/>
-              </a:spcBef>
-              <a:buFont typeface="Arial" pitchFamily="34" charset="0"/>
-              <a:buNone/>
-              <a:defRPr sz="2000" kern="1200">
-                <a:solidFill>
-                  <a:schemeClr val="tx1">
-                    <a:tint val="75000"/>
-                  </a:schemeClr>
-                </a:solidFill>
-                <a:latin typeface="Segoe UI" pitchFamily="34" charset="0"/>
-                <a:ea typeface="Segoe UI" pitchFamily="34" charset="0"/>
-                <a:cs typeface="Segoe UI" pitchFamily="34" charset="0"/>
-              </a:defRPr>
-            </a:lvl4pPr>
-            <a:lvl5pPr marL="1828178" indent="0" algn="ctr" defTabSz="914088" rtl="0" eaLnBrk="1" latinLnBrk="0" hangingPunct="1">
-              <a:spcBef>
-                <a:spcPct val="20000"/>
-              </a:spcBef>
-              <a:buFont typeface="Arial" pitchFamily="34" charset="0"/>
-              <a:buNone/>
-              <a:defRPr sz="2000" kern="1200">
-                <a:solidFill>
-                  <a:schemeClr val="tx1">
-                    <a:tint val="75000"/>
-                  </a:schemeClr>
-                </a:solidFill>
-                <a:latin typeface="Segoe UI" pitchFamily="34" charset="0"/>
-                <a:ea typeface="Segoe UI" pitchFamily="34" charset="0"/>
-                <a:cs typeface="Segoe UI" pitchFamily="34" charset="0"/>
-              </a:defRPr>
-            </a:lvl5pPr>
-            <a:lvl6pPr marL="2285222" indent="0" algn="ctr" defTabSz="914088" rtl="0" eaLnBrk="1" latinLnBrk="0" hangingPunct="1">
-              <a:spcBef>
-                <a:spcPct val="20000"/>
-              </a:spcBef>
-              <a:buFont typeface="Arial" pitchFamily="34" charset="0"/>
-              <a:buNone/>
-              <a:defRPr sz="2000" kern="1200">
-                <a:solidFill>
-                  <a:schemeClr val="tx1">
-                    <a:tint val="75000"/>
-                  </a:schemeClr>
-                </a:solidFill>
-                <a:latin typeface="+mn-lt"/>
-                <a:ea typeface="+mn-ea"/>
-                <a:cs typeface="+mn-cs"/>
-              </a:defRPr>
-            </a:lvl6pPr>
-            <a:lvl7pPr marL="2742267" indent="0" algn="ctr" defTabSz="914088" rtl="0" eaLnBrk="1" latinLnBrk="0" hangingPunct="1">
-              <a:spcBef>
-                <a:spcPct val="20000"/>
-              </a:spcBef>
-              <a:buFont typeface="Arial" pitchFamily="34" charset="0"/>
-              <a:buNone/>
-              <a:defRPr sz="2000" kern="1200">
-                <a:solidFill>
-                  <a:schemeClr val="tx1">
-                    <a:tint val="75000"/>
-                  </a:schemeClr>
-                </a:solidFill>
-                <a:latin typeface="+mn-lt"/>
-                <a:ea typeface="+mn-ea"/>
-                <a:cs typeface="+mn-cs"/>
-              </a:defRPr>
-            </a:lvl7pPr>
-            <a:lvl8pPr marL="3199311" indent="0" algn="ctr" defTabSz="914088" rtl="0" eaLnBrk="1" latinLnBrk="0" hangingPunct="1">
-              <a:spcBef>
-                <a:spcPct val="20000"/>
-              </a:spcBef>
-              <a:buFont typeface="Arial" pitchFamily="34" charset="0"/>
-              <a:buNone/>
-              <a:defRPr sz="2000" kern="1200">
-                <a:solidFill>
-                  <a:schemeClr val="tx1">
-                    <a:tint val="75000"/>
-                  </a:schemeClr>
-                </a:solidFill>
-                <a:latin typeface="+mn-lt"/>
-                <a:ea typeface="+mn-ea"/>
-                <a:cs typeface="+mn-cs"/>
-              </a:defRPr>
-            </a:lvl8pPr>
-            <a:lvl9pPr marL="3656358" indent="0" algn="ctr" defTabSz="914088" rtl="0" eaLnBrk="1" latinLnBrk="0" hangingPunct="1">
-              <a:spcBef>
-                <a:spcPct val="20000"/>
-              </a:spcBef>
-              <a:buFont typeface="Arial" pitchFamily="34" charset="0"/>
-              <a:buNone/>
-              <a:defRPr sz="2000" kern="1200">
-                <a:solidFill>
-                  <a:schemeClr val="tx1">
-                    <a:tint val="75000"/>
-                  </a:schemeClr>
-                </a:solidFill>
-                <a:latin typeface="+mn-lt"/>
-                <a:ea typeface="+mn-ea"/>
-                <a:cs typeface="+mn-cs"/>
-              </a:defRPr>
-            </a:lvl9pPr>
-          </a:lstStyle>
-          <a:p>
-            <a:r>
-              <a:rPr lang="en-US"/>
-              <a:t>Click to edit Master subtitle style</a:t>
-            </a:r>
-          </a:p>
-        </p:txBody>
-      </p:sp>
-      <p:sp>
-        <p:nvSpPr>
-          <p:cNvPr id="13" name="Title 1"/>
-          <p:cNvSpPr txBox="1">
-            <a:spLocks/>
-          </p:cNvSpPr>
-          <p:nvPr userDrawn="1"/>
-        </p:nvSpPr>
-        <p:spPr>
-          <a:xfrm>
-            <a:off x="193271" y="3376350"/>
-            <a:ext cx="8409867" cy="1692617"/>
-          </a:xfrm>
-          <a:prstGeom prst="rect">
-            <a:avLst/>
-          </a:prstGeom>
-          <a:solidFill>
-            <a:srgbClr val="82BF36"/>
-          </a:solidFill>
-          <a:effectLst/>
-        </p:spPr>
-        <p:txBody>
-          <a:bodyPr vert="horz" lIns="137160" tIns="137160" rIns="91409" bIns="137160" rtlCol="0" anchor="b" anchorCtr="0">
-            <a:noAutofit/>
-          </a:bodyPr>
-          <a:lstStyle>
-            <a:lvl1pPr algn="l" defTabSz="914088" rtl="0" eaLnBrk="1" latinLnBrk="0" hangingPunct="1">
-              <a:spcBef>
-                <a:spcPct val="0"/>
-              </a:spcBef>
-              <a:buNone/>
-              <a:defRPr lang="en-US" sz="4000" kern="0" dirty="0">
-                <a:ln w="3175">
-                  <a:noFill/>
-                </a:ln>
-                <a:gradFill flip="none" rotWithShape="1">
-                  <a:gsLst>
-                    <a:gs pos="4583">
-                      <a:srgbClr val="FFFFFF"/>
-                    </a:gs>
-                    <a:gs pos="100000">
-                      <a:srgbClr val="FFFFFF"/>
-                    </a:gs>
-                  </a:gsLst>
-                  <a:lin ang="5400000" scaled="0"/>
-                  <a:tileRect/>
-                </a:gradFill>
-                <a:latin typeface="Segoe UI" pitchFamily="34" charset="0"/>
-                <a:ea typeface="Segoe UI" pitchFamily="34" charset="0"/>
-                <a:cs typeface="Segoe UI" pitchFamily="34" charset="0"/>
-              </a:defRPr>
-            </a:lvl1pPr>
-          </a:lstStyle>
-          <a:p>
-            <a:endParaRPr lang="en-US" sz="4000" dirty="0"/>
-          </a:p>
-        </p:txBody>
-      </p:sp>
-      <p:sp>
-        <p:nvSpPr>
-          <p:cNvPr id="14" name="top right small rectangle"/>
-          <p:cNvSpPr/>
-          <p:nvPr userDrawn="1"/>
-        </p:nvSpPr>
-        <p:spPr bwMode="auto">
-          <a:xfrm>
-            <a:off x="8682790" y="3374967"/>
-            <a:ext cx="3257419" cy="1694322"/>
-          </a:xfrm>
-          <a:prstGeom prst="rect">
-            <a:avLst/>
-          </a:prstGeom>
-          <a:solidFill>
-            <a:schemeClr val="tx2"/>
-          </a:solidFill>
-          <a:ln>
-            <a:noFill/>
-            <a:headEnd type="none" w="med" len="med"/>
-            <a:tailEnd type="none" w="med" len="med"/>
-          </a:ln>
-        </p:spPr>
-        <p:style>
-          <a:lnRef idx="2">
-            <a:schemeClr val="accent5">
-              <a:shade val="50000"/>
-            </a:schemeClr>
-          </a:lnRef>
-          <a:fillRef idx="1">
-            <a:schemeClr val="accent5"/>
-          </a:fillRef>
-          <a:effectRef idx="0">
-            <a:schemeClr val="accent5"/>
-          </a:effectRef>
-          <a:fontRef idx="minor">
-            <a:schemeClr val="lt1"/>
-          </a:fontRef>
-        </p:style>
-        <p:txBody>
-          <a:bodyPr vert="horz" wrap="square" lIns="91404" tIns="45703" rIns="91404" bIns="45703" numCol="1" rtlCol="0" anchor="ctr" anchorCtr="0" compatLnSpc="1">
-            <a:prstTxWarp prst="textNoShape">
-              <a:avLst/>
-            </a:prstTxWarp>
-          </a:bodyPr>
-          <a:lstStyle/>
-          <a:p>
-            <a:pPr algn="ctr" defTabSz="913788" fontAlgn="base">
-              <a:spcBef>
-                <a:spcPct val="0"/>
-              </a:spcBef>
-              <a:spcAft>
-                <a:spcPct val="0"/>
-              </a:spcAft>
-            </a:pPr>
-            <a:endParaRPr lang="en-US" sz="2200" dirty="0">
-              <a:gradFill>
-                <a:gsLst>
-                  <a:gs pos="0">
-                    <a:srgbClr val="FFFFFF"/>
-                  </a:gs>
-                  <a:gs pos="100000">
-                    <a:srgbClr val="FFFFFF"/>
-                  </a:gs>
-                </a:gsLst>
-                <a:lin ang="5400000" scaled="0"/>
-              </a:gradFill>
-            </a:endParaRPr>
-          </a:p>
-        </p:txBody>
-      </p:sp>
-      <p:pic>
-        <p:nvPicPr>
-          <p:cNvPr id="15" name="Picture 14"/>
-          <p:cNvPicPr>
-            <a:picLocks noChangeAspect="1"/>
-          </p:cNvPicPr>
-          <p:nvPr userDrawn="1"/>
-        </p:nvPicPr>
-        <p:blipFill rotWithShape="1">
-          <a:blip r:embed="rId2" cstate="print">
-            <a:extLst>
-              <a:ext uri="{28A0092B-C50C-407E-A947-70E740481C1C}">
-                <a14:useLocalDpi xmlns:a14="http://schemas.microsoft.com/office/drawing/2010/main" val="0"/>
-              </a:ext>
-            </a:extLst>
-          </a:blip>
-          <a:srcRect l="9720" t="16544" r="7275" b="16691"/>
-          <a:stretch/>
-        </p:blipFill>
-        <p:spPr>
-          <a:xfrm>
-            <a:off x="11181757" y="4821401"/>
-            <a:ext cx="740346" cy="218986"/>
-          </a:xfrm>
-          <a:prstGeom prst="rect">
-            <a:avLst/>
-          </a:prstGeom>
-        </p:spPr>
-      </p:pic>
-      <p:sp>
-        <p:nvSpPr>
-          <p:cNvPr id="16" name="Text Placeholder 10"/>
-          <p:cNvSpPr>
-            <a:spLocks noGrp="1"/>
-          </p:cNvSpPr>
-          <p:nvPr>
-            <p:ph type="body" sz="quarter" idx="10" hasCustomPrompt="1"/>
-          </p:nvPr>
-        </p:nvSpPr>
-        <p:spPr>
-          <a:xfrm>
-            <a:off x="292101" y="3466407"/>
-            <a:ext cx="8215796" cy="1485524"/>
-          </a:xfrm>
-          <a:prstGeom prst="rect">
-            <a:avLst/>
-          </a:prstGeom>
-        </p:spPr>
-        <p:txBody>
-          <a:bodyPr anchor="b" anchorCtr="0">
-            <a:normAutofit/>
-          </a:bodyPr>
-          <a:lstStyle>
-            <a:lvl1pPr marL="0" indent="0">
-              <a:buNone/>
-              <a:defRPr sz="3600" b="0" baseline="0">
-                <a:solidFill>
-                  <a:schemeClr val="bg1"/>
-                </a:solidFill>
-                <a:latin typeface="Segoe UI Light" panose="020B0502040204020203" pitchFamily="34" charset="0"/>
-                <a:cs typeface="Segoe UI Light" panose="020B0502040204020203" pitchFamily="34" charset="0"/>
-              </a:defRPr>
-            </a:lvl1pPr>
-          </a:lstStyle>
-          <a:p>
-            <a:pPr lvl="0"/>
-            <a:r>
-              <a:rPr lang="en-US" dirty="0"/>
-              <a:t>Module or Section transition style</a:t>
-            </a:r>
-          </a:p>
-        </p:txBody>
-      </p:sp>
-      <p:sp>
-        <p:nvSpPr>
-          <p:cNvPr id="11" name="Subtitle 2"/>
-          <p:cNvSpPr>
-            <a:spLocks noGrp="1"/>
-          </p:cNvSpPr>
-          <p:nvPr>
-            <p:ph type="subTitle" idx="1"/>
-          </p:nvPr>
-        </p:nvSpPr>
-        <p:spPr>
-          <a:xfrm>
-            <a:off x="193271" y="5132437"/>
-            <a:ext cx="8409867" cy="1460779"/>
-          </a:xfrm>
-          <a:prstGeom prst="rect">
-            <a:avLst/>
-          </a:prstGeom>
-        </p:spPr>
-        <p:txBody>
-          <a:bodyPr lIns="137160" tIns="137160" rIns="137160" bIns="137160" anchor="b" anchorCtr="0">
-            <a:normAutofit/>
-          </a:bodyPr>
-          <a:lstStyle>
-            <a:lvl1pPr marL="0" indent="0" algn="l" defTabSz="914052" rtl="0" eaLnBrk="1" latinLnBrk="0" hangingPunct="1">
-              <a:lnSpc>
-                <a:spcPct val="100000"/>
-              </a:lnSpc>
-              <a:spcBef>
-                <a:spcPts val="0"/>
-              </a:spcBef>
-              <a:buSzPct val="90000"/>
-              <a:buFont typeface="Arial" pitchFamily="34" charset="0"/>
-              <a:buNone/>
-              <a:defRPr lang="en-US" sz="2400" b="0" kern="0" spc="0" baseline="0" dirty="0">
-                <a:solidFill>
-                  <a:schemeClr val="tx1"/>
-                </a:solidFill>
-                <a:latin typeface="Segoe UI Light" panose="020B0502040204020203" pitchFamily="34" charset="0"/>
-                <a:ea typeface="Segoe UI Light" panose="020B0502040204020203" pitchFamily="34" charset="0"/>
-                <a:cs typeface="Segoe UI Light" panose="020B0502040204020203" pitchFamily="34" charset="0"/>
-              </a:defRPr>
-            </a:lvl1pPr>
-            <a:lvl2pPr marL="457044" indent="0" algn="ctr">
-              <a:buNone/>
-              <a:defRPr>
-                <a:solidFill>
-                  <a:schemeClr val="tx1">
-                    <a:tint val="75000"/>
-                  </a:schemeClr>
-                </a:solidFill>
-              </a:defRPr>
-            </a:lvl2pPr>
-            <a:lvl3pPr marL="914088" indent="0" algn="ctr">
-              <a:buNone/>
-              <a:defRPr>
-                <a:solidFill>
-                  <a:schemeClr val="tx1">
-                    <a:tint val="75000"/>
-                  </a:schemeClr>
-                </a:solidFill>
-              </a:defRPr>
-            </a:lvl3pPr>
-            <a:lvl4pPr marL="1371133" indent="0" algn="ctr">
-              <a:buNone/>
-              <a:defRPr>
-                <a:solidFill>
-                  <a:schemeClr val="tx1">
-                    <a:tint val="75000"/>
-                  </a:schemeClr>
-                </a:solidFill>
-              </a:defRPr>
-            </a:lvl4pPr>
-            <a:lvl5pPr marL="1828178" indent="0" algn="ctr">
-              <a:buNone/>
-              <a:defRPr>
-                <a:solidFill>
-                  <a:schemeClr val="tx1">
-                    <a:tint val="75000"/>
-                  </a:schemeClr>
-                </a:solidFill>
-              </a:defRPr>
-            </a:lvl5pPr>
-            <a:lvl6pPr marL="2285222" indent="0" algn="ctr">
-              <a:buNone/>
-              <a:defRPr>
-                <a:solidFill>
-                  <a:schemeClr val="tx1">
-                    <a:tint val="75000"/>
-                  </a:schemeClr>
-                </a:solidFill>
-              </a:defRPr>
-            </a:lvl6pPr>
-            <a:lvl7pPr marL="2742267" indent="0" algn="ctr">
-              <a:buNone/>
-              <a:defRPr>
-                <a:solidFill>
-                  <a:schemeClr val="tx1">
-                    <a:tint val="75000"/>
-                  </a:schemeClr>
-                </a:solidFill>
-              </a:defRPr>
-            </a:lvl7pPr>
-            <a:lvl8pPr marL="3199311" indent="0" algn="ctr">
-              <a:buNone/>
-              <a:defRPr>
-                <a:solidFill>
-                  <a:schemeClr val="tx1">
-                    <a:tint val="75000"/>
-                  </a:schemeClr>
-                </a:solidFill>
-              </a:defRPr>
-            </a:lvl8pPr>
-            <a:lvl9pPr marL="3656358" indent="0" algn="ctr">
-              <a:buNone/>
-              <a:defRPr>
-                <a:solidFill>
-                  <a:schemeClr val="tx1">
-                    <a:tint val="75000"/>
-                  </a:schemeClr>
-                </a:solidFill>
-              </a:defRPr>
-            </a:lvl9pPr>
-          </a:lstStyle>
-          <a:p>
-            <a:r>
-              <a:rPr lang="en-US"/>
-              <a:t>Click to edit Master subtitle style</a:t>
-            </a:r>
-            <a:endParaRPr lang="en-US" dirty="0"/>
-          </a:p>
-        </p:txBody>
-      </p:sp>
-      <p:pic>
-        <p:nvPicPr>
-          <p:cNvPr id="12" name="Picture 11"/>
-          <p:cNvPicPr>
-            <a:picLocks noChangeAspect="1"/>
-          </p:cNvPicPr>
-          <p:nvPr userDrawn="1"/>
-        </p:nvPicPr>
-        <p:blipFill>
-          <a:blip r:embed="rId3">
-            <a:extLst>
-              <a:ext uri="{28A0092B-C50C-407E-A947-70E740481C1C}">
-                <a14:useLocalDpi xmlns:a14="http://schemas.microsoft.com/office/drawing/2010/main" val="0"/>
-              </a:ext>
-            </a:extLst>
-          </a:blip>
-          <a:stretch>
-            <a:fillRect/>
-          </a:stretch>
-        </p:blipFill>
-        <p:spPr>
-          <a:xfrm>
-            <a:off x="193271" y="164177"/>
-            <a:ext cx="2084416" cy="833766"/>
-          </a:xfrm>
-          <a:prstGeom prst="rect">
-            <a:avLst/>
-          </a:prstGeom>
-        </p:spPr>
-      </p:pic>
-    </p:spTree>
-    <p:extLst>
-      <p:ext uri="{BB962C8B-B14F-4D97-AF65-F5344CB8AC3E}">
-        <p14:creationId xmlns:p14="http://schemas.microsoft.com/office/powerpoint/2010/main" val="3891348690"/>
-      </p:ext>
-    </p:extLst>
-  </p:cSld>
-  <p:clrMapOvr>
-    <a:masterClrMapping/>
-  </p:clrMapOvr>
-  <p:extLst>
-    <p:ext uri="{DCECCB84-F9BA-43D5-87BE-67443E8EF086}">
-      <p15:sldGuideLst xmlns:p15="http://schemas.microsoft.com/office/powerpoint/2012/main">
-        <p15:guide id="1" orient="horz" pos="2160">
-          <p15:clr>
-            <a:srgbClr val="FBAE40"/>
-          </p15:clr>
-        </p15:guide>
-        <p15:guide id="2" pos="3840">
-          <p15:clr>
-            <a:srgbClr val="FBAE40"/>
-          </p15:clr>
-        </p15:guide>
-      </p15:sldGuideLst>
-    </p:ext>
-  </p:extLst>
-</p:sldLayout>
-</file>
-
-<file path=ppt/slideLayouts/slideLayout3.xml><?xml version="1.0" encoding="utf-8"?>
-<p:sldLayout xmlns:a="http://schemas.openxmlformats.org/drawingml/2006/main" xmlns:r="http://schemas.openxmlformats.org/officeDocument/2006/relationships" xmlns:p="http://schemas.openxmlformats.org/presentationml/2006/main" preserve="1" userDrawn="1">
-  <p:cSld name="DEMO Layout">
-    <p:spTree>
-      <p:nvGrpSpPr>
-        <p:cNvPr id="1" name=""/>
-        <p:cNvGrpSpPr/>
-        <p:nvPr/>
-      </p:nvGrpSpPr>
-      <p:grpSpPr>
-        <a:xfrm>
-          <a:off x="0" y="0"/>
-          <a:ext cx="0" cy="0"/>
-          <a:chOff x="0" y="0"/>
-          <a:chExt cx="0" cy="0"/>
-        </a:xfrm>
-      </p:grpSpPr>
-      <p:sp>
-        <p:nvSpPr>
-          <p:cNvPr id="3" name="Title Placeholder 9"/>
-          <p:cNvSpPr>
-            <a:spLocks noGrp="1"/>
-          </p:cNvSpPr>
-          <p:nvPr>
-            <p:ph type="title"/>
-          </p:nvPr>
-        </p:nvSpPr>
-        <p:spPr>
-          <a:xfrm>
-            <a:off x="608171" y="4468764"/>
-            <a:ext cx="11432977" cy="1676400"/>
-          </a:xfrm>
-          <a:prstGeom prst="rect">
-            <a:avLst/>
-          </a:prstGeom>
-        </p:spPr>
-        <p:txBody>
-          <a:bodyPr vert="horz" lIns="91409" tIns="45705" rIns="91409" bIns="45705" rtlCol="0" anchor="t" anchorCtr="0">
-            <a:normAutofit/>
-          </a:bodyPr>
-          <a:lstStyle>
-            <a:lvl1pPr>
-              <a:defRPr sz="3600"/>
-            </a:lvl1pPr>
-          </a:lstStyle>
-          <a:p>
-            <a:r>
-              <a:rPr lang="en-US"/>
-              <a:t>Click to edit Master title style</a:t>
-            </a:r>
-            <a:endParaRPr lang="en-US" dirty="0"/>
-          </a:p>
-        </p:txBody>
-      </p:sp>
-      <p:sp>
-        <p:nvSpPr>
-          <p:cNvPr id="2" name="TextBox 1"/>
-          <p:cNvSpPr txBox="1"/>
-          <p:nvPr userDrawn="1"/>
-        </p:nvSpPr>
-        <p:spPr>
-          <a:xfrm>
-            <a:off x="608171" y="3087325"/>
-            <a:ext cx="11356757" cy="1107996"/>
-          </a:xfrm>
-          <a:prstGeom prst="rect">
-            <a:avLst/>
-          </a:prstGeom>
-          <a:noFill/>
-        </p:spPr>
-        <p:txBody>
-          <a:bodyPr wrap="square" rtlCol="0">
-            <a:spAutoFit/>
-          </a:bodyPr>
-          <a:lstStyle/>
-          <a:p>
-            <a:pPr defTabSz="914088"/>
-            <a:r>
-              <a:rPr lang="en-US" sz="6600" dirty="0">
-                <a:solidFill>
-                  <a:prstClr val="black"/>
-                </a:solidFill>
-                <a:latin typeface="Segoe UI Light" pitchFamily="34" charset="0"/>
-                <a:ea typeface="Segoe UI" pitchFamily="34" charset="0"/>
-                <a:cs typeface="Segoe UI" pitchFamily="34" charset="0"/>
-              </a:rPr>
-              <a:t>DEMO</a:t>
-            </a:r>
-          </a:p>
-        </p:txBody>
-      </p:sp>
-      <p:cxnSp>
-        <p:nvCxnSpPr>
-          <p:cNvPr id="6" name="Straight Connector 5"/>
-          <p:cNvCxnSpPr/>
-          <p:nvPr userDrawn="1"/>
-        </p:nvCxnSpPr>
-        <p:spPr>
-          <a:xfrm>
-            <a:off x="608171" y="4077925"/>
-            <a:ext cx="11356757" cy="0"/>
-          </a:xfrm>
-          <a:prstGeom prst="line">
-            <a:avLst/>
-          </a:prstGeom>
-          <a:ln>
-            <a:solidFill>
-              <a:schemeClr val="tx1"/>
-            </a:solidFill>
-          </a:ln>
-          <a:effectLst>
-            <a:outerShdw blurRad="50800" dist="38100" dir="2700000" algn="tl" rotWithShape="0">
-              <a:prstClr val="black">
-                <a:alpha val="40000"/>
-              </a:prstClr>
-            </a:outerShdw>
-          </a:effectLst>
-        </p:spPr>
-        <p:style>
-          <a:lnRef idx="1">
-            <a:schemeClr val="accent1"/>
-          </a:lnRef>
-          <a:fillRef idx="0">
-            <a:schemeClr val="accent1"/>
-          </a:fillRef>
-          <a:effectRef idx="0">
-            <a:schemeClr val="accent1"/>
-          </a:effectRef>
-          <a:fontRef idx="minor">
-            <a:schemeClr val="tx1"/>
-          </a:fontRef>
-        </p:style>
-      </p:cxnSp>
-      <p:pic>
-        <p:nvPicPr>
-          <p:cNvPr id="8" name="Picture 7"/>
-          <p:cNvPicPr>
-            <a:picLocks noChangeAspect="1"/>
-          </p:cNvPicPr>
-          <p:nvPr userDrawn="1"/>
-        </p:nvPicPr>
-        <p:blipFill>
-          <a:blip r:embed="rId2">
-            <a:extLst>
-              <a:ext uri="{28A0092B-C50C-407E-A947-70E740481C1C}">
-                <a14:useLocalDpi xmlns:a14="http://schemas.microsoft.com/office/drawing/2010/main" val="0"/>
-              </a:ext>
-            </a:extLst>
-          </a:blip>
-          <a:stretch>
-            <a:fillRect/>
-          </a:stretch>
-        </p:blipFill>
-        <p:spPr>
-          <a:xfrm>
-            <a:off x="171450" y="177800"/>
-            <a:ext cx="2857500" cy="1143000"/>
-          </a:xfrm>
-          <a:prstGeom prst="rect">
-            <a:avLst/>
-          </a:prstGeom>
-        </p:spPr>
-      </p:pic>
-    </p:spTree>
-    <p:extLst>
-      <p:ext uri="{BB962C8B-B14F-4D97-AF65-F5344CB8AC3E}">
-        <p14:creationId xmlns:p14="http://schemas.microsoft.com/office/powerpoint/2010/main" val="3823260024"/>
-      </p:ext>
-    </p:extLst>
-  </p:cSld>
-  <p:clrMapOvr>
-    <a:masterClrMapping/>
-  </p:clrMapOvr>
-</p:sldLayout>
-</file>
-
-<file path=ppt/slideLayouts/slideLayout4.xml><?xml version="1.0" encoding="utf-8"?>
-<p:sldLayout xmlns:a="http://schemas.openxmlformats.org/drawingml/2006/main" xmlns:r="http://schemas.openxmlformats.org/officeDocument/2006/relationships" xmlns:p="http://schemas.openxmlformats.org/presentationml/2006/main" preserve="1" userDrawn="1">
-  <p:cSld name="Title and Content">
+  <p:cSld name="1_Title and Content">
     <p:spTree>
       <p:nvGrpSpPr>
         <p:cNvPr id="1" name=""/>
@@ -2211,7 +1370,7 @@
     </p:spTree>
     <p:extLst>
       <p:ext uri="{BB962C8B-B14F-4D97-AF65-F5344CB8AC3E}">
-        <p14:creationId xmlns:p14="http://schemas.microsoft.com/office/powerpoint/2010/main" val="1607745834"/>
+        <p14:creationId xmlns:p14="http://schemas.microsoft.com/office/powerpoint/2010/main" val="4175904742"/>
       </p:ext>
     </p:extLst>
   </p:cSld>
@@ -2221,9 +1380,9 @@
 </p:sldLayout>
 </file>
 
-<file path=ppt/slideLayouts/slideLayout5.xml><?xml version="1.0" encoding="utf-8"?>
-<p:sldLayout xmlns:a="http://schemas.openxmlformats.org/drawingml/2006/main" xmlns:r="http://schemas.openxmlformats.org/officeDocument/2006/relationships" xmlns:p="http://schemas.openxmlformats.org/presentationml/2006/main" preserve="1" userDrawn="1">
-  <p:cSld name="Two Content">
+<file path=ppt/slideLayouts/slideLayout14.xml><?xml version="1.0" encoding="utf-8"?>
+<p:sldLayout xmlns:a="http://schemas.openxmlformats.org/drawingml/2006/main" xmlns:r="http://schemas.openxmlformats.org/officeDocument/2006/relationships" xmlns:p="http://schemas.openxmlformats.org/presentationml/2006/main" userDrawn="1">
+  <p:cSld name="1_Two Content">
     <p:spTree>
       <p:nvGrpSpPr>
         <p:cNvPr id="1" name=""/>
@@ -2443,7 +1602,7 @@
     </p:spTree>
     <p:extLst>
       <p:ext uri="{BB962C8B-B14F-4D97-AF65-F5344CB8AC3E}">
-        <p14:creationId xmlns:p14="http://schemas.microsoft.com/office/powerpoint/2010/main" val="3199461456"/>
+        <p14:creationId xmlns:p14="http://schemas.microsoft.com/office/powerpoint/2010/main" val="2252675929"/>
       </p:ext>
     </p:extLst>
   </p:cSld>
@@ -2453,8 +1612,1340 @@
 </p:sldLayout>
 </file>
 
-<file path=ppt/slideLayouts/slideLayout6.xml><?xml version="1.0" encoding="utf-8"?>
-<p:sldLayout xmlns:a="http://schemas.openxmlformats.org/drawingml/2006/main" xmlns:r="http://schemas.openxmlformats.org/officeDocument/2006/relationships" xmlns:p="http://schemas.openxmlformats.org/presentationml/2006/main" preserve="1" userDrawn="1">
+<file path=ppt/slideLayouts/slideLayout15.xml><?xml version="1.0" encoding="utf-8"?>
+<p:sldLayout xmlns:a="http://schemas.openxmlformats.org/drawingml/2006/main" xmlns:r="http://schemas.openxmlformats.org/officeDocument/2006/relationships" xmlns:p="http://schemas.openxmlformats.org/presentationml/2006/main" userDrawn="1">
+  <p:cSld name="2_Two Content">
+    <p:spTree>
+      <p:nvGrpSpPr>
+        <p:cNvPr id="1" name=""/>
+        <p:cNvGrpSpPr/>
+        <p:nvPr/>
+      </p:nvGrpSpPr>
+      <p:grpSpPr>
+        <a:xfrm>
+          <a:off x="0" y="0"/>
+          <a:ext cx="0" cy="0"/>
+          <a:chOff x="0" y="0"/>
+          <a:chExt cx="0" cy="0"/>
+        </a:xfrm>
+      </p:grpSpPr>
+      <p:sp>
+        <p:nvSpPr>
+          <p:cNvPr id="8" name="Content Placeholder 3"/>
+          <p:cNvSpPr>
+            <a:spLocks noGrp="1"/>
+          </p:cNvSpPr>
+          <p:nvPr>
+            <p:ph sz="half" idx="2"/>
+          </p:nvPr>
+        </p:nvSpPr>
+        <p:spPr>
+          <a:xfrm>
+            <a:off x="379511" y="1371601"/>
+            <a:ext cx="5616915" cy="4953001"/>
+          </a:xfrm>
+          <a:prstGeom prst="rect">
+            <a:avLst/>
+          </a:prstGeom>
+        </p:spPr>
+        <p:txBody>
+          <a:bodyPr>
+            <a:normAutofit/>
+          </a:bodyPr>
+          <a:lstStyle>
+            <a:lvl1pPr>
+              <a:defRPr sz="3200"/>
+            </a:lvl1pPr>
+            <a:lvl2pPr>
+              <a:defRPr sz="2800"/>
+            </a:lvl2pPr>
+            <a:lvl3pPr>
+              <a:defRPr sz="2400"/>
+            </a:lvl3pPr>
+            <a:lvl4pPr>
+              <a:defRPr sz="2000"/>
+            </a:lvl4pPr>
+            <a:lvl5pPr>
+              <a:defRPr sz="2000"/>
+            </a:lvl5pPr>
+            <a:lvl6pPr>
+              <a:defRPr sz="1600"/>
+            </a:lvl6pPr>
+            <a:lvl7pPr>
+              <a:defRPr sz="1600"/>
+            </a:lvl7pPr>
+            <a:lvl8pPr>
+              <a:defRPr sz="1600"/>
+            </a:lvl8pPr>
+            <a:lvl9pPr>
+              <a:defRPr sz="1600"/>
+            </a:lvl9pPr>
+          </a:lstStyle>
+          <a:p>
+            <a:pPr lvl="0"/>
+            <a:r>
+              <a:rPr lang="en-US"/>
+              <a:t>Click to edit Master text styles</a:t>
+            </a:r>
+          </a:p>
+          <a:p>
+            <a:pPr lvl="1"/>
+            <a:r>
+              <a:rPr lang="en-US"/>
+              <a:t>Second level</a:t>
+            </a:r>
+          </a:p>
+          <a:p>
+            <a:pPr lvl="2"/>
+            <a:r>
+              <a:rPr lang="en-US"/>
+              <a:t>Third level</a:t>
+            </a:r>
+          </a:p>
+          <a:p>
+            <a:pPr lvl="3"/>
+            <a:r>
+              <a:rPr lang="en-US"/>
+              <a:t>Fourth level</a:t>
+            </a:r>
+          </a:p>
+          <a:p>
+            <a:pPr lvl="4"/>
+            <a:r>
+              <a:rPr lang="en-US"/>
+              <a:t>Fifth level</a:t>
+            </a:r>
+            <a:endParaRPr lang="en-US" dirty="0"/>
+          </a:p>
+        </p:txBody>
+      </p:sp>
+      <p:sp>
+        <p:nvSpPr>
+          <p:cNvPr id="9" name="Content Placeholder 5"/>
+          <p:cNvSpPr>
+            <a:spLocks noGrp="1"/>
+          </p:cNvSpPr>
+          <p:nvPr>
+            <p:ph sz="quarter" idx="4"/>
+          </p:nvPr>
+        </p:nvSpPr>
+        <p:spPr>
+          <a:xfrm>
+            <a:off x="6275742" y="1371601"/>
+            <a:ext cx="5619121" cy="4953001"/>
+          </a:xfrm>
+          <a:prstGeom prst="rect">
+            <a:avLst/>
+          </a:prstGeom>
+        </p:spPr>
+        <p:txBody>
+          <a:bodyPr>
+            <a:normAutofit/>
+          </a:bodyPr>
+          <a:lstStyle>
+            <a:lvl1pPr>
+              <a:defRPr sz="3200"/>
+            </a:lvl1pPr>
+            <a:lvl2pPr>
+              <a:defRPr sz="2800"/>
+            </a:lvl2pPr>
+            <a:lvl3pPr>
+              <a:defRPr sz="2400"/>
+            </a:lvl3pPr>
+            <a:lvl4pPr>
+              <a:defRPr sz="2000"/>
+            </a:lvl4pPr>
+            <a:lvl5pPr>
+              <a:defRPr sz="2000"/>
+            </a:lvl5pPr>
+            <a:lvl6pPr>
+              <a:defRPr sz="1600"/>
+            </a:lvl6pPr>
+            <a:lvl7pPr>
+              <a:defRPr sz="1600"/>
+            </a:lvl7pPr>
+            <a:lvl8pPr>
+              <a:defRPr sz="1600"/>
+            </a:lvl8pPr>
+            <a:lvl9pPr>
+              <a:defRPr sz="1600"/>
+            </a:lvl9pPr>
+          </a:lstStyle>
+          <a:p>
+            <a:pPr lvl="0"/>
+            <a:r>
+              <a:rPr lang="en-US"/>
+              <a:t>Click to edit Master text styles</a:t>
+            </a:r>
+          </a:p>
+          <a:p>
+            <a:pPr lvl="1"/>
+            <a:r>
+              <a:rPr lang="en-US"/>
+              <a:t>Second level</a:t>
+            </a:r>
+          </a:p>
+          <a:p>
+            <a:pPr lvl="2"/>
+            <a:r>
+              <a:rPr lang="en-US"/>
+              <a:t>Third level</a:t>
+            </a:r>
+          </a:p>
+          <a:p>
+            <a:pPr lvl="3"/>
+            <a:r>
+              <a:rPr lang="en-US"/>
+              <a:t>Fourth level</a:t>
+            </a:r>
+          </a:p>
+          <a:p>
+            <a:pPr lvl="4"/>
+            <a:r>
+              <a:rPr lang="en-US"/>
+              <a:t>Fifth level</a:t>
+            </a:r>
+            <a:endParaRPr lang="en-US" dirty="0"/>
+          </a:p>
+        </p:txBody>
+      </p:sp>
+      <p:sp>
+        <p:nvSpPr>
+          <p:cNvPr id="2" name="Title 1"/>
+          <p:cNvSpPr>
+            <a:spLocks noGrp="1"/>
+          </p:cNvSpPr>
+          <p:nvPr>
+            <p:ph type="title"/>
+          </p:nvPr>
+        </p:nvSpPr>
+        <p:spPr/>
+        <p:txBody>
+          <a:bodyPr/>
+          <a:lstStyle/>
+          <a:p>
+            <a:r>
+              <a:rPr lang="en-US"/>
+              <a:t>Click to edit Master title style</a:t>
+            </a:r>
+          </a:p>
+        </p:txBody>
+      </p:sp>
+    </p:spTree>
+    <p:extLst>
+      <p:ext uri="{BB962C8B-B14F-4D97-AF65-F5344CB8AC3E}">
+        <p14:creationId xmlns:p14="http://schemas.microsoft.com/office/powerpoint/2010/main" val="3164754663"/>
+      </p:ext>
+    </p:extLst>
+  </p:cSld>
+  <p:clrMapOvr>
+    <a:masterClrMapping/>
+  </p:clrMapOvr>
+</p:sldLayout>
+</file>
+
+<file path=ppt/slideLayouts/slideLayout16.xml><?xml version="1.0" encoding="utf-8"?>
+<p:sldLayout xmlns:a="http://schemas.openxmlformats.org/drawingml/2006/main" xmlns:r="http://schemas.openxmlformats.org/officeDocument/2006/relationships" xmlns:p="http://schemas.openxmlformats.org/presentationml/2006/main" userDrawn="1">
+  <p:cSld name="2_Title and Content">
+    <p:spTree>
+      <p:nvGrpSpPr>
+        <p:cNvPr id="1" name=""/>
+        <p:cNvGrpSpPr/>
+        <p:nvPr/>
+      </p:nvGrpSpPr>
+      <p:grpSpPr>
+        <a:xfrm>
+          <a:off x="0" y="0"/>
+          <a:ext cx="0" cy="0"/>
+          <a:chOff x="0" y="0"/>
+          <a:chExt cx="0" cy="0"/>
+        </a:xfrm>
+      </p:grpSpPr>
+      <p:sp>
+        <p:nvSpPr>
+          <p:cNvPr id="3" name="Title 2"/>
+          <p:cNvSpPr>
+            <a:spLocks noGrp="1"/>
+          </p:cNvSpPr>
+          <p:nvPr>
+            <p:ph type="title"/>
+          </p:nvPr>
+        </p:nvSpPr>
+        <p:spPr/>
+        <p:txBody>
+          <a:bodyPr/>
+          <a:lstStyle/>
+          <a:p>
+            <a:r>
+              <a:rPr lang="en-US"/>
+              <a:t>Click to edit Master title style</a:t>
+            </a:r>
+            <a:endParaRPr lang="en-US" dirty="0"/>
+          </a:p>
+        </p:txBody>
+      </p:sp>
+      <p:sp>
+        <p:nvSpPr>
+          <p:cNvPr id="6" name="Content Placeholder 5"/>
+          <p:cNvSpPr>
+            <a:spLocks noGrp="1"/>
+          </p:cNvSpPr>
+          <p:nvPr>
+            <p:ph sz="quarter" idx="10"/>
+          </p:nvPr>
+        </p:nvSpPr>
+        <p:spPr>
+          <a:xfrm>
+            <a:off x="379413" y="1388226"/>
+            <a:ext cx="11525250" cy="5290388"/>
+          </a:xfrm>
+          <a:prstGeom prst="rect">
+            <a:avLst/>
+          </a:prstGeom>
+        </p:spPr>
+        <p:txBody>
+          <a:bodyPr/>
+          <a:lstStyle>
+            <a:lvl1pPr>
+              <a:spcBef>
+                <a:spcPts val="1400"/>
+              </a:spcBef>
+              <a:defRPr b="0"/>
+            </a:lvl1pPr>
+            <a:lvl2pPr>
+              <a:defRPr>
+                <a:solidFill>
+                  <a:schemeClr val="tx1">
+                    <a:lumMod val="75000"/>
+                    <a:lumOff val="25000"/>
+                  </a:schemeClr>
+                </a:solidFill>
+              </a:defRPr>
+            </a:lvl2pPr>
+          </a:lstStyle>
+          <a:p>
+            <a:pPr lvl="0"/>
+            <a:r>
+              <a:rPr lang="en-US"/>
+              <a:t>Click to edit Master text styles</a:t>
+            </a:r>
+          </a:p>
+          <a:p>
+            <a:pPr lvl="1"/>
+            <a:r>
+              <a:rPr lang="en-US"/>
+              <a:t>Second level</a:t>
+            </a:r>
+          </a:p>
+          <a:p>
+            <a:pPr lvl="2"/>
+            <a:r>
+              <a:rPr lang="en-US"/>
+              <a:t>Third level</a:t>
+            </a:r>
+          </a:p>
+          <a:p>
+            <a:pPr lvl="3"/>
+            <a:r>
+              <a:rPr lang="en-US"/>
+              <a:t>Fourth level</a:t>
+            </a:r>
+          </a:p>
+          <a:p>
+            <a:pPr lvl="4"/>
+            <a:r>
+              <a:rPr lang="en-US"/>
+              <a:t>Fifth level</a:t>
+            </a:r>
+            <a:endParaRPr lang="en-US" dirty="0"/>
+          </a:p>
+        </p:txBody>
+      </p:sp>
+    </p:spTree>
+    <p:extLst>
+      <p:ext uri="{BB962C8B-B14F-4D97-AF65-F5344CB8AC3E}">
+        <p14:creationId xmlns:p14="http://schemas.microsoft.com/office/powerpoint/2010/main" val="2324478293"/>
+      </p:ext>
+    </p:extLst>
+  </p:cSld>
+  <p:clrMapOvr>
+    <a:masterClrMapping/>
+  </p:clrMapOvr>
+</p:sldLayout>
+</file>
+
+<file path=ppt/slideLayouts/slideLayout17.xml><?xml version="1.0" encoding="utf-8"?>
+<p:sldLayout xmlns:a="http://schemas.openxmlformats.org/drawingml/2006/main" xmlns:r="http://schemas.openxmlformats.org/officeDocument/2006/relationships" xmlns:p="http://schemas.openxmlformats.org/presentationml/2006/main" userDrawn="1">
+  <p:cSld name="3_Two Content">
+    <p:spTree>
+      <p:nvGrpSpPr>
+        <p:cNvPr id="1" name=""/>
+        <p:cNvGrpSpPr/>
+        <p:nvPr/>
+      </p:nvGrpSpPr>
+      <p:grpSpPr>
+        <a:xfrm>
+          <a:off x="0" y="0"/>
+          <a:ext cx="0" cy="0"/>
+          <a:chOff x="0" y="0"/>
+          <a:chExt cx="0" cy="0"/>
+        </a:xfrm>
+      </p:grpSpPr>
+      <p:sp>
+        <p:nvSpPr>
+          <p:cNvPr id="8" name="Content Placeholder 3"/>
+          <p:cNvSpPr>
+            <a:spLocks noGrp="1"/>
+          </p:cNvSpPr>
+          <p:nvPr>
+            <p:ph sz="half" idx="2"/>
+          </p:nvPr>
+        </p:nvSpPr>
+        <p:spPr>
+          <a:xfrm>
+            <a:off x="379511" y="1371601"/>
+            <a:ext cx="5616915" cy="4953001"/>
+          </a:xfrm>
+          <a:prstGeom prst="rect">
+            <a:avLst/>
+          </a:prstGeom>
+        </p:spPr>
+        <p:txBody>
+          <a:bodyPr>
+            <a:normAutofit/>
+          </a:bodyPr>
+          <a:lstStyle>
+            <a:lvl1pPr>
+              <a:defRPr sz="3200"/>
+            </a:lvl1pPr>
+            <a:lvl2pPr>
+              <a:defRPr sz="2800"/>
+            </a:lvl2pPr>
+            <a:lvl3pPr>
+              <a:defRPr sz="2400"/>
+            </a:lvl3pPr>
+            <a:lvl4pPr>
+              <a:defRPr sz="2000"/>
+            </a:lvl4pPr>
+            <a:lvl5pPr>
+              <a:defRPr sz="2000"/>
+            </a:lvl5pPr>
+            <a:lvl6pPr>
+              <a:defRPr sz="1600"/>
+            </a:lvl6pPr>
+            <a:lvl7pPr>
+              <a:defRPr sz="1600"/>
+            </a:lvl7pPr>
+            <a:lvl8pPr>
+              <a:defRPr sz="1600"/>
+            </a:lvl8pPr>
+            <a:lvl9pPr>
+              <a:defRPr sz="1600"/>
+            </a:lvl9pPr>
+          </a:lstStyle>
+          <a:p>
+            <a:pPr lvl="0"/>
+            <a:r>
+              <a:rPr lang="en-US"/>
+              <a:t>Click to edit Master text styles</a:t>
+            </a:r>
+          </a:p>
+          <a:p>
+            <a:pPr lvl="1"/>
+            <a:r>
+              <a:rPr lang="en-US"/>
+              <a:t>Second level</a:t>
+            </a:r>
+          </a:p>
+          <a:p>
+            <a:pPr lvl="2"/>
+            <a:r>
+              <a:rPr lang="en-US"/>
+              <a:t>Third level</a:t>
+            </a:r>
+          </a:p>
+          <a:p>
+            <a:pPr lvl="3"/>
+            <a:r>
+              <a:rPr lang="en-US"/>
+              <a:t>Fourth level</a:t>
+            </a:r>
+          </a:p>
+          <a:p>
+            <a:pPr lvl="4"/>
+            <a:r>
+              <a:rPr lang="en-US"/>
+              <a:t>Fifth level</a:t>
+            </a:r>
+            <a:endParaRPr lang="en-US" dirty="0"/>
+          </a:p>
+        </p:txBody>
+      </p:sp>
+      <p:sp>
+        <p:nvSpPr>
+          <p:cNvPr id="9" name="Content Placeholder 5"/>
+          <p:cNvSpPr>
+            <a:spLocks noGrp="1"/>
+          </p:cNvSpPr>
+          <p:nvPr>
+            <p:ph sz="quarter" idx="4"/>
+          </p:nvPr>
+        </p:nvSpPr>
+        <p:spPr>
+          <a:xfrm>
+            <a:off x="6275742" y="1371601"/>
+            <a:ext cx="5619121" cy="4953001"/>
+          </a:xfrm>
+          <a:prstGeom prst="rect">
+            <a:avLst/>
+          </a:prstGeom>
+        </p:spPr>
+        <p:txBody>
+          <a:bodyPr>
+            <a:normAutofit/>
+          </a:bodyPr>
+          <a:lstStyle>
+            <a:lvl1pPr>
+              <a:defRPr sz="3200"/>
+            </a:lvl1pPr>
+            <a:lvl2pPr>
+              <a:defRPr sz="2800"/>
+            </a:lvl2pPr>
+            <a:lvl3pPr>
+              <a:defRPr sz="2400"/>
+            </a:lvl3pPr>
+            <a:lvl4pPr>
+              <a:defRPr sz="2000"/>
+            </a:lvl4pPr>
+            <a:lvl5pPr>
+              <a:defRPr sz="2000"/>
+            </a:lvl5pPr>
+            <a:lvl6pPr>
+              <a:defRPr sz="1600"/>
+            </a:lvl6pPr>
+            <a:lvl7pPr>
+              <a:defRPr sz="1600"/>
+            </a:lvl7pPr>
+            <a:lvl8pPr>
+              <a:defRPr sz="1600"/>
+            </a:lvl8pPr>
+            <a:lvl9pPr>
+              <a:defRPr sz="1600"/>
+            </a:lvl9pPr>
+          </a:lstStyle>
+          <a:p>
+            <a:pPr lvl="0"/>
+            <a:r>
+              <a:rPr lang="en-US"/>
+              <a:t>Click to edit Master text styles</a:t>
+            </a:r>
+          </a:p>
+          <a:p>
+            <a:pPr lvl="1"/>
+            <a:r>
+              <a:rPr lang="en-US"/>
+              <a:t>Second level</a:t>
+            </a:r>
+          </a:p>
+          <a:p>
+            <a:pPr lvl="2"/>
+            <a:r>
+              <a:rPr lang="en-US"/>
+              <a:t>Third level</a:t>
+            </a:r>
+          </a:p>
+          <a:p>
+            <a:pPr lvl="3"/>
+            <a:r>
+              <a:rPr lang="en-US"/>
+              <a:t>Fourth level</a:t>
+            </a:r>
+          </a:p>
+          <a:p>
+            <a:pPr lvl="4"/>
+            <a:r>
+              <a:rPr lang="en-US"/>
+              <a:t>Fifth level</a:t>
+            </a:r>
+            <a:endParaRPr lang="en-US" dirty="0"/>
+          </a:p>
+        </p:txBody>
+      </p:sp>
+      <p:sp>
+        <p:nvSpPr>
+          <p:cNvPr id="2" name="Title 1"/>
+          <p:cNvSpPr>
+            <a:spLocks noGrp="1"/>
+          </p:cNvSpPr>
+          <p:nvPr>
+            <p:ph type="title"/>
+          </p:nvPr>
+        </p:nvSpPr>
+        <p:spPr/>
+        <p:txBody>
+          <a:bodyPr/>
+          <a:lstStyle/>
+          <a:p>
+            <a:r>
+              <a:rPr lang="en-US"/>
+              <a:t>Click to edit Master title style</a:t>
+            </a:r>
+          </a:p>
+        </p:txBody>
+      </p:sp>
+    </p:spTree>
+    <p:extLst>
+      <p:ext uri="{BB962C8B-B14F-4D97-AF65-F5344CB8AC3E}">
+        <p14:creationId xmlns:p14="http://schemas.microsoft.com/office/powerpoint/2010/main" val="813594778"/>
+      </p:ext>
+    </p:extLst>
+  </p:cSld>
+  <p:clrMapOvr>
+    <a:masterClrMapping/>
+  </p:clrMapOvr>
+</p:sldLayout>
+</file>
+
+<file path=ppt/slideLayouts/slideLayout2.xml><?xml version="1.0" encoding="utf-8"?>
+<p:sldLayout xmlns:a="http://schemas.openxmlformats.org/drawingml/2006/main" xmlns:r="http://schemas.openxmlformats.org/officeDocument/2006/relationships" xmlns:p="http://schemas.openxmlformats.org/presentationml/2006/main" type="obj" preserve="1">
+  <p:cSld name="Title and Content">
+    <p:spTree>
+      <p:nvGrpSpPr>
+        <p:cNvPr id="1" name=""/>
+        <p:cNvGrpSpPr/>
+        <p:nvPr/>
+      </p:nvGrpSpPr>
+      <p:grpSpPr>
+        <a:xfrm>
+          <a:off x="0" y="0"/>
+          <a:ext cx="0" cy="0"/>
+          <a:chOff x="0" y="0"/>
+          <a:chExt cx="0" cy="0"/>
+        </a:xfrm>
+      </p:grpSpPr>
+      <p:sp>
+        <p:nvSpPr>
+          <p:cNvPr id="2" name="Title 1">
+            <a:extLst>
+              <a:ext uri="{FF2B5EF4-FFF2-40B4-BE49-F238E27FC236}">
+                <a16:creationId xmlns:a16="http://schemas.microsoft.com/office/drawing/2014/main" id="{18406EF7-FA8E-427B-9432-970186C380F7}"/>
+              </a:ext>
+            </a:extLst>
+          </p:cNvPr>
+          <p:cNvSpPr>
+            <a:spLocks noGrp="1"/>
+          </p:cNvSpPr>
+          <p:nvPr>
+            <p:ph type="title"/>
+          </p:nvPr>
+        </p:nvSpPr>
+        <p:spPr/>
+        <p:txBody>
+          <a:bodyPr/>
+          <a:lstStyle/>
+          <a:p>
+            <a:r>
+              <a:rPr lang="en-US"/>
+              <a:t>Click to edit Master title style</a:t>
+            </a:r>
+          </a:p>
+        </p:txBody>
+      </p:sp>
+      <p:sp>
+        <p:nvSpPr>
+          <p:cNvPr id="3" name="Content Placeholder 2">
+            <a:extLst>
+              <a:ext uri="{FF2B5EF4-FFF2-40B4-BE49-F238E27FC236}">
+                <a16:creationId xmlns:a16="http://schemas.microsoft.com/office/drawing/2014/main" id="{1FE7E57B-3D1A-419E-91F4-A39B7BEEB25D}"/>
+              </a:ext>
+            </a:extLst>
+          </p:cNvPr>
+          <p:cNvSpPr>
+            <a:spLocks noGrp="1"/>
+          </p:cNvSpPr>
+          <p:nvPr>
+            <p:ph idx="1"/>
+          </p:nvPr>
+        </p:nvSpPr>
+        <p:spPr/>
+        <p:txBody>
+          <a:bodyPr/>
+          <a:lstStyle/>
+          <a:p>
+            <a:pPr lvl="0"/>
+            <a:r>
+              <a:rPr lang="en-US"/>
+              <a:t>Click to edit Master text styles</a:t>
+            </a:r>
+          </a:p>
+          <a:p>
+            <a:pPr lvl="1"/>
+            <a:r>
+              <a:rPr lang="en-US"/>
+              <a:t>Second level</a:t>
+            </a:r>
+          </a:p>
+          <a:p>
+            <a:pPr lvl="2"/>
+            <a:r>
+              <a:rPr lang="en-US"/>
+              <a:t>Third level</a:t>
+            </a:r>
+          </a:p>
+          <a:p>
+            <a:pPr lvl="3"/>
+            <a:r>
+              <a:rPr lang="en-US"/>
+              <a:t>Fourth level</a:t>
+            </a:r>
+          </a:p>
+          <a:p>
+            <a:pPr lvl="4"/>
+            <a:r>
+              <a:rPr lang="en-US"/>
+              <a:t>Fifth level</a:t>
+            </a:r>
+          </a:p>
+        </p:txBody>
+      </p:sp>
+      <p:sp>
+        <p:nvSpPr>
+          <p:cNvPr id="4" name="Date Placeholder 3">
+            <a:extLst>
+              <a:ext uri="{FF2B5EF4-FFF2-40B4-BE49-F238E27FC236}">
+                <a16:creationId xmlns:a16="http://schemas.microsoft.com/office/drawing/2014/main" id="{C9E68587-F52F-4F88-BB35-F242EF782BC7}"/>
+              </a:ext>
+            </a:extLst>
+          </p:cNvPr>
+          <p:cNvSpPr>
+            <a:spLocks noGrp="1"/>
+          </p:cNvSpPr>
+          <p:nvPr>
+            <p:ph type="dt" sz="half" idx="10"/>
+          </p:nvPr>
+        </p:nvSpPr>
+        <p:spPr/>
+        <p:txBody>
+          <a:bodyPr/>
+          <a:lstStyle/>
+          <a:p>
+            <a:fld id="{571179DB-8C0F-4DAE-A821-BADEDABE9281}" type="datetimeFigureOut">
+              <a:rPr lang="en-US" smtClean="0"/>
+              <a:t>5/18/2020</a:t>
+            </a:fld>
+            <a:endParaRPr lang="en-US"/>
+          </a:p>
+        </p:txBody>
+      </p:sp>
+      <p:sp>
+        <p:nvSpPr>
+          <p:cNvPr id="5" name="Footer Placeholder 4">
+            <a:extLst>
+              <a:ext uri="{FF2B5EF4-FFF2-40B4-BE49-F238E27FC236}">
+                <a16:creationId xmlns:a16="http://schemas.microsoft.com/office/drawing/2014/main" id="{631697B1-1870-452A-9B84-CA9A7D0C05AC}"/>
+              </a:ext>
+            </a:extLst>
+          </p:cNvPr>
+          <p:cNvSpPr>
+            <a:spLocks noGrp="1"/>
+          </p:cNvSpPr>
+          <p:nvPr>
+            <p:ph type="ftr" sz="quarter" idx="11"/>
+          </p:nvPr>
+        </p:nvSpPr>
+        <p:spPr/>
+        <p:txBody>
+          <a:bodyPr/>
+          <a:lstStyle/>
+          <a:p>
+            <a:endParaRPr lang="en-US"/>
+          </a:p>
+        </p:txBody>
+      </p:sp>
+      <p:sp>
+        <p:nvSpPr>
+          <p:cNvPr id="6" name="Slide Number Placeholder 5">
+            <a:extLst>
+              <a:ext uri="{FF2B5EF4-FFF2-40B4-BE49-F238E27FC236}">
+                <a16:creationId xmlns:a16="http://schemas.microsoft.com/office/drawing/2014/main" id="{68DEFA1E-0C3B-4E1E-B76E-7A2DF891684F}"/>
+              </a:ext>
+            </a:extLst>
+          </p:cNvPr>
+          <p:cNvSpPr>
+            <a:spLocks noGrp="1"/>
+          </p:cNvSpPr>
+          <p:nvPr>
+            <p:ph type="sldNum" sz="quarter" idx="12"/>
+          </p:nvPr>
+        </p:nvSpPr>
+        <p:spPr/>
+        <p:txBody>
+          <a:bodyPr/>
+          <a:lstStyle/>
+          <a:p>
+            <a:fld id="{1753FD4B-41E0-4270-A5D2-7394C175DF7E}" type="slidenum">
+              <a:rPr lang="en-US" smtClean="0"/>
+              <a:t>‹#›</a:t>
+            </a:fld>
+            <a:endParaRPr lang="en-US"/>
+          </a:p>
+        </p:txBody>
+      </p:sp>
+    </p:spTree>
+    <p:extLst>
+      <p:ext uri="{BB962C8B-B14F-4D97-AF65-F5344CB8AC3E}">
+        <p14:creationId xmlns:p14="http://schemas.microsoft.com/office/powerpoint/2010/main" val="1288308541"/>
+      </p:ext>
+    </p:extLst>
+  </p:cSld>
+  <p:clrMapOvr>
+    <a:masterClrMapping/>
+  </p:clrMapOvr>
+</p:sldLayout>
+</file>
+
+<file path=ppt/slideLayouts/slideLayout3.xml><?xml version="1.0" encoding="utf-8"?>
+<p:sldLayout xmlns:a="http://schemas.openxmlformats.org/drawingml/2006/main" xmlns:r="http://schemas.openxmlformats.org/officeDocument/2006/relationships" xmlns:p="http://schemas.openxmlformats.org/presentationml/2006/main" type="secHead" preserve="1">
+  <p:cSld name="Section Header">
+    <p:spTree>
+      <p:nvGrpSpPr>
+        <p:cNvPr id="1" name=""/>
+        <p:cNvGrpSpPr/>
+        <p:nvPr/>
+      </p:nvGrpSpPr>
+      <p:grpSpPr>
+        <a:xfrm>
+          <a:off x="0" y="0"/>
+          <a:ext cx="0" cy="0"/>
+          <a:chOff x="0" y="0"/>
+          <a:chExt cx="0" cy="0"/>
+        </a:xfrm>
+      </p:grpSpPr>
+      <p:sp>
+        <p:nvSpPr>
+          <p:cNvPr id="2" name="Title 1">
+            <a:extLst>
+              <a:ext uri="{FF2B5EF4-FFF2-40B4-BE49-F238E27FC236}">
+                <a16:creationId xmlns:a16="http://schemas.microsoft.com/office/drawing/2014/main" id="{23D29757-91D4-4CAC-814D-EBB1BD30D49F}"/>
+              </a:ext>
+            </a:extLst>
+          </p:cNvPr>
+          <p:cNvSpPr>
+            <a:spLocks noGrp="1"/>
+          </p:cNvSpPr>
+          <p:nvPr>
+            <p:ph type="title"/>
+          </p:nvPr>
+        </p:nvSpPr>
+        <p:spPr>
+          <a:xfrm>
+            <a:off x="831850" y="1709738"/>
+            <a:ext cx="10515600" cy="2852737"/>
+          </a:xfrm>
+        </p:spPr>
+        <p:txBody>
+          <a:bodyPr anchor="b"/>
+          <a:lstStyle>
+            <a:lvl1pPr>
+              <a:defRPr sz="6000"/>
+            </a:lvl1pPr>
+          </a:lstStyle>
+          <a:p>
+            <a:r>
+              <a:rPr lang="en-US"/>
+              <a:t>Click to edit Master title style</a:t>
+            </a:r>
+          </a:p>
+        </p:txBody>
+      </p:sp>
+      <p:sp>
+        <p:nvSpPr>
+          <p:cNvPr id="3" name="Text Placeholder 2">
+            <a:extLst>
+              <a:ext uri="{FF2B5EF4-FFF2-40B4-BE49-F238E27FC236}">
+                <a16:creationId xmlns:a16="http://schemas.microsoft.com/office/drawing/2014/main" id="{04501E17-4ED9-4DB8-93CE-57B1BD31FCD2}"/>
+              </a:ext>
+            </a:extLst>
+          </p:cNvPr>
+          <p:cNvSpPr>
+            <a:spLocks noGrp="1"/>
+          </p:cNvSpPr>
+          <p:nvPr>
+            <p:ph type="body" idx="1"/>
+          </p:nvPr>
+        </p:nvSpPr>
+        <p:spPr>
+          <a:xfrm>
+            <a:off x="831850" y="4589463"/>
+            <a:ext cx="10515600" cy="1500187"/>
+          </a:xfrm>
+        </p:spPr>
+        <p:txBody>
+          <a:bodyPr/>
+          <a:lstStyle>
+            <a:lvl1pPr marL="0" indent="0">
+              <a:buNone/>
+              <a:defRPr sz="2400">
+                <a:solidFill>
+                  <a:schemeClr val="tx1">
+                    <a:tint val="75000"/>
+                  </a:schemeClr>
+                </a:solidFill>
+              </a:defRPr>
+            </a:lvl1pPr>
+            <a:lvl2pPr marL="457200" indent="0">
+              <a:buNone/>
+              <a:defRPr sz="2000">
+                <a:solidFill>
+                  <a:schemeClr val="tx1">
+                    <a:tint val="75000"/>
+                  </a:schemeClr>
+                </a:solidFill>
+              </a:defRPr>
+            </a:lvl2pPr>
+            <a:lvl3pPr marL="914400" indent="0">
+              <a:buNone/>
+              <a:defRPr sz="1800">
+                <a:solidFill>
+                  <a:schemeClr val="tx1">
+                    <a:tint val="75000"/>
+                  </a:schemeClr>
+                </a:solidFill>
+              </a:defRPr>
+            </a:lvl3pPr>
+            <a:lvl4pPr marL="1371600" indent="0">
+              <a:buNone/>
+              <a:defRPr sz="1600">
+                <a:solidFill>
+                  <a:schemeClr val="tx1">
+                    <a:tint val="75000"/>
+                  </a:schemeClr>
+                </a:solidFill>
+              </a:defRPr>
+            </a:lvl4pPr>
+            <a:lvl5pPr marL="1828800" indent="0">
+              <a:buNone/>
+              <a:defRPr sz="1600">
+                <a:solidFill>
+                  <a:schemeClr val="tx1">
+                    <a:tint val="75000"/>
+                  </a:schemeClr>
+                </a:solidFill>
+              </a:defRPr>
+            </a:lvl5pPr>
+            <a:lvl6pPr marL="2286000" indent="0">
+              <a:buNone/>
+              <a:defRPr sz="1600">
+                <a:solidFill>
+                  <a:schemeClr val="tx1">
+                    <a:tint val="75000"/>
+                  </a:schemeClr>
+                </a:solidFill>
+              </a:defRPr>
+            </a:lvl6pPr>
+            <a:lvl7pPr marL="2743200" indent="0">
+              <a:buNone/>
+              <a:defRPr sz="1600">
+                <a:solidFill>
+                  <a:schemeClr val="tx1">
+                    <a:tint val="75000"/>
+                  </a:schemeClr>
+                </a:solidFill>
+              </a:defRPr>
+            </a:lvl7pPr>
+            <a:lvl8pPr marL="3200400" indent="0">
+              <a:buNone/>
+              <a:defRPr sz="1600">
+                <a:solidFill>
+                  <a:schemeClr val="tx1">
+                    <a:tint val="75000"/>
+                  </a:schemeClr>
+                </a:solidFill>
+              </a:defRPr>
+            </a:lvl8pPr>
+            <a:lvl9pPr marL="3657600" indent="0">
+              <a:buNone/>
+              <a:defRPr sz="1600">
+                <a:solidFill>
+                  <a:schemeClr val="tx1">
+                    <a:tint val="75000"/>
+                  </a:schemeClr>
+                </a:solidFill>
+              </a:defRPr>
+            </a:lvl9pPr>
+          </a:lstStyle>
+          <a:p>
+            <a:pPr lvl="0"/>
+            <a:r>
+              <a:rPr lang="en-US"/>
+              <a:t>Click to edit Master text styles</a:t>
+            </a:r>
+          </a:p>
+        </p:txBody>
+      </p:sp>
+      <p:sp>
+        <p:nvSpPr>
+          <p:cNvPr id="4" name="Date Placeholder 3">
+            <a:extLst>
+              <a:ext uri="{FF2B5EF4-FFF2-40B4-BE49-F238E27FC236}">
+                <a16:creationId xmlns:a16="http://schemas.microsoft.com/office/drawing/2014/main" id="{E3A59ED7-5883-49A4-AE61-29FB2783057B}"/>
+              </a:ext>
+            </a:extLst>
+          </p:cNvPr>
+          <p:cNvSpPr>
+            <a:spLocks noGrp="1"/>
+          </p:cNvSpPr>
+          <p:nvPr>
+            <p:ph type="dt" sz="half" idx="10"/>
+          </p:nvPr>
+        </p:nvSpPr>
+        <p:spPr/>
+        <p:txBody>
+          <a:bodyPr/>
+          <a:lstStyle/>
+          <a:p>
+            <a:fld id="{571179DB-8C0F-4DAE-A821-BADEDABE9281}" type="datetimeFigureOut">
+              <a:rPr lang="en-US" smtClean="0"/>
+              <a:t>5/18/2020</a:t>
+            </a:fld>
+            <a:endParaRPr lang="en-US"/>
+          </a:p>
+        </p:txBody>
+      </p:sp>
+      <p:sp>
+        <p:nvSpPr>
+          <p:cNvPr id="5" name="Footer Placeholder 4">
+            <a:extLst>
+              <a:ext uri="{FF2B5EF4-FFF2-40B4-BE49-F238E27FC236}">
+                <a16:creationId xmlns:a16="http://schemas.microsoft.com/office/drawing/2014/main" id="{AD74CC1F-8389-4513-A4C6-9135A42B91BD}"/>
+              </a:ext>
+            </a:extLst>
+          </p:cNvPr>
+          <p:cNvSpPr>
+            <a:spLocks noGrp="1"/>
+          </p:cNvSpPr>
+          <p:nvPr>
+            <p:ph type="ftr" sz="quarter" idx="11"/>
+          </p:nvPr>
+        </p:nvSpPr>
+        <p:spPr/>
+        <p:txBody>
+          <a:bodyPr/>
+          <a:lstStyle/>
+          <a:p>
+            <a:endParaRPr lang="en-US"/>
+          </a:p>
+        </p:txBody>
+      </p:sp>
+      <p:sp>
+        <p:nvSpPr>
+          <p:cNvPr id="6" name="Slide Number Placeholder 5">
+            <a:extLst>
+              <a:ext uri="{FF2B5EF4-FFF2-40B4-BE49-F238E27FC236}">
+                <a16:creationId xmlns:a16="http://schemas.microsoft.com/office/drawing/2014/main" id="{597780A8-0A20-48D9-8196-4D3184865B6B}"/>
+              </a:ext>
+            </a:extLst>
+          </p:cNvPr>
+          <p:cNvSpPr>
+            <a:spLocks noGrp="1"/>
+          </p:cNvSpPr>
+          <p:nvPr>
+            <p:ph type="sldNum" sz="quarter" idx="12"/>
+          </p:nvPr>
+        </p:nvSpPr>
+        <p:spPr/>
+        <p:txBody>
+          <a:bodyPr/>
+          <a:lstStyle/>
+          <a:p>
+            <a:fld id="{1753FD4B-41E0-4270-A5D2-7394C175DF7E}" type="slidenum">
+              <a:rPr lang="en-US" smtClean="0"/>
+              <a:t>‹#›</a:t>
+            </a:fld>
+            <a:endParaRPr lang="en-US"/>
+          </a:p>
+        </p:txBody>
+      </p:sp>
+    </p:spTree>
+    <p:extLst>
+      <p:ext uri="{BB962C8B-B14F-4D97-AF65-F5344CB8AC3E}">
+        <p14:creationId xmlns:p14="http://schemas.microsoft.com/office/powerpoint/2010/main" val="1435835623"/>
+      </p:ext>
+    </p:extLst>
+  </p:cSld>
+  <p:clrMapOvr>
+    <a:masterClrMapping/>
+  </p:clrMapOvr>
+</p:sldLayout>
+</file>
+
+<file path=ppt/slideLayouts/slideLayout4.xml><?xml version="1.0" encoding="utf-8"?>
+<p:sldLayout xmlns:a="http://schemas.openxmlformats.org/drawingml/2006/main" xmlns:r="http://schemas.openxmlformats.org/officeDocument/2006/relationships" xmlns:p="http://schemas.openxmlformats.org/presentationml/2006/main" type="twoObj" preserve="1">
+  <p:cSld name="Two Content">
+    <p:spTree>
+      <p:nvGrpSpPr>
+        <p:cNvPr id="1" name=""/>
+        <p:cNvGrpSpPr/>
+        <p:nvPr/>
+      </p:nvGrpSpPr>
+      <p:grpSpPr>
+        <a:xfrm>
+          <a:off x="0" y="0"/>
+          <a:ext cx="0" cy="0"/>
+          <a:chOff x="0" y="0"/>
+          <a:chExt cx="0" cy="0"/>
+        </a:xfrm>
+      </p:grpSpPr>
+      <p:sp>
+        <p:nvSpPr>
+          <p:cNvPr id="2" name="Title 1">
+            <a:extLst>
+              <a:ext uri="{FF2B5EF4-FFF2-40B4-BE49-F238E27FC236}">
+                <a16:creationId xmlns:a16="http://schemas.microsoft.com/office/drawing/2014/main" id="{CF98189C-D735-4AAB-A713-6CF6A771F03B}"/>
+              </a:ext>
+            </a:extLst>
+          </p:cNvPr>
+          <p:cNvSpPr>
+            <a:spLocks noGrp="1"/>
+          </p:cNvSpPr>
+          <p:nvPr>
+            <p:ph type="title"/>
+          </p:nvPr>
+        </p:nvSpPr>
+        <p:spPr/>
+        <p:txBody>
+          <a:bodyPr/>
+          <a:lstStyle/>
+          <a:p>
+            <a:r>
+              <a:rPr lang="en-US"/>
+              <a:t>Click to edit Master title style</a:t>
+            </a:r>
+          </a:p>
+        </p:txBody>
+      </p:sp>
+      <p:sp>
+        <p:nvSpPr>
+          <p:cNvPr id="3" name="Content Placeholder 2">
+            <a:extLst>
+              <a:ext uri="{FF2B5EF4-FFF2-40B4-BE49-F238E27FC236}">
+                <a16:creationId xmlns:a16="http://schemas.microsoft.com/office/drawing/2014/main" id="{7FA8203F-9C97-4C83-8744-8CD0BF23FB46}"/>
+              </a:ext>
+            </a:extLst>
+          </p:cNvPr>
+          <p:cNvSpPr>
+            <a:spLocks noGrp="1"/>
+          </p:cNvSpPr>
+          <p:nvPr>
+            <p:ph sz="half" idx="1"/>
+          </p:nvPr>
+        </p:nvSpPr>
+        <p:spPr>
+          <a:xfrm>
+            <a:off x="838200" y="1825625"/>
+            <a:ext cx="5181600" cy="4351338"/>
+          </a:xfrm>
+        </p:spPr>
+        <p:txBody>
+          <a:bodyPr/>
+          <a:lstStyle/>
+          <a:p>
+            <a:pPr lvl="0"/>
+            <a:r>
+              <a:rPr lang="en-US"/>
+              <a:t>Click to edit Master text styles</a:t>
+            </a:r>
+          </a:p>
+          <a:p>
+            <a:pPr lvl="1"/>
+            <a:r>
+              <a:rPr lang="en-US"/>
+              <a:t>Second level</a:t>
+            </a:r>
+          </a:p>
+          <a:p>
+            <a:pPr lvl="2"/>
+            <a:r>
+              <a:rPr lang="en-US"/>
+              <a:t>Third level</a:t>
+            </a:r>
+          </a:p>
+          <a:p>
+            <a:pPr lvl="3"/>
+            <a:r>
+              <a:rPr lang="en-US"/>
+              <a:t>Fourth level</a:t>
+            </a:r>
+          </a:p>
+          <a:p>
+            <a:pPr lvl="4"/>
+            <a:r>
+              <a:rPr lang="en-US"/>
+              <a:t>Fifth level</a:t>
+            </a:r>
+          </a:p>
+        </p:txBody>
+      </p:sp>
+      <p:sp>
+        <p:nvSpPr>
+          <p:cNvPr id="4" name="Content Placeholder 3">
+            <a:extLst>
+              <a:ext uri="{FF2B5EF4-FFF2-40B4-BE49-F238E27FC236}">
+                <a16:creationId xmlns:a16="http://schemas.microsoft.com/office/drawing/2014/main" id="{80198D78-4265-4F83-AAE2-5C8388645FC8}"/>
+              </a:ext>
+            </a:extLst>
+          </p:cNvPr>
+          <p:cNvSpPr>
+            <a:spLocks noGrp="1"/>
+          </p:cNvSpPr>
+          <p:nvPr>
+            <p:ph sz="half" idx="2"/>
+          </p:nvPr>
+        </p:nvSpPr>
+        <p:spPr>
+          <a:xfrm>
+            <a:off x="6172200" y="1825625"/>
+            <a:ext cx="5181600" cy="4351338"/>
+          </a:xfrm>
+        </p:spPr>
+        <p:txBody>
+          <a:bodyPr/>
+          <a:lstStyle/>
+          <a:p>
+            <a:pPr lvl="0"/>
+            <a:r>
+              <a:rPr lang="en-US"/>
+              <a:t>Click to edit Master text styles</a:t>
+            </a:r>
+          </a:p>
+          <a:p>
+            <a:pPr lvl="1"/>
+            <a:r>
+              <a:rPr lang="en-US"/>
+              <a:t>Second level</a:t>
+            </a:r>
+          </a:p>
+          <a:p>
+            <a:pPr lvl="2"/>
+            <a:r>
+              <a:rPr lang="en-US"/>
+              <a:t>Third level</a:t>
+            </a:r>
+          </a:p>
+          <a:p>
+            <a:pPr lvl="3"/>
+            <a:r>
+              <a:rPr lang="en-US"/>
+              <a:t>Fourth level</a:t>
+            </a:r>
+          </a:p>
+          <a:p>
+            <a:pPr lvl="4"/>
+            <a:r>
+              <a:rPr lang="en-US"/>
+              <a:t>Fifth level</a:t>
+            </a:r>
+          </a:p>
+        </p:txBody>
+      </p:sp>
+      <p:sp>
+        <p:nvSpPr>
+          <p:cNvPr id="5" name="Date Placeholder 4">
+            <a:extLst>
+              <a:ext uri="{FF2B5EF4-FFF2-40B4-BE49-F238E27FC236}">
+                <a16:creationId xmlns:a16="http://schemas.microsoft.com/office/drawing/2014/main" id="{0386F3A5-18ED-48CC-ABA3-EB53AFFB66BB}"/>
+              </a:ext>
+            </a:extLst>
+          </p:cNvPr>
+          <p:cNvSpPr>
+            <a:spLocks noGrp="1"/>
+          </p:cNvSpPr>
+          <p:nvPr>
+            <p:ph type="dt" sz="half" idx="10"/>
+          </p:nvPr>
+        </p:nvSpPr>
+        <p:spPr/>
+        <p:txBody>
+          <a:bodyPr/>
+          <a:lstStyle/>
+          <a:p>
+            <a:fld id="{571179DB-8C0F-4DAE-A821-BADEDABE9281}" type="datetimeFigureOut">
+              <a:rPr lang="en-US" smtClean="0"/>
+              <a:t>5/18/2020</a:t>
+            </a:fld>
+            <a:endParaRPr lang="en-US"/>
+          </a:p>
+        </p:txBody>
+      </p:sp>
+      <p:sp>
+        <p:nvSpPr>
+          <p:cNvPr id="6" name="Footer Placeholder 5">
+            <a:extLst>
+              <a:ext uri="{FF2B5EF4-FFF2-40B4-BE49-F238E27FC236}">
+                <a16:creationId xmlns:a16="http://schemas.microsoft.com/office/drawing/2014/main" id="{E18A0B1F-53FD-4459-850F-DB732B74B0A4}"/>
+              </a:ext>
+            </a:extLst>
+          </p:cNvPr>
+          <p:cNvSpPr>
+            <a:spLocks noGrp="1"/>
+          </p:cNvSpPr>
+          <p:nvPr>
+            <p:ph type="ftr" sz="quarter" idx="11"/>
+          </p:nvPr>
+        </p:nvSpPr>
+        <p:spPr/>
+        <p:txBody>
+          <a:bodyPr/>
+          <a:lstStyle/>
+          <a:p>
+            <a:endParaRPr lang="en-US"/>
+          </a:p>
+        </p:txBody>
+      </p:sp>
+      <p:sp>
+        <p:nvSpPr>
+          <p:cNvPr id="7" name="Slide Number Placeholder 6">
+            <a:extLst>
+              <a:ext uri="{FF2B5EF4-FFF2-40B4-BE49-F238E27FC236}">
+                <a16:creationId xmlns:a16="http://schemas.microsoft.com/office/drawing/2014/main" id="{C755E30B-4CDC-46C4-A976-0199E9AD2746}"/>
+              </a:ext>
+            </a:extLst>
+          </p:cNvPr>
+          <p:cNvSpPr>
+            <a:spLocks noGrp="1"/>
+          </p:cNvSpPr>
+          <p:nvPr>
+            <p:ph type="sldNum" sz="quarter" idx="12"/>
+          </p:nvPr>
+        </p:nvSpPr>
+        <p:spPr/>
+        <p:txBody>
+          <a:bodyPr/>
+          <a:lstStyle/>
+          <a:p>
+            <a:fld id="{1753FD4B-41E0-4270-A5D2-7394C175DF7E}" type="slidenum">
+              <a:rPr lang="en-US" smtClean="0"/>
+              <a:t>‹#›</a:t>
+            </a:fld>
+            <a:endParaRPr lang="en-US"/>
+          </a:p>
+        </p:txBody>
+      </p:sp>
+    </p:spTree>
+    <p:extLst>
+      <p:ext uri="{BB962C8B-B14F-4D97-AF65-F5344CB8AC3E}">
+        <p14:creationId xmlns:p14="http://schemas.microsoft.com/office/powerpoint/2010/main" val="1086488092"/>
+      </p:ext>
+    </p:extLst>
+  </p:cSld>
+  <p:clrMapOvr>
+    <a:masterClrMapping/>
+  </p:clrMapOvr>
+</p:sldLayout>
+</file>
+
+<file path=ppt/slideLayouts/slideLayout5.xml><?xml version="1.0" encoding="utf-8"?>
+<p:sldLayout xmlns:a="http://schemas.openxmlformats.org/drawingml/2006/main" xmlns:r="http://schemas.openxmlformats.org/officeDocument/2006/relationships" xmlns:p="http://schemas.openxmlformats.org/presentationml/2006/main" type="twoTxTwoObj" preserve="1">
   <p:cSld name="Comparison">
     <p:spTree>
       <p:nvGrpSpPr>
@@ -2472,69 +2963,95 @@
       </p:grpSpPr>
       <p:sp>
         <p:nvSpPr>
-          <p:cNvPr id="3" name="Text Placeholder 2"/>
-          <p:cNvSpPr>
-            <a:spLocks noGrp="1"/>
-          </p:cNvSpPr>
-          <p:nvPr>
-            <p:ph type="body" idx="1"/>
+          <p:cNvPr id="2" name="Title 1">
+            <a:extLst>
+              <a:ext uri="{FF2B5EF4-FFF2-40B4-BE49-F238E27FC236}">
+                <a16:creationId xmlns:a16="http://schemas.microsoft.com/office/drawing/2014/main" id="{1E105F33-1AC8-4B4E-9BFF-30F81FAAE636}"/>
+              </a:ext>
+            </a:extLst>
+          </p:cNvPr>
+          <p:cNvSpPr>
+            <a:spLocks noGrp="1"/>
+          </p:cNvSpPr>
+          <p:nvPr>
+            <p:ph type="title"/>
           </p:nvPr>
         </p:nvSpPr>
         <p:spPr>
           <a:xfrm>
-            <a:off x="379511" y="1330656"/>
-            <a:ext cx="5616915" cy="639762"/>
+            <a:off x="839788" y="365125"/>
+            <a:ext cx="10515600" cy="1325563"/>
           </a:xfrm>
-          <a:prstGeom prst="rect">
-            <a:avLst/>
-          </a:prstGeom>
-          <a:solidFill>
-            <a:srgbClr val="86C400"/>
-          </a:solidFill>
         </p:spPr>
         <p:txBody>
-          <a:bodyPr anchor="b">
-            <a:normAutofit/>
-          </a:bodyPr>
+          <a:bodyPr/>
+          <a:lstStyle/>
+          <a:p>
+            <a:r>
+              <a:rPr lang="en-US"/>
+              <a:t>Click to edit Master title style</a:t>
+            </a:r>
+          </a:p>
+        </p:txBody>
+      </p:sp>
+      <p:sp>
+        <p:nvSpPr>
+          <p:cNvPr id="3" name="Text Placeholder 2">
+            <a:extLst>
+              <a:ext uri="{FF2B5EF4-FFF2-40B4-BE49-F238E27FC236}">
+                <a16:creationId xmlns:a16="http://schemas.microsoft.com/office/drawing/2014/main" id="{6CF5DDCD-BFF1-422A-97D3-4D9042F0BB30}"/>
+              </a:ext>
+            </a:extLst>
+          </p:cNvPr>
+          <p:cNvSpPr>
+            <a:spLocks noGrp="1"/>
+          </p:cNvSpPr>
+          <p:nvPr>
+            <p:ph type="body" idx="1"/>
+          </p:nvPr>
+        </p:nvSpPr>
+        <p:spPr>
+          <a:xfrm>
+            <a:off x="839788" y="1681163"/>
+            <a:ext cx="5157787" cy="823912"/>
+          </a:xfrm>
+        </p:spPr>
+        <p:txBody>
+          <a:bodyPr anchor="b"/>
           <a:lstStyle>
             <a:lvl1pPr marL="0" indent="0">
               <a:buNone/>
-              <a:defRPr sz="3200" b="1">
-                <a:solidFill>
-                  <a:schemeClr val="bg1"/>
-                </a:solidFill>
-                <a:effectLst/>
-              </a:defRPr>
+              <a:defRPr sz="2400" b="1"/>
             </a:lvl1pPr>
-            <a:lvl2pPr marL="457044" indent="0">
+            <a:lvl2pPr marL="457200" indent="0">
               <a:buNone/>
               <a:defRPr sz="2000" b="1"/>
             </a:lvl2pPr>
-            <a:lvl3pPr marL="914088" indent="0">
+            <a:lvl3pPr marL="914400" indent="0">
               <a:buNone/>
               <a:defRPr sz="1800" b="1"/>
             </a:lvl3pPr>
-            <a:lvl4pPr marL="1371133" indent="0">
+            <a:lvl4pPr marL="1371600" indent="0">
               <a:buNone/>
               <a:defRPr sz="1600" b="1"/>
             </a:lvl4pPr>
-            <a:lvl5pPr marL="1828178" indent="0">
+            <a:lvl5pPr marL="1828800" indent="0">
               <a:buNone/>
               <a:defRPr sz="1600" b="1"/>
             </a:lvl5pPr>
-            <a:lvl6pPr marL="2285222" indent="0">
+            <a:lvl6pPr marL="2286000" indent="0">
               <a:buNone/>
               <a:defRPr sz="1600" b="1"/>
             </a:lvl6pPr>
-            <a:lvl7pPr marL="2742267" indent="0">
+            <a:lvl7pPr marL="2743200" indent="0">
               <a:buNone/>
               <a:defRPr sz="1600" b="1"/>
             </a:lvl7pPr>
-            <a:lvl8pPr marL="3199311" indent="0">
+            <a:lvl8pPr marL="3200400" indent="0">
               <a:buNone/>
               <a:defRPr sz="1600" b="1"/>
             </a:lvl8pPr>
-            <a:lvl9pPr marL="3656358" indent="0">
+            <a:lvl9pPr marL="3657600" indent="0">
               <a:buNone/>
               <a:defRPr sz="1600" b="1"/>
             </a:lvl9pPr>
@@ -2550,7 +3067,13 @@
       </p:sp>
       <p:sp>
         <p:nvSpPr>
-          <p:cNvPr id="4" name="Content Placeholder 3"/>
+          <p:cNvPr id="4" name="Content Placeholder 3">
+            <a:extLst>
+              <a:ext uri="{FF2B5EF4-FFF2-40B4-BE49-F238E27FC236}">
+                <a16:creationId xmlns:a16="http://schemas.microsoft.com/office/drawing/2014/main" id="{A8AB48C4-F742-450F-8231-6470A1CACB7E}"/>
+              </a:ext>
+            </a:extLst>
+          </p:cNvPr>
           <p:cNvSpPr>
             <a:spLocks noGrp="1"/>
           </p:cNvSpPr>
@@ -2560,44 +3083,13 @@
         </p:nvSpPr>
         <p:spPr>
           <a:xfrm>
-            <a:off x="379511" y="1981200"/>
-            <a:ext cx="5616915" cy="4648200"/>
+            <a:off x="839788" y="2505075"/>
+            <a:ext cx="5157787" cy="3684588"/>
           </a:xfrm>
-          <a:prstGeom prst="rect">
-            <a:avLst/>
-          </a:prstGeom>
         </p:spPr>
         <p:txBody>
           <a:bodyPr/>
-          <a:lstStyle>
-            <a:lvl1pPr>
-              <a:defRPr sz="2800"/>
-            </a:lvl1pPr>
-            <a:lvl2pPr>
-              <a:defRPr sz="2400"/>
-            </a:lvl2pPr>
-            <a:lvl3pPr>
-              <a:defRPr sz="2000"/>
-            </a:lvl3pPr>
-            <a:lvl4pPr>
-              <a:defRPr sz="1800"/>
-            </a:lvl4pPr>
-            <a:lvl5pPr>
-              <a:defRPr sz="1800"/>
-            </a:lvl5pPr>
-            <a:lvl6pPr>
-              <a:defRPr sz="1600"/>
-            </a:lvl6pPr>
-            <a:lvl7pPr>
-              <a:defRPr sz="1600"/>
-            </a:lvl7pPr>
-            <a:lvl8pPr>
-              <a:defRPr sz="1600"/>
-            </a:lvl8pPr>
-            <a:lvl9pPr>
-              <a:defRPr sz="1600"/>
-            </a:lvl9pPr>
-          </a:lstStyle>
+          <a:lstStyle/>
           <a:p>
             <a:pPr lvl="0"/>
             <a:r>
@@ -2632,13 +3124,18 @@
               <a:rPr lang="en-US"/>
               <a:t>Fifth level</a:t>
             </a:r>
-            <a:endParaRPr lang="en-US" dirty="0"/>
-          </a:p>
-        </p:txBody>
-      </p:sp>
-      <p:sp>
-        <p:nvSpPr>
-          <p:cNvPr id="5" name="Text Placeholder 4"/>
+          </a:p>
+        </p:txBody>
+      </p:sp>
+      <p:sp>
+        <p:nvSpPr>
+          <p:cNvPr id="5" name="Text Placeholder 4">
+            <a:extLst>
+              <a:ext uri="{FF2B5EF4-FFF2-40B4-BE49-F238E27FC236}">
+                <a16:creationId xmlns:a16="http://schemas.microsoft.com/office/drawing/2014/main" id="{9F199247-649A-42CF-8E09-6D3C3F24B57B}"/>
+              </a:ext>
+            </a:extLst>
+          </p:cNvPr>
           <p:cNvSpPr>
             <a:spLocks noGrp="1"/>
           </p:cNvSpPr>
@@ -2648,59 +3145,46 @@
         </p:nvSpPr>
         <p:spPr>
           <a:xfrm>
-            <a:off x="6345807" y="1330656"/>
-            <a:ext cx="5619121" cy="639762"/>
+            <a:off x="6172200" y="1681163"/>
+            <a:ext cx="5183188" cy="823912"/>
           </a:xfrm>
-          <a:prstGeom prst="rect">
-            <a:avLst/>
-          </a:prstGeom>
-          <a:solidFill>
-            <a:srgbClr val="1F497D"/>
-          </a:solidFill>
         </p:spPr>
         <p:txBody>
-          <a:bodyPr anchor="b">
-            <a:normAutofit/>
-          </a:bodyPr>
+          <a:bodyPr anchor="b"/>
           <a:lstStyle>
             <a:lvl1pPr marL="0" indent="0">
               <a:buNone/>
-              <a:defRPr sz="3200" b="1">
-                <a:solidFill>
-                  <a:schemeClr val="bg1"/>
-                </a:solidFill>
-                <a:effectLst/>
-              </a:defRPr>
+              <a:defRPr sz="2400" b="1"/>
             </a:lvl1pPr>
-            <a:lvl2pPr marL="457044" indent="0">
+            <a:lvl2pPr marL="457200" indent="0">
               <a:buNone/>
               <a:defRPr sz="2000" b="1"/>
             </a:lvl2pPr>
-            <a:lvl3pPr marL="914088" indent="0">
+            <a:lvl3pPr marL="914400" indent="0">
               <a:buNone/>
               <a:defRPr sz="1800" b="1"/>
             </a:lvl3pPr>
-            <a:lvl4pPr marL="1371133" indent="0">
+            <a:lvl4pPr marL="1371600" indent="0">
               <a:buNone/>
               <a:defRPr sz="1600" b="1"/>
             </a:lvl4pPr>
-            <a:lvl5pPr marL="1828178" indent="0">
+            <a:lvl5pPr marL="1828800" indent="0">
               <a:buNone/>
               <a:defRPr sz="1600" b="1"/>
             </a:lvl5pPr>
-            <a:lvl6pPr marL="2285222" indent="0">
+            <a:lvl6pPr marL="2286000" indent="0">
               <a:buNone/>
               <a:defRPr sz="1600" b="1"/>
             </a:lvl6pPr>
-            <a:lvl7pPr marL="2742267" indent="0">
+            <a:lvl7pPr marL="2743200" indent="0">
               <a:buNone/>
               <a:defRPr sz="1600" b="1"/>
             </a:lvl7pPr>
-            <a:lvl8pPr marL="3199311" indent="0">
+            <a:lvl8pPr marL="3200400" indent="0">
               <a:buNone/>
               <a:defRPr sz="1600" b="1"/>
             </a:lvl8pPr>
-            <a:lvl9pPr marL="3656358" indent="0">
+            <a:lvl9pPr marL="3657600" indent="0">
               <a:buNone/>
               <a:defRPr sz="1600" b="1"/>
             </a:lvl9pPr>
@@ -2716,7 +3200,13 @@
       </p:sp>
       <p:sp>
         <p:nvSpPr>
-          <p:cNvPr id="6" name="Content Placeholder 5"/>
+          <p:cNvPr id="6" name="Content Placeholder 5">
+            <a:extLst>
+              <a:ext uri="{FF2B5EF4-FFF2-40B4-BE49-F238E27FC236}">
+                <a16:creationId xmlns:a16="http://schemas.microsoft.com/office/drawing/2014/main" id="{A118254A-31E8-4726-BC35-522C93034D3C}"/>
+              </a:ext>
+            </a:extLst>
+          </p:cNvPr>
           <p:cNvSpPr>
             <a:spLocks noGrp="1"/>
           </p:cNvSpPr>
@@ -2726,44 +3216,13 @@
         </p:nvSpPr>
         <p:spPr>
           <a:xfrm>
-            <a:off x="6345807" y="1981200"/>
-            <a:ext cx="5619121" cy="4648200"/>
+            <a:off x="6172200" y="2505075"/>
+            <a:ext cx="5183188" cy="3684588"/>
           </a:xfrm>
-          <a:prstGeom prst="rect">
-            <a:avLst/>
-          </a:prstGeom>
         </p:spPr>
         <p:txBody>
           <a:bodyPr/>
-          <a:lstStyle>
-            <a:lvl1pPr>
-              <a:defRPr sz="2800"/>
-            </a:lvl1pPr>
-            <a:lvl2pPr>
-              <a:defRPr sz="2400"/>
-            </a:lvl2pPr>
-            <a:lvl3pPr>
-              <a:defRPr sz="2000"/>
-            </a:lvl3pPr>
-            <a:lvl4pPr>
-              <a:defRPr sz="1800"/>
-            </a:lvl4pPr>
-            <a:lvl5pPr>
-              <a:defRPr sz="1800"/>
-            </a:lvl5pPr>
-            <a:lvl6pPr>
-              <a:defRPr sz="1600"/>
-            </a:lvl6pPr>
-            <a:lvl7pPr>
-              <a:defRPr sz="1600"/>
-            </a:lvl7pPr>
-            <a:lvl8pPr>
-              <a:defRPr sz="1600"/>
-            </a:lvl8pPr>
-            <a:lvl9pPr>
-              <a:defRPr sz="1600"/>
-            </a:lvl9pPr>
-          </a:lstStyle>
+          <a:lstStyle/>
           <a:p>
             <a:pPr lvl="0"/>
             <a:r>
@@ -2798,18 +3257,23 @@
               <a:rPr lang="en-US"/>
               <a:t>Fifth level</a:t>
             </a:r>
-            <a:endParaRPr lang="en-US" dirty="0"/>
-          </a:p>
-        </p:txBody>
-      </p:sp>
-      <p:sp>
-        <p:nvSpPr>
-          <p:cNvPr id="2" name="Title 1"/>
-          <p:cNvSpPr>
-            <a:spLocks noGrp="1"/>
-          </p:cNvSpPr>
-          <p:nvPr>
-            <p:ph type="title"/>
+          </a:p>
+        </p:txBody>
+      </p:sp>
+      <p:sp>
+        <p:nvSpPr>
+          <p:cNvPr id="7" name="Date Placeholder 6">
+            <a:extLst>
+              <a:ext uri="{FF2B5EF4-FFF2-40B4-BE49-F238E27FC236}">
+                <a16:creationId xmlns:a16="http://schemas.microsoft.com/office/drawing/2014/main" id="{90C6A89B-E871-4A88-8044-AE4F10DF0824}"/>
+              </a:ext>
+            </a:extLst>
+          </p:cNvPr>
+          <p:cNvSpPr>
+            <a:spLocks noGrp="1"/>
+          </p:cNvSpPr>
+          <p:nvPr>
+            <p:ph type="dt" sz="half" idx="10"/>
           </p:nvPr>
         </p:nvSpPr>
         <p:spPr/>
@@ -2817,17 +3281,72 @@
           <a:bodyPr/>
           <a:lstStyle/>
           <a:p>
-            <a:r>
-              <a:rPr lang="en-US"/>
-              <a:t>Click to edit Master title style</a:t>
-            </a:r>
+            <a:fld id="{571179DB-8C0F-4DAE-A821-BADEDABE9281}" type="datetimeFigureOut">
+              <a:rPr lang="en-US" smtClean="0"/>
+              <a:t>5/18/2020</a:t>
+            </a:fld>
+            <a:endParaRPr lang="en-US"/>
+          </a:p>
+        </p:txBody>
+      </p:sp>
+      <p:sp>
+        <p:nvSpPr>
+          <p:cNvPr id="8" name="Footer Placeholder 7">
+            <a:extLst>
+              <a:ext uri="{FF2B5EF4-FFF2-40B4-BE49-F238E27FC236}">
+                <a16:creationId xmlns:a16="http://schemas.microsoft.com/office/drawing/2014/main" id="{6EC80CB6-DBF6-44F0-AF5F-1498ED6A892D}"/>
+              </a:ext>
+            </a:extLst>
+          </p:cNvPr>
+          <p:cNvSpPr>
+            <a:spLocks noGrp="1"/>
+          </p:cNvSpPr>
+          <p:nvPr>
+            <p:ph type="ftr" sz="quarter" idx="11"/>
+          </p:nvPr>
+        </p:nvSpPr>
+        <p:spPr/>
+        <p:txBody>
+          <a:bodyPr/>
+          <a:lstStyle/>
+          <a:p>
+            <a:endParaRPr lang="en-US"/>
+          </a:p>
+        </p:txBody>
+      </p:sp>
+      <p:sp>
+        <p:nvSpPr>
+          <p:cNvPr id="9" name="Slide Number Placeholder 8">
+            <a:extLst>
+              <a:ext uri="{FF2B5EF4-FFF2-40B4-BE49-F238E27FC236}">
+                <a16:creationId xmlns:a16="http://schemas.microsoft.com/office/drawing/2014/main" id="{4D9094F6-70A0-4F9D-B76B-F8E22332F9B9}"/>
+              </a:ext>
+            </a:extLst>
+          </p:cNvPr>
+          <p:cNvSpPr>
+            <a:spLocks noGrp="1"/>
+          </p:cNvSpPr>
+          <p:nvPr>
+            <p:ph type="sldNum" sz="quarter" idx="12"/>
+          </p:nvPr>
+        </p:nvSpPr>
+        <p:spPr/>
+        <p:txBody>
+          <a:bodyPr/>
+          <a:lstStyle/>
+          <a:p>
+            <a:fld id="{1753FD4B-41E0-4270-A5D2-7394C175DF7E}" type="slidenum">
+              <a:rPr lang="en-US" smtClean="0"/>
+              <a:t>‹#›</a:t>
+            </a:fld>
+            <a:endParaRPr lang="en-US"/>
           </a:p>
         </p:txBody>
       </p:sp>
     </p:spTree>
     <p:extLst>
       <p:ext uri="{BB962C8B-B14F-4D97-AF65-F5344CB8AC3E}">
-        <p14:creationId xmlns:p14="http://schemas.microsoft.com/office/powerpoint/2010/main" val="669021601"/>
+        <p14:creationId xmlns:p14="http://schemas.microsoft.com/office/powerpoint/2010/main" val="98101045"/>
       </p:ext>
     </p:extLst>
   </p:cSld>
@@ -2837,8 +3356,8 @@
 </p:sldLayout>
 </file>
 
-<file path=ppt/slideLayouts/slideLayout7.xml><?xml version="1.0" encoding="utf-8"?>
-<p:sldLayout xmlns:a="http://schemas.openxmlformats.org/drawingml/2006/main" xmlns:r="http://schemas.openxmlformats.org/officeDocument/2006/relationships" xmlns:p="http://schemas.openxmlformats.org/presentationml/2006/main" preserve="1" userDrawn="1">
+<file path=ppt/slideLayouts/slideLayout6.xml><?xml version="1.0" encoding="utf-8"?>
+<p:sldLayout xmlns:a="http://schemas.openxmlformats.org/drawingml/2006/main" xmlns:r="http://schemas.openxmlformats.org/officeDocument/2006/relationships" xmlns:p="http://schemas.openxmlformats.org/presentationml/2006/main" type="titleOnly" preserve="1">
   <p:cSld name="Title Only">
     <p:spTree>
       <p:nvGrpSpPr>
@@ -2856,7 +3375,13 @@
       </p:grpSpPr>
       <p:sp>
         <p:nvSpPr>
-          <p:cNvPr id="2" name="Title 1"/>
+          <p:cNvPr id="2" name="Title 1">
+            <a:extLst>
+              <a:ext uri="{FF2B5EF4-FFF2-40B4-BE49-F238E27FC236}">
+                <a16:creationId xmlns:a16="http://schemas.microsoft.com/office/drawing/2014/main" id="{C6598D8E-73C2-4C69-8778-95D9BAF747CA}"/>
+              </a:ext>
+            </a:extLst>
+          </p:cNvPr>
           <p:cNvSpPr>
             <a:spLocks noGrp="1"/>
           </p:cNvSpPr>
@@ -2873,13 +3398,96 @@
               <a:rPr lang="en-US"/>
               <a:t>Click to edit Master title style</a:t>
             </a:r>
+          </a:p>
+        </p:txBody>
+      </p:sp>
+      <p:sp>
+        <p:nvSpPr>
+          <p:cNvPr id="3" name="Date Placeholder 2">
+            <a:extLst>
+              <a:ext uri="{FF2B5EF4-FFF2-40B4-BE49-F238E27FC236}">
+                <a16:creationId xmlns:a16="http://schemas.microsoft.com/office/drawing/2014/main" id="{6CA46CE8-4841-4F06-9967-E9C456E944E9}"/>
+              </a:ext>
+            </a:extLst>
+          </p:cNvPr>
+          <p:cNvSpPr>
+            <a:spLocks noGrp="1"/>
+          </p:cNvSpPr>
+          <p:nvPr>
+            <p:ph type="dt" sz="half" idx="10"/>
+          </p:nvPr>
+        </p:nvSpPr>
+        <p:spPr/>
+        <p:txBody>
+          <a:bodyPr/>
+          <a:lstStyle/>
+          <a:p>
+            <a:fld id="{571179DB-8C0F-4DAE-A821-BADEDABE9281}" type="datetimeFigureOut">
+              <a:rPr lang="en-US" smtClean="0"/>
+              <a:t>5/18/2020</a:t>
+            </a:fld>
+            <a:endParaRPr lang="en-US"/>
+          </a:p>
+        </p:txBody>
+      </p:sp>
+      <p:sp>
+        <p:nvSpPr>
+          <p:cNvPr id="4" name="Footer Placeholder 3">
+            <a:extLst>
+              <a:ext uri="{FF2B5EF4-FFF2-40B4-BE49-F238E27FC236}">
+                <a16:creationId xmlns:a16="http://schemas.microsoft.com/office/drawing/2014/main" id="{49377657-95AA-47D0-863D-A8826115AD86}"/>
+              </a:ext>
+            </a:extLst>
+          </p:cNvPr>
+          <p:cNvSpPr>
+            <a:spLocks noGrp="1"/>
+          </p:cNvSpPr>
+          <p:nvPr>
+            <p:ph type="ftr" sz="quarter" idx="11"/>
+          </p:nvPr>
+        </p:nvSpPr>
+        <p:spPr/>
+        <p:txBody>
+          <a:bodyPr/>
+          <a:lstStyle/>
+          <a:p>
+            <a:endParaRPr lang="en-US"/>
+          </a:p>
+        </p:txBody>
+      </p:sp>
+      <p:sp>
+        <p:nvSpPr>
+          <p:cNvPr id="5" name="Slide Number Placeholder 4">
+            <a:extLst>
+              <a:ext uri="{FF2B5EF4-FFF2-40B4-BE49-F238E27FC236}">
+                <a16:creationId xmlns:a16="http://schemas.microsoft.com/office/drawing/2014/main" id="{F9A4C5F6-A9B9-4428-AE8F-F1A193BCEC10}"/>
+              </a:ext>
+            </a:extLst>
+          </p:cNvPr>
+          <p:cNvSpPr>
+            <a:spLocks noGrp="1"/>
+          </p:cNvSpPr>
+          <p:nvPr>
+            <p:ph type="sldNum" sz="quarter" idx="12"/>
+          </p:nvPr>
+        </p:nvSpPr>
+        <p:spPr/>
+        <p:txBody>
+          <a:bodyPr/>
+          <a:lstStyle/>
+          <a:p>
+            <a:fld id="{1753FD4B-41E0-4270-A5D2-7394C175DF7E}" type="slidenum">
+              <a:rPr lang="en-US" smtClean="0"/>
+              <a:t>‹#›</a:t>
+            </a:fld>
+            <a:endParaRPr lang="en-US"/>
           </a:p>
         </p:txBody>
       </p:sp>
     </p:spTree>
     <p:extLst>
       <p:ext uri="{BB962C8B-B14F-4D97-AF65-F5344CB8AC3E}">
-        <p14:creationId xmlns:p14="http://schemas.microsoft.com/office/powerpoint/2010/main" val="67839895"/>
+        <p14:creationId xmlns:p14="http://schemas.microsoft.com/office/powerpoint/2010/main" val="3165174392"/>
       </p:ext>
     </p:extLst>
   </p:cSld>
@@ -2889,7 +3497,7 @@
 </p:sldLayout>
 </file>
 
-<file path=ppt/slideLayouts/slideLayout8.xml><?xml version="1.0" encoding="utf-8"?>
+<file path=ppt/slideLayouts/slideLayout7.xml><?xml version="1.0" encoding="utf-8"?>
 <p:sldLayout xmlns:a="http://schemas.openxmlformats.org/drawingml/2006/main" xmlns:r="http://schemas.openxmlformats.org/officeDocument/2006/relationships" xmlns:p="http://schemas.openxmlformats.org/presentationml/2006/main" type="blank" preserve="1">
   <p:cSld name="Blank">
     <p:spTree>
@@ -2906,10 +3514,93 @@
           <a:chExt cx="0" cy="0"/>
         </a:xfrm>
       </p:grpSpPr>
+      <p:sp>
+        <p:nvSpPr>
+          <p:cNvPr id="2" name="Date Placeholder 1">
+            <a:extLst>
+              <a:ext uri="{FF2B5EF4-FFF2-40B4-BE49-F238E27FC236}">
+                <a16:creationId xmlns:a16="http://schemas.microsoft.com/office/drawing/2014/main" id="{05D7ED66-8837-43B9-B63E-C529AADCF28F}"/>
+              </a:ext>
+            </a:extLst>
+          </p:cNvPr>
+          <p:cNvSpPr>
+            <a:spLocks noGrp="1"/>
+          </p:cNvSpPr>
+          <p:nvPr>
+            <p:ph type="dt" sz="half" idx="10"/>
+          </p:nvPr>
+        </p:nvSpPr>
+        <p:spPr/>
+        <p:txBody>
+          <a:bodyPr/>
+          <a:lstStyle/>
+          <a:p>
+            <a:fld id="{571179DB-8C0F-4DAE-A821-BADEDABE9281}" type="datetimeFigureOut">
+              <a:rPr lang="en-US" smtClean="0"/>
+              <a:t>5/18/2020</a:t>
+            </a:fld>
+            <a:endParaRPr lang="en-US"/>
+          </a:p>
+        </p:txBody>
+      </p:sp>
+      <p:sp>
+        <p:nvSpPr>
+          <p:cNvPr id="3" name="Footer Placeholder 2">
+            <a:extLst>
+              <a:ext uri="{FF2B5EF4-FFF2-40B4-BE49-F238E27FC236}">
+                <a16:creationId xmlns:a16="http://schemas.microsoft.com/office/drawing/2014/main" id="{1765F13A-D97C-4F11-8668-4FF9DC4FFFB8}"/>
+              </a:ext>
+            </a:extLst>
+          </p:cNvPr>
+          <p:cNvSpPr>
+            <a:spLocks noGrp="1"/>
+          </p:cNvSpPr>
+          <p:nvPr>
+            <p:ph type="ftr" sz="quarter" idx="11"/>
+          </p:nvPr>
+        </p:nvSpPr>
+        <p:spPr/>
+        <p:txBody>
+          <a:bodyPr/>
+          <a:lstStyle/>
+          <a:p>
+            <a:endParaRPr lang="en-US"/>
+          </a:p>
+        </p:txBody>
+      </p:sp>
+      <p:sp>
+        <p:nvSpPr>
+          <p:cNvPr id="4" name="Slide Number Placeholder 3">
+            <a:extLst>
+              <a:ext uri="{FF2B5EF4-FFF2-40B4-BE49-F238E27FC236}">
+                <a16:creationId xmlns:a16="http://schemas.microsoft.com/office/drawing/2014/main" id="{BEF35A0B-B45B-40C6-BD66-EE51A5902C14}"/>
+              </a:ext>
+            </a:extLst>
+          </p:cNvPr>
+          <p:cNvSpPr>
+            <a:spLocks noGrp="1"/>
+          </p:cNvSpPr>
+          <p:nvPr>
+            <p:ph type="sldNum" sz="quarter" idx="12"/>
+          </p:nvPr>
+        </p:nvSpPr>
+        <p:spPr/>
+        <p:txBody>
+          <a:bodyPr/>
+          <a:lstStyle/>
+          <a:p>
+            <a:fld id="{1753FD4B-41E0-4270-A5D2-7394C175DF7E}" type="slidenum">
+              <a:rPr lang="en-US" smtClean="0"/>
+              <a:t>‹#›</a:t>
+            </a:fld>
+            <a:endParaRPr lang="en-US"/>
+          </a:p>
+        </p:txBody>
+      </p:sp>
     </p:spTree>
     <p:extLst>
       <p:ext uri="{BB962C8B-B14F-4D97-AF65-F5344CB8AC3E}">
-        <p14:creationId xmlns:p14="http://schemas.microsoft.com/office/powerpoint/2010/main" val="1728541262"/>
+        <p14:creationId xmlns:p14="http://schemas.microsoft.com/office/powerpoint/2010/main" val="4134282660"/>
       </p:ext>
     </p:extLst>
   </p:cSld>
@@ -2919,9 +3610,9 @@
 </p:sldLayout>
 </file>
 
-<file path=ppt/slideLayouts/slideLayout9.xml><?xml version="1.0" encoding="utf-8"?>
-<p:sldLayout xmlns:a="http://schemas.openxmlformats.org/drawingml/2006/main" xmlns:r="http://schemas.openxmlformats.org/officeDocument/2006/relationships" xmlns:p="http://schemas.openxmlformats.org/presentationml/2006/main" preserve="1" userDrawn="1">
-  <p:cSld name="5_Blank Color 1 Layout">
+<file path=ppt/slideLayouts/slideLayout8.xml><?xml version="1.0" encoding="utf-8"?>
+<p:sldLayout xmlns:a="http://schemas.openxmlformats.org/drawingml/2006/main" xmlns:r="http://schemas.openxmlformats.org/officeDocument/2006/relationships" xmlns:p="http://schemas.openxmlformats.org/presentationml/2006/main" type="objTx" preserve="1">
+  <p:cSld name="Content with Caption">
     <p:spTree>
       <p:nvGrpSpPr>
         <p:cNvPr id="1" name=""/>
@@ -2938,154 +3629,577 @@
       </p:grpSpPr>
       <p:sp>
         <p:nvSpPr>
-          <p:cNvPr id="6" name="top right small rectangle"/>
-          <p:cNvSpPr/>
-          <p:nvPr userDrawn="1"/>
-        </p:nvSpPr>
-        <p:spPr bwMode="auto">
-          <a:xfrm>
-            <a:off x="0" y="0"/>
-            <a:ext cx="12192000" cy="6858000"/>
-          </a:xfrm>
-          <a:prstGeom prst="rect">
-            <a:avLst/>
-          </a:prstGeom>
-          <a:solidFill>
-            <a:schemeClr val="tx2"/>
-          </a:solidFill>
-          <a:ln>
-            <a:noFill/>
-            <a:headEnd type="none" w="med" len="med"/>
-            <a:tailEnd type="none" w="med" len="med"/>
-          </a:ln>
-        </p:spPr>
-        <p:style>
-          <a:lnRef idx="2">
-            <a:schemeClr val="accent5">
-              <a:shade val="50000"/>
-            </a:schemeClr>
-          </a:lnRef>
-          <a:fillRef idx="1">
-            <a:schemeClr val="accent5"/>
-          </a:fillRef>
-          <a:effectRef idx="0">
-            <a:schemeClr val="accent5"/>
-          </a:effectRef>
-          <a:fontRef idx="minor">
-            <a:schemeClr val="lt1"/>
-          </a:fontRef>
-        </p:style>
-        <p:txBody>
-          <a:bodyPr vert="horz" wrap="square" lIns="91404" tIns="45703" rIns="91404" bIns="45703" numCol="1" rtlCol="0" anchor="ctr" anchorCtr="0" compatLnSpc="1">
-            <a:prstTxWarp prst="textNoShape">
-              <a:avLst/>
-            </a:prstTxWarp>
-          </a:bodyPr>
-          <a:lstStyle/>
-          <a:p>
-            <a:pPr algn="ctr" defTabSz="913788" fontAlgn="base">
-              <a:spcBef>
-                <a:spcPct val="0"/>
-              </a:spcBef>
-              <a:spcAft>
-                <a:spcPct val="0"/>
-              </a:spcAft>
-            </a:pPr>
-            <a:endParaRPr lang="en-US" sz="2200" dirty="0">
-              <a:gradFill>
-                <a:gsLst>
-                  <a:gs pos="0">
-                    <a:srgbClr val="FFFFFF"/>
-                  </a:gs>
-                  <a:gs pos="100000">
-                    <a:srgbClr val="FFFFFF"/>
-                  </a:gs>
-                </a:gsLst>
-                <a:lin ang="5400000" scaled="0"/>
-              </a:gradFill>
-            </a:endParaRPr>
-          </a:p>
-        </p:txBody>
-      </p:sp>
-      <p:sp>
-        <p:nvSpPr>
-          <p:cNvPr id="11" name="Rectangle 2"/>
-          <p:cNvSpPr>
-            <a:spLocks noChangeArrowheads="1"/>
-          </p:cNvSpPr>
-          <p:nvPr userDrawn="1"/>
-        </p:nvSpPr>
-        <p:spPr bwMode="auto">
-          <a:xfrm>
-            <a:off x="530087" y="5960743"/>
-            <a:ext cx="11078818" cy="738664"/>
-          </a:xfrm>
-          <a:prstGeom prst="rect">
-            <a:avLst/>
-          </a:prstGeom>
-          <a:noFill/>
-          <a:ln w="9525">
-            <a:noFill/>
-            <a:miter lim="800000"/>
-            <a:headEnd/>
-            <a:tailEnd/>
-          </a:ln>
-        </p:spPr>
-        <p:txBody>
-          <a:bodyPr wrap="square">
-            <a:spAutoFit/>
-          </a:bodyPr>
-          <a:lstStyle/>
-          <a:p>
-            <a:pPr marL="0" lvl="1" defTabSz="914088">
-              <a:defRPr/>
-            </a:pPr>
-            <a:r>
-              <a:rPr lang="en-US" sz="1050" dirty="0">
-                <a:solidFill>
-                  <a:schemeClr val="bg1">
-                    <a:lumMod val="85000"/>
-                  </a:schemeClr>
-                </a:solidFill>
-              </a:rPr>
-              <a:t>©2013 Microsoft Corporation. All rights reserved. Microsoft, Windows, Office, Azure, System Center, Dynamics and other product names are or may be registered trademarks and/or trademarks in the U.S. and/or other countries. The information herein is for informational purposes only and represents the current view of Microsoft Corporation as of the date of this presentation. Because Microsoft must respond to changing market conditions, it should not be interpreted to be a commitment on the part of Microsoft, and Microsoft cannot guarantee the accuracy of any information provided after the date of this presentation. MICROSOFT MAKES NO WARRANTIES, EXPRESS, IMPLIED OR STATUTORY, AS TO THE INFORMATION IN THIS PRESENTATION.</a:t>
-            </a:r>
-          </a:p>
-        </p:txBody>
-      </p:sp>
-      <p:pic>
-        <p:nvPicPr>
-          <p:cNvPr id="5" name="Picture 4"/>
-          <p:cNvPicPr>
-            <a:picLocks noChangeAspect="1"/>
-          </p:cNvPicPr>
-          <p:nvPr userDrawn="1"/>
-        </p:nvPicPr>
-        <p:blipFill rotWithShape="1">
-          <a:blip r:embed="rId2" cstate="print">
+          <p:cNvPr id="2" name="Title 1">
             <a:extLst>
-              <a:ext uri="{28A0092B-C50C-407E-A947-70E740481C1C}">
-                <a14:useLocalDpi xmlns:a14="http://schemas.microsoft.com/office/drawing/2010/main" val="0"/>
+              <a:ext uri="{FF2B5EF4-FFF2-40B4-BE49-F238E27FC236}">
+                <a16:creationId xmlns:a16="http://schemas.microsoft.com/office/drawing/2014/main" id="{8A99B530-7C2C-4C36-A826-4E121C25897F}"/>
               </a:ext>
             </a:extLst>
-          </a:blip>
-          <a:srcRect l="9719"/>
-          <a:stretch/>
-        </p:blipFill>
+          </p:cNvPr>
+          <p:cNvSpPr>
+            <a:spLocks noGrp="1"/>
+          </p:cNvSpPr>
+          <p:nvPr>
+            <p:ph type="title"/>
+          </p:nvPr>
+        </p:nvSpPr>
         <p:spPr>
           <a:xfrm>
-            <a:off x="530087" y="2940117"/>
-            <a:ext cx="5473148" cy="2229412"/>
+            <a:off x="839788" y="457200"/>
+            <a:ext cx="3932237" cy="1600200"/>
           </a:xfrm>
-          <a:prstGeom prst="rect">
-            <a:avLst/>
-          </a:prstGeom>
         </p:spPr>
-      </p:pic>
+        <p:txBody>
+          <a:bodyPr anchor="b"/>
+          <a:lstStyle>
+            <a:lvl1pPr>
+              <a:defRPr sz="3200"/>
+            </a:lvl1pPr>
+          </a:lstStyle>
+          <a:p>
+            <a:r>
+              <a:rPr lang="en-US"/>
+              <a:t>Click to edit Master title style</a:t>
+            </a:r>
+          </a:p>
+        </p:txBody>
+      </p:sp>
+      <p:sp>
+        <p:nvSpPr>
+          <p:cNvPr id="3" name="Content Placeholder 2">
+            <a:extLst>
+              <a:ext uri="{FF2B5EF4-FFF2-40B4-BE49-F238E27FC236}">
+                <a16:creationId xmlns:a16="http://schemas.microsoft.com/office/drawing/2014/main" id="{BADAAFDA-8486-4C11-9628-AB3EF3387920}"/>
+              </a:ext>
+            </a:extLst>
+          </p:cNvPr>
+          <p:cNvSpPr>
+            <a:spLocks noGrp="1"/>
+          </p:cNvSpPr>
+          <p:nvPr>
+            <p:ph idx="1"/>
+          </p:nvPr>
+        </p:nvSpPr>
+        <p:spPr>
+          <a:xfrm>
+            <a:off x="5183188" y="987425"/>
+            <a:ext cx="6172200" cy="4873625"/>
+          </a:xfrm>
+        </p:spPr>
+        <p:txBody>
+          <a:bodyPr/>
+          <a:lstStyle>
+            <a:lvl1pPr>
+              <a:defRPr sz="3200"/>
+            </a:lvl1pPr>
+            <a:lvl2pPr>
+              <a:defRPr sz="2800"/>
+            </a:lvl2pPr>
+            <a:lvl3pPr>
+              <a:defRPr sz="2400"/>
+            </a:lvl3pPr>
+            <a:lvl4pPr>
+              <a:defRPr sz="2000"/>
+            </a:lvl4pPr>
+            <a:lvl5pPr>
+              <a:defRPr sz="2000"/>
+            </a:lvl5pPr>
+            <a:lvl6pPr>
+              <a:defRPr sz="2000"/>
+            </a:lvl6pPr>
+            <a:lvl7pPr>
+              <a:defRPr sz="2000"/>
+            </a:lvl7pPr>
+            <a:lvl8pPr>
+              <a:defRPr sz="2000"/>
+            </a:lvl8pPr>
+            <a:lvl9pPr>
+              <a:defRPr sz="2000"/>
+            </a:lvl9pPr>
+          </a:lstStyle>
+          <a:p>
+            <a:pPr lvl="0"/>
+            <a:r>
+              <a:rPr lang="en-US"/>
+              <a:t>Click to edit Master text styles</a:t>
+            </a:r>
+          </a:p>
+          <a:p>
+            <a:pPr lvl="1"/>
+            <a:r>
+              <a:rPr lang="en-US"/>
+              <a:t>Second level</a:t>
+            </a:r>
+          </a:p>
+          <a:p>
+            <a:pPr lvl="2"/>
+            <a:r>
+              <a:rPr lang="en-US"/>
+              <a:t>Third level</a:t>
+            </a:r>
+          </a:p>
+          <a:p>
+            <a:pPr lvl="3"/>
+            <a:r>
+              <a:rPr lang="en-US"/>
+              <a:t>Fourth level</a:t>
+            </a:r>
+          </a:p>
+          <a:p>
+            <a:pPr lvl="4"/>
+            <a:r>
+              <a:rPr lang="en-US"/>
+              <a:t>Fifth level</a:t>
+            </a:r>
+          </a:p>
+        </p:txBody>
+      </p:sp>
+      <p:sp>
+        <p:nvSpPr>
+          <p:cNvPr id="4" name="Text Placeholder 3">
+            <a:extLst>
+              <a:ext uri="{FF2B5EF4-FFF2-40B4-BE49-F238E27FC236}">
+                <a16:creationId xmlns:a16="http://schemas.microsoft.com/office/drawing/2014/main" id="{965036F9-A261-4426-88B2-1A6CBA14E1CF}"/>
+              </a:ext>
+            </a:extLst>
+          </p:cNvPr>
+          <p:cNvSpPr>
+            <a:spLocks noGrp="1"/>
+          </p:cNvSpPr>
+          <p:nvPr>
+            <p:ph type="body" sz="half" idx="2"/>
+          </p:nvPr>
+        </p:nvSpPr>
+        <p:spPr>
+          <a:xfrm>
+            <a:off x="839788" y="2057400"/>
+            <a:ext cx="3932237" cy="3811588"/>
+          </a:xfrm>
+        </p:spPr>
+        <p:txBody>
+          <a:bodyPr/>
+          <a:lstStyle>
+            <a:lvl1pPr marL="0" indent="0">
+              <a:buNone/>
+              <a:defRPr sz="1600"/>
+            </a:lvl1pPr>
+            <a:lvl2pPr marL="457200" indent="0">
+              <a:buNone/>
+              <a:defRPr sz="1400"/>
+            </a:lvl2pPr>
+            <a:lvl3pPr marL="914400" indent="0">
+              <a:buNone/>
+              <a:defRPr sz="1200"/>
+            </a:lvl3pPr>
+            <a:lvl4pPr marL="1371600" indent="0">
+              <a:buNone/>
+              <a:defRPr sz="1000"/>
+            </a:lvl4pPr>
+            <a:lvl5pPr marL="1828800" indent="0">
+              <a:buNone/>
+              <a:defRPr sz="1000"/>
+            </a:lvl5pPr>
+            <a:lvl6pPr marL="2286000" indent="0">
+              <a:buNone/>
+              <a:defRPr sz="1000"/>
+            </a:lvl6pPr>
+            <a:lvl7pPr marL="2743200" indent="0">
+              <a:buNone/>
+              <a:defRPr sz="1000"/>
+            </a:lvl7pPr>
+            <a:lvl8pPr marL="3200400" indent="0">
+              <a:buNone/>
+              <a:defRPr sz="1000"/>
+            </a:lvl8pPr>
+            <a:lvl9pPr marL="3657600" indent="0">
+              <a:buNone/>
+              <a:defRPr sz="1000"/>
+            </a:lvl9pPr>
+          </a:lstStyle>
+          <a:p>
+            <a:pPr lvl="0"/>
+            <a:r>
+              <a:rPr lang="en-US"/>
+              <a:t>Click to edit Master text styles</a:t>
+            </a:r>
+          </a:p>
+        </p:txBody>
+      </p:sp>
+      <p:sp>
+        <p:nvSpPr>
+          <p:cNvPr id="5" name="Date Placeholder 4">
+            <a:extLst>
+              <a:ext uri="{FF2B5EF4-FFF2-40B4-BE49-F238E27FC236}">
+                <a16:creationId xmlns:a16="http://schemas.microsoft.com/office/drawing/2014/main" id="{5B40DE1C-9999-4FB3-ABB6-6DF8CC1DE78F}"/>
+              </a:ext>
+            </a:extLst>
+          </p:cNvPr>
+          <p:cNvSpPr>
+            <a:spLocks noGrp="1"/>
+          </p:cNvSpPr>
+          <p:nvPr>
+            <p:ph type="dt" sz="half" idx="10"/>
+          </p:nvPr>
+        </p:nvSpPr>
+        <p:spPr/>
+        <p:txBody>
+          <a:bodyPr/>
+          <a:lstStyle/>
+          <a:p>
+            <a:fld id="{571179DB-8C0F-4DAE-A821-BADEDABE9281}" type="datetimeFigureOut">
+              <a:rPr lang="en-US" smtClean="0"/>
+              <a:t>5/18/2020</a:t>
+            </a:fld>
+            <a:endParaRPr lang="en-US"/>
+          </a:p>
+        </p:txBody>
+      </p:sp>
+      <p:sp>
+        <p:nvSpPr>
+          <p:cNvPr id="6" name="Footer Placeholder 5">
+            <a:extLst>
+              <a:ext uri="{FF2B5EF4-FFF2-40B4-BE49-F238E27FC236}">
+                <a16:creationId xmlns:a16="http://schemas.microsoft.com/office/drawing/2014/main" id="{3E85A129-DD68-47F0-83B0-4E2CBDEAF471}"/>
+              </a:ext>
+            </a:extLst>
+          </p:cNvPr>
+          <p:cNvSpPr>
+            <a:spLocks noGrp="1"/>
+          </p:cNvSpPr>
+          <p:nvPr>
+            <p:ph type="ftr" sz="quarter" idx="11"/>
+          </p:nvPr>
+        </p:nvSpPr>
+        <p:spPr/>
+        <p:txBody>
+          <a:bodyPr/>
+          <a:lstStyle/>
+          <a:p>
+            <a:endParaRPr lang="en-US"/>
+          </a:p>
+        </p:txBody>
+      </p:sp>
+      <p:sp>
+        <p:nvSpPr>
+          <p:cNvPr id="7" name="Slide Number Placeholder 6">
+            <a:extLst>
+              <a:ext uri="{FF2B5EF4-FFF2-40B4-BE49-F238E27FC236}">
+                <a16:creationId xmlns:a16="http://schemas.microsoft.com/office/drawing/2014/main" id="{650785B8-66C1-42CC-9BE4-93927EEAC132}"/>
+              </a:ext>
+            </a:extLst>
+          </p:cNvPr>
+          <p:cNvSpPr>
+            <a:spLocks noGrp="1"/>
+          </p:cNvSpPr>
+          <p:nvPr>
+            <p:ph type="sldNum" sz="quarter" idx="12"/>
+          </p:nvPr>
+        </p:nvSpPr>
+        <p:spPr/>
+        <p:txBody>
+          <a:bodyPr/>
+          <a:lstStyle/>
+          <a:p>
+            <a:fld id="{1753FD4B-41E0-4270-A5D2-7394C175DF7E}" type="slidenum">
+              <a:rPr lang="en-US" smtClean="0"/>
+              <a:t>‹#›</a:t>
+            </a:fld>
+            <a:endParaRPr lang="en-US"/>
+          </a:p>
+        </p:txBody>
+      </p:sp>
     </p:spTree>
     <p:extLst>
       <p:ext uri="{BB962C8B-B14F-4D97-AF65-F5344CB8AC3E}">
-        <p14:creationId xmlns:p14="http://schemas.microsoft.com/office/powerpoint/2010/main" val="2667837224"/>
+        <p14:creationId xmlns:p14="http://schemas.microsoft.com/office/powerpoint/2010/main" val="2647596914"/>
+      </p:ext>
+    </p:extLst>
+  </p:cSld>
+  <p:clrMapOvr>
+    <a:masterClrMapping/>
+  </p:clrMapOvr>
+</p:sldLayout>
+</file>
+
+<file path=ppt/slideLayouts/slideLayout9.xml><?xml version="1.0" encoding="utf-8"?>
+<p:sldLayout xmlns:a="http://schemas.openxmlformats.org/drawingml/2006/main" xmlns:r="http://schemas.openxmlformats.org/officeDocument/2006/relationships" xmlns:p="http://schemas.openxmlformats.org/presentationml/2006/main" type="picTx" preserve="1">
+  <p:cSld name="Picture with Caption">
+    <p:spTree>
+      <p:nvGrpSpPr>
+        <p:cNvPr id="1" name=""/>
+        <p:cNvGrpSpPr/>
+        <p:nvPr/>
+      </p:nvGrpSpPr>
+      <p:grpSpPr>
+        <a:xfrm>
+          <a:off x="0" y="0"/>
+          <a:ext cx="0" cy="0"/>
+          <a:chOff x="0" y="0"/>
+          <a:chExt cx="0" cy="0"/>
+        </a:xfrm>
+      </p:grpSpPr>
+      <p:sp>
+        <p:nvSpPr>
+          <p:cNvPr id="2" name="Title 1">
+            <a:extLst>
+              <a:ext uri="{FF2B5EF4-FFF2-40B4-BE49-F238E27FC236}">
+                <a16:creationId xmlns:a16="http://schemas.microsoft.com/office/drawing/2014/main" id="{78902DC2-FC1F-4A48-B134-1C668F41098B}"/>
+              </a:ext>
+            </a:extLst>
+          </p:cNvPr>
+          <p:cNvSpPr>
+            <a:spLocks noGrp="1"/>
+          </p:cNvSpPr>
+          <p:nvPr>
+            <p:ph type="title"/>
+          </p:nvPr>
+        </p:nvSpPr>
+        <p:spPr>
+          <a:xfrm>
+            <a:off x="839788" y="457200"/>
+            <a:ext cx="3932237" cy="1600200"/>
+          </a:xfrm>
+        </p:spPr>
+        <p:txBody>
+          <a:bodyPr anchor="b"/>
+          <a:lstStyle>
+            <a:lvl1pPr>
+              <a:defRPr sz="3200"/>
+            </a:lvl1pPr>
+          </a:lstStyle>
+          <a:p>
+            <a:r>
+              <a:rPr lang="en-US"/>
+              <a:t>Click to edit Master title style</a:t>
+            </a:r>
+          </a:p>
+        </p:txBody>
+      </p:sp>
+      <p:sp>
+        <p:nvSpPr>
+          <p:cNvPr id="3" name="Picture Placeholder 2">
+            <a:extLst>
+              <a:ext uri="{FF2B5EF4-FFF2-40B4-BE49-F238E27FC236}">
+                <a16:creationId xmlns:a16="http://schemas.microsoft.com/office/drawing/2014/main" id="{F5AFFC8E-3F13-4D22-9221-C47154570FB9}"/>
+              </a:ext>
+            </a:extLst>
+          </p:cNvPr>
+          <p:cNvSpPr>
+            <a:spLocks noGrp="1"/>
+          </p:cNvSpPr>
+          <p:nvPr>
+            <p:ph type="pic" idx="1"/>
+          </p:nvPr>
+        </p:nvSpPr>
+        <p:spPr>
+          <a:xfrm>
+            <a:off x="5183188" y="987425"/>
+            <a:ext cx="6172200" cy="4873625"/>
+          </a:xfrm>
+        </p:spPr>
+        <p:txBody>
+          <a:bodyPr/>
+          <a:lstStyle>
+            <a:lvl1pPr marL="0" indent="0">
+              <a:buNone/>
+              <a:defRPr sz="3200"/>
+            </a:lvl1pPr>
+            <a:lvl2pPr marL="457200" indent="0">
+              <a:buNone/>
+              <a:defRPr sz="2800"/>
+            </a:lvl2pPr>
+            <a:lvl3pPr marL="914400" indent="0">
+              <a:buNone/>
+              <a:defRPr sz="2400"/>
+            </a:lvl3pPr>
+            <a:lvl4pPr marL="1371600" indent="0">
+              <a:buNone/>
+              <a:defRPr sz="2000"/>
+            </a:lvl4pPr>
+            <a:lvl5pPr marL="1828800" indent="0">
+              <a:buNone/>
+              <a:defRPr sz="2000"/>
+            </a:lvl5pPr>
+            <a:lvl6pPr marL="2286000" indent="0">
+              <a:buNone/>
+              <a:defRPr sz="2000"/>
+            </a:lvl6pPr>
+            <a:lvl7pPr marL="2743200" indent="0">
+              <a:buNone/>
+              <a:defRPr sz="2000"/>
+            </a:lvl7pPr>
+            <a:lvl8pPr marL="3200400" indent="0">
+              <a:buNone/>
+              <a:defRPr sz="2000"/>
+            </a:lvl8pPr>
+            <a:lvl9pPr marL="3657600" indent="0">
+              <a:buNone/>
+              <a:defRPr sz="2000"/>
+            </a:lvl9pPr>
+          </a:lstStyle>
+          <a:p>
+            <a:endParaRPr lang="en-US"/>
+          </a:p>
+        </p:txBody>
+      </p:sp>
+      <p:sp>
+        <p:nvSpPr>
+          <p:cNvPr id="4" name="Text Placeholder 3">
+            <a:extLst>
+              <a:ext uri="{FF2B5EF4-FFF2-40B4-BE49-F238E27FC236}">
+                <a16:creationId xmlns:a16="http://schemas.microsoft.com/office/drawing/2014/main" id="{AEE3FD59-C6C7-43D2-9D74-13B269FFA12B}"/>
+              </a:ext>
+            </a:extLst>
+          </p:cNvPr>
+          <p:cNvSpPr>
+            <a:spLocks noGrp="1"/>
+          </p:cNvSpPr>
+          <p:nvPr>
+            <p:ph type="body" sz="half" idx="2"/>
+          </p:nvPr>
+        </p:nvSpPr>
+        <p:spPr>
+          <a:xfrm>
+            <a:off x="839788" y="2057400"/>
+            <a:ext cx="3932237" cy="3811588"/>
+          </a:xfrm>
+        </p:spPr>
+        <p:txBody>
+          <a:bodyPr/>
+          <a:lstStyle>
+            <a:lvl1pPr marL="0" indent="0">
+              <a:buNone/>
+              <a:defRPr sz="1600"/>
+            </a:lvl1pPr>
+            <a:lvl2pPr marL="457200" indent="0">
+              <a:buNone/>
+              <a:defRPr sz="1400"/>
+            </a:lvl2pPr>
+            <a:lvl3pPr marL="914400" indent="0">
+              <a:buNone/>
+              <a:defRPr sz="1200"/>
+            </a:lvl3pPr>
+            <a:lvl4pPr marL="1371600" indent="0">
+              <a:buNone/>
+              <a:defRPr sz="1000"/>
+            </a:lvl4pPr>
+            <a:lvl5pPr marL="1828800" indent="0">
+              <a:buNone/>
+              <a:defRPr sz="1000"/>
+            </a:lvl5pPr>
+            <a:lvl6pPr marL="2286000" indent="0">
+              <a:buNone/>
+              <a:defRPr sz="1000"/>
+            </a:lvl6pPr>
+            <a:lvl7pPr marL="2743200" indent="0">
+              <a:buNone/>
+              <a:defRPr sz="1000"/>
+            </a:lvl7pPr>
+            <a:lvl8pPr marL="3200400" indent="0">
+              <a:buNone/>
+              <a:defRPr sz="1000"/>
+            </a:lvl8pPr>
+            <a:lvl9pPr marL="3657600" indent="0">
+              <a:buNone/>
+              <a:defRPr sz="1000"/>
+            </a:lvl9pPr>
+          </a:lstStyle>
+          <a:p>
+            <a:pPr lvl="0"/>
+            <a:r>
+              <a:rPr lang="en-US"/>
+              <a:t>Click to edit Master text styles</a:t>
+            </a:r>
+          </a:p>
+        </p:txBody>
+      </p:sp>
+      <p:sp>
+        <p:nvSpPr>
+          <p:cNvPr id="5" name="Date Placeholder 4">
+            <a:extLst>
+              <a:ext uri="{FF2B5EF4-FFF2-40B4-BE49-F238E27FC236}">
+                <a16:creationId xmlns:a16="http://schemas.microsoft.com/office/drawing/2014/main" id="{0CC28519-45ED-42A5-9654-4C575CB842A7}"/>
+              </a:ext>
+            </a:extLst>
+          </p:cNvPr>
+          <p:cNvSpPr>
+            <a:spLocks noGrp="1"/>
+          </p:cNvSpPr>
+          <p:nvPr>
+            <p:ph type="dt" sz="half" idx="10"/>
+          </p:nvPr>
+        </p:nvSpPr>
+        <p:spPr/>
+        <p:txBody>
+          <a:bodyPr/>
+          <a:lstStyle/>
+          <a:p>
+            <a:fld id="{571179DB-8C0F-4DAE-A821-BADEDABE9281}" type="datetimeFigureOut">
+              <a:rPr lang="en-US" smtClean="0"/>
+              <a:t>5/18/2020</a:t>
+            </a:fld>
+            <a:endParaRPr lang="en-US"/>
+          </a:p>
+        </p:txBody>
+      </p:sp>
+      <p:sp>
+        <p:nvSpPr>
+          <p:cNvPr id="6" name="Footer Placeholder 5">
+            <a:extLst>
+              <a:ext uri="{FF2B5EF4-FFF2-40B4-BE49-F238E27FC236}">
+                <a16:creationId xmlns:a16="http://schemas.microsoft.com/office/drawing/2014/main" id="{D06ACD2B-65A1-4BA2-B194-865031374B5D}"/>
+              </a:ext>
+            </a:extLst>
+          </p:cNvPr>
+          <p:cNvSpPr>
+            <a:spLocks noGrp="1"/>
+          </p:cNvSpPr>
+          <p:nvPr>
+            <p:ph type="ftr" sz="quarter" idx="11"/>
+          </p:nvPr>
+        </p:nvSpPr>
+        <p:spPr/>
+        <p:txBody>
+          <a:bodyPr/>
+          <a:lstStyle/>
+          <a:p>
+            <a:endParaRPr lang="en-US"/>
+          </a:p>
+        </p:txBody>
+      </p:sp>
+      <p:sp>
+        <p:nvSpPr>
+          <p:cNvPr id="7" name="Slide Number Placeholder 6">
+            <a:extLst>
+              <a:ext uri="{FF2B5EF4-FFF2-40B4-BE49-F238E27FC236}">
+                <a16:creationId xmlns:a16="http://schemas.microsoft.com/office/drawing/2014/main" id="{E34A7309-9B41-48C7-B8E5-49B3F4E05B65}"/>
+              </a:ext>
+            </a:extLst>
+          </p:cNvPr>
+          <p:cNvSpPr>
+            <a:spLocks noGrp="1"/>
+          </p:cNvSpPr>
+          <p:nvPr>
+            <p:ph type="sldNum" sz="quarter" idx="12"/>
+          </p:nvPr>
+        </p:nvSpPr>
+        <p:spPr/>
+        <p:txBody>
+          <a:bodyPr/>
+          <a:lstStyle/>
+          <a:p>
+            <a:fld id="{1753FD4B-41E0-4270-A5D2-7394C175DF7E}" type="slidenum">
+              <a:rPr lang="en-US" smtClean="0"/>
+              <a:t>‹#›</a:t>
+            </a:fld>
+            <a:endParaRPr lang="en-US"/>
+          </a:p>
+        </p:txBody>
+      </p:sp>
+    </p:spTree>
+    <p:extLst>
+      <p:ext uri="{BB962C8B-B14F-4D97-AF65-F5344CB8AC3E}">
+        <p14:creationId xmlns:p14="http://schemas.microsoft.com/office/powerpoint/2010/main" val="2822740612"/>
       </p:ext>
     </p:extLst>
   </p:cSld>
@@ -3096,7 +4210,7 @@
 </file>
 
 <file path=ppt/slideMasters/slideMaster1.xml><?xml version="1.0" encoding="utf-8"?>
-<p:sldMaster xmlns:a="http://schemas.openxmlformats.org/drawingml/2006/main" xmlns:r="http://schemas.openxmlformats.org/officeDocument/2006/relationships" xmlns:p="http://schemas.openxmlformats.org/presentationml/2006/main" preserve="1">
+<p:sldMaster xmlns:a="http://schemas.openxmlformats.org/drawingml/2006/main" xmlns:r="http://schemas.openxmlformats.org/officeDocument/2006/relationships" xmlns:p="http://schemas.openxmlformats.org/presentationml/2006/main">
   <p:cSld>
     <p:bg>
       <p:bgRef idx="1001">
@@ -3119,7 +4233,13 @@
       </p:grpSpPr>
       <p:sp>
         <p:nvSpPr>
-          <p:cNvPr id="10" name="Title Placeholder 9"/>
+          <p:cNvPr id="2" name="Title Placeholder 1">
+            <a:extLst>
+              <a:ext uri="{FF2B5EF4-FFF2-40B4-BE49-F238E27FC236}">
+                <a16:creationId xmlns:a16="http://schemas.microsoft.com/office/drawing/2014/main" id="{7D6FB1F8-6149-47B8-9561-F294A03A760A}"/>
+              </a:ext>
+            </a:extLst>
+          </p:cNvPr>
           <p:cNvSpPr>
             <a:spLocks noGrp="1"/>
           </p:cNvSpPr>
@@ -3129,15 +4249,15 @@
         </p:nvSpPr>
         <p:spPr>
           <a:xfrm>
-            <a:off x="379514" y="182215"/>
-            <a:ext cx="11524432" cy="1063487"/>
+            <a:off x="838200" y="365125"/>
+            <a:ext cx="10515600" cy="1325563"/>
           </a:xfrm>
           <a:prstGeom prst="rect">
             <a:avLst/>
           </a:prstGeom>
         </p:spPr>
         <p:txBody>
-          <a:bodyPr vert="horz" lIns="91409" tIns="45705" rIns="91409" bIns="45705" rtlCol="0" anchor="t" anchorCtr="0">
+          <a:bodyPr vert="horz" lIns="91440" tIns="45720" rIns="91440" bIns="45720" rtlCol="0" anchor="ctr">
             <a:normAutofit/>
           </a:bodyPr>
           <a:lstStyle/>
@@ -3146,35 +4266,245 @@
               <a:rPr lang="en-US"/>
               <a:t>Click to edit Master title style</a:t>
             </a:r>
-            <a:endParaRPr lang="en-US" dirty="0"/>
+          </a:p>
+        </p:txBody>
+      </p:sp>
+      <p:sp>
+        <p:nvSpPr>
+          <p:cNvPr id="3" name="Text Placeholder 2">
+            <a:extLst>
+              <a:ext uri="{FF2B5EF4-FFF2-40B4-BE49-F238E27FC236}">
+                <a16:creationId xmlns:a16="http://schemas.microsoft.com/office/drawing/2014/main" id="{94832864-59B4-43C5-B9C7-CAB8E712A3DC}"/>
+              </a:ext>
+            </a:extLst>
+          </p:cNvPr>
+          <p:cNvSpPr>
+            <a:spLocks noGrp="1"/>
+          </p:cNvSpPr>
+          <p:nvPr>
+            <p:ph type="body" idx="1"/>
+          </p:nvPr>
+        </p:nvSpPr>
+        <p:spPr>
+          <a:xfrm>
+            <a:off x="838200" y="1825625"/>
+            <a:ext cx="10515600" cy="4351338"/>
+          </a:xfrm>
+          <a:prstGeom prst="rect">
+            <a:avLst/>
+          </a:prstGeom>
+        </p:spPr>
+        <p:txBody>
+          <a:bodyPr vert="horz" lIns="91440" tIns="45720" rIns="91440" bIns="45720" rtlCol="0">
+            <a:normAutofit/>
+          </a:bodyPr>
+          <a:lstStyle/>
+          <a:p>
+            <a:pPr lvl="0"/>
+            <a:r>
+              <a:rPr lang="en-US"/>
+              <a:t>Click to edit Master text styles</a:t>
+            </a:r>
+          </a:p>
+          <a:p>
+            <a:pPr lvl="1"/>
+            <a:r>
+              <a:rPr lang="en-US"/>
+              <a:t>Second level</a:t>
+            </a:r>
+          </a:p>
+          <a:p>
+            <a:pPr lvl="2"/>
+            <a:r>
+              <a:rPr lang="en-US"/>
+              <a:t>Third level</a:t>
+            </a:r>
+          </a:p>
+          <a:p>
+            <a:pPr lvl="3"/>
+            <a:r>
+              <a:rPr lang="en-US"/>
+              <a:t>Fourth level</a:t>
+            </a:r>
+          </a:p>
+          <a:p>
+            <a:pPr lvl="4"/>
+            <a:r>
+              <a:rPr lang="en-US"/>
+              <a:t>Fifth level</a:t>
+            </a:r>
+          </a:p>
+        </p:txBody>
+      </p:sp>
+      <p:sp>
+        <p:nvSpPr>
+          <p:cNvPr id="4" name="Date Placeholder 3">
+            <a:extLst>
+              <a:ext uri="{FF2B5EF4-FFF2-40B4-BE49-F238E27FC236}">
+                <a16:creationId xmlns:a16="http://schemas.microsoft.com/office/drawing/2014/main" id="{8B2B034A-EE0F-4E0F-8253-28EB4686ECA5}"/>
+              </a:ext>
+            </a:extLst>
+          </p:cNvPr>
+          <p:cNvSpPr>
+            <a:spLocks noGrp="1"/>
+          </p:cNvSpPr>
+          <p:nvPr>
+            <p:ph type="dt" sz="half" idx="2"/>
+          </p:nvPr>
+        </p:nvSpPr>
+        <p:spPr>
+          <a:xfrm>
+            <a:off x="838200" y="6356350"/>
+            <a:ext cx="2743200" cy="365125"/>
+          </a:xfrm>
+          <a:prstGeom prst="rect">
+            <a:avLst/>
+          </a:prstGeom>
+        </p:spPr>
+        <p:txBody>
+          <a:bodyPr vert="horz" lIns="91440" tIns="45720" rIns="91440" bIns="45720" rtlCol="0" anchor="ctr"/>
+          <a:lstStyle>
+            <a:lvl1pPr algn="l">
+              <a:defRPr sz="1200">
+                <a:solidFill>
+                  <a:schemeClr val="tx1">
+                    <a:tint val="75000"/>
+                  </a:schemeClr>
+                </a:solidFill>
+              </a:defRPr>
+            </a:lvl1pPr>
+          </a:lstStyle>
+          <a:p>
+            <a:fld id="{571179DB-8C0F-4DAE-A821-BADEDABE9281}" type="datetimeFigureOut">
+              <a:rPr lang="en-US" smtClean="0"/>
+              <a:t>5/18/2020</a:t>
+            </a:fld>
+            <a:endParaRPr lang="en-US"/>
+          </a:p>
+        </p:txBody>
+      </p:sp>
+      <p:sp>
+        <p:nvSpPr>
+          <p:cNvPr id="5" name="Footer Placeholder 4">
+            <a:extLst>
+              <a:ext uri="{FF2B5EF4-FFF2-40B4-BE49-F238E27FC236}">
+                <a16:creationId xmlns:a16="http://schemas.microsoft.com/office/drawing/2014/main" id="{D6B53B69-CB44-448B-B24D-085D2449C6DC}"/>
+              </a:ext>
+            </a:extLst>
+          </p:cNvPr>
+          <p:cNvSpPr>
+            <a:spLocks noGrp="1"/>
+          </p:cNvSpPr>
+          <p:nvPr>
+            <p:ph type="ftr" sz="quarter" idx="3"/>
+          </p:nvPr>
+        </p:nvSpPr>
+        <p:spPr>
+          <a:xfrm>
+            <a:off x="4038600" y="6356350"/>
+            <a:ext cx="4114800" cy="365125"/>
+          </a:xfrm>
+          <a:prstGeom prst="rect">
+            <a:avLst/>
+          </a:prstGeom>
+        </p:spPr>
+        <p:txBody>
+          <a:bodyPr vert="horz" lIns="91440" tIns="45720" rIns="91440" bIns="45720" rtlCol="0" anchor="ctr"/>
+          <a:lstStyle>
+            <a:lvl1pPr algn="ctr">
+              <a:defRPr sz="1200">
+                <a:solidFill>
+                  <a:schemeClr val="tx1">
+                    <a:tint val="75000"/>
+                  </a:schemeClr>
+                </a:solidFill>
+              </a:defRPr>
+            </a:lvl1pPr>
+          </a:lstStyle>
+          <a:p>
+            <a:endParaRPr lang="en-US"/>
+          </a:p>
+        </p:txBody>
+      </p:sp>
+      <p:sp>
+        <p:nvSpPr>
+          <p:cNvPr id="6" name="Slide Number Placeholder 5">
+            <a:extLst>
+              <a:ext uri="{FF2B5EF4-FFF2-40B4-BE49-F238E27FC236}">
+                <a16:creationId xmlns:a16="http://schemas.microsoft.com/office/drawing/2014/main" id="{C521284E-4FBA-459A-9871-B6C8CCC4D9D4}"/>
+              </a:ext>
+            </a:extLst>
+          </p:cNvPr>
+          <p:cNvSpPr>
+            <a:spLocks noGrp="1"/>
+          </p:cNvSpPr>
+          <p:nvPr>
+            <p:ph type="sldNum" sz="quarter" idx="4"/>
+          </p:nvPr>
+        </p:nvSpPr>
+        <p:spPr>
+          <a:xfrm>
+            <a:off x="8610600" y="6356350"/>
+            <a:ext cx="2743200" cy="365125"/>
+          </a:xfrm>
+          <a:prstGeom prst="rect">
+            <a:avLst/>
+          </a:prstGeom>
+        </p:spPr>
+        <p:txBody>
+          <a:bodyPr vert="horz" lIns="91440" tIns="45720" rIns="91440" bIns="45720" rtlCol="0" anchor="ctr"/>
+          <a:lstStyle>
+            <a:lvl1pPr algn="r">
+              <a:defRPr sz="1200">
+                <a:solidFill>
+                  <a:schemeClr val="tx1">
+                    <a:tint val="75000"/>
+                  </a:schemeClr>
+                </a:solidFill>
+              </a:defRPr>
+            </a:lvl1pPr>
+          </a:lstStyle>
+          <a:p>
+            <a:fld id="{1753FD4B-41E0-4270-A5D2-7394C175DF7E}" type="slidenum">
+              <a:rPr lang="en-US" smtClean="0"/>
+              <a:t>‹#›</a:t>
+            </a:fld>
+            <a:endParaRPr lang="en-US"/>
           </a:p>
         </p:txBody>
       </p:sp>
     </p:spTree>
     <p:extLst>
       <p:ext uri="{BB962C8B-B14F-4D97-AF65-F5344CB8AC3E}">
-        <p14:creationId xmlns:p14="http://schemas.microsoft.com/office/powerpoint/2010/main" val="3118783959"/>
+        <p14:creationId xmlns:p14="http://schemas.microsoft.com/office/powerpoint/2010/main" val="2712651147"/>
       </p:ext>
     </p:extLst>
   </p:cSld>
   <p:clrMap bg1="lt1" tx1="dk1" bg2="lt2" tx2="dk2" accent1="accent1" accent2="accent2" accent3="accent3" accent4="accent4" accent5="accent5" accent6="accent6" hlink="hlink" folHlink="folHlink"/>
   <p:sldLayoutIdLst>
-    <p:sldLayoutId id="2147483661" r:id="rId1"/>
-    <p:sldLayoutId id="2147483671" r:id="rId2"/>
-    <p:sldLayoutId id="2147483667" r:id="rId3"/>
-    <p:sldLayoutId id="2147483663" r:id="rId4"/>
-    <p:sldLayoutId id="2147483664" r:id="rId5"/>
-    <p:sldLayoutId id="2147483665" r:id="rId6"/>
-    <p:sldLayoutId id="2147483666" r:id="rId7"/>
-    <p:sldLayoutId id="2147483668" r:id="rId8"/>
-    <p:sldLayoutId id="2147483669" r:id="rId9"/>
-    <p:sldLayoutId id="2147483672" r:id="rId10"/>
+    <p:sldLayoutId id="2147483649" r:id="rId1"/>
+    <p:sldLayoutId id="2147483650" r:id="rId2"/>
+    <p:sldLayoutId id="2147483651" r:id="rId3"/>
+    <p:sldLayoutId id="2147483652" r:id="rId4"/>
+    <p:sldLayoutId id="2147483653" r:id="rId5"/>
+    <p:sldLayoutId id="2147483654" r:id="rId6"/>
+    <p:sldLayoutId id="2147483655" r:id="rId7"/>
+    <p:sldLayoutId id="2147483656" r:id="rId8"/>
+    <p:sldLayoutId id="2147483657" r:id="rId9"/>
+    <p:sldLayoutId id="2147483658" r:id="rId10"/>
+    <p:sldLayoutId id="2147483659" r:id="rId11"/>
+    <p:sldLayoutId id="2147483660" r:id="rId12"/>
+    <p:sldLayoutId id="2147483661" r:id="rId13"/>
+    <p:sldLayoutId id="2147483662" r:id="rId14"/>
+    <p:sldLayoutId id="2147483663" r:id="rId15"/>
+    <p:sldLayoutId id="2147483664" r:id="rId16"/>
+    <p:sldLayoutId id="2147483665" r:id="rId17"/>
   </p:sldLayoutIdLst>
   <p:txStyles>
     <p:titleStyle>
-      <a:lvl1pPr algn="l" defTabSz="914088" rtl="0" eaLnBrk="1" latinLnBrk="0" hangingPunct="1">
+      <a:lvl1pPr algn="l" defTabSz="914400" rtl="0" eaLnBrk="1" latinLnBrk="0" hangingPunct="1">
         <a:lnSpc>
-          <a:spcPct val="80000"/>
+          <a:spcPct val="90000"/>
         </a:lnSpc>
         <a:spcBef>
           <a:spcPct val="0"/>
@@ -3184,99 +4514,57 @@
           <a:solidFill>
             <a:schemeClr val="tx1"/>
           </a:solidFill>
-          <a:latin typeface="Segoe UI Light" panose="020B0502040204020203" pitchFamily="34" charset="0"/>
-          <a:ea typeface="Segoe UI Light" panose="020B0502040204020203" pitchFamily="34" charset="0"/>
-          <a:cs typeface="Segoe UI Light" panose="020B0502040204020203" pitchFamily="34" charset="0"/>
+          <a:latin typeface="+mj-lt"/>
+          <a:ea typeface="+mj-ea"/>
+          <a:cs typeface="+mj-cs"/>
         </a:defRPr>
       </a:lvl1pPr>
     </p:titleStyle>
     <p:bodyStyle>
-      <a:lvl1pPr marL="342783" indent="-342783" algn="l" defTabSz="914088" rtl="0" eaLnBrk="1" latinLnBrk="0" hangingPunct="1">
+      <a:lvl1pPr marL="228600" indent="-228600" algn="l" defTabSz="914400" rtl="0" eaLnBrk="1" latinLnBrk="0" hangingPunct="1">
+        <a:lnSpc>
+          <a:spcPct val="90000"/>
+        </a:lnSpc>
         <a:spcBef>
-          <a:spcPts val="1200"/>
+          <a:spcPts val="1000"/>
         </a:spcBef>
-        <a:buFont typeface="Arial" pitchFamily="34" charset="0"/>
+        <a:buFont typeface="Arial" panose="020B0604020202020204" pitchFamily="34" charset="0"/>
         <a:buChar char="•"/>
-        <a:defRPr sz="3200" b="1" kern="0" baseline="0">
+        <a:defRPr sz="2800" kern="1200">
           <a:solidFill>
             <a:schemeClr val="tx1"/>
           </a:solidFill>
-          <a:latin typeface="Segoe UI Light" panose="020B0502040204020203" pitchFamily="34" charset="0"/>
-          <a:ea typeface="Segoe UI Light" panose="020B0502040204020203" pitchFamily="34" charset="0"/>
-          <a:cs typeface="Segoe UI Light" panose="020B0502040204020203" pitchFamily="34" charset="0"/>
+          <a:latin typeface="+mn-lt"/>
+          <a:ea typeface="+mn-ea"/>
+          <a:cs typeface="+mn-cs"/>
         </a:defRPr>
       </a:lvl1pPr>
-      <a:lvl2pPr marL="742698" indent="-285652" algn="l" defTabSz="914088" rtl="0" eaLnBrk="1" latinLnBrk="0" hangingPunct="1">
+      <a:lvl2pPr marL="685800" indent="-228600" algn="l" defTabSz="914400" rtl="0" eaLnBrk="1" latinLnBrk="0" hangingPunct="1">
+        <a:lnSpc>
+          <a:spcPct val="90000"/>
+        </a:lnSpc>
         <a:spcBef>
-          <a:spcPts val="300"/>
+          <a:spcPts val="500"/>
         </a:spcBef>
-        <a:spcAft>
-          <a:spcPts val="300"/>
-        </a:spcAft>
-        <a:buFont typeface="Arial" pitchFamily="34" charset="0"/>
-        <a:buChar char="–"/>
-        <a:defRPr sz="2800" kern="0" baseline="0">
+        <a:buFont typeface="Arial" panose="020B0604020202020204" pitchFamily="34" charset="0"/>
+        <a:buChar char="•"/>
+        <a:defRPr sz="2400" kern="1200">
           <a:solidFill>
             <a:schemeClr val="tx1"/>
           </a:solidFill>
-          <a:latin typeface="Segoe UI Light" panose="020B0502040204020203" pitchFamily="34" charset="0"/>
-          <a:ea typeface="Segoe UI Light" panose="020B0502040204020203" pitchFamily="34" charset="0"/>
-          <a:cs typeface="Segoe UI Light" panose="020B0502040204020203" pitchFamily="34" charset="0"/>
+          <a:latin typeface="+mn-lt"/>
+          <a:ea typeface="+mn-ea"/>
+          <a:cs typeface="+mn-cs"/>
         </a:defRPr>
       </a:lvl2pPr>
-      <a:lvl3pPr marL="1142612" indent="-228522" algn="l" defTabSz="914088" rtl="0" eaLnBrk="1" latinLnBrk="0" hangingPunct="1">
+      <a:lvl3pPr marL="1143000" indent="-228600" algn="l" defTabSz="914400" rtl="0" eaLnBrk="1" latinLnBrk="0" hangingPunct="1">
+        <a:lnSpc>
+          <a:spcPct val="90000"/>
+        </a:lnSpc>
         <a:spcBef>
-          <a:spcPts val="200"/>
+          <a:spcPts val="500"/>
         </a:spcBef>
-        <a:spcAft>
-          <a:spcPts val="200"/>
-        </a:spcAft>
-        <a:buFont typeface="Arial" pitchFamily="34" charset="0"/>
-        <a:buChar char="•"/>
-        <a:defRPr sz="2400" kern="0" baseline="0">
-          <a:solidFill>
-            <a:schemeClr val="tx1"/>
-          </a:solidFill>
-          <a:latin typeface="Segoe UI Light" panose="020B0502040204020203" pitchFamily="34" charset="0"/>
-          <a:ea typeface="Segoe UI Light" panose="020B0502040204020203" pitchFamily="34" charset="0"/>
-          <a:cs typeface="Segoe UI Light" panose="020B0502040204020203" pitchFamily="34" charset="0"/>
-        </a:defRPr>
-      </a:lvl3pPr>
-      <a:lvl4pPr marL="1599657" indent="-228522" algn="l" defTabSz="914088" rtl="0" eaLnBrk="1" latinLnBrk="0" hangingPunct="1">
-        <a:spcBef>
-          <a:spcPct val="20000"/>
-        </a:spcBef>
-        <a:buFont typeface="Arial" pitchFamily="34" charset="0"/>
-        <a:buChar char="–"/>
-        <a:defRPr sz="2000" kern="0" baseline="0">
-          <a:solidFill>
-            <a:schemeClr val="tx1"/>
-          </a:solidFill>
-          <a:latin typeface="Segoe UI Light" panose="020B0502040204020203" pitchFamily="34" charset="0"/>
-          <a:ea typeface="Segoe UI Light" panose="020B0502040204020203" pitchFamily="34" charset="0"/>
-          <a:cs typeface="Segoe UI Light" panose="020B0502040204020203" pitchFamily="34" charset="0"/>
-        </a:defRPr>
-      </a:lvl4pPr>
-      <a:lvl5pPr marL="2056700" indent="-228522" algn="l" defTabSz="914088" rtl="0" eaLnBrk="1" latinLnBrk="0" hangingPunct="1">
-        <a:spcBef>
-          <a:spcPct val="20000"/>
-        </a:spcBef>
-        <a:buFont typeface="Arial" pitchFamily="34" charset="0"/>
-        <a:buChar char="»"/>
-        <a:defRPr sz="2000" kern="0" baseline="0">
-          <a:solidFill>
-            <a:schemeClr val="tx1"/>
-          </a:solidFill>
-          <a:latin typeface="Segoe UI Light" panose="020B0502040204020203" pitchFamily="34" charset="0"/>
-          <a:ea typeface="Segoe UI Light" panose="020B0502040204020203" pitchFamily="34" charset="0"/>
-          <a:cs typeface="Segoe UI Light" panose="020B0502040204020203" pitchFamily="34" charset="0"/>
-        </a:defRPr>
-      </a:lvl5pPr>
-      <a:lvl6pPr marL="2513745" indent="-228522" algn="l" defTabSz="914088" rtl="0" eaLnBrk="1" latinLnBrk="0" hangingPunct="1">
-        <a:spcBef>
-          <a:spcPct val="20000"/>
-        </a:spcBef>
-        <a:buFont typeface="Arial" pitchFamily="34" charset="0"/>
+        <a:buFont typeface="Arial" panose="020B0604020202020204" pitchFamily="34" charset="0"/>
         <a:buChar char="•"/>
         <a:defRPr sz="2000" kern="1200">
           <a:solidFill>
@@ -3286,14 +4574,71 @@
           <a:ea typeface="+mn-ea"/>
           <a:cs typeface="+mn-cs"/>
         </a:defRPr>
+      </a:lvl3pPr>
+      <a:lvl4pPr marL="1600200" indent="-228600" algn="l" defTabSz="914400" rtl="0" eaLnBrk="1" latinLnBrk="0" hangingPunct="1">
+        <a:lnSpc>
+          <a:spcPct val="90000"/>
+        </a:lnSpc>
+        <a:spcBef>
+          <a:spcPts val="500"/>
+        </a:spcBef>
+        <a:buFont typeface="Arial" panose="020B0604020202020204" pitchFamily="34" charset="0"/>
+        <a:buChar char="•"/>
+        <a:defRPr sz="1800" kern="1200">
+          <a:solidFill>
+            <a:schemeClr val="tx1"/>
+          </a:solidFill>
+          <a:latin typeface="+mn-lt"/>
+          <a:ea typeface="+mn-ea"/>
+          <a:cs typeface="+mn-cs"/>
+        </a:defRPr>
+      </a:lvl4pPr>
+      <a:lvl5pPr marL="2057400" indent="-228600" algn="l" defTabSz="914400" rtl="0" eaLnBrk="1" latinLnBrk="0" hangingPunct="1">
+        <a:lnSpc>
+          <a:spcPct val="90000"/>
+        </a:lnSpc>
+        <a:spcBef>
+          <a:spcPts val="500"/>
+        </a:spcBef>
+        <a:buFont typeface="Arial" panose="020B0604020202020204" pitchFamily="34" charset="0"/>
+        <a:buChar char="•"/>
+        <a:defRPr sz="1800" kern="1200">
+          <a:solidFill>
+            <a:schemeClr val="tx1"/>
+          </a:solidFill>
+          <a:latin typeface="+mn-lt"/>
+          <a:ea typeface="+mn-ea"/>
+          <a:cs typeface="+mn-cs"/>
+        </a:defRPr>
+      </a:lvl5pPr>
+      <a:lvl6pPr marL="2514600" indent="-228600" algn="l" defTabSz="914400" rtl="0" eaLnBrk="1" latinLnBrk="0" hangingPunct="1">
+        <a:lnSpc>
+          <a:spcPct val="90000"/>
+        </a:lnSpc>
+        <a:spcBef>
+          <a:spcPts val="500"/>
+        </a:spcBef>
+        <a:buFont typeface="Arial" panose="020B0604020202020204" pitchFamily="34" charset="0"/>
+        <a:buChar char="•"/>
+        <a:defRPr sz="1800" kern="1200">
+          <a:solidFill>
+            <a:schemeClr val="tx1"/>
+          </a:solidFill>
+          <a:latin typeface="+mn-lt"/>
+          <a:ea typeface="+mn-ea"/>
+          <a:cs typeface="+mn-cs"/>
+        </a:defRPr>
       </a:lvl6pPr>
-      <a:lvl7pPr marL="2970789" indent="-228522" algn="l" defTabSz="914088" rtl="0" eaLnBrk="1" latinLnBrk="0" hangingPunct="1">
+      <a:lvl7pPr marL="2971800" indent="-228600" algn="l" defTabSz="914400" rtl="0" eaLnBrk="1" latinLnBrk="0" hangingPunct="1">
+        <a:lnSpc>
+          <a:spcPct val="90000"/>
+        </a:lnSpc>
         <a:spcBef>
-          <a:spcPct val="20000"/>
+          <a:spcPts val="500"/>
         </a:spcBef>
-        <a:buFont typeface="Arial" pitchFamily="34" charset="0"/>
+        <a:buFont typeface="Arial" panose="020B0604020202020204" pitchFamily="34" charset="0"/>
         <a:buChar char="•"/>
-        <a:defRPr sz="2000" kern="1200">
+        <a:defRPr sz="1800" kern="1200">
           <a:solidFill>
             <a:schemeClr val="tx1"/>
           </a:solidFill>
@@ -3302,13 +4647,16 @@
           <a:cs typeface="+mn-cs"/>
         </a:defRPr>
       </a:lvl7pPr>
-      <a:lvl8pPr marL="3427833" indent="-228522" algn="l" defTabSz="914088" rtl="0" eaLnBrk="1" latinLnBrk="0" hangingPunct="1">
+      <a:lvl8pPr marL="3429000" indent="-228600" algn="l" defTabSz="914400" rtl="0" eaLnBrk="1" latinLnBrk="0" hangingPunct="1">
+        <a:lnSpc>
+          <a:spcPct val="90000"/>
+        </a:lnSpc>
         <a:spcBef>
-          <a:spcPct val="20000"/>
+          <a:spcPts val="500"/>
         </a:spcBef>
-        <a:buFont typeface="Arial" pitchFamily="34" charset="0"/>
+        <a:buFont typeface="Arial" panose="020B0604020202020204" pitchFamily="34" charset="0"/>
         <a:buChar char="•"/>
-        <a:defRPr sz="2000" kern="1200">
+        <a:defRPr sz="1800" kern="1200">
           <a:solidFill>
             <a:schemeClr val="tx1"/>
           </a:solidFill>
@@ -3317,13 +4665,16 @@
           <a:cs typeface="+mn-cs"/>
         </a:defRPr>
       </a:lvl8pPr>
-      <a:lvl9pPr marL="3884878" indent="-228522" algn="l" defTabSz="914088" rtl="0" eaLnBrk="1" latinLnBrk="0" hangingPunct="1">
+      <a:lvl9pPr marL="3886200" indent="-228600" algn="l" defTabSz="914400" rtl="0" eaLnBrk="1" latinLnBrk="0" hangingPunct="1">
+        <a:lnSpc>
+          <a:spcPct val="90000"/>
+        </a:lnSpc>
         <a:spcBef>
-          <a:spcPct val="20000"/>
+          <a:spcPts val="500"/>
         </a:spcBef>
-        <a:buFont typeface="Arial" pitchFamily="34" charset="0"/>
+        <a:buFont typeface="Arial" panose="020B0604020202020204" pitchFamily="34" charset="0"/>
         <a:buChar char="•"/>
-        <a:defRPr sz="2000" kern="1200">
+        <a:defRPr sz="1800" kern="1200">
           <a:solidFill>
             <a:schemeClr val="tx1"/>
           </a:solidFill>
@@ -3337,7 +4688,7 @@
       <a:defPPr>
         <a:defRPr lang="en-US"/>
       </a:defPPr>
-      <a:lvl1pPr marL="0" algn="l" defTabSz="914088" rtl="0" eaLnBrk="1" latinLnBrk="0" hangingPunct="1">
+      <a:lvl1pPr marL="0" algn="l" defTabSz="914400" rtl="0" eaLnBrk="1" latinLnBrk="0" hangingPunct="1">
         <a:defRPr sz="1800" kern="1200">
           <a:solidFill>
             <a:schemeClr val="tx1"/>
@@ -3347,7 +4698,7 @@
           <a:cs typeface="+mn-cs"/>
         </a:defRPr>
       </a:lvl1pPr>
-      <a:lvl2pPr marL="457044" algn="l" defTabSz="914088" rtl="0" eaLnBrk="1" latinLnBrk="0" hangingPunct="1">
+      <a:lvl2pPr marL="457200" algn="l" defTabSz="914400" rtl="0" eaLnBrk="1" latinLnBrk="0" hangingPunct="1">
         <a:defRPr sz="1800" kern="1200">
           <a:solidFill>
             <a:schemeClr val="tx1"/>
@@ -3357,7 +4708,7 @@
           <a:cs typeface="+mn-cs"/>
         </a:defRPr>
       </a:lvl2pPr>
-      <a:lvl3pPr marL="914088" algn="l" defTabSz="914088" rtl="0" eaLnBrk="1" latinLnBrk="0" hangingPunct="1">
+      <a:lvl3pPr marL="914400" algn="l" defTabSz="914400" rtl="0" eaLnBrk="1" latinLnBrk="0" hangingPunct="1">
         <a:defRPr sz="1800" kern="1200">
           <a:solidFill>
             <a:schemeClr val="tx1"/>
@@ -3367,7 +4718,7 @@
           <a:cs typeface="+mn-cs"/>
         </a:defRPr>
       </a:lvl3pPr>
-      <a:lvl4pPr marL="1371133" algn="l" defTabSz="914088" rtl="0" eaLnBrk="1" latinLnBrk="0" hangingPunct="1">
+      <a:lvl4pPr marL="1371600" algn="l" defTabSz="914400" rtl="0" eaLnBrk="1" latinLnBrk="0" hangingPunct="1">
         <a:defRPr sz="1800" kern="1200">
           <a:solidFill>
             <a:schemeClr val="tx1"/>
@@ -3377,7 +4728,7 @@
           <a:cs typeface="+mn-cs"/>
         </a:defRPr>
       </a:lvl4pPr>
-      <a:lvl5pPr marL="1828178" algn="l" defTabSz="914088" rtl="0" eaLnBrk="1" latinLnBrk="0" hangingPunct="1">
+      <a:lvl5pPr marL="1828800" algn="l" defTabSz="914400" rtl="0" eaLnBrk="1" latinLnBrk="0" hangingPunct="1">
         <a:defRPr sz="1800" kern="1200">
           <a:solidFill>
             <a:schemeClr val="tx1"/>
@@ -3387,7 +4738,7 @@
           <a:cs typeface="+mn-cs"/>
         </a:defRPr>
       </a:lvl5pPr>
-      <a:lvl6pPr marL="2285222" algn="l" defTabSz="914088" rtl="0" eaLnBrk="1" latinLnBrk="0" hangingPunct="1">
+      <a:lvl6pPr marL="2286000" algn="l" defTabSz="914400" rtl="0" eaLnBrk="1" latinLnBrk="0" hangingPunct="1">
         <a:defRPr sz="1800" kern="1200">
           <a:solidFill>
             <a:schemeClr val="tx1"/>
@@ -3397,7 +4748,7 @@
           <a:cs typeface="+mn-cs"/>
         </a:defRPr>
       </a:lvl6pPr>
-      <a:lvl7pPr marL="2742267" algn="l" defTabSz="914088" rtl="0" eaLnBrk="1" latinLnBrk="0" hangingPunct="1">
+      <a:lvl7pPr marL="2743200" algn="l" defTabSz="914400" rtl="0" eaLnBrk="1" latinLnBrk="0" hangingPunct="1">
         <a:defRPr sz="1800" kern="1200">
           <a:solidFill>
             <a:schemeClr val="tx1"/>
@@ -3407,7 +4758,7 @@
           <a:cs typeface="+mn-cs"/>
         </a:defRPr>
       </a:lvl7pPr>
-      <a:lvl8pPr marL="3199311" algn="l" defTabSz="914088" rtl="0" eaLnBrk="1" latinLnBrk="0" hangingPunct="1">
+      <a:lvl8pPr marL="3200400" algn="l" defTabSz="914400" rtl="0" eaLnBrk="1" latinLnBrk="0" hangingPunct="1">
         <a:defRPr sz="1800" kern="1200">
           <a:solidFill>
             <a:schemeClr val="tx1"/>
@@ -3417,7 +4768,7 @@
           <a:cs typeface="+mn-cs"/>
         </a:defRPr>
       </a:lvl8pPr>
-      <a:lvl9pPr marL="3656358" algn="l" defTabSz="914088" rtl="0" eaLnBrk="1" latinLnBrk="0" hangingPunct="1">
+      <a:lvl9pPr marL="3657600" algn="l" defTabSz="914400" rtl="0" eaLnBrk="1" latinLnBrk="0" hangingPunct="1">
         <a:defRPr sz="1800" kern="1200">
           <a:solidFill>
             <a:schemeClr val="tx1"/>
@@ -3433,6 +4784,339 @@
 </file>
 
 <file path=ppt/slides/slide1.xml><?xml version="1.0" encoding="utf-8"?>
+<p:sld xmlns:a="http://schemas.openxmlformats.org/drawingml/2006/main" xmlns:r="http://schemas.openxmlformats.org/officeDocument/2006/relationships" xmlns:p="http://schemas.openxmlformats.org/presentationml/2006/main">
+  <p:cSld>
+    <p:spTree>
+      <p:nvGrpSpPr>
+        <p:cNvPr id="1" name=""/>
+        <p:cNvGrpSpPr/>
+        <p:nvPr/>
+      </p:nvGrpSpPr>
+      <p:grpSpPr>
+        <a:xfrm>
+          <a:off x="0" y="0"/>
+          <a:ext cx="0" cy="0"/>
+          <a:chOff x="0" y="0"/>
+          <a:chExt cx="0" cy="0"/>
+        </a:xfrm>
+      </p:grpSpPr>
+      <p:sp>
+        <p:nvSpPr>
+          <p:cNvPr id="3" name="Subtitle 2">
+            <a:extLst>
+              <a:ext uri="{FF2B5EF4-FFF2-40B4-BE49-F238E27FC236}">
+                <a16:creationId xmlns:a16="http://schemas.microsoft.com/office/drawing/2014/main" id="{E75B4CCB-89CB-4499-A232-51D28F4372C9}"/>
+              </a:ext>
+            </a:extLst>
+          </p:cNvPr>
+          <p:cNvSpPr>
+            <a:spLocks noGrp="1"/>
+          </p:cNvSpPr>
+          <p:nvPr>
+            <p:ph type="subTitle" idx="1"/>
+          </p:nvPr>
+        </p:nvSpPr>
+        <p:spPr>
+          <a:xfrm>
+            <a:off x="1524000" y="4381759"/>
+            <a:ext cx="9144000" cy="1655762"/>
+          </a:xfrm>
+        </p:spPr>
+        <p:txBody>
+          <a:bodyPr>
+            <a:normAutofit/>
+          </a:bodyPr>
+          <a:lstStyle/>
+          <a:p>
+            <a:r>
+              <a:rPr lang="en-US" sz="5400" b="1" dirty="0"/>
+              <a:t>Internship, 2020</a:t>
+            </a:r>
+          </a:p>
+        </p:txBody>
+      </p:sp>
+      <p:pic>
+        <p:nvPicPr>
+          <p:cNvPr id="6" name="Picture 5">
+            <a:extLst>
+              <a:ext uri="{FF2B5EF4-FFF2-40B4-BE49-F238E27FC236}">
+                <a16:creationId xmlns:a16="http://schemas.microsoft.com/office/drawing/2014/main" id="{D5ADD0AA-D3A1-4193-94D6-6FFCDF7E2352}"/>
+              </a:ext>
+            </a:extLst>
+          </p:cNvPr>
+          <p:cNvPicPr>
+            <a:picLocks noChangeAspect="1"/>
+          </p:cNvPicPr>
+          <p:nvPr/>
+        </p:nvPicPr>
+        <p:blipFill>
+          <a:blip r:embed="rId2">
+            <a:extLst>
+              <a:ext uri="{28A0092B-C50C-407E-A947-70E740481C1C}">
+                <a14:useLocalDpi xmlns:a14="http://schemas.microsoft.com/office/drawing/2010/main" val="0"/>
+              </a:ext>
+            </a:extLst>
+          </a:blip>
+          <a:stretch>
+            <a:fillRect/>
+          </a:stretch>
+        </p:blipFill>
+        <p:spPr>
+          <a:xfrm>
+            <a:off x="3151527" y="2476241"/>
+            <a:ext cx="5888945" cy="1732480"/>
+          </a:xfrm>
+          <a:prstGeom prst="rect">
+            <a:avLst/>
+          </a:prstGeom>
+          <a:solidFill>
+            <a:srgbClr val="C00000"/>
+          </a:solidFill>
+        </p:spPr>
+      </p:pic>
+      <p:sp>
+        <p:nvSpPr>
+          <p:cNvPr id="4" name="Subtitle 2">
+            <a:extLst>
+              <a:ext uri="{FF2B5EF4-FFF2-40B4-BE49-F238E27FC236}">
+                <a16:creationId xmlns:a16="http://schemas.microsoft.com/office/drawing/2014/main" id="{C1B07998-0EB0-46DA-8772-91A09214938A}"/>
+              </a:ext>
+            </a:extLst>
+          </p:cNvPr>
+          <p:cNvSpPr txBox="1">
+            <a:spLocks/>
+          </p:cNvSpPr>
+          <p:nvPr/>
+        </p:nvSpPr>
+        <p:spPr>
+          <a:xfrm>
+            <a:off x="1293628" y="1561841"/>
+            <a:ext cx="9144000" cy="1655762"/>
+          </a:xfrm>
+          <a:prstGeom prst="rect">
+            <a:avLst/>
+          </a:prstGeom>
+        </p:spPr>
+        <p:txBody>
+          <a:bodyPr vert="horz" lIns="91440" tIns="45720" rIns="91440" bIns="45720" rtlCol="0">
+            <a:normAutofit/>
+          </a:bodyPr>
+          <a:lstStyle>
+            <a:lvl1pPr marL="0" indent="0" algn="ctr" defTabSz="914400" rtl="0" eaLnBrk="1" latinLnBrk="0" hangingPunct="1">
+              <a:lnSpc>
+                <a:spcPct val="90000"/>
+              </a:lnSpc>
+              <a:spcBef>
+                <a:spcPts val="1000"/>
+              </a:spcBef>
+              <a:buFont typeface="Arial" panose="020B0604020202020204" pitchFamily="34" charset="0"/>
+              <a:buNone/>
+              <a:defRPr sz="2400" kern="1200">
+                <a:solidFill>
+                  <a:schemeClr val="tx1"/>
+                </a:solidFill>
+                <a:latin typeface="+mn-lt"/>
+                <a:ea typeface="+mn-ea"/>
+                <a:cs typeface="+mn-cs"/>
+              </a:defRPr>
+            </a:lvl1pPr>
+            <a:lvl2pPr marL="457200" indent="0" algn="ctr" defTabSz="914400" rtl="0" eaLnBrk="1" latinLnBrk="0" hangingPunct="1">
+              <a:lnSpc>
+                <a:spcPct val="90000"/>
+              </a:lnSpc>
+              <a:spcBef>
+                <a:spcPts val="500"/>
+              </a:spcBef>
+              <a:buFont typeface="Arial" panose="020B0604020202020204" pitchFamily="34" charset="0"/>
+              <a:buNone/>
+              <a:defRPr sz="2000" kern="1200">
+                <a:solidFill>
+                  <a:schemeClr val="tx1"/>
+                </a:solidFill>
+                <a:latin typeface="+mn-lt"/>
+                <a:ea typeface="+mn-ea"/>
+                <a:cs typeface="+mn-cs"/>
+              </a:defRPr>
+            </a:lvl2pPr>
+            <a:lvl3pPr marL="914400" indent="0" algn="ctr" defTabSz="914400" rtl="0" eaLnBrk="1" latinLnBrk="0" hangingPunct="1">
+              <a:lnSpc>
+                <a:spcPct val="90000"/>
+              </a:lnSpc>
+              <a:spcBef>
+                <a:spcPts val="500"/>
+              </a:spcBef>
+              <a:buFont typeface="Arial" panose="020B0604020202020204" pitchFamily="34" charset="0"/>
+              <a:buNone/>
+              <a:defRPr sz="1800" kern="1200">
+                <a:solidFill>
+                  <a:schemeClr val="tx1"/>
+                </a:solidFill>
+                <a:latin typeface="+mn-lt"/>
+                <a:ea typeface="+mn-ea"/>
+                <a:cs typeface="+mn-cs"/>
+              </a:defRPr>
+            </a:lvl3pPr>
+            <a:lvl4pPr marL="1371600" indent="0" algn="ctr" defTabSz="914400" rtl="0" eaLnBrk="1" latinLnBrk="0" hangingPunct="1">
+              <a:lnSpc>
+                <a:spcPct val="90000"/>
+              </a:lnSpc>
+              <a:spcBef>
+                <a:spcPts val="500"/>
+              </a:spcBef>
+              <a:buFont typeface="Arial" panose="020B0604020202020204" pitchFamily="34" charset="0"/>
+              <a:buNone/>
+              <a:defRPr sz="1600" kern="1200">
+                <a:solidFill>
+                  <a:schemeClr val="tx1"/>
+                </a:solidFill>
+                <a:latin typeface="+mn-lt"/>
+                <a:ea typeface="+mn-ea"/>
+                <a:cs typeface="+mn-cs"/>
+              </a:defRPr>
+            </a:lvl4pPr>
+            <a:lvl5pPr marL="1828800" indent="0" algn="ctr" defTabSz="914400" rtl="0" eaLnBrk="1" latinLnBrk="0" hangingPunct="1">
+              <a:lnSpc>
+                <a:spcPct val="90000"/>
+              </a:lnSpc>
+              <a:spcBef>
+                <a:spcPts val="500"/>
+              </a:spcBef>
+              <a:buFont typeface="Arial" panose="020B0604020202020204" pitchFamily="34" charset="0"/>
+              <a:buNone/>
+              <a:defRPr sz="1600" kern="1200">
+                <a:solidFill>
+                  <a:schemeClr val="tx1"/>
+                </a:solidFill>
+                <a:latin typeface="+mn-lt"/>
+                <a:ea typeface="+mn-ea"/>
+                <a:cs typeface="+mn-cs"/>
+              </a:defRPr>
+            </a:lvl5pPr>
+            <a:lvl6pPr marL="2286000" indent="0" algn="ctr" defTabSz="914400" rtl="0" eaLnBrk="1" latinLnBrk="0" hangingPunct="1">
+              <a:lnSpc>
+                <a:spcPct val="90000"/>
+              </a:lnSpc>
+              <a:spcBef>
+                <a:spcPts val="500"/>
+              </a:spcBef>
+              <a:buFont typeface="Arial" panose="020B0604020202020204" pitchFamily="34" charset="0"/>
+              <a:buNone/>
+              <a:defRPr sz="1600" kern="1200">
+                <a:solidFill>
+                  <a:schemeClr val="tx1"/>
+                </a:solidFill>
+                <a:latin typeface="+mn-lt"/>
+                <a:ea typeface="+mn-ea"/>
+                <a:cs typeface="+mn-cs"/>
+              </a:defRPr>
+            </a:lvl6pPr>
+            <a:lvl7pPr marL="2743200" indent="0" algn="ctr" defTabSz="914400" rtl="0" eaLnBrk="1" latinLnBrk="0" hangingPunct="1">
+              <a:lnSpc>
+                <a:spcPct val="90000"/>
+              </a:lnSpc>
+              <a:spcBef>
+                <a:spcPts val="500"/>
+              </a:spcBef>
+              <a:buFont typeface="Arial" panose="020B0604020202020204" pitchFamily="34" charset="0"/>
+              <a:buNone/>
+              <a:defRPr sz="1600" kern="1200">
+                <a:solidFill>
+                  <a:schemeClr val="tx1"/>
+                </a:solidFill>
+                <a:latin typeface="+mn-lt"/>
+                <a:ea typeface="+mn-ea"/>
+                <a:cs typeface="+mn-cs"/>
+              </a:defRPr>
+            </a:lvl7pPr>
+            <a:lvl8pPr marL="3200400" indent="0" algn="ctr" defTabSz="914400" rtl="0" eaLnBrk="1" latinLnBrk="0" hangingPunct="1">
+              <a:lnSpc>
+                <a:spcPct val="90000"/>
+              </a:lnSpc>
+              <a:spcBef>
+                <a:spcPts val="500"/>
+              </a:spcBef>
+              <a:buFont typeface="Arial" panose="020B0604020202020204" pitchFamily="34" charset="0"/>
+              <a:buNone/>
+              <a:defRPr sz="1600" kern="1200">
+                <a:solidFill>
+                  <a:schemeClr val="tx1"/>
+                </a:solidFill>
+                <a:latin typeface="+mn-lt"/>
+                <a:ea typeface="+mn-ea"/>
+                <a:cs typeface="+mn-cs"/>
+              </a:defRPr>
+            </a:lvl8pPr>
+            <a:lvl9pPr marL="3657600" indent="0" algn="ctr" defTabSz="914400" rtl="0" eaLnBrk="1" latinLnBrk="0" hangingPunct="1">
+              <a:lnSpc>
+                <a:spcPct val="90000"/>
+              </a:lnSpc>
+              <a:spcBef>
+                <a:spcPts val="500"/>
+              </a:spcBef>
+              <a:buFont typeface="Arial" panose="020B0604020202020204" pitchFamily="34" charset="0"/>
+              <a:buNone/>
+              <a:defRPr sz="1600" kern="1200">
+                <a:solidFill>
+                  <a:schemeClr val="tx1"/>
+                </a:solidFill>
+                <a:latin typeface="+mn-lt"/>
+                <a:ea typeface="+mn-ea"/>
+                <a:cs typeface="+mn-cs"/>
+              </a:defRPr>
+            </a:lvl9pPr>
+          </a:lstStyle>
+          <a:p>
+            <a:pPr marL="0" marR="0" lvl="0" indent="0" algn="ctr" defTabSz="914400" rtl="0" eaLnBrk="1" fontAlgn="auto" latinLnBrk="0" hangingPunct="1">
+              <a:lnSpc>
+                <a:spcPct val="90000"/>
+              </a:lnSpc>
+              <a:spcBef>
+                <a:spcPts val="1000"/>
+              </a:spcBef>
+              <a:spcAft>
+                <a:spcPts val="0"/>
+              </a:spcAft>
+              <a:buClrTx/>
+              <a:buSzTx/>
+              <a:buFont typeface="Arial" panose="020B0604020202020204" pitchFamily="34" charset="0"/>
+              <a:buNone/>
+              <a:tabLst/>
+              <a:defRPr/>
+            </a:pPr>
+            <a:r>
+              <a:rPr kumimoji="0" lang="en-US" sz="5400" b="1" i="0" u="none" strike="noStrike" kern="1200" cap="none" spc="0" normalizeH="0" baseline="0" noProof="0" dirty="0">
+                <a:ln>
+                  <a:noFill/>
+                </a:ln>
+                <a:solidFill>
+                  <a:prstClr val="black"/>
+                </a:solidFill>
+                <a:effectLst/>
+                <a:uLnTx/>
+                <a:uFillTx/>
+                <a:latin typeface="Calibri" panose="020F0502020204030204"/>
+                <a:ea typeface="+mn-ea"/>
+                <a:cs typeface="+mn-cs"/>
+              </a:rPr>
+              <a:t>Welcome to </a:t>
+            </a:r>
+          </a:p>
+        </p:txBody>
+      </p:sp>
+    </p:spTree>
+    <p:extLst>
+      <p:ext uri="{BB962C8B-B14F-4D97-AF65-F5344CB8AC3E}">
+        <p14:creationId xmlns:p14="http://schemas.microsoft.com/office/powerpoint/2010/main" val="3517883754"/>
+      </p:ext>
+    </p:extLst>
+  </p:cSld>
+  <p:clrMapOvr>
+    <a:masterClrMapping/>
+  </p:clrMapOvr>
+</p:sld>
+</file>
+
+<file path=ppt/slides/slide2.xml><?xml version="1.0" encoding="utf-8"?>
 <p:sld xmlns:a="http://schemas.openxmlformats.org/drawingml/2006/main" xmlns:r="http://schemas.openxmlformats.org/officeDocument/2006/relationships" xmlns:p="http://schemas.openxmlformats.org/presentationml/2006/main">
   <p:cSld>
     <p:spTree>
@@ -3494,7 +5178,7 @@
             <a:avLst/>
           </a:prstGeom>
           <a:solidFill>
-            <a:srgbClr val="FF0000"/>
+            <a:srgbClr val="C00000"/>
           </a:solidFill>
         </p:spPr>
         <p:txBody>
@@ -3601,14 +5285,14 @@
               <a:defRPr/>
             </a:pPr>
             <a:r>
-              <a:rPr lang="en-US" sz="3600" kern="0" dirty="0">
+              <a:rPr lang="en-US" sz="3600" b="1" kern="0" dirty="0">
                 <a:solidFill>
                   <a:prstClr val="white"/>
                 </a:solidFill>
                 <a:latin typeface="Segoe UI Light" pitchFamily="34" charset="0"/>
                 <a:cs typeface="Segoe UI" pitchFamily="34" charset="0"/>
               </a:rPr>
-              <a:t>Garage India Internship Hyderabad</a:t>
+              <a:t>Garage India Internship 2020</a:t>
             </a:r>
           </a:p>
           <a:p>
@@ -3616,7 +5300,7 @@
               <a:defRPr/>
             </a:pPr>
             <a:r>
-              <a:rPr lang="en-US" sz="3600" kern="0" dirty="0">
+              <a:rPr lang="en-US" sz="3600" b="1" kern="0" dirty="0">
                 <a:solidFill>
                   <a:prstClr val="white"/>
                 </a:solidFill>
@@ -3641,163 +5325,6 @@
   <p:transition>
     <p:fade/>
   </p:transition>
-</p:sld>
-</file>
-
-<file path=ppt/slides/slide2.xml><?xml version="1.0" encoding="utf-8"?>
-<p:sld xmlns:a="http://schemas.openxmlformats.org/drawingml/2006/main" xmlns:r="http://schemas.openxmlformats.org/officeDocument/2006/relationships" xmlns:p="http://schemas.openxmlformats.org/presentationml/2006/main">
-  <p:cSld>
-    <p:spTree>
-      <p:nvGrpSpPr>
-        <p:cNvPr id="1" name=""/>
-        <p:cNvGrpSpPr/>
-        <p:nvPr/>
-      </p:nvGrpSpPr>
-      <p:grpSpPr>
-        <a:xfrm>
-          <a:off x="0" y="0"/>
-          <a:ext cx="0" cy="0"/>
-          <a:chOff x="0" y="0"/>
-          <a:chExt cx="0" cy="0"/>
-        </a:xfrm>
-      </p:grpSpPr>
-      <p:sp>
-        <p:nvSpPr>
-          <p:cNvPr id="5" name="Text Placeholder 4"/>
-          <p:cNvSpPr>
-            <a:spLocks noGrp="1"/>
-          </p:cNvSpPr>
-          <p:nvPr>
-            <p:ph type="body" sz="quarter" idx="10"/>
-          </p:nvPr>
-        </p:nvSpPr>
-        <p:spPr/>
-        <p:txBody>
-          <a:bodyPr/>
-          <a:lstStyle/>
-          <a:p>
-            <a:r>
-              <a:rPr lang="en-US" dirty="0"/>
-              <a:t>Introduction</a:t>
-            </a:r>
-          </a:p>
-        </p:txBody>
-      </p:sp>
-      <p:sp>
-        <p:nvSpPr>
-          <p:cNvPr id="4" name="Subtitle 3"/>
-          <p:cNvSpPr>
-            <a:spLocks noGrp="1"/>
-          </p:cNvSpPr>
-          <p:nvPr>
-            <p:ph type="subTitle" idx="1"/>
-          </p:nvPr>
-        </p:nvSpPr>
-        <p:spPr/>
-        <p:txBody>
-          <a:bodyPr/>
-          <a:lstStyle/>
-          <a:p>
-            <a:endParaRPr lang="en-US" dirty="0"/>
-          </a:p>
-        </p:txBody>
-      </p:sp>
-      <p:sp>
-        <p:nvSpPr>
-          <p:cNvPr id="2" name="Rectangle 1"/>
-          <p:cNvSpPr/>
-          <p:nvPr/>
-        </p:nvSpPr>
-        <p:spPr>
-          <a:xfrm>
-            <a:off x="2550695" y="216568"/>
-            <a:ext cx="3152273" cy="2057400"/>
-          </a:xfrm>
-          <a:prstGeom prst="rect">
-            <a:avLst/>
-          </a:prstGeom>
-          <a:ln>
-            <a:solidFill>
-              <a:schemeClr val="bg1"/>
-            </a:solidFill>
-          </a:ln>
-        </p:spPr>
-        <p:style>
-          <a:lnRef idx="2">
-            <a:schemeClr val="accent6"/>
-          </a:lnRef>
-          <a:fillRef idx="1">
-            <a:schemeClr val="lt1"/>
-          </a:fillRef>
-          <a:effectRef idx="0">
-            <a:schemeClr val="accent6"/>
-          </a:effectRef>
-          <a:fontRef idx="minor">
-            <a:schemeClr val="dk1"/>
-          </a:fontRef>
-        </p:style>
-        <p:txBody>
-          <a:bodyPr rtlCol="0" anchor="ctr"/>
-          <a:lstStyle/>
-          <a:p>
-            <a:pPr algn="ctr"/>
-            <a:endParaRPr lang="en-IN"/>
-          </a:p>
-        </p:txBody>
-      </p:sp>
-      <p:sp>
-        <p:nvSpPr>
-          <p:cNvPr id="6" name="Rectangle 5"/>
-          <p:cNvSpPr/>
-          <p:nvPr/>
-        </p:nvSpPr>
-        <p:spPr>
-          <a:xfrm>
-            <a:off x="193271" y="36062"/>
-            <a:ext cx="3152273" cy="2057400"/>
-          </a:xfrm>
-          <a:prstGeom prst="rect">
-            <a:avLst/>
-          </a:prstGeom>
-          <a:ln>
-            <a:solidFill>
-              <a:schemeClr val="bg1"/>
-            </a:solidFill>
-          </a:ln>
-        </p:spPr>
-        <p:style>
-          <a:lnRef idx="2">
-            <a:schemeClr val="accent6"/>
-          </a:lnRef>
-          <a:fillRef idx="1">
-            <a:schemeClr val="lt1"/>
-          </a:fillRef>
-          <a:effectRef idx="0">
-            <a:schemeClr val="accent6"/>
-          </a:effectRef>
-          <a:fontRef idx="minor">
-            <a:schemeClr val="dk1"/>
-          </a:fontRef>
-        </p:style>
-        <p:txBody>
-          <a:bodyPr rtlCol="0" anchor="ctr"/>
-          <a:lstStyle/>
-          <a:p>
-            <a:pPr algn="ctr"/>
-            <a:endParaRPr lang="en-IN"/>
-          </a:p>
-        </p:txBody>
-      </p:sp>
-    </p:spTree>
-    <p:extLst>
-      <p:ext uri="{BB962C8B-B14F-4D97-AF65-F5344CB8AC3E}">
-        <p14:creationId xmlns:p14="http://schemas.microsoft.com/office/powerpoint/2010/main" val="1003187277"/>
-      </p:ext>
-    </p:extLst>
-  </p:cSld>
-  <p:clrMapOvr>
-    <a:masterClrMapping/>
-  </p:clrMapOvr>
 </p:sld>
 </file>
 
@@ -4066,7 +5593,7 @@
         </p:spPr>
         <p:txBody>
           <a:bodyPr>
-            <a:normAutofit lnSpcReduction="10000"/>
+            <a:normAutofit/>
           </a:bodyPr>
           <a:lstStyle/>
           <a:p>
@@ -4198,7 +5725,7 @@
         </p:spPr>
         <p:txBody>
           <a:bodyPr>
-            <a:normAutofit fontScale="92500" lnSpcReduction="10000"/>
+            <a:normAutofit lnSpcReduction="10000"/>
           </a:bodyPr>
           <a:lstStyle/>
           <a:p>
@@ -4263,7 +5790,7 @@
         </p:spPr>
         <p:txBody>
           <a:bodyPr>
-            <a:normAutofit fontScale="92500" lnSpcReduction="10000"/>
+            <a:normAutofit lnSpcReduction="10000"/>
           </a:bodyPr>
           <a:lstStyle/>
           <a:p>
@@ -5096,268 +6623,6 @@
 </file>
 
 <file path=ppt/theme/theme1.xml><?xml version="1.0" encoding="utf-8"?>
-<a:theme xmlns:a="http://schemas.openxmlformats.org/drawingml/2006/main" name="1_Office Theme">
-  <a:themeElements>
-    <a:clrScheme name="MVA Colors">
-      <a:dk1>
-        <a:sysClr val="windowText" lastClr="000000"/>
-      </a:dk1>
-      <a:lt1>
-        <a:sysClr val="window" lastClr="FFFFFF"/>
-      </a:lt1>
-      <a:dk2>
-        <a:srgbClr val="1F497D"/>
-      </a:dk2>
-      <a:lt2>
-        <a:srgbClr val="EEECE1"/>
-      </a:lt2>
-      <a:accent1>
-        <a:srgbClr val="4F81BD"/>
-      </a:accent1>
-      <a:accent2>
-        <a:srgbClr val="C0504D"/>
-      </a:accent2>
-      <a:accent3>
-        <a:srgbClr val="9BBB59"/>
-      </a:accent3>
-      <a:accent4>
-        <a:srgbClr val="8064A2"/>
-      </a:accent4>
-      <a:accent5>
-        <a:srgbClr val="4BACC6"/>
-      </a:accent5>
-      <a:accent6>
-        <a:srgbClr val="F79646"/>
-      </a:accent6>
-      <a:hlink>
-        <a:srgbClr val="0000FF"/>
-      </a:hlink>
-      <a:folHlink>
-        <a:srgbClr val="800080"/>
-      </a:folHlink>
-    </a:clrScheme>
-    <a:fontScheme name="MVA Fonts">
-      <a:majorFont>
-        <a:latin typeface="Segoe UI Light"/>
-        <a:ea typeface=""/>
-        <a:cs typeface=""/>
-      </a:majorFont>
-      <a:minorFont>
-        <a:latin typeface="Segoe UI Light"/>
-        <a:ea typeface=""/>
-        <a:cs typeface=""/>
-      </a:minorFont>
-    </a:fontScheme>
-    <a:fmtScheme name="Office">
-      <a:fillStyleLst>
-        <a:solidFill>
-          <a:schemeClr val="phClr"/>
-        </a:solidFill>
-        <a:gradFill rotWithShape="1">
-          <a:gsLst>
-            <a:gs pos="0">
-              <a:schemeClr val="phClr">
-                <a:tint val="50000"/>
-                <a:satMod val="300000"/>
-              </a:schemeClr>
-            </a:gs>
-            <a:gs pos="35000">
-              <a:schemeClr val="phClr">
-                <a:tint val="37000"/>
-                <a:satMod val="300000"/>
-              </a:schemeClr>
-            </a:gs>
-            <a:gs pos="100000">
-              <a:schemeClr val="phClr">
-                <a:tint val="15000"/>
-                <a:satMod val="350000"/>
-              </a:schemeClr>
-            </a:gs>
-          </a:gsLst>
-          <a:lin ang="16200000" scaled="1"/>
-        </a:gradFill>
-        <a:gradFill rotWithShape="1">
-          <a:gsLst>
-            <a:gs pos="0">
-              <a:schemeClr val="phClr">
-                <a:shade val="51000"/>
-                <a:satMod val="130000"/>
-              </a:schemeClr>
-            </a:gs>
-            <a:gs pos="80000">
-              <a:schemeClr val="phClr">
-                <a:shade val="93000"/>
-                <a:satMod val="130000"/>
-              </a:schemeClr>
-            </a:gs>
-            <a:gs pos="100000">
-              <a:schemeClr val="phClr">
-                <a:shade val="94000"/>
-                <a:satMod val="135000"/>
-              </a:schemeClr>
-            </a:gs>
-          </a:gsLst>
-          <a:lin ang="16200000" scaled="0"/>
-        </a:gradFill>
-      </a:fillStyleLst>
-      <a:lnStyleLst>
-        <a:ln w="9525" cap="flat" cmpd="sng" algn="ctr">
-          <a:solidFill>
-            <a:schemeClr val="phClr">
-              <a:shade val="95000"/>
-              <a:satMod val="105000"/>
-            </a:schemeClr>
-          </a:solidFill>
-          <a:prstDash val="solid"/>
-        </a:ln>
-        <a:ln w="25400" cap="flat" cmpd="sng" algn="ctr">
-          <a:solidFill>
-            <a:schemeClr val="phClr"/>
-          </a:solidFill>
-          <a:prstDash val="solid"/>
-        </a:ln>
-        <a:ln w="38100" cap="flat" cmpd="sng" algn="ctr">
-          <a:solidFill>
-            <a:schemeClr val="phClr"/>
-          </a:solidFill>
-          <a:prstDash val="solid"/>
-        </a:ln>
-      </a:lnStyleLst>
-      <a:effectStyleLst>
-        <a:effectStyle>
-          <a:effectLst>
-            <a:outerShdw blurRad="40000" dist="20000" dir="5400000" rotWithShape="0">
-              <a:srgbClr val="000000">
-                <a:alpha val="38000"/>
-              </a:srgbClr>
-            </a:outerShdw>
-          </a:effectLst>
-        </a:effectStyle>
-        <a:effectStyle>
-          <a:effectLst>
-            <a:outerShdw blurRad="40000" dist="23000" dir="5400000" rotWithShape="0">
-              <a:srgbClr val="000000">
-                <a:alpha val="35000"/>
-              </a:srgbClr>
-            </a:outerShdw>
-          </a:effectLst>
-        </a:effectStyle>
-        <a:effectStyle>
-          <a:effectLst>
-            <a:outerShdw blurRad="40000" dist="23000" dir="5400000" rotWithShape="0">
-              <a:srgbClr val="000000">
-                <a:alpha val="35000"/>
-              </a:srgbClr>
-            </a:outerShdw>
-          </a:effectLst>
-          <a:scene3d>
-            <a:camera prst="orthographicFront">
-              <a:rot lat="0" lon="0" rev="0"/>
-            </a:camera>
-            <a:lightRig rig="threePt" dir="t">
-              <a:rot lat="0" lon="0" rev="1200000"/>
-            </a:lightRig>
-          </a:scene3d>
-          <a:sp3d>
-            <a:bevelT w="63500" h="25400"/>
-          </a:sp3d>
-        </a:effectStyle>
-      </a:effectStyleLst>
-      <a:bgFillStyleLst>
-        <a:solidFill>
-          <a:schemeClr val="phClr"/>
-        </a:solidFill>
-        <a:gradFill rotWithShape="1">
-          <a:gsLst>
-            <a:gs pos="0">
-              <a:schemeClr val="phClr">
-                <a:tint val="40000"/>
-                <a:satMod val="350000"/>
-              </a:schemeClr>
-            </a:gs>
-            <a:gs pos="40000">
-              <a:schemeClr val="phClr">
-                <a:tint val="45000"/>
-                <a:shade val="99000"/>
-                <a:satMod val="350000"/>
-              </a:schemeClr>
-            </a:gs>
-            <a:gs pos="100000">
-              <a:schemeClr val="phClr">
-                <a:shade val="20000"/>
-                <a:satMod val="255000"/>
-              </a:schemeClr>
-            </a:gs>
-          </a:gsLst>
-          <a:path path="circle">
-            <a:fillToRect l="50000" t="-80000" r="50000" b="180000"/>
-          </a:path>
-        </a:gradFill>
-        <a:gradFill rotWithShape="1">
-          <a:gsLst>
-            <a:gs pos="0">
-              <a:schemeClr val="phClr">
-                <a:tint val="80000"/>
-                <a:satMod val="300000"/>
-              </a:schemeClr>
-            </a:gs>
-            <a:gs pos="100000">
-              <a:schemeClr val="phClr">
-                <a:shade val="30000"/>
-                <a:satMod val="200000"/>
-              </a:schemeClr>
-            </a:gs>
-          </a:gsLst>
-          <a:path path="circle">
-            <a:fillToRect l="50000" t="50000" r="50000" b="50000"/>
-          </a:path>
-        </a:gradFill>
-      </a:bgFillStyleLst>
-    </a:fmtScheme>
-  </a:themeElements>
-  <a:objectDefaults>
-    <a:txDef>
-      <a:spPr>
-        <a:ln>
-          <a:noFill/>
-        </a:ln>
-      </a:spPr>
-      <a:bodyPr vert="horz" lIns="91409" tIns="45705" rIns="91409" bIns="45705" rtlCol="0" anchor="ctr" anchorCtr="0">
-        <a:normAutofit/>
-      </a:bodyPr>
-      <a:lstStyle>
-        <a:defPPr algn="ctr">
-          <a:defRPr sz="4800" dirty="0" smtClean="0"/>
-        </a:defPPr>
-      </a:lstStyle>
-      <a:style>
-        <a:lnRef idx="2">
-          <a:schemeClr val="accent3">
-            <a:shade val="50000"/>
-          </a:schemeClr>
-        </a:lnRef>
-        <a:fillRef idx="1">
-          <a:schemeClr val="accent3"/>
-        </a:fillRef>
-        <a:effectRef idx="0">
-          <a:schemeClr val="accent3"/>
-        </a:effectRef>
-        <a:fontRef idx="minor">
-          <a:schemeClr val="lt1"/>
-        </a:fontRef>
-      </a:style>
-    </a:txDef>
-  </a:objectDefaults>
-  <a:extraClrSchemeLst/>
-  <a:extLst>
-    <a:ext uri="{05A4C25C-085E-4340-85A3-A5531E510DB2}">
-      <thm15:themeFamily xmlns:thm15="http://schemas.microsoft.com/office/thememl/2012/main" name="MVA-CourseTemplate-1.pptx" id="{44F1D109-0D62-4C50-A3FF-AB64ABB72DAD}" vid="{29F46DDF-BD45-4956-8C98-398EB1CD1615}"/>
-    </a:ext>
-  </a:extLst>
-</a:theme>
-</file>
-
-<file path=ppt/theme/theme2.xml><?xml version="1.0" encoding="utf-8"?>
 <a:theme xmlns:a="http://schemas.openxmlformats.org/drawingml/2006/main" name="Office Theme">
   <a:themeElements>
     <a:clrScheme name="Office">
@@ -5374,7 +6639,7 @@
         <a:srgbClr val="E7E6E6"/>
       </a:lt2>
       <a:accent1>
-        <a:srgbClr val="5B9BD5"/>
+        <a:srgbClr val="4472C4"/>
       </a:accent1>
       <a:accent2>
         <a:srgbClr val="ED7D31"/>
@@ -5386,7 +6651,7 @@
         <a:srgbClr val="FFC000"/>
       </a:accent4>
       <a:accent5>
-        <a:srgbClr val="4472C4"/>
+        <a:srgbClr val="5B9BD5"/>
       </a:accent5>
       <a:accent6>
         <a:srgbClr val="70AD47"/>
@@ -5403,9 +6668,9 @@
         <a:latin typeface="Calibri Light" panose="020F0302020204030204"/>
         <a:ea typeface=""/>
         <a:cs typeface=""/>
-        <a:font script="Jpan" typeface="ＭＳ Ｐゴシック"/>
+        <a:font script="Jpan" typeface="游ゴシック Light"/>
         <a:font script="Hang" typeface="맑은 고딕"/>
-        <a:font script="Hans" typeface="宋体"/>
+        <a:font script="Hans" typeface="等线 Light"/>
         <a:font script="Hant" typeface="新細明體"/>
         <a:font script="Arab" typeface="Times New Roman"/>
         <a:font script="Hebr" typeface="Times New Roman"/>
@@ -5433,14 +6698,31 @@
         <a:font script="Viet" typeface="Times New Roman"/>
         <a:font script="Uigh" typeface="Microsoft Uighur"/>
         <a:font script="Geor" typeface="Sylfaen"/>
+        <a:font script="Armn" typeface="Arial"/>
+        <a:font script="Bugi" typeface="Leelawadee UI"/>
+        <a:font script="Bopo" typeface="Microsoft JhengHei"/>
+        <a:font script="Java" typeface="Javanese Text"/>
+        <a:font script="Lisu" typeface="Segoe UI"/>
+        <a:font script="Mymr" typeface="Myanmar Text"/>
+        <a:font script="Nkoo" typeface="Ebrima"/>
+        <a:font script="Olck" typeface="Nirmala UI"/>
+        <a:font script="Osma" typeface="Ebrima"/>
+        <a:font script="Phag" typeface="Phagspa"/>
+        <a:font script="Syrn" typeface="Estrangelo Edessa"/>
+        <a:font script="Syrj" typeface="Estrangelo Edessa"/>
+        <a:font script="Syre" typeface="Estrangelo Edessa"/>
+        <a:font script="Sora" typeface="Nirmala UI"/>
+        <a:font script="Tale" typeface="Microsoft Tai Le"/>
+        <a:font script="Talu" typeface="Microsoft New Tai Lue"/>
+        <a:font script="Tfng" typeface="Ebrima"/>
       </a:majorFont>
       <a:minorFont>
         <a:latin typeface="Calibri" panose="020F0502020204030204"/>
         <a:ea typeface=""/>
         <a:cs typeface=""/>
-        <a:font script="Jpan" typeface="ＭＳ Ｐゴシック"/>
+        <a:font script="Jpan" typeface="游ゴシック"/>
         <a:font script="Hang" typeface="맑은 고딕"/>
-        <a:font script="Hans" typeface="宋体"/>
+        <a:font script="Hans" typeface="等线"/>
         <a:font script="Hant" typeface="新細明體"/>
         <a:font script="Arab" typeface="Arial"/>
         <a:font script="Hebr" typeface="Arial"/>
@@ -5468,6 +6750,23 @@
         <a:font script="Viet" typeface="Arial"/>
         <a:font script="Uigh" typeface="Microsoft Uighur"/>
         <a:font script="Geor" typeface="Sylfaen"/>
+        <a:font script="Armn" typeface="Arial"/>
+        <a:font script="Bugi" typeface="Leelawadee UI"/>
+        <a:font script="Bopo" typeface="Microsoft JhengHei"/>
+        <a:font script="Java" typeface="Javanese Text"/>
+        <a:font script="Lisu" typeface="Segoe UI"/>
+        <a:font script="Mymr" typeface="Myanmar Text"/>
+        <a:font script="Nkoo" typeface="Ebrima"/>
+        <a:font script="Olck" typeface="Nirmala UI"/>
+        <a:font script="Osma" typeface="Ebrima"/>
+        <a:font script="Phag" typeface="Phagspa"/>
+        <a:font script="Syrn" typeface="Estrangelo Edessa"/>
+        <a:font script="Syrj" typeface="Estrangelo Edessa"/>
+        <a:font script="Syre" typeface="Estrangelo Edessa"/>
+        <a:font script="Sora" typeface="Nirmala UI"/>
+        <a:font script="Tale" typeface="Microsoft Tai Le"/>
+        <a:font script="Talu" typeface="Microsoft New Tai Lue"/>
+        <a:font script="Tfng" typeface="Ebrima"/>
       </a:minorFont>
     </a:fontScheme>
     <a:fmtScheme name="Office">
@@ -5618,7 +6917,7 @@
 </a:theme>
 </file>
 
-<file path=ppt/theme/theme3.xml><?xml version="1.0" encoding="utf-8"?>
+<file path=ppt/theme/theme2.xml><?xml version="1.0" encoding="utf-8"?>
 <a:theme xmlns:a="http://schemas.openxmlformats.org/drawingml/2006/main" name="Office Theme">
   <a:themeElements>
     <a:clrScheme name="Office">
@@ -5635,7 +6934,7 @@
         <a:srgbClr val="E7E6E6"/>
       </a:lt2>
       <a:accent1>
-        <a:srgbClr val="5B9BD5"/>
+        <a:srgbClr val="4472C4"/>
       </a:accent1>
       <a:accent2>
         <a:srgbClr val="ED7D31"/>
@@ -5647,7 +6946,7 @@
         <a:srgbClr val="FFC000"/>
       </a:accent4>
       <a:accent5>
-        <a:srgbClr val="4472C4"/>
+        <a:srgbClr val="5B9BD5"/>
       </a:accent5>
       <a:accent6>
         <a:srgbClr val="70AD47"/>
@@ -5664,9 +6963,9 @@
         <a:latin typeface="Calibri Light" panose="020F0302020204030204"/>
         <a:ea typeface=""/>
         <a:cs typeface=""/>
-        <a:font script="Jpan" typeface="ＭＳ Ｐゴシック"/>
+        <a:font script="Jpan" typeface="游ゴシック Light"/>
         <a:font script="Hang" typeface="맑은 고딕"/>
-        <a:font script="Hans" typeface="宋体"/>
+        <a:font script="Hans" typeface="等线 Light"/>
         <a:font script="Hant" typeface="新細明體"/>
         <a:font script="Arab" typeface="Times New Roman"/>
         <a:font script="Hebr" typeface="Times New Roman"/>
@@ -5694,14 +6993,31 @@
         <a:font script="Viet" typeface="Times New Roman"/>
         <a:font script="Uigh" typeface="Microsoft Uighur"/>
         <a:font script="Geor" typeface="Sylfaen"/>
+        <a:font script="Armn" typeface="Arial"/>
+        <a:font script="Bugi" typeface="Leelawadee UI"/>
+        <a:font script="Bopo" typeface="Microsoft JhengHei"/>
+        <a:font script="Java" typeface="Javanese Text"/>
+        <a:font script="Lisu" typeface="Segoe UI"/>
+        <a:font script="Mymr" typeface="Myanmar Text"/>
+        <a:font script="Nkoo" typeface="Ebrima"/>
+        <a:font script="Olck" typeface="Nirmala UI"/>
+        <a:font script="Osma" typeface="Ebrima"/>
+        <a:font script="Phag" typeface="Phagspa"/>
+        <a:font script="Syrn" typeface="Estrangelo Edessa"/>
+        <a:font script="Syrj" typeface="Estrangelo Edessa"/>
+        <a:font script="Syre" typeface="Estrangelo Edessa"/>
+        <a:font script="Sora" typeface="Nirmala UI"/>
+        <a:font script="Tale" typeface="Microsoft Tai Le"/>
+        <a:font script="Talu" typeface="Microsoft New Tai Lue"/>
+        <a:font script="Tfng" typeface="Ebrima"/>
       </a:majorFont>
       <a:minorFont>
         <a:latin typeface="Calibri" panose="020F0502020204030204"/>
         <a:ea typeface=""/>
         <a:cs typeface=""/>
-        <a:font script="Jpan" typeface="ＭＳ Ｐゴシック"/>
+        <a:font script="Jpan" typeface="游ゴシック"/>
         <a:font script="Hang" typeface="맑은 고딕"/>
-        <a:font script="Hans" typeface="宋体"/>
+        <a:font script="Hans" typeface="等线"/>
         <a:font script="Hant" typeface="新細明體"/>
         <a:font script="Arab" typeface="Arial"/>
         <a:font script="Hebr" typeface="Arial"/>
@@ -5729,6 +7045,23 @@
         <a:font script="Viet" typeface="Arial"/>
         <a:font script="Uigh" typeface="Microsoft Uighur"/>
         <a:font script="Geor" typeface="Sylfaen"/>
+        <a:font script="Armn" typeface="Arial"/>
+        <a:font script="Bugi" typeface="Leelawadee UI"/>
+        <a:font script="Bopo" typeface="Microsoft JhengHei"/>
+        <a:font script="Java" typeface="Javanese Text"/>
+        <a:font script="Lisu" typeface="Segoe UI"/>
+        <a:font script="Mymr" typeface="Myanmar Text"/>
+        <a:font script="Nkoo" typeface="Ebrima"/>
+        <a:font script="Olck" typeface="Nirmala UI"/>
+        <a:font script="Osma" typeface="Ebrima"/>
+        <a:font script="Phag" typeface="Phagspa"/>
+        <a:font script="Syrn" typeface="Estrangelo Edessa"/>
+        <a:font script="Syrj" typeface="Estrangelo Edessa"/>
+        <a:font script="Syre" typeface="Estrangelo Edessa"/>
+        <a:font script="Sora" typeface="Nirmala UI"/>
+        <a:font script="Tale" typeface="Microsoft Tai Le"/>
+        <a:font script="Talu" typeface="Microsoft New Tai Lue"/>
+        <a:font script="Tfng" typeface="Ebrima"/>
       </a:minorFont>
     </a:fontScheme>
     <a:fmtScheme name="Office">
@@ -5877,211 +7210,4 @@
     </a:ext>
   </a:extLst>
 </a:theme>
-</file>
-
-<file path=customXml/item1.xml><?xml version="1.0" encoding="utf-8"?>
-<?mso-contentType ?>
-<FormTemplates xmlns="http://schemas.microsoft.com/sharepoint/v3/contenttype/forms">
-  <Display>DocumentLibraryForm</Display>
-  <Edit>DocumentLibraryForm</Edit>
-  <New>DocumentLibraryForm</New>
-</FormTemplates>
-</file>
-
-<file path=customXml/item2.xml><?xml version="1.0" encoding="utf-8"?>
-<ct:contentTypeSchema xmlns:ct="http://schemas.microsoft.com/office/2006/metadata/contentType" xmlns:ma="http://schemas.microsoft.com/office/2006/metadata/properties/metaAttributes" ct:_="" ma:_="" ma:contentTypeName="Document" ma:contentTypeID="0x01010011DC54E8FA166940A7080F84F8CB43C0" ma:contentTypeVersion="5" ma:contentTypeDescription="Create a new document." ma:contentTypeScope="" ma:versionID="cf59c618f8906941c836d93f4042696d">
-  <xsd:schema xmlns:xsd="http://www.w3.org/2001/XMLSchema" xmlns:xs="http://www.w3.org/2001/XMLSchema" xmlns:p="http://schemas.microsoft.com/office/2006/metadata/properties" xmlns:ns2="49f23ff1-7de2-4e77-8ccc-6638caaacb57" targetNamespace="http://schemas.microsoft.com/office/2006/metadata/properties" ma:root="true" ma:fieldsID="2f21f176a9e5873be5e0250de8bfe910" ns2:_="">
-    <xsd:import namespace="49f23ff1-7de2-4e77-8ccc-6638caaacb57"/>
-    <xsd:element name="properties">
-      <xsd:complexType>
-        <xsd:sequence>
-          <xsd:element name="documentManagement">
-            <xsd:complexType>
-              <xsd:all>
-                <xsd:element ref="ns2:MediaServiceMetadata" minOccurs="0"/>
-                <xsd:element ref="ns2:MediaServiceFastMetadata" minOccurs="0"/>
-                <xsd:element ref="ns2:MediaServiceAutoTags" minOccurs="0"/>
-                <xsd:element ref="ns2:MediaServiceDateTaken" minOccurs="0"/>
-                <xsd:element ref="ns2:MediaServiceLocation" minOccurs="0"/>
-              </xsd:all>
-            </xsd:complexType>
-          </xsd:element>
-        </xsd:sequence>
-      </xsd:complexType>
-    </xsd:element>
-  </xsd:schema>
-  <xsd:schema xmlns:xsd="http://www.w3.org/2001/XMLSchema" xmlns:xs="http://www.w3.org/2001/XMLSchema" xmlns:dms="http://schemas.microsoft.com/office/2006/documentManagement/types" xmlns:pc="http://schemas.microsoft.com/office/infopath/2007/PartnerControls" targetNamespace="49f23ff1-7de2-4e77-8ccc-6638caaacb57" elementFormDefault="qualified">
-    <xsd:import namespace="http://schemas.microsoft.com/office/2006/documentManagement/types"/>
-    <xsd:import namespace="http://schemas.microsoft.com/office/infopath/2007/PartnerControls"/>
-    <xsd:element name="MediaServiceMetadata" ma:index="8" nillable="true" ma:displayName="MediaServiceMetadata" ma:description="" ma:hidden="true" ma:internalName="MediaServiceMetadata" ma:readOnly="true">
-      <xsd:simpleType>
-        <xsd:restriction base="dms:Note"/>
-      </xsd:simpleType>
-    </xsd:element>
-    <xsd:element name="MediaServiceFastMetadata" ma:index="9" nillable="true" ma:displayName="MediaServiceFastMetadata" ma:description="" ma:hidden="true" ma:internalName="MediaServiceFastMetadata" ma:readOnly="true">
-      <xsd:simpleType>
-        <xsd:restriction base="dms:Note"/>
-      </xsd:simpleType>
-    </xsd:element>
-    <xsd:element name="MediaServiceAutoTags" ma:index="10" nillable="true" ma:displayName="MediaServiceAutoTags" ma:description="" ma:internalName="MediaServiceAutoTags" ma:readOnly="true">
-      <xsd:simpleType>
-        <xsd:restriction base="dms:Text"/>
-      </xsd:simpleType>
-    </xsd:element>
-    <xsd:element name="MediaServiceDateTaken" ma:index="11" nillable="true" ma:displayName="MediaServiceDateTaken" ma:description="" ma:hidden="true" ma:internalName="MediaServiceDateTaken" ma:readOnly="true">
-      <xsd:simpleType>
-        <xsd:restriction base="dms:Text"/>
-      </xsd:simpleType>
-    </xsd:element>
-    <xsd:element name="MediaServiceLocation" ma:index="12" nillable="true" ma:displayName="MediaServiceLocation" ma:description="" ma:internalName="MediaServiceLocation" ma:readOnly="true">
-      <xsd:simpleType>
-        <xsd:restriction base="dms:Text"/>
-      </xsd:simpleType>
-    </xsd:element>
-  </xsd:schema>
-  <xsd:schema xmlns="http://schemas.openxmlformats.org/package/2006/metadata/core-properties" xmlns:xsd="http://www.w3.org/2001/XMLSchema" xmlns:xsi="http://www.w3.org/2001/XMLSchema-instance" xmlns:dc="http://purl.org/dc/elements/1.1/" xmlns:dcterms="http://purl.org/dc/terms/" xmlns:odoc="http://schemas.microsoft.com/internal/obd" targetNamespace="http://schemas.openxmlformats.org/package/2006/metadata/core-properties" elementFormDefault="qualified" attributeFormDefault="unqualified" blockDefault="#all">
-    <xsd:import namespace="http://purl.org/dc/elements/1.1/" schemaLocation="http://dublincore.org/schemas/xmls/qdc/2003/04/02/dc.xsd"/>
-    <xsd:import namespace="http://purl.org/dc/terms/" schemaLocation="http://dublincore.org/schemas/xmls/qdc/2003/04/02/dcterms.xsd"/>
-    <xsd:element name="coreProperties" type="CT_coreProperties"/>
-    <xsd:complexType name="CT_coreProperties">
-      <xsd:all>
-        <xsd:element ref="dc:creator" minOccurs="0" maxOccurs="1"/>
-        <xsd:element ref="dcterms:created" minOccurs="0" maxOccurs="1"/>
-        <xsd:element ref="dc:identifier" minOccurs="0" maxOccurs="1"/>
-        <xsd:element name="contentType" minOccurs="0" maxOccurs="1" type="xsd:string" ma:index="0" ma:displayName="Content Type"/>
-        <xsd:element ref="dc:title" minOccurs="0" maxOccurs="1" ma:index="4" ma:displayName="Title"/>
-        <xsd:element ref="dc:subject" minOccurs="0" maxOccurs="1"/>
-        <xsd:element ref="dc:description" minOccurs="0" maxOccurs="1"/>
-        <xsd:element name="keywords" minOccurs="0" maxOccurs="1" type="xsd:string"/>
-        <xsd:element ref="dc:language" minOccurs="0" maxOccurs="1"/>
-        <xsd:element name="category" minOccurs="0" maxOccurs="1" type="xsd:string"/>
-        <xsd:element name="version" minOccurs="0" maxOccurs="1" type="xsd:string"/>
-        <xsd:element name="revision" minOccurs="0" maxOccurs="1" type="xsd:string">
-          <xsd:annotation>
-            <xsd:documentation>
-                        This value indicates the number of saves or revisions. The application is responsible for updating this value after each revision.
-                    </xsd:documentation>
-          </xsd:annotation>
-        </xsd:element>
-        <xsd:element name="lastModifiedBy" minOccurs="0" maxOccurs="1" type="xsd:string"/>
-        <xsd:element ref="dcterms:modified" minOccurs="0" maxOccurs="1"/>
-        <xsd:element name="contentStatus" minOccurs="0" maxOccurs="1" type="xsd:string"/>
-      </xsd:all>
-    </xsd:complexType>
-  </xsd:schema>
-  <xs:schema xmlns:pc="http://schemas.microsoft.com/office/infopath/2007/PartnerControls" xmlns:xs="http://www.w3.org/2001/XMLSchema" targetNamespace="http://schemas.microsoft.com/office/infopath/2007/PartnerControls" elementFormDefault="qualified" attributeFormDefault="unqualified">
-    <xs:element name="Person">
-      <xs:complexType>
-        <xs:sequence>
-          <xs:element ref="pc:DisplayName" minOccurs="0"/>
-          <xs:element ref="pc:AccountId" minOccurs="0"/>
-          <xs:element ref="pc:AccountType" minOccurs="0"/>
-        </xs:sequence>
-      </xs:complexType>
-    </xs:element>
-    <xs:element name="DisplayName" type="xs:string"/>
-    <xs:element name="AccountId" type="xs:string"/>
-    <xs:element name="AccountType" type="xs:string"/>
-    <xs:element name="BDCAssociatedEntity">
-      <xs:complexType>
-        <xs:sequence>
-          <xs:element ref="pc:BDCEntity" minOccurs="0" maxOccurs="unbounded"/>
-        </xs:sequence>
-        <xs:attribute ref="pc:EntityNamespace"/>
-        <xs:attribute ref="pc:EntityName"/>
-        <xs:attribute ref="pc:SystemInstanceName"/>
-        <xs:attribute ref="pc:AssociationName"/>
-      </xs:complexType>
-    </xs:element>
-    <xs:attribute name="EntityNamespace" type="xs:string"/>
-    <xs:attribute name="EntityName" type="xs:string"/>
-    <xs:attribute name="SystemInstanceName" type="xs:string"/>
-    <xs:attribute name="AssociationName" type="xs:string"/>
-    <xs:element name="BDCEntity">
-      <xs:complexType>
-        <xs:sequence>
-          <xs:element ref="pc:EntityDisplayName" minOccurs="0"/>
-          <xs:element ref="pc:EntityInstanceReference" minOccurs="0"/>
-          <xs:element ref="pc:EntityId1" minOccurs="0"/>
-          <xs:element ref="pc:EntityId2" minOccurs="0"/>
-          <xs:element ref="pc:EntityId3" minOccurs="0"/>
-          <xs:element ref="pc:EntityId4" minOccurs="0"/>
-          <xs:element ref="pc:EntityId5" minOccurs="0"/>
-        </xs:sequence>
-      </xs:complexType>
-    </xs:element>
-    <xs:element name="EntityDisplayName" type="xs:string"/>
-    <xs:element name="EntityInstanceReference" type="xs:string"/>
-    <xs:element name="EntityId1" type="xs:string"/>
-    <xs:element name="EntityId2" type="xs:string"/>
-    <xs:element name="EntityId3" type="xs:string"/>
-    <xs:element name="EntityId4" type="xs:string"/>
-    <xs:element name="EntityId5" type="xs:string"/>
-    <xs:element name="Terms">
-      <xs:complexType>
-        <xs:sequence>
-          <xs:element ref="pc:TermInfo" minOccurs="0" maxOccurs="unbounded"/>
-        </xs:sequence>
-      </xs:complexType>
-    </xs:element>
-    <xs:element name="TermInfo">
-      <xs:complexType>
-        <xs:sequence>
-          <xs:element ref="pc:TermName" minOccurs="0"/>
-          <xs:element ref="pc:TermId" minOccurs="0"/>
-        </xs:sequence>
-      </xs:complexType>
-    </xs:element>
-    <xs:element name="TermName" type="xs:string"/>
-    <xs:element name="TermId" type="xs:string"/>
-  </xs:schema>
-</ct:contentTypeSchema>
-</file>
-
-<file path=customXml/item3.xml><?xml version="1.0" encoding="utf-8"?>
-<p:properties xmlns:p="http://schemas.microsoft.com/office/2006/metadata/properties" xmlns:xsi="http://www.w3.org/2001/XMLSchema-instance" xmlns:pc="http://schemas.microsoft.com/office/infopath/2007/PartnerControls">
-  <documentManagement/>
-</p:properties>
-</file>
-
-<file path=customXml/itemProps1.xml><?xml version="1.0" encoding="utf-8"?>
-<ds:datastoreItem xmlns:ds="http://schemas.openxmlformats.org/officeDocument/2006/customXml" ds:itemID="{B0CA13EC-1D3C-4D6F-8D1C-E8A452CFC79A}">
-  <ds:schemaRefs>
-    <ds:schemaRef ds:uri="http://schemas.microsoft.com/sharepoint/v3/contenttype/forms"/>
-  </ds:schemaRefs>
-</ds:datastoreItem>
-</file>
-
-<file path=customXml/itemProps2.xml><?xml version="1.0" encoding="utf-8"?>
-<ds:datastoreItem xmlns:ds="http://schemas.openxmlformats.org/officeDocument/2006/customXml" ds:itemID="{9981D766-8238-4C46-BFD3-328D25F01F6A}">
-  <ds:schemaRefs>
-    <ds:schemaRef ds:uri="http://schemas.microsoft.com/office/2006/metadata/contentType"/>
-    <ds:schemaRef ds:uri="http://schemas.microsoft.com/office/2006/metadata/properties/metaAttributes"/>
-    <ds:schemaRef ds:uri="http://www.w3.org/2001/XMLSchema"/>
-    <ds:schemaRef ds:uri="http://schemas.microsoft.com/office/2006/metadata/properties"/>
-    <ds:schemaRef ds:uri="49f23ff1-7de2-4e77-8ccc-6638caaacb57"/>
-    <ds:schemaRef ds:uri="http://schemas.microsoft.com/office/2006/documentManagement/types"/>
-    <ds:schemaRef ds:uri="http://schemas.microsoft.com/office/infopath/2007/PartnerControls"/>
-    <ds:schemaRef ds:uri="http://schemas.openxmlformats.org/package/2006/metadata/core-properties"/>
-    <ds:schemaRef ds:uri="http://purl.org/dc/elements/1.1/"/>
-    <ds:schemaRef ds:uri="http://purl.org/dc/terms/"/>
-    <ds:schemaRef ds:uri="http://schemas.microsoft.com/internal/obd"/>
-  </ds:schemaRefs>
-</ds:datastoreItem>
-</file>
-
-<file path=customXml/itemProps3.xml><?xml version="1.0" encoding="utf-8"?>
-<ds:datastoreItem xmlns:ds="http://schemas.openxmlformats.org/officeDocument/2006/customXml" ds:itemID="{7025FDD9-4C58-4084-9F89-0E6ADD6FFF55}">
-  <ds:schemaRefs>
-    <ds:schemaRef ds:uri="http://purl.org/dc/dcmitype/"/>
-    <ds:schemaRef ds:uri="http://schemas.microsoft.com/office/2006/documentManagement/types"/>
-    <ds:schemaRef ds:uri="http://schemas.openxmlformats.org/package/2006/metadata/core-properties"/>
-    <ds:schemaRef ds:uri="http://schemas.microsoft.com/office/2006/metadata/properties"/>
-    <ds:schemaRef ds:uri="http://www.w3.org/XML/1998/namespace"/>
-    <ds:schemaRef ds:uri="http://purl.org/dc/elements/1.1/"/>
-    <ds:schemaRef ds:uri="http://schemas.microsoft.com/office/infopath/2007/PartnerControls"/>
-    <ds:schemaRef ds:uri="49f23ff1-7de2-4e77-8ccc-6638caaacb57"/>
-    <ds:schemaRef ds:uri="http://purl.org/dc/terms/"/>
-  </ds:schemaRefs>
-</ds:datastoreItem>
 </file>
--- a/1.Introduction.pptx
+++ b/1.Introduction.pptx
@@ -2,23 +2,19 @@
 <file path=ppt/presentation.xml><?xml version="1.0" encoding="utf-8"?>
 <p:presentation xmlns:a="http://schemas.openxmlformats.org/drawingml/2006/main" xmlns:r="http://schemas.openxmlformats.org/officeDocument/2006/relationships" xmlns:p="http://schemas.openxmlformats.org/presentationml/2006/main" saveSubsetFonts="1">
   <p:sldMasterIdLst>
-    <p:sldMasterId id="2147483660" r:id="rId4"/>
+    <p:sldMasterId id="2147483648" r:id="rId1"/>
   </p:sldMasterIdLst>
   <p:notesMasterIdLst>
-    <p:notesMasterId r:id="rId13"/>
+    <p:notesMasterId r:id="rId9"/>
   </p:notesMasterIdLst>
-  <p:handoutMasterIdLst>
-    <p:handoutMasterId r:id="rId14"/>
-  </p:handoutMasterIdLst>
   <p:sldIdLst>
-    <p:sldId id="348" r:id="rId5"/>
-    <p:sldId id="317" r:id="rId6"/>
-    <p:sldId id="367" r:id="rId7"/>
-    <p:sldId id="392" r:id="rId8"/>
-    <p:sldId id="397" r:id="rId9"/>
-    <p:sldId id="393" r:id="rId10"/>
-    <p:sldId id="396" r:id="rId11"/>
-    <p:sldId id="395" r:id="rId12"/>
+    <p:sldId id="472" r:id="rId2"/>
+    <p:sldId id="348" r:id="rId3"/>
+    <p:sldId id="367" r:id="rId4"/>
+    <p:sldId id="392" r:id="rId5"/>
+    <p:sldId id="393" r:id="rId6"/>
+    <p:sldId id="396" r:id="rId7"/>
+    <p:sldId id="395" r:id="rId8"/>
   </p:sldIdLst>
   <p:sldSz cx="12192000" cy="6858000"/>
   <p:notesSz cx="6858000" cy="9144000"/>
@@ -120,13 +116,15 @@
   <p:extLst>
     <p:ext uri="{521415D9-36F7-43E2-AB2F-B90AF26B5E84}">
       <p14:sectionLst xmlns:p14="http://schemas.microsoft.com/office/powerpoint/2010/main">
+        <p14:section name="Default Section" id="{B05BD325-6047-45B7-826D-64C4156070DC}">
+          <p14:sldIdLst/>
+        </p14:section>
         <p14:section name="Default Section" id="{4ADD9365-F3C0-4595-802E-334141AAFC6E}">
           <p14:sldIdLst>
+            <p14:sldId id="472"/>
             <p14:sldId id="348"/>
-            <p14:sldId id="317"/>
             <p14:sldId id="367"/>
             <p14:sldId id="392"/>
-            <p14:sldId id="397"/>
             <p14:sldId id="393"/>
             <p14:sldId id="396"/>
             <p14:sldId id="395"/>
@@ -134,179 +132,8 @@
         </p14:section>
       </p14:sectionLst>
     </p:ext>
-    <p:ext uri="{EFAFB233-063F-42B5-8137-9DF3F51BA10A}">
-      <p15:sldGuideLst xmlns:p15="http://schemas.microsoft.com/office/powerpoint/2012/main"/>
-    </p:ext>
-    <p:ext uri="{2D200454-40CA-4A62-9FC3-DE9A4176ACB9}">
-      <p15:notesGuideLst xmlns:p15="http://schemas.microsoft.com/office/powerpoint/2012/main"/>
-    </p:ext>
   </p:extLst>
 </p:presentation>
-</file>
-
-<file path=ppt/handoutMasters/handoutMaster1.xml><?xml version="1.0" encoding="utf-8"?>
-<p:handoutMaster xmlns:a="http://schemas.openxmlformats.org/drawingml/2006/main" xmlns:r="http://schemas.openxmlformats.org/officeDocument/2006/relationships" xmlns:p="http://schemas.openxmlformats.org/presentationml/2006/main">
-  <p:cSld>
-    <p:bg>
-      <p:bgRef idx="1001">
-        <a:schemeClr val="bg1"/>
-      </p:bgRef>
-    </p:bg>
-    <p:spTree>
-      <p:nvGrpSpPr>
-        <p:cNvPr id="1" name=""/>
-        <p:cNvGrpSpPr/>
-        <p:nvPr/>
-      </p:nvGrpSpPr>
-      <p:grpSpPr>
-        <a:xfrm>
-          <a:off x="0" y="0"/>
-          <a:ext cx="0" cy="0"/>
-          <a:chOff x="0" y="0"/>
-          <a:chExt cx="0" cy="0"/>
-        </a:xfrm>
-      </p:grpSpPr>
-      <p:sp>
-        <p:nvSpPr>
-          <p:cNvPr id="2" name="Header Placeholder 1"/>
-          <p:cNvSpPr>
-            <a:spLocks noGrp="1"/>
-          </p:cNvSpPr>
-          <p:nvPr>
-            <p:ph type="hdr" sz="quarter"/>
-          </p:nvPr>
-        </p:nvSpPr>
-        <p:spPr>
-          <a:xfrm>
-            <a:off x="0" y="0"/>
-            <a:ext cx="2971800" cy="458788"/>
-          </a:xfrm>
-          <a:prstGeom prst="rect">
-            <a:avLst/>
-          </a:prstGeom>
-        </p:spPr>
-        <p:txBody>
-          <a:bodyPr vert="horz" lIns="91440" tIns="45720" rIns="91440" bIns="45720" rtlCol="0"/>
-          <a:lstStyle>
-            <a:lvl1pPr algn="l">
-              <a:defRPr sz="1200"/>
-            </a:lvl1pPr>
-          </a:lstStyle>
-          <a:p>
-            <a:endParaRPr lang="en-US"/>
-          </a:p>
-        </p:txBody>
-      </p:sp>
-      <p:sp>
-        <p:nvSpPr>
-          <p:cNvPr id="3" name="Date Placeholder 2"/>
-          <p:cNvSpPr>
-            <a:spLocks noGrp="1"/>
-          </p:cNvSpPr>
-          <p:nvPr>
-            <p:ph type="dt" sz="quarter" idx="1"/>
-          </p:nvPr>
-        </p:nvSpPr>
-        <p:spPr>
-          <a:xfrm>
-            <a:off x="3884613" y="0"/>
-            <a:ext cx="2971800" cy="458788"/>
-          </a:xfrm>
-          <a:prstGeom prst="rect">
-            <a:avLst/>
-          </a:prstGeom>
-        </p:spPr>
-        <p:txBody>
-          <a:bodyPr vert="horz" lIns="91440" tIns="45720" rIns="91440" bIns="45720" rtlCol="0"/>
-          <a:lstStyle>
-            <a:lvl1pPr algn="r">
-              <a:defRPr sz="1200"/>
-            </a:lvl1pPr>
-          </a:lstStyle>
-          <a:p>
-            <a:fld id="{312E7B4A-039C-48A2-9B2C-AF16AA3873D8}" type="datetimeFigureOut">
-              <a:rPr lang="en-US" smtClean="0"/>
-              <a:t>5/21/2019</a:t>
-            </a:fld>
-            <a:endParaRPr lang="en-US"/>
-          </a:p>
-        </p:txBody>
-      </p:sp>
-      <p:sp>
-        <p:nvSpPr>
-          <p:cNvPr id="4" name="Footer Placeholder 3"/>
-          <p:cNvSpPr>
-            <a:spLocks noGrp="1"/>
-          </p:cNvSpPr>
-          <p:nvPr>
-            <p:ph type="ftr" sz="quarter" idx="2"/>
-          </p:nvPr>
-        </p:nvSpPr>
-        <p:spPr>
-          <a:xfrm>
-            <a:off x="0" y="8685213"/>
-            <a:ext cx="2971800" cy="458787"/>
-          </a:xfrm>
-          <a:prstGeom prst="rect">
-            <a:avLst/>
-          </a:prstGeom>
-        </p:spPr>
-        <p:txBody>
-          <a:bodyPr vert="horz" lIns="91440" tIns="45720" rIns="91440" bIns="45720" rtlCol="0" anchor="b"/>
-          <a:lstStyle>
-            <a:lvl1pPr algn="l">
-              <a:defRPr sz="1200"/>
-            </a:lvl1pPr>
-          </a:lstStyle>
-          <a:p>
-            <a:endParaRPr lang="en-US"/>
-          </a:p>
-        </p:txBody>
-      </p:sp>
-      <p:sp>
-        <p:nvSpPr>
-          <p:cNvPr id="5" name="Slide Number Placeholder 4"/>
-          <p:cNvSpPr>
-            <a:spLocks noGrp="1"/>
-          </p:cNvSpPr>
-          <p:nvPr>
-            <p:ph type="sldNum" sz="quarter" idx="3"/>
-          </p:nvPr>
-        </p:nvSpPr>
-        <p:spPr>
-          <a:xfrm>
-            <a:off x="3884613" y="8685213"/>
-            <a:ext cx="2971800" cy="458787"/>
-          </a:xfrm>
-          <a:prstGeom prst="rect">
-            <a:avLst/>
-          </a:prstGeom>
-        </p:spPr>
-        <p:txBody>
-          <a:bodyPr vert="horz" lIns="91440" tIns="45720" rIns="91440" bIns="45720" rtlCol="0" anchor="b"/>
-          <a:lstStyle>
-            <a:lvl1pPr algn="r">
-              <a:defRPr sz="1200"/>
-            </a:lvl1pPr>
-          </a:lstStyle>
-          <a:p>
-            <a:fld id="{CF5FCDD8-505C-48BF-B1E5-CD9B258934D2}" type="slidenum">
-              <a:rPr lang="en-US" smtClean="0"/>
-              <a:t>‹#›</a:t>
-            </a:fld>
-            <a:endParaRPr lang="en-US"/>
-          </a:p>
-        </p:txBody>
-      </p:sp>
-    </p:spTree>
-    <p:extLst>
-      <p:ext uri="{BB962C8B-B14F-4D97-AF65-F5344CB8AC3E}">
-        <p14:creationId xmlns:p14="http://schemas.microsoft.com/office/powerpoint/2010/main" val="1781922763"/>
-      </p:ext>
-    </p:extLst>
-  </p:cSld>
-  <p:clrMap bg1="lt1" tx1="dk1" bg2="lt2" tx2="dk2" accent1="accent1" accent2="accent2" accent3="accent3" accent4="accent4" accent5="accent5" accent6="accent6" hlink="hlink" folHlink="folHlink"/>
-</p:handoutMaster>
 </file>
 
 <file path=ppt/notesMasters/notesMaster1.xml><?xml version="1.0" encoding="utf-8"?>
@@ -389,9 +216,9 @@
             </a:lvl1pPr>
           </a:lstStyle>
           <a:p>
-            <a:fld id="{DA005A0C-54D9-45AA-87D4-C551D08DFCE1}" type="datetimeFigureOut">
+            <a:fld id="{0D50C8A0-1492-41D9-9DB7-EDFB53EA040E}" type="datetimeFigureOut">
               <a:rPr lang="en-US" smtClean="0"/>
-              <a:t>5/21/2019</a:t>
+              <a:t>5/18/2020</a:t>
             </a:fld>
             <a:endParaRPr lang="en-US"/>
           </a:p>
@@ -547,7 +374,7 @@
             </a:lvl1pPr>
           </a:lstStyle>
           <a:p>
-            <a:fld id="{4CFD207A-07DF-40AD-A916-9872E089CE7A}" type="slidenum">
+            <a:fld id="{D66458AE-9B23-4582-844E-8AE11B3C938B}" type="slidenum">
               <a:rPr lang="en-US" smtClean="0"/>
               <a:t>‹#›</a:t>
             </a:fld>
@@ -558,7 +385,7 @@
     </p:spTree>
     <p:extLst>
       <p:ext uri="{BB962C8B-B14F-4D97-AF65-F5344CB8AC3E}">
-        <p14:creationId xmlns:p14="http://schemas.microsoft.com/office/powerpoint/2010/main" val="1295718610"/>
+        <p14:creationId xmlns:p14="http://schemas.microsoft.com/office/powerpoint/2010/main" val="3062911317"/>
       </p:ext>
     </p:extLst>
   </p:cSld>
@@ -737,7 +564,7 @@
           <a:p>
             <a:fld id="{A4A2885B-73F1-47D2-956D-5BCCF738906F}" type="slidenum">
               <a:rPr lang="en-US" smtClean="0"/>
-              <a:t>1</a:t>
+              <a:t>2</a:t>
             </a:fld>
             <a:endParaRPr lang="en-US"/>
           </a:p>
@@ -756,92 +583,8 @@
 </p:notes>
 </file>
 
-<file path=ppt/notesSlides/notesSlide2.xml><?xml version="1.0" encoding="utf-8"?>
-<p:notes xmlns:a="http://schemas.openxmlformats.org/drawingml/2006/main" xmlns:r="http://schemas.openxmlformats.org/officeDocument/2006/relationships" xmlns:p="http://schemas.openxmlformats.org/presentationml/2006/main">
-  <p:cSld>
-    <p:spTree>
-      <p:nvGrpSpPr>
-        <p:cNvPr id="1" name=""/>
-        <p:cNvGrpSpPr/>
-        <p:nvPr/>
-      </p:nvGrpSpPr>
-      <p:grpSpPr>
-        <a:xfrm>
-          <a:off x="0" y="0"/>
-          <a:ext cx="0" cy="0"/>
-          <a:chOff x="0" y="0"/>
-          <a:chExt cx="0" cy="0"/>
-        </a:xfrm>
-      </p:grpSpPr>
-      <p:sp>
-        <p:nvSpPr>
-          <p:cNvPr id="2" name="Slide Image Placeholder 1"/>
-          <p:cNvSpPr>
-            <a:spLocks noGrp="1" noRot="1" noChangeAspect="1"/>
-          </p:cNvSpPr>
-          <p:nvPr>
-            <p:ph type="sldImg"/>
-          </p:nvPr>
-        </p:nvSpPr>
-        <p:spPr/>
-      </p:sp>
-      <p:sp>
-        <p:nvSpPr>
-          <p:cNvPr id="3" name="Notes Placeholder 2"/>
-          <p:cNvSpPr>
-            <a:spLocks noGrp="1"/>
-          </p:cNvSpPr>
-          <p:nvPr>
-            <p:ph type="body" idx="1"/>
-          </p:nvPr>
-        </p:nvSpPr>
-        <p:spPr/>
-        <p:txBody>
-          <a:bodyPr/>
-          <a:lstStyle/>
-          <a:p>
-            <a:endParaRPr lang="en-US"/>
-          </a:p>
-        </p:txBody>
-      </p:sp>
-      <p:sp>
-        <p:nvSpPr>
-          <p:cNvPr id="4" name="Slide Number Placeholder 3"/>
-          <p:cNvSpPr>
-            <a:spLocks noGrp="1"/>
-          </p:cNvSpPr>
-          <p:nvPr>
-            <p:ph type="sldNum" sz="quarter" idx="10"/>
-          </p:nvPr>
-        </p:nvSpPr>
-        <p:spPr/>
-        <p:txBody>
-          <a:bodyPr/>
-          <a:lstStyle/>
-          <a:p>
-            <a:fld id="{4CFD207A-07DF-40AD-A916-9872E089CE7A}" type="slidenum">
-              <a:rPr lang="en-US" smtClean="0"/>
-              <a:t>2</a:t>
-            </a:fld>
-            <a:endParaRPr lang="en-US"/>
-          </a:p>
-        </p:txBody>
-      </p:sp>
-    </p:spTree>
-    <p:extLst>
-      <p:ext uri="{BB962C8B-B14F-4D97-AF65-F5344CB8AC3E}">
-        <p14:creationId xmlns:p14="http://schemas.microsoft.com/office/powerpoint/2010/main" val="2355199449"/>
-      </p:ext>
-    </p:extLst>
-  </p:cSld>
-  <p:clrMapOvr>
-    <a:masterClrMapping/>
-  </p:clrMapOvr>
-</p:notes>
-</file>
-
 <file path=ppt/slideLayouts/slideLayout1.xml><?xml version="1.0" encoding="utf-8"?>
-<p:sldLayout xmlns:a="http://schemas.openxmlformats.org/drawingml/2006/main" xmlns:r="http://schemas.openxmlformats.org/officeDocument/2006/relationships" xmlns:p="http://schemas.openxmlformats.org/presentationml/2006/main" preserve="1" userDrawn="1">
+<p:sldLayout xmlns:a="http://schemas.openxmlformats.org/drawingml/2006/main" xmlns:r="http://schemas.openxmlformats.org/officeDocument/2006/relationships" xmlns:p="http://schemas.openxmlformats.org/presentationml/2006/main" type="title" preserve="1">
   <p:cSld name="Title Slide">
     <p:spTree>
       <p:nvGrpSpPr>
@@ -859,126 +602,101 @@
       </p:grpSpPr>
       <p:sp>
         <p:nvSpPr>
-          <p:cNvPr id="3" name="Subtitle 2"/>
-          <p:cNvSpPr>
-            <a:spLocks noGrp="1"/>
-          </p:cNvSpPr>
-          <p:nvPr>
-            <p:ph type="subTitle" idx="1"/>
+          <p:cNvPr id="2" name="Title 1">
+            <a:extLst>
+              <a:ext uri="{FF2B5EF4-FFF2-40B4-BE49-F238E27FC236}">
+                <a16:creationId xmlns:a16="http://schemas.microsoft.com/office/drawing/2014/main" id="{10DEA864-1B3F-443A-9247-46E37B8C62C3}"/>
+              </a:ext>
+            </a:extLst>
+          </p:cNvPr>
+          <p:cNvSpPr>
+            <a:spLocks noGrp="1"/>
+          </p:cNvSpPr>
+          <p:nvPr>
+            <p:ph type="ctrTitle"/>
           </p:nvPr>
         </p:nvSpPr>
         <p:spPr>
           <a:xfrm>
-            <a:off x="193271" y="5132437"/>
-            <a:ext cx="8579886" cy="1460779"/>
+            <a:off x="1524000" y="1122363"/>
+            <a:ext cx="9144000" cy="2387600"/>
           </a:xfrm>
-          <a:prstGeom prst="rect">
-            <a:avLst/>
-          </a:prstGeom>
         </p:spPr>
         <p:txBody>
-          <a:bodyPr lIns="137160" tIns="137160" rIns="137160" bIns="137160" anchor="b" anchorCtr="0">
-            <a:normAutofit/>
-          </a:bodyPr>
+          <a:bodyPr anchor="b"/>
           <a:lstStyle>
-            <a:lvl1pPr marL="0" indent="0" algn="l" defTabSz="914052" rtl="0" eaLnBrk="1" latinLnBrk="0" hangingPunct="1">
-              <a:lnSpc>
-                <a:spcPct val="100000"/>
-              </a:lnSpc>
-              <a:spcBef>
-                <a:spcPts val="0"/>
-              </a:spcBef>
-              <a:buSzPct val="90000"/>
-              <a:buFont typeface="Arial" pitchFamily="34" charset="0"/>
-              <a:buNone/>
-              <a:defRPr lang="en-US" sz="2400" b="0" kern="0" spc="0" baseline="0" dirty="0">
-                <a:solidFill>
-                  <a:schemeClr val="tx1"/>
-                </a:solidFill>
-                <a:latin typeface="Segoe UI Light" panose="020B0502040204020203" pitchFamily="34" charset="0"/>
-                <a:ea typeface="Segoe UI Light" panose="020B0502040204020203" pitchFamily="34" charset="0"/>
-                <a:cs typeface="Segoe UI Light" panose="020B0502040204020203" pitchFamily="34" charset="0"/>
-              </a:defRPr>
+            <a:lvl1pPr algn="ctr">
+              <a:defRPr sz="6000"/>
             </a:lvl1pPr>
-            <a:lvl2pPr marL="457044" indent="0" algn="ctr">
-              <a:buNone/>
-              <a:defRPr>
-                <a:solidFill>
-                  <a:schemeClr val="tx1">
-                    <a:tint val="75000"/>
-                  </a:schemeClr>
-                </a:solidFill>
-              </a:defRPr>
+          </a:lstStyle>
+          <a:p>
+            <a:r>
+              <a:rPr lang="en-US"/>
+              <a:t>Click to edit Master title style</a:t>
+            </a:r>
+          </a:p>
+        </p:txBody>
+      </p:sp>
+      <p:sp>
+        <p:nvSpPr>
+          <p:cNvPr id="3" name="Subtitle 2">
+            <a:extLst>
+              <a:ext uri="{FF2B5EF4-FFF2-40B4-BE49-F238E27FC236}">
+                <a16:creationId xmlns:a16="http://schemas.microsoft.com/office/drawing/2014/main" id="{C7DE3519-8A57-4D9B-857E-3963BCB0FCF7}"/>
+              </a:ext>
+            </a:extLst>
+          </p:cNvPr>
+          <p:cNvSpPr>
+            <a:spLocks noGrp="1"/>
+          </p:cNvSpPr>
+          <p:nvPr>
+            <p:ph type="subTitle" idx="1"/>
+          </p:nvPr>
+        </p:nvSpPr>
+        <p:spPr>
+          <a:xfrm>
+            <a:off x="1524000" y="3602038"/>
+            <a:ext cx="9144000" cy="1655762"/>
+          </a:xfrm>
+        </p:spPr>
+        <p:txBody>
+          <a:bodyPr/>
+          <a:lstStyle>
+            <a:lvl1pPr marL="0" indent="0" algn="ctr">
+              <a:buNone/>
+              <a:defRPr sz="2400"/>
+            </a:lvl1pPr>
+            <a:lvl2pPr marL="457200" indent="0" algn="ctr">
+              <a:buNone/>
+              <a:defRPr sz="2000"/>
             </a:lvl2pPr>
-            <a:lvl3pPr marL="914088" indent="0" algn="ctr">
-              <a:buNone/>
-              <a:defRPr>
-                <a:solidFill>
-                  <a:schemeClr val="tx1">
-                    <a:tint val="75000"/>
-                  </a:schemeClr>
-                </a:solidFill>
-              </a:defRPr>
+            <a:lvl3pPr marL="914400" indent="0" algn="ctr">
+              <a:buNone/>
+              <a:defRPr sz="1800"/>
             </a:lvl3pPr>
-            <a:lvl4pPr marL="1371133" indent="0" algn="ctr">
-              <a:buNone/>
-              <a:defRPr>
-                <a:solidFill>
-                  <a:schemeClr val="tx1">
-                    <a:tint val="75000"/>
-                  </a:schemeClr>
-                </a:solidFill>
-              </a:defRPr>
+            <a:lvl4pPr marL="1371600" indent="0" algn="ctr">
+              <a:buNone/>
+              <a:defRPr sz="1600"/>
             </a:lvl4pPr>
-            <a:lvl5pPr marL="1828178" indent="0" algn="ctr">
-              <a:buNone/>
-              <a:defRPr>
-                <a:solidFill>
-                  <a:schemeClr val="tx1">
-                    <a:tint val="75000"/>
-                  </a:schemeClr>
-                </a:solidFill>
-              </a:defRPr>
+            <a:lvl5pPr marL="1828800" indent="0" algn="ctr">
+              <a:buNone/>
+              <a:defRPr sz="1600"/>
             </a:lvl5pPr>
-            <a:lvl6pPr marL="2285222" indent="0" algn="ctr">
-              <a:buNone/>
-              <a:defRPr>
-                <a:solidFill>
-                  <a:schemeClr val="tx1">
-                    <a:tint val="75000"/>
-                  </a:schemeClr>
-                </a:solidFill>
-              </a:defRPr>
+            <a:lvl6pPr marL="2286000" indent="0" algn="ctr">
+              <a:buNone/>
+              <a:defRPr sz="1600"/>
             </a:lvl6pPr>
-            <a:lvl7pPr marL="2742267" indent="0" algn="ctr">
-              <a:buNone/>
-              <a:defRPr>
-                <a:solidFill>
-                  <a:schemeClr val="tx1">
-                    <a:tint val="75000"/>
-                  </a:schemeClr>
-                </a:solidFill>
-              </a:defRPr>
+            <a:lvl7pPr marL="2743200" indent="0" algn="ctr">
+              <a:buNone/>
+              <a:defRPr sz="1600"/>
             </a:lvl7pPr>
-            <a:lvl8pPr marL="3199311" indent="0" algn="ctr">
-              <a:buNone/>
-              <a:defRPr>
-                <a:solidFill>
-                  <a:schemeClr val="tx1">
-                    <a:tint val="75000"/>
-                  </a:schemeClr>
-                </a:solidFill>
-              </a:defRPr>
+            <a:lvl8pPr marL="3200400" indent="0" algn="ctr">
+              <a:buNone/>
+              <a:defRPr sz="1600"/>
             </a:lvl8pPr>
-            <a:lvl9pPr marL="3656358" indent="0" algn="ctr">
-              <a:buNone/>
-              <a:defRPr>
-                <a:solidFill>
-                  <a:schemeClr val="tx1">
-                    <a:tint val="75000"/>
-                  </a:schemeClr>
-                </a:solidFill>
-              </a:defRPr>
+            <a:lvl9pPr marL="3657600" indent="0" algn="ctr">
+              <a:buNone/>
+              <a:defRPr sz="1600"/>
             </a:lvl9pPr>
           </a:lstStyle>
           <a:p>
@@ -986,234 +704,512 @@
               <a:rPr lang="en-US"/>
               <a:t>Click to edit Master subtitle style</a:t>
             </a:r>
-            <a:endParaRPr lang="en-US" dirty="0"/>
-          </a:p>
-        </p:txBody>
-      </p:sp>
-      <p:sp>
-        <p:nvSpPr>
-          <p:cNvPr id="10" name="Title 1"/>
-          <p:cNvSpPr>
-            <a:spLocks noGrp="1"/>
-          </p:cNvSpPr>
-          <p:nvPr>
-            <p:ph type="ctrTitle" hasCustomPrompt="1"/>
-          </p:nvPr>
-        </p:nvSpPr>
-        <p:spPr>
-          <a:xfrm>
-            <a:off x="193271" y="2415641"/>
-            <a:ext cx="8579886" cy="2603307"/>
-          </a:xfrm>
-          <a:prstGeom prst="rect">
-            <a:avLst/>
-          </a:prstGeom>
-          <a:solidFill>
-            <a:srgbClr val="7FBA00"/>
-          </a:solidFill>
-          <a:effectLst/>
-        </p:spPr>
-        <p:txBody>
-          <a:bodyPr vert="horz" lIns="137160" tIns="137160" rIns="91409" bIns="137160" rtlCol="0" anchor="b" anchorCtr="0">
-            <a:noAutofit/>
-          </a:bodyPr>
-          <a:lstStyle>
-            <a:lvl1pPr>
-              <a:defRPr lang="en-US" sz="4800" kern="0" dirty="0">
-                <a:ln w="3175">
-                  <a:noFill/>
-                </a:ln>
-                <a:gradFill flip="none" rotWithShape="1">
-                  <a:gsLst>
-                    <a:gs pos="4583">
-                      <a:srgbClr val="FFFFFF"/>
-                    </a:gs>
-                    <a:gs pos="100000">
-                      <a:srgbClr val="FFFFFF"/>
-                    </a:gs>
-                  </a:gsLst>
-                  <a:lin ang="5400000" scaled="0"/>
-                  <a:tileRect/>
-                </a:gradFill>
-              </a:defRPr>
-            </a:lvl1pPr>
-          </a:lstStyle>
-          <a:p>
-            <a:pPr lvl="0"/>
-            <a:r>
-              <a:rPr lang="en-US" dirty="0"/>
-              <a:t>Course title style</a:t>
-            </a:r>
-          </a:p>
-        </p:txBody>
-      </p:sp>
-      <p:sp>
-        <p:nvSpPr>
-          <p:cNvPr id="8" name="top right small rectangle"/>
-          <p:cNvSpPr/>
-          <p:nvPr userDrawn="1"/>
-        </p:nvSpPr>
-        <p:spPr bwMode="auto">
-          <a:xfrm>
-            <a:off x="8902492" y="2418735"/>
-            <a:ext cx="3087947" cy="2600214"/>
-          </a:xfrm>
-          <a:prstGeom prst="rect">
-            <a:avLst/>
-          </a:prstGeom>
-          <a:solidFill>
-            <a:schemeClr val="tx2"/>
-          </a:solidFill>
-          <a:ln>
-            <a:noFill/>
-            <a:headEnd type="none" w="med" len="med"/>
-            <a:tailEnd type="none" w="med" len="med"/>
-          </a:ln>
-        </p:spPr>
-        <p:style>
-          <a:lnRef idx="2">
-            <a:schemeClr val="accent5">
-              <a:shade val="50000"/>
-            </a:schemeClr>
-          </a:lnRef>
-          <a:fillRef idx="1">
-            <a:schemeClr val="accent5"/>
-          </a:fillRef>
-          <a:effectRef idx="0">
-            <a:schemeClr val="accent5"/>
-          </a:effectRef>
-          <a:fontRef idx="minor">
-            <a:schemeClr val="lt1"/>
-          </a:fontRef>
-        </p:style>
-        <p:txBody>
-          <a:bodyPr vert="horz" wrap="square" lIns="137160" tIns="137160" rIns="137160" bIns="137160" numCol="1" rtlCol="0" anchor="b" anchorCtr="0" compatLnSpc="1">
-            <a:prstTxWarp prst="textNoShape">
-              <a:avLst/>
-            </a:prstTxWarp>
-          </a:bodyPr>
-          <a:lstStyle/>
-          <a:p>
-            <a:pPr defTabSz="913788" fontAlgn="base">
-              <a:spcBef>
-                <a:spcPct val="0"/>
-              </a:spcBef>
-              <a:spcAft>
-                <a:spcPct val="0"/>
-              </a:spcAft>
-            </a:pPr>
-            <a:endParaRPr lang="en-US" sz="2000" dirty="0">
-              <a:gradFill>
-                <a:gsLst>
-                  <a:gs pos="0">
-                    <a:srgbClr val="FFFFFF"/>
-                  </a:gs>
-                  <a:gs pos="100000">
-                    <a:srgbClr val="FFFFFF"/>
-                  </a:gs>
-                </a:gsLst>
-                <a:lin ang="5400000" scaled="0"/>
-              </a:gradFill>
-              <a:latin typeface="Segoe UI Light" panose="020B0502040204020203" pitchFamily="34" charset="0"/>
-              <a:cs typeface="Segoe UI Light" panose="020B0502040204020203" pitchFamily="34" charset="0"/>
-            </a:endParaRPr>
-          </a:p>
-        </p:txBody>
-      </p:sp>
-      <p:pic>
-        <p:nvPicPr>
-          <p:cNvPr id="11" name="Picture 10"/>
-          <p:cNvPicPr>
-            <a:picLocks noChangeAspect="1"/>
-          </p:cNvPicPr>
-          <p:nvPr userDrawn="1"/>
-        </p:nvPicPr>
-        <p:blipFill rotWithShape="1">
-          <a:blip r:embed="rId2" cstate="print">
+          </a:p>
+        </p:txBody>
+      </p:sp>
+      <p:sp>
+        <p:nvSpPr>
+          <p:cNvPr id="4" name="Date Placeholder 3">
             <a:extLst>
-              <a:ext uri="{28A0092B-C50C-407E-A947-70E740481C1C}">
-                <a14:useLocalDpi xmlns:a14="http://schemas.microsoft.com/office/drawing/2010/main" val="0"/>
+              <a:ext uri="{FF2B5EF4-FFF2-40B4-BE49-F238E27FC236}">
+                <a16:creationId xmlns:a16="http://schemas.microsoft.com/office/drawing/2014/main" id="{610E2E09-3434-4246-B232-CCED1E9C7778}"/>
               </a:ext>
             </a:extLst>
-          </a:blip>
-          <a:srcRect l="9720" t="16544" r="7275" b="16691"/>
-          <a:stretch/>
-        </p:blipFill>
-        <p:spPr>
-          <a:xfrm>
-            <a:off x="10731799" y="4630992"/>
-            <a:ext cx="1131688" cy="334740"/>
-          </a:xfrm>
-          <a:prstGeom prst="rect">
-            <a:avLst/>
-          </a:prstGeom>
-        </p:spPr>
-      </p:pic>
-      <p:pic>
-        <p:nvPicPr>
-          <p:cNvPr id="2" name="Picture 1"/>
-          <p:cNvPicPr>
-            <a:picLocks noChangeAspect="1"/>
-          </p:cNvPicPr>
-          <p:nvPr userDrawn="1"/>
-        </p:nvPicPr>
-        <p:blipFill>
-          <a:blip r:embed="rId3">
+          </p:cNvPr>
+          <p:cNvSpPr>
+            <a:spLocks noGrp="1"/>
+          </p:cNvSpPr>
+          <p:nvPr>
+            <p:ph type="dt" sz="half" idx="10"/>
+          </p:nvPr>
+        </p:nvSpPr>
+        <p:spPr/>
+        <p:txBody>
+          <a:bodyPr/>
+          <a:lstStyle/>
+          <a:p>
+            <a:fld id="{571179DB-8C0F-4DAE-A821-BADEDABE9281}" type="datetimeFigureOut">
+              <a:rPr lang="en-US" smtClean="0"/>
+              <a:t>5/18/2020</a:t>
+            </a:fld>
+            <a:endParaRPr lang="en-US"/>
+          </a:p>
+        </p:txBody>
+      </p:sp>
+      <p:sp>
+        <p:nvSpPr>
+          <p:cNvPr id="5" name="Footer Placeholder 4">
             <a:extLst>
-              <a:ext uri="{28A0092B-C50C-407E-A947-70E740481C1C}">
-                <a14:useLocalDpi xmlns:a14="http://schemas.microsoft.com/office/drawing/2010/main" val="0"/>
+              <a:ext uri="{FF2B5EF4-FFF2-40B4-BE49-F238E27FC236}">
+                <a16:creationId xmlns:a16="http://schemas.microsoft.com/office/drawing/2014/main" id="{58995CAB-2AD0-4488-B2B1-E5D4A0BC2DA3}"/>
               </a:ext>
             </a:extLst>
-          </a:blip>
-          <a:stretch>
-            <a:fillRect/>
-          </a:stretch>
-        </p:blipFill>
-        <p:spPr>
-          <a:xfrm>
-            <a:off x="193271" y="164177"/>
-            <a:ext cx="2084416" cy="833766"/>
-          </a:xfrm>
-          <a:prstGeom prst="rect">
-            <a:avLst/>
-          </a:prstGeom>
-        </p:spPr>
-      </p:pic>
+          </p:cNvPr>
+          <p:cNvSpPr>
+            <a:spLocks noGrp="1"/>
+          </p:cNvSpPr>
+          <p:nvPr>
+            <p:ph type="ftr" sz="quarter" idx="11"/>
+          </p:nvPr>
+        </p:nvSpPr>
+        <p:spPr/>
+        <p:txBody>
+          <a:bodyPr/>
+          <a:lstStyle/>
+          <a:p>
+            <a:endParaRPr lang="en-US"/>
+          </a:p>
+        </p:txBody>
+      </p:sp>
+      <p:sp>
+        <p:nvSpPr>
+          <p:cNvPr id="6" name="Slide Number Placeholder 5">
+            <a:extLst>
+              <a:ext uri="{FF2B5EF4-FFF2-40B4-BE49-F238E27FC236}">
+                <a16:creationId xmlns:a16="http://schemas.microsoft.com/office/drawing/2014/main" id="{F505ECD5-6197-473D-9D01-8E108E446543}"/>
+              </a:ext>
+            </a:extLst>
+          </p:cNvPr>
+          <p:cNvSpPr>
+            <a:spLocks noGrp="1"/>
+          </p:cNvSpPr>
+          <p:nvPr>
+            <p:ph type="sldNum" sz="quarter" idx="12"/>
+          </p:nvPr>
+        </p:nvSpPr>
+        <p:spPr/>
+        <p:txBody>
+          <a:bodyPr/>
+          <a:lstStyle/>
+          <a:p>
+            <a:fld id="{1753FD4B-41E0-4270-A5D2-7394C175DF7E}" type="slidenum">
+              <a:rPr lang="en-US" smtClean="0"/>
+              <a:t>‹#›</a:t>
+            </a:fld>
+            <a:endParaRPr lang="en-US"/>
+          </a:p>
+        </p:txBody>
+      </p:sp>
     </p:spTree>
     <p:extLst>
       <p:ext uri="{BB962C8B-B14F-4D97-AF65-F5344CB8AC3E}">
-        <p14:creationId xmlns:p14="http://schemas.microsoft.com/office/powerpoint/2010/main" val="942519667"/>
+        <p14:creationId xmlns:p14="http://schemas.microsoft.com/office/powerpoint/2010/main" val="1814541769"/>
       </p:ext>
     </p:extLst>
   </p:cSld>
   <p:clrMapOvr>
     <a:masterClrMapping/>
   </p:clrMapOvr>
-  <p:extLst>
-    <p:ext uri="{DCECCB84-F9BA-43D5-87BE-67443E8EF086}">
-      <p15:sldGuideLst xmlns:p15="http://schemas.microsoft.com/office/powerpoint/2012/main">
-        <p15:guide id="1" orient="horz" pos="3792">
-          <p15:clr>
-            <a:srgbClr val="FBAE40"/>
-          </p15:clr>
-        </p15:guide>
-        <p15:guide id="2" pos="3839">
-          <p15:clr>
-            <a:srgbClr val="FBAE40"/>
-          </p15:clr>
-        </p15:guide>
-        <p15:guide id="3" orient="horz" pos="720">
-          <p15:clr>
-            <a:srgbClr val="FBAE40"/>
-          </p15:clr>
-        </p15:guide>
-      </p15:sldGuideLst>
-    </p:ext>
-  </p:extLst>
 </p:sldLayout>
 </file>
 
 <file path=ppt/slideLayouts/slideLayout10.xml><?xml version="1.0" encoding="utf-8"?>
+<p:sldLayout xmlns:a="http://schemas.openxmlformats.org/drawingml/2006/main" xmlns:r="http://schemas.openxmlformats.org/officeDocument/2006/relationships" xmlns:p="http://schemas.openxmlformats.org/presentationml/2006/main" type="vertTx" preserve="1">
+  <p:cSld name="Title and Vertical Text">
+    <p:spTree>
+      <p:nvGrpSpPr>
+        <p:cNvPr id="1" name=""/>
+        <p:cNvGrpSpPr/>
+        <p:nvPr/>
+      </p:nvGrpSpPr>
+      <p:grpSpPr>
+        <a:xfrm>
+          <a:off x="0" y="0"/>
+          <a:ext cx="0" cy="0"/>
+          <a:chOff x="0" y="0"/>
+          <a:chExt cx="0" cy="0"/>
+        </a:xfrm>
+      </p:grpSpPr>
+      <p:sp>
+        <p:nvSpPr>
+          <p:cNvPr id="2" name="Title 1">
+            <a:extLst>
+              <a:ext uri="{FF2B5EF4-FFF2-40B4-BE49-F238E27FC236}">
+                <a16:creationId xmlns:a16="http://schemas.microsoft.com/office/drawing/2014/main" id="{6A09737B-6BE4-42EA-9D1B-C1D702839666}"/>
+              </a:ext>
+            </a:extLst>
+          </p:cNvPr>
+          <p:cNvSpPr>
+            <a:spLocks noGrp="1"/>
+          </p:cNvSpPr>
+          <p:nvPr>
+            <p:ph type="title"/>
+          </p:nvPr>
+        </p:nvSpPr>
+        <p:spPr/>
+        <p:txBody>
+          <a:bodyPr/>
+          <a:lstStyle/>
+          <a:p>
+            <a:r>
+              <a:rPr lang="en-US"/>
+              <a:t>Click to edit Master title style</a:t>
+            </a:r>
+          </a:p>
+        </p:txBody>
+      </p:sp>
+      <p:sp>
+        <p:nvSpPr>
+          <p:cNvPr id="3" name="Vertical Text Placeholder 2">
+            <a:extLst>
+              <a:ext uri="{FF2B5EF4-FFF2-40B4-BE49-F238E27FC236}">
+                <a16:creationId xmlns:a16="http://schemas.microsoft.com/office/drawing/2014/main" id="{0920A3C8-4EF0-4CF1-AC79-ECB4D8D4EA15}"/>
+              </a:ext>
+            </a:extLst>
+          </p:cNvPr>
+          <p:cNvSpPr>
+            <a:spLocks noGrp="1"/>
+          </p:cNvSpPr>
+          <p:nvPr>
+            <p:ph type="body" orient="vert" idx="1"/>
+          </p:nvPr>
+        </p:nvSpPr>
+        <p:spPr/>
+        <p:txBody>
+          <a:bodyPr vert="eaVert"/>
+          <a:lstStyle/>
+          <a:p>
+            <a:pPr lvl="0"/>
+            <a:r>
+              <a:rPr lang="en-US"/>
+              <a:t>Click to edit Master text styles</a:t>
+            </a:r>
+          </a:p>
+          <a:p>
+            <a:pPr lvl="1"/>
+            <a:r>
+              <a:rPr lang="en-US"/>
+              <a:t>Second level</a:t>
+            </a:r>
+          </a:p>
+          <a:p>
+            <a:pPr lvl="2"/>
+            <a:r>
+              <a:rPr lang="en-US"/>
+              <a:t>Third level</a:t>
+            </a:r>
+          </a:p>
+          <a:p>
+            <a:pPr lvl="3"/>
+            <a:r>
+              <a:rPr lang="en-US"/>
+              <a:t>Fourth level</a:t>
+            </a:r>
+          </a:p>
+          <a:p>
+            <a:pPr lvl="4"/>
+            <a:r>
+              <a:rPr lang="en-US"/>
+              <a:t>Fifth level</a:t>
+            </a:r>
+          </a:p>
+        </p:txBody>
+      </p:sp>
+      <p:sp>
+        <p:nvSpPr>
+          <p:cNvPr id="4" name="Date Placeholder 3">
+            <a:extLst>
+              <a:ext uri="{FF2B5EF4-FFF2-40B4-BE49-F238E27FC236}">
+                <a16:creationId xmlns:a16="http://schemas.microsoft.com/office/drawing/2014/main" id="{89E1385E-9E81-4149-9258-7BB00D12B3BE}"/>
+              </a:ext>
+            </a:extLst>
+          </p:cNvPr>
+          <p:cNvSpPr>
+            <a:spLocks noGrp="1"/>
+          </p:cNvSpPr>
+          <p:nvPr>
+            <p:ph type="dt" sz="half" idx="10"/>
+          </p:nvPr>
+        </p:nvSpPr>
+        <p:spPr/>
+        <p:txBody>
+          <a:bodyPr/>
+          <a:lstStyle/>
+          <a:p>
+            <a:fld id="{571179DB-8C0F-4DAE-A821-BADEDABE9281}" type="datetimeFigureOut">
+              <a:rPr lang="en-US" smtClean="0"/>
+              <a:t>5/18/2020</a:t>
+            </a:fld>
+            <a:endParaRPr lang="en-US"/>
+          </a:p>
+        </p:txBody>
+      </p:sp>
+      <p:sp>
+        <p:nvSpPr>
+          <p:cNvPr id="5" name="Footer Placeholder 4">
+            <a:extLst>
+              <a:ext uri="{FF2B5EF4-FFF2-40B4-BE49-F238E27FC236}">
+                <a16:creationId xmlns:a16="http://schemas.microsoft.com/office/drawing/2014/main" id="{A0F7D3C2-FC3F-4571-B714-7C0805626EC6}"/>
+              </a:ext>
+            </a:extLst>
+          </p:cNvPr>
+          <p:cNvSpPr>
+            <a:spLocks noGrp="1"/>
+          </p:cNvSpPr>
+          <p:nvPr>
+            <p:ph type="ftr" sz="quarter" idx="11"/>
+          </p:nvPr>
+        </p:nvSpPr>
+        <p:spPr/>
+        <p:txBody>
+          <a:bodyPr/>
+          <a:lstStyle/>
+          <a:p>
+            <a:endParaRPr lang="en-US"/>
+          </a:p>
+        </p:txBody>
+      </p:sp>
+      <p:sp>
+        <p:nvSpPr>
+          <p:cNvPr id="6" name="Slide Number Placeholder 5">
+            <a:extLst>
+              <a:ext uri="{FF2B5EF4-FFF2-40B4-BE49-F238E27FC236}">
+                <a16:creationId xmlns:a16="http://schemas.microsoft.com/office/drawing/2014/main" id="{8CEF6C67-E71C-442C-965D-38B424FD780E}"/>
+              </a:ext>
+            </a:extLst>
+          </p:cNvPr>
+          <p:cNvSpPr>
+            <a:spLocks noGrp="1"/>
+          </p:cNvSpPr>
+          <p:nvPr>
+            <p:ph type="sldNum" sz="quarter" idx="12"/>
+          </p:nvPr>
+        </p:nvSpPr>
+        <p:spPr/>
+        <p:txBody>
+          <a:bodyPr/>
+          <a:lstStyle/>
+          <a:p>
+            <a:fld id="{1753FD4B-41E0-4270-A5D2-7394C175DF7E}" type="slidenum">
+              <a:rPr lang="en-US" smtClean="0"/>
+              <a:t>‹#›</a:t>
+            </a:fld>
+            <a:endParaRPr lang="en-US"/>
+          </a:p>
+        </p:txBody>
+      </p:sp>
+    </p:spTree>
+    <p:extLst>
+      <p:ext uri="{BB962C8B-B14F-4D97-AF65-F5344CB8AC3E}">
+        <p14:creationId xmlns:p14="http://schemas.microsoft.com/office/powerpoint/2010/main" val="1658988269"/>
+      </p:ext>
+    </p:extLst>
+  </p:cSld>
+  <p:clrMapOvr>
+    <a:masterClrMapping/>
+  </p:clrMapOvr>
+</p:sldLayout>
+</file>
+
+<file path=ppt/slideLayouts/slideLayout11.xml><?xml version="1.0" encoding="utf-8"?>
+<p:sldLayout xmlns:a="http://schemas.openxmlformats.org/drawingml/2006/main" xmlns:r="http://schemas.openxmlformats.org/officeDocument/2006/relationships" xmlns:p="http://schemas.openxmlformats.org/presentationml/2006/main" type="vertTitleAndTx" preserve="1">
+  <p:cSld name="Vertical Title and Text">
+    <p:spTree>
+      <p:nvGrpSpPr>
+        <p:cNvPr id="1" name=""/>
+        <p:cNvGrpSpPr/>
+        <p:nvPr/>
+      </p:nvGrpSpPr>
+      <p:grpSpPr>
+        <a:xfrm>
+          <a:off x="0" y="0"/>
+          <a:ext cx="0" cy="0"/>
+          <a:chOff x="0" y="0"/>
+          <a:chExt cx="0" cy="0"/>
+        </a:xfrm>
+      </p:grpSpPr>
+      <p:sp>
+        <p:nvSpPr>
+          <p:cNvPr id="2" name="Vertical Title 1">
+            <a:extLst>
+              <a:ext uri="{FF2B5EF4-FFF2-40B4-BE49-F238E27FC236}">
+                <a16:creationId xmlns:a16="http://schemas.microsoft.com/office/drawing/2014/main" id="{ACF4D550-AA4A-42AD-8247-1E25A8CFF1F1}"/>
+              </a:ext>
+            </a:extLst>
+          </p:cNvPr>
+          <p:cNvSpPr>
+            <a:spLocks noGrp="1"/>
+          </p:cNvSpPr>
+          <p:nvPr>
+            <p:ph type="title" orient="vert"/>
+          </p:nvPr>
+        </p:nvSpPr>
+        <p:spPr>
+          <a:xfrm>
+            <a:off x="8724900" y="365125"/>
+            <a:ext cx="2628900" cy="5811838"/>
+          </a:xfrm>
+        </p:spPr>
+        <p:txBody>
+          <a:bodyPr vert="eaVert"/>
+          <a:lstStyle/>
+          <a:p>
+            <a:r>
+              <a:rPr lang="en-US"/>
+              <a:t>Click to edit Master title style</a:t>
+            </a:r>
+          </a:p>
+        </p:txBody>
+      </p:sp>
+      <p:sp>
+        <p:nvSpPr>
+          <p:cNvPr id="3" name="Vertical Text Placeholder 2">
+            <a:extLst>
+              <a:ext uri="{FF2B5EF4-FFF2-40B4-BE49-F238E27FC236}">
+                <a16:creationId xmlns:a16="http://schemas.microsoft.com/office/drawing/2014/main" id="{70AA6541-9B42-43D7-BE82-41646050A385}"/>
+              </a:ext>
+            </a:extLst>
+          </p:cNvPr>
+          <p:cNvSpPr>
+            <a:spLocks noGrp="1"/>
+          </p:cNvSpPr>
+          <p:nvPr>
+            <p:ph type="body" orient="vert" idx="1"/>
+          </p:nvPr>
+        </p:nvSpPr>
+        <p:spPr>
+          <a:xfrm>
+            <a:off x="838200" y="365125"/>
+            <a:ext cx="7734300" cy="5811838"/>
+          </a:xfrm>
+        </p:spPr>
+        <p:txBody>
+          <a:bodyPr vert="eaVert"/>
+          <a:lstStyle/>
+          <a:p>
+            <a:pPr lvl="0"/>
+            <a:r>
+              <a:rPr lang="en-US"/>
+              <a:t>Click to edit Master text styles</a:t>
+            </a:r>
+          </a:p>
+          <a:p>
+            <a:pPr lvl="1"/>
+            <a:r>
+              <a:rPr lang="en-US"/>
+              <a:t>Second level</a:t>
+            </a:r>
+          </a:p>
+          <a:p>
+            <a:pPr lvl="2"/>
+            <a:r>
+              <a:rPr lang="en-US"/>
+              <a:t>Third level</a:t>
+            </a:r>
+          </a:p>
+          <a:p>
+            <a:pPr lvl="3"/>
+            <a:r>
+              <a:rPr lang="en-US"/>
+              <a:t>Fourth level</a:t>
+            </a:r>
+          </a:p>
+          <a:p>
+            <a:pPr lvl="4"/>
+            <a:r>
+              <a:rPr lang="en-US"/>
+              <a:t>Fifth level</a:t>
+            </a:r>
+          </a:p>
+        </p:txBody>
+      </p:sp>
+      <p:sp>
+        <p:nvSpPr>
+          <p:cNvPr id="4" name="Date Placeholder 3">
+            <a:extLst>
+              <a:ext uri="{FF2B5EF4-FFF2-40B4-BE49-F238E27FC236}">
+                <a16:creationId xmlns:a16="http://schemas.microsoft.com/office/drawing/2014/main" id="{CD4D98F1-3665-4F2B-9468-E5F6E6147C42}"/>
+              </a:ext>
+            </a:extLst>
+          </p:cNvPr>
+          <p:cNvSpPr>
+            <a:spLocks noGrp="1"/>
+          </p:cNvSpPr>
+          <p:nvPr>
+            <p:ph type="dt" sz="half" idx="10"/>
+          </p:nvPr>
+        </p:nvSpPr>
+        <p:spPr/>
+        <p:txBody>
+          <a:bodyPr/>
+          <a:lstStyle/>
+          <a:p>
+            <a:fld id="{571179DB-8C0F-4DAE-A821-BADEDABE9281}" type="datetimeFigureOut">
+              <a:rPr lang="en-US" smtClean="0"/>
+              <a:t>5/18/2020</a:t>
+            </a:fld>
+            <a:endParaRPr lang="en-US"/>
+          </a:p>
+        </p:txBody>
+      </p:sp>
+      <p:sp>
+        <p:nvSpPr>
+          <p:cNvPr id="5" name="Footer Placeholder 4">
+            <a:extLst>
+              <a:ext uri="{FF2B5EF4-FFF2-40B4-BE49-F238E27FC236}">
+                <a16:creationId xmlns:a16="http://schemas.microsoft.com/office/drawing/2014/main" id="{1E7791BE-09FF-4058-8EA5-3BB547ABF871}"/>
+              </a:ext>
+            </a:extLst>
+          </p:cNvPr>
+          <p:cNvSpPr>
+            <a:spLocks noGrp="1"/>
+          </p:cNvSpPr>
+          <p:nvPr>
+            <p:ph type="ftr" sz="quarter" idx="11"/>
+          </p:nvPr>
+        </p:nvSpPr>
+        <p:spPr/>
+        <p:txBody>
+          <a:bodyPr/>
+          <a:lstStyle/>
+          <a:p>
+            <a:endParaRPr lang="en-US"/>
+          </a:p>
+        </p:txBody>
+      </p:sp>
+      <p:sp>
+        <p:nvSpPr>
+          <p:cNvPr id="6" name="Slide Number Placeholder 5">
+            <a:extLst>
+              <a:ext uri="{FF2B5EF4-FFF2-40B4-BE49-F238E27FC236}">
+                <a16:creationId xmlns:a16="http://schemas.microsoft.com/office/drawing/2014/main" id="{84DD1DCC-7055-4060-93FB-E2F284691752}"/>
+              </a:ext>
+            </a:extLst>
+          </p:cNvPr>
+          <p:cNvSpPr>
+            <a:spLocks noGrp="1"/>
+          </p:cNvSpPr>
+          <p:nvPr>
+            <p:ph type="sldNum" sz="quarter" idx="12"/>
+          </p:nvPr>
+        </p:nvSpPr>
+        <p:spPr/>
+        <p:txBody>
+          <a:bodyPr/>
+          <a:lstStyle/>
+          <a:p>
+            <a:fld id="{1753FD4B-41E0-4270-A5D2-7394C175DF7E}" type="slidenum">
+              <a:rPr lang="en-US" smtClean="0"/>
+              <a:t>‹#›</a:t>
+            </a:fld>
+            <a:endParaRPr lang="en-US"/>
+          </a:p>
+        </p:txBody>
+      </p:sp>
+    </p:spTree>
+    <p:extLst>
+      <p:ext uri="{BB962C8B-B14F-4D97-AF65-F5344CB8AC3E}">
+        <p14:creationId xmlns:p14="http://schemas.microsoft.com/office/powerpoint/2010/main" val="1118926655"/>
+      </p:ext>
+    </p:extLst>
+  </p:cSld>
+  <p:clrMapOvr>
+    <a:masterClrMapping/>
+  </p:clrMapOvr>
+</p:sldLayout>
+</file>
+
+<file path=ppt/slideLayouts/slideLayout12.xml><?xml version="1.0" encoding="utf-8"?>
 <p:sldLayout xmlns:a="http://schemas.openxmlformats.org/drawingml/2006/main" xmlns:r="http://schemas.openxmlformats.org/officeDocument/2006/relationships" xmlns:p="http://schemas.openxmlformats.org/presentationml/2006/main" userDrawn="1">
   <p:cSld name="Blank Accent Color 1">
     <p:bg>
@@ -1241,7 +1237,7 @@
     </p:spTree>
     <p:extLst>
       <p:ext uri="{BB962C8B-B14F-4D97-AF65-F5344CB8AC3E}">
-        <p14:creationId xmlns:p14="http://schemas.microsoft.com/office/powerpoint/2010/main" val="3692949913"/>
+        <p14:creationId xmlns:p14="http://schemas.microsoft.com/office/powerpoint/2010/main" val="327938278"/>
       </p:ext>
     </p:extLst>
   </p:cSld>
@@ -1254,796 +1250,9 @@
 </p:sldLayout>
 </file>
 
-<file path=ppt/slideLayouts/slideLayout2.xml><?xml version="1.0" encoding="utf-8"?>
+<file path=ppt/slideLayouts/slideLayout13.xml><?xml version="1.0" encoding="utf-8"?>
 <p:sldLayout xmlns:a="http://schemas.openxmlformats.org/drawingml/2006/main" xmlns:r="http://schemas.openxmlformats.org/officeDocument/2006/relationships" xmlns:p="http://schemas.openxmlformats.org/presentationml/2006/main" userDrawn="1">
-  <p:cSld name="1_Section Header">
-    <p:spTree>
-      <p:nvGrpSpPr>
-        <p:cNvPr id="1" name=""/>
-        <p:cNvGrpSpPr/>
-        <p:nvPr/>
-      </p:nvGrpSpPr>
-      <p:grpSpPr>
-        <a:xfrm>
-          <a:off x="0" y="0"/>
-          <a:ext cx="0" cy="0"/>
-          <a:chOff x="0" y="0"/>
-          <a:chExt cx="0" cy="0"/>
-        </a:xfrm>
-      </p:grpSpPr>
-      <p:sp>
-        <p:nvSpPr>
-          <p:cNvPr id="9" name="Subtitle 2"/>
-          <p:cNvSpPr txBox="1">
-            <a:spLocks/>
-          </p:cNvSpPr>
-          <p:nvPr userDrawn="1"/>
-        </p:nvSpPr>
-        <p:spPr>
-          <a:xfrm>
-            <a:off x="8738733" y="2685050"/>
-            <a:ext cx="2241224" cy="2355337"/>
-          </a:xfrm>
-          <a:prstGeom prst="rect">
-            <a:avLst/>
-          </a:prstGeom>
-        </p:spPr>
-        <p:txBody>
-          <a:bodyPr vert="horz" lIns="91409" tIns="45705" rIns="91409" bIns="45705" rtlCol="0" anchor="ctr" anchorCtr="0">
-            <a:normAutofit/>
-          </a:bodyPr>
-          <a:lstStyle>
-            <a:lvl1pPr marL="0" indent="0" algn="l" defTabSz="914052" rtl="0" eaLnBrk="1" latinLnBrk="0" hangingPunct="1">
-              <a:lnSpc>
-                <a:spcPct val="100000"/>
-              </a:lnSpc>
-              <a:spcBef>
-                <a:spcPts val="0"/>
-              </a:spcBef>
-              <a:buSzPct val="90000"/>
-              <a:buFont typeface="Arial" pitchFamily="34" charset="0"/>
-              <a:buNone/>
-              <a:defRPr lang="en-US" sz="1800" b="1" kern="1200" spc="-30" baseline="0" dirty="0">
-                <a:gradFill>
-                  <a:gsLst>
-                    <a:gs pos="1250">
-                      <a:srgbClr val="FFFFFF"/>
-                    </a:gs>
-                    <a:gs pos="6250">
-                      <a:srgbClr val="FFFFFF"/>
-                    </a:gs>
-                  </a:gsLst>
-                  <a:lin ang="5400000" scaled="0"/>
-                </a:gradFill>
-                <a:latin typeface="Segoe UI" pitchFamily="34" charset="0"/>
-                <a:ea typeface="Segoe UI" pitchFamily="34" charset="0"/>
-                <a:cs typeface="Segoe UI" pitchFamily="34" charset="0"/>
-              </a:defRPr>
-            </a:lvl1pPr>
-            <a:lvl2pPr marL="457044" indent="0" algn="ctr" defTabSz="914088" rtl="0" eaLnBrk="1" latinLnBrk="0" hangingPunct="1">
-              <a:spcBef>
-                <a:spcPts val="300"/>
-              </a:spcBef>
-              <a:spcAft>
-                <a:spcPts val="300"/>
-              </a:spcAft>
-              <a:buFont typeface="Arial" pitchFamily="34" charset="0"/>
-              <a:buNone/>
-              <a:defRPr sz="2800" kern="1200">
-                <a:solidFill>
-                  <a:schemeClr val="tx1">
-                    <a:tint val="75000"/>
-                  </a:schemeClr>
-                </a:solidFill>
-                <a:latin typeface="Segoe UI" pitchFamily="34" charset="0"/>
-                <a:ea typeface="Segoe UI" pitchFamily="34" charset="0"/>
-                <a:cs typeface="Segoe UI" pitchFamily="34" charset="0"/>
-              </a:defRPr>
-            </a:lvl2pPr>
-            <a:lvl3pPr marL="914088" indent="0" algn="ctr" defTabSz="914088" rtl="0" eaLnBrk="1" latinLnBrk="0" hangingPunct="1">
-              <a:spcBef>
-                <a:spcPts val="200"/>
-              </a:spcBef>
-              <a:spcAft>
-                <a:spcPts val="200"/>
-              </a:spcAft>
-              <a:buFont typeface="Arial" pitchFamily="34" charset="0"/>
-              <a:buNone/>
-              <a:defRPr sz="2400" kern="1200">
-                <a:solidFill>
-                  <a:schemeClr val="tx1">
-                    <a:tint val="75000"/>
-                  </a:schemeClr>
-                </a:solidFill>
-                <a:latin typeface="Segoe UI" pitchFamily="34" charset="0"/>
-                <a:ea typeface="Segoe UI" pitchFamily="34" charset="0"/>
-                <a:cs typeface="Segoe UI" pitchFamily="34" charset="0"/>
-              </a:defRPr>
-            </a:lvl3pPr>
-            <a:lvl4pPr marL="1371133" indent="0" algn="ctr" defTabSz="914088" rtl="0" eaLnBrk="1" latinLnBrk="0" hangingPunct="1">
-              <a:spcBef>
-                <a:spcPct val="20000"/>
-              </a:spcBef>
-              <a:buFont typeface="Arial" pitchFamily="34" charset="0"/>
-              <a:buNone/>
-              <a:defRPr sz="2000" kern="1200">
-                <a:solidFill>
-                  <a:schemeClr val="tx1">
-                    <a:tint val="75000"/>
-                  </a:schemeClr>
-                </a:solidFill>
-                <a:latin typeface="Segoe UI" pitchFamily="34" charset="0"/>
-                <a:ea typeface="Segoe UI" pitchFamily="34" charset="0"/>
-                <a:cs typeface="Segoe UI" pitchFamily="34" charset="0"/>
-              </a:defRPr>
-            </a:lvl4pPr>
-            <a:lvl5pPr marL="1828178" indent="0" algn="ctr" defTabSz="914088" rtl="0" eaLnBrk="1" latinLnBrk="0" hangingPunct="1">
-              <a:spcBef>
-                <a:spcPct val="20000"/>
-              </a:spcBef>
-              <a:buFont typeface="Arial" pitchFamily="34" charset="0"/>
-              <a:buNone/>
-              <a:defRPr sz="2000" kern="1200">
-                <a:solidFill>
-                  <a:schemeClr val="tx1">
-                    <a:tint val="75000"/>
-                  </a:schemeClr>
-                </a:solidFill>
-                <a:latin typeface="Segoe UI" pitchFamily="34" charset="0"/>
-                <a:ea typeface="Segoe UI" pitchFamily="34" charset="0"/>
-                <a:cs typeface="Segoe UI" pitchFamily="34" charset="0"/>
-              </a:defRPr>
-            </a:lvl5pPr>
-            <a:lvl6pPr marL="2285222" indent="0" algn="ctr" defTabSz="914088" rtl="0" eaLnBrk="1" latinLnBrk="0" hangingPunct="1">
-              <a:spcBef>
-                <a:spcPct val="20000"/>
-              </a:spcBef>
-              <a:buFont typeface="Arial" pitchFamily="34" charset="0"/>
-              <a:buNone/>
-              <a:defRPr sz="2000" kern="1200">
-                <a:solidFill>
-                  <a:schemeClr val="tx1">
-                    <a:tint val="75000"/>
-                  </a:schemeClr>
-                </a:solidFill>
-                <a:latin typeface="+mn-lt"/>
-                <a:ea typeface="+mn-ea"/>
-                <a:cs typeface="+mn-cs"/>
-              </a:defRPr>
-            </a:lvl6pPr>
-            <a:lvl7pPr marL="2742267" indent="0" algn="ctr" defTabSz="914088" rtl="0" eaLnBrk="1" latinLnBrk="0" hangingPunct="1">
-              <a:spcBef>
-                <a:spcPct val="20000"/>
-              </a:spcBef>
-              <a:buFont typeface="Arial" pitchFamily="34" charset="0"/>
-              <a:buNone/>
-              <a:defRPr sz="2000" kern="1200">
-                <a:solidFill>
-                  <a:schemeClr val="tx1">
-                    <a:tint val="75000"/>
-                  </a:schemeClr>
-                </a:solidFill>
-                <a:latin typeface="+mn-lt"/>
-                <a:ea typeface="+mn-ea"/>
-                <a:cs typeface="+mn-cs"/>
-              </a:defRPr>
-            </a:lvl7pPr>
-            <a:lvl8pPr marL="3199311" indent="0" algn="ctr" defTabSz="914088" rtl="0" eaLnBrk="1" latinLnBrk="0" hangingPunct="1">
-              <a:spcBef>
-                <a:spcPct val="20000"/>
-              </a:spcBef>
-              <a:buFont typeface="Arial" pitchFamily="34" charset="0"/>
-              <a:buNone/>
-              <a:defRPr sz="2000" kern="1200">
-                <a:solidFill>
-                  <a:schemeClr val="tx1">
-                    <a:tint val="75000"/>
-                  </a:schemeClr>
-                </a:solidFill>
-                <a:latin typeface="+mn-lt"/>
-                <a:ea typeface="+mn-ea"/>
-                <a:cs typeface="+mn-cs"/>
-              </a:defRPr>
-            </a:lvl8pPr>
-            <a:lvl9pPr marL="3656358" indent="0" algn="ctr" defTabSz="914088" rtl="0" eaLnBrk="1" latinLnBrk="0" hangingPunct="1">
-              <a:spcBef>
-                <a:spcPct val="20000"/>
-              </a:spcBef>
-              <a:buFont typeface="Arial" pitchFamily="34" charset="0"/>
-              <a:buNone/>
-              <a:defRPr sz="2000" kern="1200">
-                <a:solidFill>
-                  <a:schemeClr val="tx1">
-                    <a:tint val="75000"/>
-                  </a:schemeClr>
-                </a:solidFill>
-                <a:latin typeface="+mn-lt"/>
-                <a:ea typeface="+mn-ea"/>
-                <a:cs typeface="+mn-cs"/>
-              </a:defRPr>
-            </a:lvl9pPr>
-          </a:lstStyle>
-          <a:p>
-            <a:r>
-              <a:rPr lang="en-US"/>
-              <a:t>Click to edit Master subtitle style</a:t>
-            </a:r>
-          </a:p>
-        </p:txBody>
-      </p:sp>
-      <p:sp>
-        <p:nvSpPr>
-          <p:cNvPr id="13" name="Title 1"/>
-          <p:cNvSpPr txBox="1">
-            <a:spLocks/>
-          </p:cNvSpPr>
-          <p:nvPr userDrawn="1"/>
-        </p:nvSpPr>
-        <p:spPr>
-          <a:xfrm>
-            <a:off x="193271" y="3376350"/>
-            <a:ext cx="8409867" cy="1692617"/>
-          </a:xfrm>
-          <a:prstGeom prst="rect">
-            <a:avLst/>
-          </a:prstGeom>
-          <a:solidFill>
-            <a:srgbClr val="82BF36"/>
-          </a:solidFill>
-          <a:effectLst/>
-        </p:spPr>
-        <p:txBody>
-          <a:bodyPr vert="horz" lIns="137160" tIns="137160" rIns="91409" bIns="137160" rtlCol="0" anchor="b" anchorCtr="0">
-            <a:noAutofit/>
-          </a:bodyPr>
-          <a:lstStyle>
-            <a:lvl1pPr algn="l" defTabSz="914088" rtl="0" eaLnBrk="1" latinLnBrk="0" hangingPunct="1">
-              <a:spcBef>
-                <a:spcPct val="0"/>
-              </a:spcBef>
-              <a:buNone/>
-              <a:defRPr lang="en-US" sz="4000" kern="0" dirty="0">
-                <a:ln w="3175">
-                  <a:noFill/>
-                </a:ln>
-                <a:gradFill flip="none" rotWithShape="1">
-                  <a:gsLst>
-                    <a:gs pos="4583">
-                      <a:srgbClr val="FFFFFF"/>
-                    </a:gs>
-                    <a:gs pos="100000">
-                      <a:srgbClr val="FFFFFF"/>
-                    </a:gs>
-                  </a:gsLst>
-                  <a:lin ang="5400000" scaled="0"/>
-                  <a:tileRect/>
-                </a:gradFill>
-                <a:latin typeface="Segoe UI" pitchFamily="34" charset="0"/>
-                <a:ea typeface="Segoe UI" pitchFamily="34" charset="0"/>
-                <a:cs typeface="Segoe UI" pitchFamily="34" charset="0"/>
-              </a:defRPr>
-            </a:lvl1pPr>
-          </a:lstStyle>
-          <a:p>
-            <a:endParaRPr lang="en-US" sz="4000" dirty="0"/>
-          </a:p>
-        </p:txBody>
-      </p:sp>
-      <p:sp>
-        <p:nvSpPr>
-          <p:cNvPr id="14" name="top right small rectangle"/>
-          <p:cNvSpPr/>
-          <p:nvPr userDrawn="1"/>
-        </p:nvSpPr>
-        <p:spPr bwMode="auto">
-          <a:xfrm>
-            <a:off x="8682790" y="3374967"/>
-            <a:ext cx="3257419" cy="1694322"/>
-          </a:xfrm>
-          <a:prstGeom prst="rect">
-            <a:avLst/>
-          </a:prstGeom>
-          <a:solidFill>
-            <a:schemeClr val="tx2"/>
-          </a:solidFill>
-          <a:ln>
-            <a:noFill/>
-            <a:headEnd type="none" w="med" len="med"/>
-            <a:tailEnd type="none" w="med" len="med"/>
-          </a:ln>
-        </p:spPr>
-        <p:style>
-          <a:lnRef idx="2">
-            <a:schemeClr val="accent5">
-              <a:shade val="50000"/>
-            </a:schemeClr>
-          </a:lnRef>
-          <a:fillRef idx="1">
-            <a:schemeClr val="accent5"/>
-          </a:fillRef>
-          <a:effectRef idx="0">
-            <a:schemeClr val="accent5"/>
-          </a:effectRef>
-          <a:fontRef idx="minor">
-            <a:schemeClr val="lt1"/>
-          </a:fontRef>
-        </p:style>
-        <p:txBody>
-          <a:bodyPr vert="horz" wrap="square" lIns="91404" tIns="45703" rIns="91404" bIns="45703" numCol="1" rtlCol="0" anchor="ctr" anchorCtr="0" compatLnSpc="1">
-            <a:prstTxWarp prst="textNoShape">
-              <a:avLst/>
-            </a:prstTxWarp>
-          </a:bodyPr>
-          <a:lstStyle/>
-          <a:p>
-            <a:pPr algn="ctr" defTabSz="913788" fontAlgn="base">
-              <a:spcBef>
-                <a:spcPct val="0"/>
-              </a:spcBef>
-              <a:spcAft>
-                <a:spcPct val="0"/>
-              </a:spcAft>
-            </a:pPr>
-            <a:endParaRPr lang="en-US" sz="2200" dirty="0">
-              <a:gradFill>
-                <a:gsLst>
-                  <a:gs pos="0">
-                    <a:srgbClr val="FFFFFF"/>
-                  </a:gs>
-                  <a:gs pos="100000">
-                    <a:srgbClr val="FFFFFF"/>
-                  </a:gs>
-                </a:gsLst>
-                <a:lin ang="5400000" scaled="0"/>
-              </a:gradFill>
-            </a:endParaRPr>
-          </a:p>
-        </p:txBody>
-      </p:sp>
-      <p:pic>
-        <p:nvPicPr>
-          <p:cNvPr id="15" name="Picture 14"/>
-          <p:cNvPicPr>
-            <a:picLocks noChangeAspect="1"/>
-          </p:cNvPicPr>
-          <p:nvPr userDrawn="1"/>
-        </p:nvPicPr>
-        <p:blipFill rotWithShape="1">
-          <a:blip r:embed="rId2" cstate="print">
-            <a:extLst>
-              <a:ext uri="{28A0092B-C50C-407E-A947-70E740481C1C}">
-                <a14:useLocalDpi xmlns:a14="http://schemas.microsoft.com/office/drawing/2010/main" val="0"/>
-              </a:ext>
-            </a:extLst>
-          </a:blip>
-          <a:srcRect l="9720" t="16544" r="7275" b="16691"/>
-          <a:stretch/>
-        </p:blipFill>
-        <p:spPr>
-          <a:xfrm>
-            <a:off x="11181757" y="4821401"/>
-            <a:ext cx="740346" cy="218986"/>
-          </a:xfrm>
-          <a:prstGeom prst="rect">
-            <a:avLst/>
-          </a:prstGeom>
-        </p:spPr>
-      </p:pic>
-      <p:sp>
-        <p:nvSpPr>
-          <p:cNvPr id="16" name="Text Placeholder 10"/>
-          <p:cNvSpPr>
-            <a:spLocks noGrp="1"/>
-          </p:cNvSpPr>
-          <p:nvPr>
-            <p:ph type="body" sz="quarter" idx="10" hasCustomPrompt="1"/>
-          </p:nvPr>
-        </p:nvSpPr>
-        <p:spPr>
-          <a:xfrm>
-            <a:off x="292101" y="3466407"/>
-            <a:ext cx="8215796" cy="1485524"/>
-          </a:xfrm>
-          <a:prstGeom prst="rect">
-            <a:avLst/>
-          </a:prstGeom>
-        </p:spPr>
-        <p:txBody>
-          <a:bodyPr anchor="b" anchorCtr="0">
-            <a:normAutofit/>
-          </a:bodyPr>
-          <a:lstStyle>
-            <a:lvl1pPr marL="0" indent="0">
-              <a:buNone/>
-              <a:defRPr sz="3600" b="0" baseline="0">
-                <a:solidFill>
-                  <a:schemeClr val="bg1"/>
-                </a:solidFill>
-                <a:latin typeface="Segoe UI Light" panose="020B0502040204020203" pitchFamily="34" charset="0"/>
-                <a:cs typeface="Segoe UI Light" panose="020B0502040204020203" pitchFamily="34" charset="0"/>
-              </a:defRPr>
-            </a:lvl1pPr>
-          </a:lstStyle>
-          <a:p>
-            <a:pPr lvl="0"/>
-            <a:r>
-              <a:rPr lang="en-US" dirty="0"/>
-              <a:t>Module or Section transition style</a:t>
-            </a:r>
-          </a:p>
-        </p:txBody>
-      </p:sp>
-      <p:sp>
-        <p:nvSpPr>
-          <p:cNvPr id="11" name="Subtitle 2"/>
-          <p:cNvSpPr>
-            <a:spLocks noGrp="1"/>
-          </p:cNvSpPr>
-          <p:nvPr>
-            <p:ph type="subTitle" idx="1"/>
-          </p:nvPr>
-        </p:nvSpPr>
-        <p:spPr>
-          <a:xfrm>
-            <a:off x="193271" y="5132437"/>
-            <a:ext cx="8409867" cy="1460779"/>
-          </a:xfrm>
-          <a:prstGeom prst="rect">
-            <a:avLst/>
-          </a:prstGeom>
-        </p:spPr>
-        <p:txBody>
-          <a:bodyPr lIns="137160" tIns="137160" rIns="137160" bIns="137160" anchor="b" anchorCtr="0">
-            <a:normAutofit/>
-          </a:bodyPr>
-          <a:lstStyle>
-            <a:lvl1pPr marL="0" indent="0" algn="l" defTabSz="914052" rtl="0" eaLnBrk="1" latinLnBrk="0" hangingPunct="1">
-              <a:lnSpc>
-                <a:spcPct val="100000"/>
-              </a:lnSpc>
-              <a:spcBef>
-                <a:spcPts val="0"/>
-              </a:spcBef>
-              <a:buSzPct val="90000"/>
-              <a:buFont typeface="Arial" pitchFamily="34" charset="0"/>
-              <a:buNone/>
-              <a:defRPr lang="en-US" sz="2400" b="0" kern="0" spc="0" baseline="0" dirty="0">
-                <a:solidFill>
-                  <a:schemeClr val="tx1"/>
-                </a:solidFill>
-                <a:latin typeface="Segoe UI Light" panose="020B0502040204020203" pitchFamily="34" charset="0"/>
-                <a:ea typeface="Segoe UI Light" panose="020B0502040204020203" pitchFamily="34" charset="0"/>
-                <a:cs typeface="Segoe UI Light" panose="020B0502040204020203" pitchFamily="34" charset="0"/>
-              </a:defRPr>
-            </a:lvl1pPr>
-            <a:lvl2pPr marL="457044" indent="0" algn="ctr">
-              <a:buNone/>
-              <a:defRPr>
-                <a:solidFill>
-                  <a:schemeClr val="tx1">
-                    <a:tint val="75000"/>
-                  </a:schemeClr>
-                </a:solidFill>
-              </a:defRPr>
-            </a:lvl2pPr>
-            <a:lvl3pPr marL="914088" indent="0" algn="ctr">
-              <a:buNone/>
-              <a:defRPr>
-                <a:solidFill>
-                  <a:schemeClr val="tx1">
-                    <a:tint val="75000"/>
-                  </a:schemeClr>
-                </a:solidFill>
-              </a:defRPr>
-            </a:lvl3pPr>
-            <a:lvl4pPr marL="1371133" indent="0" algn="ctr">
-              <a:buNone/>
-              <a:defRPr>
-                <a:solidFill>
-                  <a:schemeClr val="tx1">
-                    <a:tint val="75000"/>
-                  </a:schemeClr>
-                </a:solidFill>
-              </a:defRPr>
-            </a:lvl4pPr>
-            <a:lvl5pPr marL="1828178" indent="0" algn="ctr">
-              <a:buNone/>
-              <a:defRPr>
-                <a:solidFill>
-                  <a:schemeClr val="tx1">
-                    <a:tint val="75000"/>
-                  </a:schemeClr>
-                </a:solidFill>
-              </a:defRPr>
-            </a:lvl5pPr>
-            <a:lvl6pPr marL="2285222" indent="0" algn="ctr">
-              <a:buNone/>
-              <a:defRPr>
-                <a:solidFill>
-                  <a:schemeClr val="tx1">
-                    <a:tint val="75000"/>
-                  </a:schemeClr>
-                </a:solidFill>
-              </a:defRPr>
-            </a:lvl6pPr>
-            <a:lvl7pPr marL="2742267" indent="0" algn="ctr">
-              <a:buNone/>
-              <a:defRPr>
-                <a:solidFill>
-                  <a:schemeClr val="tx1">
-                    <a:tint val="75000"/>
-                  </a:schemeClr>
-                </a:solidFill>
-              </a:defRPr>
-            </a:lvl7pPr>
-            <a:lvl8pPr marL="3199311" indent="0" algn="ctr">
-              <a:buNone/>
-              <a:defRPr>
-                <a:solidFill>
-                  <a:schemeClr val="tx1">
-                    <a:tint val="75000"/>
-                  </a:schemeClr>
-                </a:solidFill>
-              </a:defRPr>
-            </a:lvl8pPr>
-            <a:lvl9pPr marL="3656358" indent="0" algn="ctr">
-              <a:buNone/>
-              <a:defRPr>
-                <a:solidFill>
-                  <a:schemeClr val="tx1">
-                    <a:tint val="75000"/>
-                  </a:schemeClr>
-                </a:solidFill>
-              </a:defRPr>
-            </a:lvl9pPr>
-          </a:lstStyle>
-          <a:p>
-            <a:r>
-              <a:rPr lang="en-US"/>
-              <a:t>Click to edit Master subtitle style</a:t>
-            </a:r>
-            <a:endParaRPr lang="en-US" dirty="0"/>
-          </a:p>
-        </p:txBody>
-      </p:sp>
-      <p:pic>
-        <p:nvPicPr>
-          <p:cNvPr id="12" name="Picture 11"/>
-          <p:cNvPicPr>
-            <a:picLocks noChangeAspect="1"/>
-          </p:cNvPicPr>
-          <p:nvPr userDrawn="1"/>
-        </p:nvPicPr>
-        <p:blipFill>
-          <a:blip r:embed="rId3">
-            <a:extLst>
-              <a:ext uri="{28A0092B-C50C-407E-A947-70E740481C1C}">
-                <a14:useLocalDpi xmlns:a14="http://schemas.microsoft.com/office/drawing/2010/main" val="0"/>
-              </a:ext>
-            </a:extLst>
-          </a:blip>
-          <a:stretch>
-            <a:fillRect/>
-          </a:stretch>
-        </p:blipFill>
-        <p:spPr>
-          <a:xfrm>
-            <a:off x="193271" y="164177"/>
-            <a:ext cx="2084416" cy="833766"/>
-          </a:xfrm>
-          <a:prstGeom prst="rect">
-            <a:avLst/>
-          </a:prstGeom>
-        </p:spPr>
-      </p:pic>
-    </p:spTree>
-    <p:extLst>
-      <p:ext uri="{BB962C8B-B14F-4D97-AF65-F5344CB8AC3E}">
-        <p14:creationId xmlns:p14="http://schemas.microsoft.com/office/powerpoint/2010/main" val="3891348690"/>
-      </p:ext>
-    </p:extLst>
-  </p:cSld>
-  <p:clrMapOvr>
-    <a:masterClrMapping/>
-  </p:clrMapOvr>
-  <p:extLst>
-    <p:ext uri="{DCECCB84-F9BA-43D5-87BE-67443E8EF086}">
-      <p15:sldGuideLst xmlns:p15="http://schemas.microsoft.com/office/powerpoint/2012/main">
-        <p15:guide id="1" orient="horz" pos="2160">
-          <p15:clr>
-            <a:srgbClr val="FBAE40"/>
-          </p15:clr>
-        </p15:guide>
-        <p15:guide id="2" pos="3840">
-          <p15:clr>
-            <a:srgbClr val="FBAE40"/>
-          </p15:clr>
-        </p15:guide>
-      </p15:sldGuideLst>
-    </p:ext>
-  </p:extLst>
-</p:sldLayout>
-</file>
-
-<file path=ppt/slideLayouts/slideLayout3.xml><?xml version="1.0" encoding="utf-8"?>
-<p:sldLayout xmlns:a="http://schemas.openxmlformats.org/drawingml/2006/main" xmlns:r="http://schemas.openxmlformats.org/officeDocument/2006/relationships" xmlns:p="http://schemas.openxmlformats.org/presentationml/2006/main" preserve="1" userDrawn="1">
-  <p:cSld name="DEMO Layout">
-    <p:spTree>
-      <p:nvGrpSpPr>
-        <p:cNvPr id="1" name=""/>
-        <p:cNvGrpSpPr/>
-        <p:nvPr/>
-      </p:nvGrpSpPr>
-      <p:grpSpPr>
-        <a:xfrm>
-          <a:off x="0" y="0"/>
-          <a:ext cx="0" cy="0"/>
-          <a:chOff x="0" y="0"/>
-          <a:chExt cx="0" cy="0"/>
-        </a:xfrm>
-      </p:grpSpPr>
-      <p:sp>
-        <p:nvSpPr>
-          <p:cNvPr id="3" name="Title Placeholder 9"/>
-          <p:cNvSpPr>
-            <a:spLocks noGrp="1"/>
-          </p:cNvSpPr>
-          <p:nvPr>
-            <p:ph type="title"/>
-          </p:nvPr>
-        </p:nvSpPr>
-        <p:spPr>
-          <a:xfrm>
-            <a:off x="608171" y="4468764"/>
-            <a:ext cx="11432977" cy="1676400"/>
-          </a:xfrm>
-          <a:prstGeom prst="rect">
-            <a:avLst/>
-          </a:prstGeom>
-        </p:spPr>
-        <p:txBody>
-          <a:bodyPr vert="horz" lIns="91409" tIns="45705" rIns="91409" bIns="45705" rtlCol="0" anchor="t" anchorCtr="0">
-            <a:normAutofit/>
-          </a:bodyPr>
-          <a:lstStyle>
-            <a:lvl1pPr>
-              <a:defRPr sz="3600"/>
-            </a:lvl1pPr>
-          </a:lstStyle>
-          <a:p>
-            <a:r>
-              <a:rPr lang="en-US"/>
-              <a:t>Click to edit Master title style</a:t>
-            </a:r>
-            <a:endParaRPr lang="en-US" dirty="0"/>
-          </a:p>
-        </p:txBody>
-      </p:sp>
-      <p:sp>
-        <p:nvSpPr>
-          <p:cNvPr id="2" name="TextBox 1"/>
-          <p:cNvSpPr txBox="1"/>
-          <p:nvPr userDrawn="1"/>
-        </p:nvSpPr>
-        <p:spPr>
-          <a:xfrm>
-            <a:off x="608171" y="3087325"/>
-            <a:ext cx="11356757" cy="1107996"/>
-          </a:xfrm>
-          <a:prstGeom prst="rect">
-            <a:avLst/>
-          </a:prstGeom>
-          <a:noFill/>
-        </p:spPr>
-        <p:txBody>
-          <a:bodyPr wrap="square" rtlCol="0">
-            <a:spAutoFit/>
-          </a:bodyPr>
-          <a:lstStyle/>
-          <a:p>
-            <a:pPr defTabSz="914088"/>
-            <a:r>
-              <a:rPr lang="en-US" sz="6600" dirty="0">
-                <a:solidFill>
-                  <a:prstClr val="black"/>
-                </a:solidFill>
-                <a:latin typeface="Segoe UI Light" pitchFamily="34" charset="0"/>
-                <a:ea typeface="Segoe UI" pitchFamily="34" charset="0"/>
-                <a:cs typeface="Segoe UI" pitchFamily="34" charset="0"/>
-              </a:rPr>
-              <a:t>DEMO</a:t>
-            </a:r>
-          </a:p>
-        </p:txBody>
-      </p:sp>
-      <p:cxnSp>
-        <p:nvCxnSpPr>
-          <p:cNvPr id="6" name="Straight Connector 5"/>
-          <p:cNvCxnSpPr/>
-          <p:nvPr userDrawn="1"/>
-        </p:nvCxnSpPr>
-        <p:spPr>
-          <a:xfrm>
-            <a:off x="608171" y="4077925"/>
-            <a:ext cx="11356757" cy="0"/>
-          </a:xfrm>
-          <a:prstGeom prst="line">
-            <a:avLst/>
-          </a:prstGeom>
-          <a:ln>
-            <a:solidFill>
-              <a:schemeClr val="tx1"/>
-            </a:solidFill>
-          </a:ln>
-          <a:effectLst>
-            <a:outerShdw blurRad="50800" dist="38100" dir="2700000" algn="tl" rotWithShape="0">
-              <a:prstClr val="black">
-                <a:alpha val="40000"/>
-              </a:prstClr>
-            </a:outerShdw>
-          </a:effectLst>
-        </p:spPr>
-        <p:style>
-          <a:lnRef idx="1">
-            <a:schemeClr val="accent1"/>
-          </a:lnRef>
-          <a:fillRef idx="0">
-            <a:schemeClr val="accent1"/>
-          </a:fillRef>
-          <a:effectRef idx="0">
-            <a:schemeClr val="accent1"/>
-          </a:effectRef>
-          <a:fontRef idx="minor">
-            <a:schemeClr val="tx1"/>
-          </a:fontRef>
-        </p:style>
-      </p:cxnSp>
-      <p:pic>
-        <p:nvPicPr>
-          <p:cNvPr id="8" name="Picture 7"/>
-          <p:cNvPicPr>
-            <a:picLocks noChangeAspect="1"/>
-          </p:cNvPicPr>
-          <p:nvPr userDrawn="1"/>
-        </p:nvPicPr>
-        <p:blipFill>
-          <a:blip r:embed="rId2">
-            <a:extLst>
-              <a:ext uri="{28A0092B-C50C-407E-A947-70E740481C1C}">
-                <a14:useLocalDpi xmlns:a14="http://schemas.microsoft.com/office/drawing/2010/main" val="0"/>
-              </a:ext>
-            </a:extLst>
-          </a:blip>
-          <a:stretch>
-            <a:fillRect/>
-          </a:stretch>
-        </p:blipFill>
-        <p:spPr>
-          <a:xfrm>
-            <a:off x="171450" y="177800"/>
-            <a:ext cx="2857500" cy="1143000"/>
-          </a:xfrm>
-          <a:prstGeom prst="rect">
-            <a:avLst/>
-          </a:prstGeom>
-        </p:spPr>
-      </p:pic>
-    </p:spTree>
-    <p:extLst>
-      <p:ext uri="{BB962C8B-B14F-4D97-AF65-F5344CB8AC3E}">
-        <p14:creationId xmlns:p14="http://schemas.microsoft.com/office/powerpoint/2010/main" val="3823260024"/>
-      </p:ext>
-    </p:extLst>
-  </p:cSld>
-  <p:clrMapOvr>
-    <a:masterClrMapping/>
-  </p:clrMapOvr>
-</p:sldLayout>
-</file>
-
-<file path=ppt/slideLayouts/slideLayout4.xml><?xml version="1.0" encoding="utf-8"?>
-<p:sldLayout xmlns:a="http://schemas.openxmlformats.org/drawingml/2006/main" xmlns:r="http://schemas.openxmlformats.org/officeDocument/2006/relationships" xmlns:p="http://schemas.openxmlformats.org/presentationml/2006/main" preserve="1" userDrawn="1">
-  <p:cSld name="Title and Content">
+  <p:cSld name="1_Title and Content">
     <p:spTree>
       <p:nvGrpSpPr>
         <p:cNvPr id="1" name=""/>
@@ -2161,7 +1370,7 @@
     </p:spTree>
     <p:extLst>
       <p:ext uri="{BB962C8B-B14F-4D97-AF65-F5344CB8AC3E}">
-        <p14:creationId xmlns:p14="http://schemas.microsoft.com/office/powerpoint/2010/main" val="1607745834"/>
+        <p14:creationId xmlns:p14="http://schemas.microsoft.com/office/powerpoint/2010/main" val="4175904742"/>
       </p:ext>
     </p:extLst>
   </p:cSld>
@@ -2171,9 +1380,9 @@
 </p:sldLayout>
 </file>
 
-<file path=ppt/slideLayouts/slideLayout5.xml><?xml version="1.0" encoding="utf-8"?>
-<p:sldLayout xmlns:a="http://schemas.openxmlformats.org/drawingml/2006/main" xmlns:r="http://schemas.openxmlformats.org/officeDocument/2006/relationships" xmlns:p="http://schemas.openxmlformats.org/presentationml/2006/main" preserve="1" userDrawn="1">
-  <p:cSld name="Two Content">
+<file path=ppt/slideLayouts/slideLayout14.xml><?xml version="1.0" encoding="utf-8"?>
+<p:sldLayout xmlns:a="http://schemas.openxmlformats.org/drawingml/2006/main" xmlns:r="http://schemas.openxmlformats.org/officeDocument/2006/relationships" xmlns:p="http://schemas.openxmlformats.org/presentationml/2006/main" userDrawn="1">
+  <p:cSld name="1_Two Content">
     <p:spTree>
       <p:nvGrpSpPr>
         <p:cNvPr id="1" name=""/>
@@ -2393,7 +1602,7 @@
     </p:spTree>
     <p:extLst>
       <p:ext uri="{BB962C8B-B14F-4D97-AF65-F5344CB8AC3E}">
-        <p14:creationId xmlns:p14="http://schemas.microsoft.com/office/powerpoint/2010/main" val="3199461456"/>
+        <p14:creationId xmlns:p14="http://schemas.microsoft.com/office/powerpoint/2010/main" val="2252675929"/>
       </p:ext>
     </p:extLst>
   </p:cSld>
@@ -2403,8 +1612,1340 @@
 </p:sldLayout>
 </file>
 
-<file path=ppt/slideLayouts/slideLayout6.xml><?xml version="1.0" encoding="utf-8"?>
-<p:sldLayout xmlns:a="http://schemas.openxmlformats.org/drawingml/2006/main" xmlns:r="http://schemas.openxmlformats.org/officeDocument/2006/relationships" xmlns:p="http://schemas.openxmlformats.org/presentationml/2006/main" preserve="1" userDrawn="1">
+<file path=ppt/slideLayouts/slideLayout15.xml><?xml version="1.0" encoding="utf-8"?>
+<p:sldLayout xmlns:a="http://schemas.openxmlformats.org/drawingml/2006/main" xmlns:r="http://schemas.openxmlformats.org/officeDocument/2006/relationships" xmlns:p="http://schemas.openxmlformats.org/presentationml/2006/main" userDrawn="1">
+  <p:cSld name="2_Two Content">
+    <p:spTree>
+      <p:nvGrpSpPr>
+        <p:cNvPr id="1" name=""/>
+        <p:cNvGrpSpPr/>
+        <p:nvPr/>
+      </p:nvGrpSpPr>
+      <p:grpSpPr>
+        <a:xfrm>
+          <a:off x="0" y="0"/>
+          <a:ext cx="0" cy="0"/>
+          <a:chOff x="0" y="0"/>
+          <a:chExt cx="0" cy="0"/>
+        </a:xfrm>
+      </p:grpSpPr>
+      <p:sp>
+        <p:nvSpPr>
+          <p:cNvPr id="8" name="Content Placeholder 3"/>
+          <p:cNvSpPr>
+            <a:spLocks noGrp="1"/>
+          </p:cNvSpPr>
+          <p:nvPr>
+            <p:ph sz="half" idx="2"/>
+          </p:nvPr>
+        </p:nvSpPr>
+        <p:spPr>
+          <a:xfrm>
+            <a:off x="379511" y="1371601"/>
+            <a:ext cx="5616915" cy="4953001"/>
+          </a:xfrm>
+          <a:prstGeom prst="rect">
+            <a:avLst/>
+          </a:prstGeom>
+        </p:spPr>
+        <p:txBody>
+          <a:bodyPr>
+            <a:normAutofit/>
+          </a:bodyPr>
+          <a:lstStyle>
+            <a:lvl1pPr>
+              <a:defRPr sz="3200"/>
+            </a:lvl1pPr>
+            <a:lvl2pPr>
+              <a:defRPr sz="2800"/>
+            </a:lvl2pPr>
+            <a:lvl3pPr>
+              <a:defRPr sz="2400"/>
+            </a:lvl3pPr>
+            <a:lvl4pPr>
+              <a:defRPr sz="2000"/>
+            </a:lvl4pPr>
+            <a:lvl5pPr>
+              <a:defRPr sz="2000"/>
+            </a:lvl5pPr>
+            <a:lvl6pPr>
+              <a:defRPr sz="1600"/>
+            </a:lvl6pPr>
+            <a:lvl7pPr>
+              <a:defRPr sz="1600"/>
+            </a:lvl7pPr>
+            <a:lvl8pPr>
+              <a:defRPr sz="1600"/>
+            </a:lvl8pPr>
+            <a:lvl9pPr>
+              <a:defRPr sz="1600"/>
+            </a:lvl9pPr>
+          </a:lstStyle>
+          <a:p>
+            <a:pPr lvl="0"/>
+            <a:r>
+              <a:rPr lang="en-US"/>
+              <a:t>Click to edit Master text styles</a:t>
+            </a:r>
+          </a:p>
+          <a:p>
+            <a:pPr lvl="1"/>
+            <a:r>
+              <a:rPr lang="en-US"/>
+              <a:t>Second level</a:t>
+            </a:r>
+          </a:p>
+          <a:p>
+            <a:pPr lvl="2"/>
+            <a:r>
+              <a:rPr lang="en-US"/>
+              <a:t>Third level</a:t>
+            </a:r>
+          </a:p>
+          <a:p>
+            <a:pPr lvl="3"/>
+            <a:r>
+              <a:rPr lang="en-US"/>
+              <a:t>Fourth level</a:t>
+            </a:r>
+          </a:p>
+          <a:p>
+            <a:pPr lvl="4"/>
+            <a:r>
+              <a:rPr lang="en-US"/>
+              <a:t>Fifth level</a:t>
+            </a:r>
+            <a:endParaRPr lang="en-US" dirty="0"/>
+          </a:p>
+        </p:txBody>
+      </p:sp>
+      <p:sp>
+        <p:nvSpPr>
+          <p:cNvPr id="9" name="Content Placeholder 5"/>
+          <p:cNvSpPr>
+            <a:spLocks noGrp="1"/>
+          </p:cNvSpPr>
+          <p:nvPr>
+            <p:ph sz="quarter" idx="4"/>
+          </p:nvPr>
+        </p:nvSpPr>
+        <p:spPr>
+          <a:xfrm>
+            <a:off x="6275742" y="1371601"/>
+            <a:ext cx="5619121" cy="4953001"/>
+          </a:xfrm>
+          <a:prstGeom prst="rect">
+            <a:avLst/>
+          </a:prstGeom>
+        </p:spPr>
+        <p:txBody>
+          <a:bodyPr>
+            <a:normAutofit/>
+          </a:bodyPr>
+          <a:lstStyle>
+            <a:lvl1pPr>
+              <a:defRPr sz="3200"/>
+            </a:lvl1pPr>
+            <a:lvl2pPr>
+              <a:defRPr sz="2800"/>
+            </a:lvl2pPr>
+            <a:lvl3pPr>
+              <a:defRPr sz="2400"/>
+            </a:lvl3pPr>
+            <a:lvl4pPr>
+              <a:defRPr sz="2000"/>
+            </a:lvl4pPr>
+            <a:lvl5pPr>
+              <a:defRPr sz="2000"/>
+            </a:lvl5pPr>
+            <a:lvl6pPr>
+              <a:defRPr sz="1600"/>
+            </a:lvl6pPr>
+            <a:lvl7pPr>
+              <a:defRPr sz="1600"/>
+            </a:lvl7pPr>
+            <a:lvl8pPr>
+              <a:defRPr sz="1600"/>
+            </a:lvl8pPr>
+            <a:lvl9pPr>
+              <a:defRPr sz="1600"/>
+            </a:lvl9pPr>
+          </a:lstStyle>
+          <a:p>
+            <a:pPr lvl="0"/>
+            <a:r>
+              <a:rPr lang="en-US"/>
+              <a:t>Click to edit Master text styles</a:t>
+            </a:r>
+          </a:p>
+          <a:p>
+            <a:pPr lvl="1"/>
+            <a:r>
+              <a:rPr lang="en-US"/>
+              <a:t>Second level</a:t>
+            </a:r>
+          </a:p>
+          <a:p>
+            <a:pPr lvl="2"/>
+            <a:r>
+              <a:rPr lang="en-US"/>
+              <a:t>Third level</a:t>
+            </a:r>
+          </a:p>
+          <a:p>
+            <a:pPr lvl="3"/>
+            <a:r>
+              <a:rPr lang="en-US"/>
+              <a:t>Fourth level</a:t>
+            </a:r>
+          </a:p>
+          <a:p>
+            <a:pPr lvl="4"/>
+            <a:r>
+              <a:rPr lang="en-US"/>
+              <a:t>Fifth level</a:t>
+            </a:r>
+            <a:endParaRPr lang="en-US" dirty="0"/>
+          </a:p>
+        </p:txBody>
+      </p:sp>
+      <p:sp>
+        <p:nvSpPr>
+          <p:cNvPr id="2" name="Title 1"/>
+          <p:cNvSpPr>
+            <a:spLocks noGrp="1"/>
+          </p:cNvSpPr>
+          <p:nvPr>
+            <p:ph type="title"/>
+          </p:nvPr>
+        </p:nvSpPr>
+        <p:spPr/>
+        <p:txBody>
+          <a:bodyPr/>
+          <a:lstStyle/>
+          <a:p>
+            <a:r>
+              <a:rPr lang="en-US"/>
+              <a:t>Click to edit Master title style</a:t>
+            </a:r>
+          </a:p>
+        </p:txBody>
+      </p:sp>
+    </p:spTree>
+    <p:extLst>
+      <p:ext uri="{BB962C8B-B14F-4D97-AF65-F5344CB8AC3E}">
+        <p14:creationId xmlns:p14="http://schemas.microsoft.com/office/powerpoint/2010/main" val="3164754663"/>
+      </p:ext>
+    </p:extLst>
+  </p:cSld>
+  <p:clrMapOvr>
+    <a:masterClrMapping/>
+  </p:clrMapOvr>
+</p:sldLayout>
+</file>
+
+<file path=ppt/slideLayouts/slideLayout16.xml><?xml version="1.0" encoding="utf-8"?>
+<p:sldLayout xmlns:a="http://schemas.openxmlformats.org/drawingml/2006/main" xmlns:r="http://schemas.openxmlformats.org/officeDocument/2006/relationships" xmlns:p="http://schemas.openxmlformats.org/presentationml/2006/main" userDrawn="1">
+  <p:cSld name="2_Title and Content">
+    <p:spTree>
+      <p:nvGrpSpPr>
+        <p:cNvPr id="1" name=""/>
+        <p:cNvGrpSpPr/>
+        <p:nvPr/>
+      </p:nvGrpSpPr>
+      <p:grpSpPr>
+        <a:xfrm>
+          <a:off x="0" y="0"/>
+          <a:ext cx="0" cy="0"/>
+          <a:chOff x="0" y="0"/>
+          <a:chExt cx="0" cy="0"/>
+        </a:xfrm>
+      </p:grpSpPr>
+      <p:sp>
+        <p:nvSpPr>
+          <p:cNvPr id="3" name="Title 2"/>
+          <p:cNvSpPr>
+            <a:spLocks noGrp="1"/>
+          </p:cNvSpPr>
+          <p:nvPr>
+            <p:ph type="title"/>
+          </p:nvPr>
+        </p:nvSpPr>
+        <p:spPr/>
+        <p:txBody>
+          <a:bodyPr/>
+          <a:lstStyle/>
+          <a:p>
+            <a:r>
+              <a:rPr lang="en-US"/>
+              <a:t>Click to edit Master title style</a:t>
+            </a:r>
+            <a:endParaRPr lang="en-US" dirty="0"/>
+          </a:p>
+        </p:txBody>
+      </p:sp>
+      <p:sp>
+        <p:nvSpPr>
+          <p:cNvPr id="6" name="Content Placeholder 5"/>
+          <p:cNvSpPr>
+            <a:spLocks noGrp="1"/>
+          </p:cNvSpPr>
+          <p:nvPr>
+            <p:ph sz="quarter" idx="10"/>
+          </p:nvPr>
+        </p:nvSpPr>
+        <p:spPr>
+          <a:xfrm>
+            <a:off x="379413" y="1388226"/>
+            <a:ext cx="11525250" cy="5290388"/>
+          </a:xfrm>
+          <a:prstGeom prst="rect">
+            <a:avLst/>
+          </a:prstGeom>
+        </p:spPr>
+        <p:txBody>
+          <a:bodyPr/>
+          <a:lstStyle>
+            <a:lvl1pPr>
+              <a:spcBef>
+                <a:spcPts val="1400"/>
+              </a:spcBef>
+              <a:defRPr b="0"/>
+            </a:lvl1pPr>
+            <a:lvl2pPr>
+              <a:defRPr>
+                <a:solidFill>
+                  <a:schemeClr val="tx1">
+                    <a:lumMod val="75000"/>
+                    <a:lumOff val="25000"/>
+                  </a:schemeClr>
+                </a:solidFill>
+              </a:defRPr>
+            </a:lvl2pPr>
+          </a:lstStyle>
+          <a:p>
+            <a:pPr lvl="0"/>
+            <a:r>
+              <a:rPr lang="en-US"/>
+              <a:t>Click to edit Master text styles</a:t>
+            </a:r>
+          </a:p>
+          <a:p>
+            <a:pPr lvl="1"/>
+            <a:r>
+              <a:rPr lang="en-US"/>
+              <a:t>Second level</a:t>
+            </a:r>
+          </a:p>
+          <a:p>
+            <a:pPr lvl="2"/>
+            <a:r>
+              <a:rPr lang="en-US"/>
+              <a:t>Third level</a:t>
+            </a:r>
+          </a:p>
+          <a:p>
+            <a:pPr lvl="3"/>
+            <a:r>
+              <a:rPr lang="en-US"/>
+              <a:t>Fourth level</a:t>
+            </a:r>
+          </a:p>
+          <a:p>
+            <a:pPr lvl="4"/>
+            <a:r>
+              <a:rPr lang="en-US"/>
+              <a:t>Fifth level</a:t>
+            </a:r>
+            <a:endParaRPr lang="en-US" dirty="0"/>
+          </a:p>
+        </p:txBody>
+      </p:sp>
+    </p:spTree>
+    <p:extLst>
+      <p:ext uri="{BB962C8B-B14F-4D97-AF65-F5344CB8AC3E}">
+        <p14:creationId xmlns:p14="http://schemas.microsoft.com/office/powerpoint/2010/main" val="2324478293"/>
+      </p:ext>
+    </p:extLst>
+  </p:cSld>
+  <p:clrMapOvr>
+    <a:masterClrMapping/>
+  </p:clrMapOvr>
+</p:sldLayout>
+</file>
+
+<file path=ppt/slideLayouts/slideLayout17.xml><?xml version="1.0" encoding="utf-8"?>
+<p:sldLayout xmlns:a="http://schemas.openxmlformats.org/drawingml/2006/main" xmlns:r="http://schemas.openxmlformats.org/officeDocument/2006/relationships" xmlns:p="http://schemas.openxmlformats.org/presentationml/2006/main" userDrawn="1">
+  <p:cSld name="3_Two Content">
+    <p:spTree>
+      <p:nvGrpSpPr>
+        <p:cNvPr id="1" name=""/>
+        <p:cNvGrpSpPr/>
+        <p:nvPr/>
+      </p:nvGrpSpPr>
+      <p:grpSpPr>
+        <a:xfrm>
+          <a:off x="0" y="0"/>
+          <a:ext cx="0" cy="0"/>
+          <a:chOff x="0" y="0"/>
+          <a:chExt cx="0" cy="0"/>
+        </a:xfrm>
+      </p:grpSpPr>
+      <p:sp>
+        <p:nvSpPr>
+          <p:cNvPr id="8" name="Content Placeholder 3"/>
+          <p:cNvSpPr>
+            <a:spLocks noGrp="1"/>
+          </p:cNvSpPr>
+          <p:nvPr>
+            <p:ph sz="half" idx="2"/>
+          </p:nvPr>
+        </p:nvSpPr>
+        <p:spPr>
+          <a:xfrm>
+            <a:off x="379511" y="1371601"/>
+            <a:ext cx="5616915" cy="4953001"/>
+          </a:xfrm>
+          <a:prstGeom prst="rect">
+            <a:avLst/>
+          </a:prstGeom>
+        </p:spPr>
+        <p:txBody>
+          <a:bodyPr>
+            <a:normAutofit/>
+          </a:bodyPr>
+          <a:lstStyle>
+            <a:lvl1pPr>
+              <a:defRPr sz="3200"/>
+            </a:lvl1pPr>
+            <a:lvl2pPr>
+              <a:defRPr sz="2800"/>
+            </a:lvl2pPr>
+            <a:lvl3pPr>
+              <a:defRPr sz="2400"/>
+            </a:lvl3pPr>
+            <a:lvl4pPr>
+              <a:defRPr sz="2000"/>
+            </a:lvl4pPr>
+            <a:lvl5pPr>
+              <a:defRPr sz="2000"/>
+            </a:lvl5pPr>
+            <a:lvl6pPr>
+              <a:defRPr sz="1600"/>
+            </a:lvl6pPr>
+            <a:lvl7pPr>
+              <a:defRPr sz="1600"/>
+            </a:lvl7pPr>
+            <a:lvl8pPr>
+              <a:defRPr sz="1600"/>
+            </a:lvl8pPr>
+            <a:lvl9pPr>
+              <a:defRPr sz="1600"/>
+            </a:lvl9pPr>
+          </a:lstStyle>
+          <a:p>
+            <a:pPr lvl="0"/>
+            <a:r>
+              <a:rPr lang="en-US"/>
+              <a:t>Click to edit Master text styles</a:t>
+            </a:r>
+          </a:p>
+          <a:p>
+            <a:pPr lvl="1"/>
+            <a:r>
+              <a:rPr lang="en-US"/>
+              <a:t>Second level</a:t>
+            </a:r>
+          </a:p>
+          <a:p>
+            <a:pPr lvl="2"/>
+            <a:r>
+              <a:rPr lang="en-US"/>
+              <a:t>Third level</a:t>
+            </a:r>
+          </a:p>
+          <a:p>
+            <a:pPr lvl="3"/>
+            <a:r>
+              <a:rPr lang="en-US"/>
+              <a:t>Fourth level</a:t>
+            </a:r>
+          </a:p>
+          <a:p>
+            <a:pPr lvl="4"/>
+            <a:r>
+              <a:rPr lang="en-US"/>
+              <a:t>Fifth level</a:t>
+            </a:r>
+            <a:endParaRPr lang="en-US" dirty="0"/>
+          </a:p>
+        </p:txBody>
+      </p:sp>
+      <p:sp>
+        <p:nvSpPr>
+          <p:cNvPr id="9" name="Content Placeholder 5"/>
+          <p:cNvSpPr>
+            <a:spLocks noGrp="1"/>
+          </p:cNvSpPr>
+          <p:nvPr>
+            <p:ph sz="quarter" idx="4"/>
+          </p:nvPr>
+        </p:nvSpPr>
+        <p:spPr>
+          <a:xfrm>
+            <a:off x="6275742" y="1371601"/>
+            <a:ext cx="5619121" cy="4953001"/>
+          </a:xfrm>
+          <a:prstGeom prst="rect">
+            <a:avLst/>
+          </a:prstGeom>
+        </p:spPr>
+        <p:txBody>
+          <a:bodyPr>
+            <a:normAutofit/>
+          </a:bodyPr>
+          <a:lstStyle>
+            <a:lvl1pPr>
+              <a:defRPr sz="3200"/>
+            </a:lvl1pPr>
+            <a:lvl2pPr>
+              <a:defRPr sz="2800"/>
+            </a:lvl2pPr>
+            <a:lvl3pPr>
+              <a:defRPr sz="2400"/>
+            </a:lvl3pPr>
+            <a:lvl4pPr>
+              <a:defRPr sz="2000"/>
+            </a:lvl4pPr>
+            <a:lvl5pPr>
+              <a:defRPr sz="2000"/>
+            </a:lvl5pPr>
+            <a:lvl6pPr>
+              <a:defRPr sz="1600"/>
+            </a:lvl6pPr>
+            <a:lvl7pPr>
+              <a:defRPr sz="1600"/>
+            </a:lvl7pPr>
+            <a:lvl8pPr>
+              <a:defRPr sz="1600"/>
+            </a:lvl8pPr>
+            <a:lvl9pPr>
+              <a:defRPr sz="1600"/>
+            </a:lvl9pPr>
+          </a:lstStyle>
+          <a:p>
+            <a:pPr lvl="0"/>
+            <a:r>
+              <a:rPr lang="en-US"/>
+              <a:t>Click to edit Master text styles</a:t>
+            </a:r>
+          </a:p>
+          <a:p>
+            <a:pPr lvl="1"/>
+            <a:r>
+              <a:rPr lang="en-US"/>
+              <a:t>Second level</a:t>
+            </a:r>
+          </a:p>
+          <a:p>
+            <a:pPr lvl="2"/>
+            <a:r>
+              <a:rPr lang="en-US"/>
+              <a:t>Third level</a:t>
+            </a:r>
+          </a:p>
+          <a:p>
+            <a:pPr lvl="3"/>
+            <a:r>
+              <a:rPr lang="en-US"/>
+              <a:t>Fourth level</a:t>
+            </a:r>
+          </a:p>
+          <a:p>
+            <a:pPr lvl="4"/>
+            <a:r>
+              <a:rPr lang="en-US"/>
+              <a:t>Fifth level</a:t>
+            </a:r>
+            <a:endParaRPr lang="en-US" dirty="0"/>
+          </a:p>
+        </p:txBody>
+      </p:sp>
+      <p:sp>
+        <p:nvSpPr>
+          <p:cNvPr id="2" name="Title 1"/>
+          <p:cNvSpPr>
+            <a:spLocks noGrp="1"/>
+          </p:cNvSpPr>
+          <p:nvPr>
+            <p:ph type="title"/>
+          </p:nvPr>
+        </p:nvSpPr>
+        <p:spPr/>
+        <p:txBody>
+          <a:bodyPr/>
+          <a:lstStyle/>
+          <a:p>
+            <a:r>
+              <a:rPr lang="en-US"/>
+              <a:t>Click to edit Master title style</a:t>
+            </a:r>
+          </a:p>
+        </p:txBody>
+      </p:sp>
+    </p:spTree>
+    <p:extLst>
+      <p:ext uri="{BB962C8B-B14F-4D97-AF65-F5344CB8AC3E}">
+        <p14:creationId xmlns:p14="http://schemas.microsoft.com/office/powerpoint/2010/main" val="813594778"/>
+      </p:ext>
+    </p:extLst>
+  </p:cSld>
+  <p:clrMapOvr>
+    <a:masterClrMapping/>
+  </p:clrMapOvr>
+</p:sldLayout>
+</file>
+
+<file path=ppt/slideLayouts/slideLayout2.xml><?xml version="1.0" encoding="utf-8"?>
+<p:sldLayout xmlns:a="http://schemas.openxmlformats.org/drawingml/2006/main" xmlns:r="http://schemas.openxmlformats.org/officeDocument/2006/relationships" xmlns:p="http://schemas.openxmlformats.org/presentationml/2006/main" type="obj" preserve="1">
+  <p:cSld name="Title and Content">
+    <p:spTree>
+      <p:nvGrpSpPr>
+        <p:cNvPr id="1" name=""/>
+        <p:cNvGrpSpPr/>
+        <p:nvPr/>
+      </p:nvGrpSpPr>
+      <p:grpSpPr>
+        <a:xfrm>
+          <a:off x="0" y="0"/>
+          <a:ext cx="0" cy="0"/>
+          <a:chOff x="0" y="0"/>
+          <a:chExt cx="0" cy="0"/>
+        </a:xfrm>
+      </p:grpSpPr>
+      <p:sp>
+        <p:nvSpPr>
+          <p:cNvPr id="2" name="Title 1">
+            <a:extLst>
+              <a:ext uri="{FF2B5EF4-FFF2-40B4-BE49-F238E27FC236}">
+                <a16:creationId xmlns:a16="http://schemas.microsoft.com/office/drawing/2014/main" id="{18406EF7-FA8E-427B-9432-970186C380F7}"/>
+              </a:ext>
+            </a:extLst>
+          </p:cNvPr>
+          <p:cNvSpPr>
+            <a:spLocks noGrp="1"/>
+          </p:cNvSpPr>
+          <p:nvPr>
+            <p:ph type="title"/>
+          </p:nvPr>
+        </p:nvSpPr>
+        <p:spPr/>
+        <p:txBody>
+          <a:bodyPr/>
+          <a:lstStyle/>
+          <a:p>
+            <a:r>
+              <a:rPr lang="en-US"/>
+              <a:t>Click to edit Master title style</a:t>
+            </a:r>
+          </a:p>
+        </p:txBody>
+      </p:sp>
+      <p:sp>
+        <p:nvSpPr>
+          <p:cNvPr id="3" name="Content Placeholder 2">
+            <a:extLst>
+              <a:ext uri="{FF2B5EF4-FFF2-40B4-BE49-F238E27FC236}">
+                <a16:creationId xmlns:a16="http://schemas.microsoft.com/office/drawing/2014/main" id="{1FE7E57B-3D1A-419E-91F4-A39B7BEEB25D}"/>
+              </a:ext>
+            </a:extLst>
+          </p:cNvPr>
+          <p:cNvSpPr>
+            <a:spLocks noGrp="1"/>
+          </p:cNvSpPr>
+          <p:nvPr>
+            <p:ph idx="1"/>
+          </p:nvPr>
+        </p:nvSpPr>
+        <p:spPr/>
+        <p:txBody>
+          <a:bodyPr/>
+          <a:lstStyle/>
+          <a:p>
+            <a:pPr lvl="0"/>
+            <a:r>
+              <a:rPr lang="en-US"/>
+              <a:t>Click to edit Master text styles</a:t>
+            </a:r>
+          </a:p>
+          <a:p>
+            <a:pPr lvl="1"/>
+            <a:r>
+              <a:rPr lang="en-US"/>
+              <a:t>Second level</a:t>
+            </a:r>
+          </a:p>
+          <a:p>
+            <a:pPr lvl="2"/>
+            <a:r>
+              <a:rPr lang="en-US"/>
+              <a:t>Third level</a:t>
+            </a:r>
+          </a:p>
+          <a:p>
+            <a:pPr lvl="3"/>
+            <a:r>
+              <a:rPr lang="en-US"/>
+              <a:t>Fourth level</a:t>
+            </a:r>
+          </a:p>
+          <a:p>
+            <a:pPr lvl="4"/>
+            <a:r>
+              <a:rPr lang="en-US"/>
+              <a:t>Fifth level</a:t>
+            </a:r>
+          </a:p>
+        </p:txBody>
+      </p:sp>
+      <p:sp>
+        <p:nvSpPr>
+          <p:cNvPr id="4" name="Date Placeholder 3">
+            <a:extLst>
+              <a:ext uri="{FF2B5EF4-FFF2-40B4-BE49-F238E27FC236}">
+                <a16:creationId xmlns:a16="http://schemas.microsoft.com/office/drawing/2014/main" id="{C9E68587-F52F-4F88-BB35-F242EF782BC7}"/>
+              </a:ext>
+            </a:extLst>
+          </p:cNvPr>
+          <p:cNvSpPr>
+            <a:spLocks noGrp="1"/>
+          </p:cNvSpPr>
+          <p:nvPr>
+            <p:ph type="dt" sz="half" idx="10"/>
+          </p:nvPr>
+        </p:nvSpPr>
+        <p:spPr/>
+        <p:txBody>
+          <a:bodyPr/>
+          <a:lstStyle/>
+          <a:p>
+            <a:fld id="{571179DB-8C0F-4DAE-A821-BADEDABE9281}" type="datetimeFigureOut">
+              <a:rPr lang="en-US" smtClean="0"/>
+              <a:t>5/18/2020</a:t>
+            </a:fld>
+            <a:endParaRPr lang="en-US"/>
+          </a:p>
+        </p:txBody>
+      </p:sp>
+      <p:sp>
+        <p:nvSpPr>
+          <p:cNvPr id="5" name="Footer Placeholder 4">
+            <a:extLst>
+              <a:ext uri="{FF2B5EF4-FFF2-40B4-BE49-F238E27FC236}">
+                <a16:creationId xmlns:a16="http://schemas.microsoft.com/office/drawing/2014/main" id="{631697B1-1870-452A-9B84-CA9A7D0C05AC}"/>
+              </a:ext>
+            </a:extLst>
+          </p:cNvPr>
+          <p:cNvSpPr>
+            <a:spLocks noGrp="1"/>
+          </p:cNvSpPr>
+          <p:nvPr>
+            <p:ph type="ftr" sz="quarter" idx="11"/>
+          </p:nvPr>
+        </p:nvSpPr>
+        <p:spPr/>
+        <p:txBody>
+          <a:bodyPr/>
+          <a:lstStyle/>
+          <a:p>
+            <a:endParaRPr lang="en-US"/>
+          </a:p>
+        </p:txBody>
+      </p:sp>
+      <p:sp>
+        <p:nvSpPr>
+          <p:cNvPr id="6" name="Slide Number Placeholder 5">
+            <a:extLst>
+              <a:ext uri="{FF2B5EF4-FFF2-40B4-BE49-F238E27FC236}">
+                <a16:creationId xmlns:a16="http://schemas.microsoft.com/office/drawing/2014/main" id="{68DEFA1E-0C3B-4E1E-B76E-7A2DF891684F}"/>
+              </a:ext>
+            </a:extLst>
+          </p:cNvPr>
+          <p:cNvSpPr>
+            <a:spLocks noGrp="1"/>
+          </p:cNvSpPr>
+          <p:nvPr>
+            <p:ph type="sldNum" sz="quarter" idx="12"/>
+          </p:nvPr>
+        </p:nvSpPr>
+        <p:spPr/>
+        <p:txBody>
+          <a:bodyPr/>
+          <a:lstStyle/>
+          <a:p>
+            <a:fld id="{1753FD4B-41E0-4270-A5D2-7394C175DF7E}" type="slidenum">
+              <a:rPr lang="en-US" smtClean="0"/>
+              <a:t>‹#›</a:t>
+            </a:fld>
+            <a:endParaRPr lang="en-US"/>
+          </a:p>
+        </p:txBody>
+      </p:sp>
+    </p:spTree>
+    <p:extLst>
+      <p:ext uri="{BB962C8B-B14F-4D97-AF65-F5344CB8AC3E}">
+        <p14:creationId xmlns:p14="http://schemas.microsoft.com/office/powerpoint/2010/main" val="1288308541"/>
+      </p:ext>
+    </p:extLst>
+  </p:cSld>
+  <p:clrMapOvr>
+    <a:masterClrMapping/>
+  </p:clrMapOvr>
+</p:sldLayout>
+</file>
+
+<file path=ppt/slideLayouts/slideLayout3.xml><?xml version="1.0" encoding="utf-8"?>
+<p:sldLayout xmlns:a="http://schemas.openxmlformats.org/drawingml/2006/main" xmlns:r="http://schemas.openxmlformats.org/officeDocument/2006/relationships" xmlns:p="http://schemas.openxmlformats.org/presentationml/2006/main" type="secHead" preserve="1">
+  <p:cSld name="Section Header">
+    <p:spTree>
+      <p:nvGrpSpPr>
+        <p:cNvPr id="1" name=""/>
+        <p:cNvGrpSpPr/>
+        <p:nvPr/>
+      </p:nvGrpSpPr>
+      <p:grpSpPr>
+        <a:xfrm>
+          <a:off x="0" y="0"/>
+          <a:ext cx="0" cy="0"/>
+          <a:chOff x="0" y="0"/>
+          <a:chExt cx="0" cy="0"/>
+        </a:xfrm>
+      </p:grpSpPr>
+      <p:sp>
+        <p:nvSpPr>
+          <p:cNvPr id="2" name="Title 1">
+            <a:extLst>
+              <a:ext uri="{FF2B5EF4-FFF2-40B4-BE49-F238E27FC236}">
+                <a16:creationId xmlns:a16="http://schemas.microsoft.com/office/drawing/2014/main" id="{23D29757-91D4-4CAC-814D-EBB1BD30D49F}"/>
+              </a:ext>
+            </a:extLst>
+          </p:cNvPr>
+          <p:cNvSpPr>
+            <a:spLocks noGrp="1"/>
+          </p:cNvSpPr>
+          <p:nvPr>
+            <p:ph type="title"/>
+          </p:nvPr>
+        </p:nvSpPr>
+        <p:spPr>
+          <a:xfrm>
+            <a:off x="831850" y="1709738"/>
+            <a:ext cx="10515600" cy="2852737"/>
+          </a:xfrm>
+        </p:spPr>
+        <p:txBody>
+          <a:bodyPr anchor="b"/>
+          <a:lstStyle>
+            <a:lvl1pPr>
+              <a:defRPr sz="6000"/>
+            </a:lvl1pPr>
+          </a:lstStyle>
+          <a:p>
+            <a:r>
+              <a:rPr lang="en-US"/>
+              <a:t>Click to edit Master title style</a:t>
+            </a:r>
+          </a:p>
+        </p:txBody>
+      </p:sp>
+      <p:sp>
+        <p:nvSpPr>
+          <p:cNvPr id="3" name="Text Placeholder 2">
+            <a:extLst>
+              <a:ext uri="{FF2B5EF4-FFF2-40B4-BE49-F238E27FC236}">
+                <a16:creationId xmlns:a16="http://schemas.microsoft.com/office/drawing/2014/main" id="{04501E17-4ED9-4DB8-93CE-57B1BD31FCD2}"/>
+              </a:ext>
+            </a:extLst>
+          </p:cNvPr>
+          <p:cNvSpPr>
+            <a:spLocks noGrp="1"/>
+          </p:cNvSpPr>
+          <p:nvPr>
+            <p:ph type="body" idx="1"/>
+          </p:nvPr>
+        </p:nvSpPr>
+        <p:spPr>
+          <a:xfrm>
+            <a:off x="831850" y="4589463"/>
+            <a:ext cx="10515600" cy="1500187"/>
+          </a:xfrm>
+        </p:spPr>
+        <p:txBody>
+          <a:bodyPr/>
+          <a:lstStyle>
+            <a:lvl1pPr marL="0" indent="0">
+              <a:buNone/>
+              <a:defRPr sz="2400">
+                <a:solidFill>
+                  <a:schemeClr val="tx1">
+                    <a:tint val="75000"/>
+                  </a:schemeClr>
+                </a:solidFill>
+              </a:defRPr>
+            </a:lvl1pPr>
+            <a:lvl2pPr marL="457200" indent="0">
+              <a:buNone/>
+              <a:defRPr sz="2000">
+                <a:solidFill>
+                  <a:schemeClr val="tx1">
+                    <a:tint val="75000"/>
+                  </a:schemeClr>
+                </a:solidFill>
+              </a:defRPr>
+            </a:lvl2pPr>
+            <a:lvl3pPr marL="914400" indent="0">
+              <a:buNone/>
+              <a:defRPr sz="1800">
+                <a:solidFill>
+                  <a:schemeClr val="tx1">
+                    <a:tint val="75000"/>
+                  </a:schemeClr>
+                </a:solidFill>
+              </a:defRPr>
+            </a:lvl3pPr>
+            <a:lvl4pPr marL="1371600" indent="0">
+              <a:buNone/>
+              <a:defRPr sz="1600">
+                <a:solidFill>
+                  <a:schemeClr val="tx1">
+                    <a:tint val="75000"/>
+                  </a:schemeClr>
+                </a:solidFill>
+              </a:defRPr>
+            </a:lvl4pPr>
+            <a:lvl5pPr marL="1828800" indent="0">
+              <a:buNone/>
+              <a:defRPr sz="1600">
+                <a:solidFill>
+                  <a:schemeClr val="tx1">
+                    <a:tint val="75000"/>
+                  </a:schemeClr>
+                </a:solidFill>
+              </a:defRPr>
+            </a:lvl5pPr>
+            <a:lvl6pPr marL="2286000" indent="0">
+              <a:buNone/>
+              <a:defRPr sz="1600">
+                <a:solidFill>
+                  <a:schemeClr val="tx1">
+                    <a:tint val="75000"/>
+                  </a:schemeClr>
+                </a:solidFill>
+              </a:defRPr>
+            </a:lvl6pPr>
+            <a:lvl7pPr marL="2743200" indent="0">
+              <a:buNone/>
+              <a:defRPr sz="1600">
+                <a:solidFill>
+                  <a:schemeClr val="tx1">
+                    <a:tint val="75000"/>
+                  </a:schemeClr>
+                </a:solidFill>
+              </a:defRPr>
+            </a:lvl7pPr>
+            <a:lvl8pPr marL="3200400" indent="0">
+              <a:buNone/>
+              <a:defRPr sz="1600">
+                <a:solidFill>
+                  <a:schemeClr val="tx1">
+                    <a:tint val="75000"/>
+                  </a:schemeClr>
+                </a:solidFill>
+              </a:defRPr>
+            </a:lvl8pPr>
+            <a:lvl9pPr marL="3657600" indent="0">
+              <a:buNone/>
+              <a:defRPr sz="1600">
+                <a:solidFill>
+                  <a:schemeClr val="tx1">
+                    <a:tint val="75000"/>
+                  </a:schemeClr>
+                </a:solidFill>
+              </a:defRPr>
+            </a:lvl9pPr>
+          </a:lstStyle>
+          <a:p>
+            <a:pPr lvl="0"/>
+            <a:r>
+              <a:rPr lang="en-US"/>
+              <a:t>Click to edit Master text styles</a:t>
+            </a:r>
+          </a:p>
+        </p:txBody>
+      </p:sp>
+      <p:sp>
+        <p:nvSpPr>
+          <p:cNvPr id="4" name="Date Placeholder 3">
+            <a:extLst>
+              <a:ext uri="{FF2B5EF4-FFF2-40B4-BE49-F238E27FC236}">
+                <a16:creationId xmlns:a16="http://schemas.microsoft.com/office/drawing/2014/main" id="{E3A59ED7-5883-49A4-AE61-29FB2783057B}"/>
+              </a:ext>
+            </a:extLst>
+          </p:cNvPr>
+          <p:cNvSpPr>
+            <a:spLocks noGrp="1"/>
+          </p:cNvSpPr>
+          <p:nvPr>
+            <p:ph type="dt" sz="half" idx="10"/>
+          </p:nvPr>
+        </p:nvSpPr>
+        <p:spPr/>
+        <p:txBody>
+          <a:bodyPr/>
+          <a:lstStyle/>
+          <a:p>
+            <a:fld id="{571179DB-8C0F-4DAE-A821-BADEDABE9281}" type="datetimeFigureOut">
+              <a:rPr lang="en-US" smtClean="0"/>
+              <a:t>5/18/2020</a:t>
+            </a:fld>
+            <a:endParaRPr lang="en-US"/>
+          </a:p>
+        </p:txBody>
+      </p:sp>
+      <p:sp>
+        <p:nvSpPr>
+          <p:cNvPr id="5" name="Footer Placeholder 4">
+            <a:extLst>
+              <a:ext uri="{FF2B5EF4-FFF2-40B4-BE49-F238E27FC236}">
+                <a16:creationId xmlns:a16="http://schemas.microsoft.com/office/drawing/2014/main" id="{AD74CC1F-8389-4513-A4C6-9135A42B91BD}"/>
+              </a:ext>
+            </a:extLst>
+          </p:cNvPr>
+          <p:cNvSpPr>
+            <a:spLocks noGrp="1"/>
+          </p:cNvSpPr>
+          <p:nvPr>
+            <p:ph type="ftr" sz="quarter" idx="11"/>
+          </p:nvPr>
+        </p:nvSpPr>
+        <p:spPr/>
+        <p:txBody>
+          <a:bodyPr/>
+          <a:lstStyle/>
+          <a:p>
+            <a:endParaRPr lang="en-US"/>
+          </a:p>
+        </p:txBody>
+      </p:sp>
+      <p:sp>
+        <p:nvSpPr>
+          <p:cNvPr id="6" name="Slide Number Placeholder 5">
+            <a:extLst>
+              <a:ext uri="{FF2B5EF4-FFF2-40B4-BE49-F238E27FC236}">
+                <a16:creationId xmlns:a16="http://schemas.microsoft.com/office/drawing/2014/main" id="{597780A8-0A20-48D9-8196-4D3184865B6B}"/>
+              </a:ext>
+            </a:extLst>
+          </p:cNvPr>
+          <p:cNvSpPr>
+            <a:spLocks noGrp="1"/>
+          </p:cNvSpPr>
+          <p:nvPr>
+            <p:ph type="sldNum" sz="quarter" idx="12"/>
+          </p:nvPr>
+        </p:nvSpPr>
+        <p:spPr/>
+        <p:txBody>
+          <a:bodyPr/>
+          <a:lstStyle/>
+          <a:p>
+            <a:fld id="{1753FD4B-41E0-4270-A5D2-7394C175DF7E}" type="slidenum">
+              <a:rPr lang="en-US" smtClean="0"/>
+              <a:t>‹#›</a:t>
+            </a:fld>
+            <a:endParaRPr lang="en-US"/>
+          </a:p>
+        </p:txBody>
+      </p:sp>
+    </p:spTree>
+    <p:extLst>
+      <p:ext uri="{BB962C8B-B14F-4D97-AF65-F5344CB8AC3E}">
+        <p14:creationId xmlns:p14="http://schemas.microsoft.com/office/powerpoint/2010/main" val="1435835623"/>
+      </p:ext>
+    </p:extLst>
+  </p:cSld>
+  <p:clrMapOvr>
+    <a:masterClrMapping/>
+  </p:clrMapOvr>
+</p:sldLayout>
+</file>
+
+<file path=ppt/slideLayouts/slideLayout4.xml><?xml version="1.0" encoding="utf-8"?>
+<p:sldLayout xmlns:a="http://schemas.openxmlformats.org/drawingml/2006/main" xmlns:r="http://schemas.openxmlformats.org/officeDocument/2006/relationships" xmlns:p="http://schemas.openxmlformats.org/presentationml/2006/main" type="twoObj" preserve="1">
+  <p:cSld name="Two Content">
+    <p:spTree>
+      <p:nvGrpSpPr>
+        <p:cNvPr id="1" name=""/>
+        <p:cNvGrpSpPr/>
+        <p:nvPr/>
+      </p:nvGrpSpPr>
+      <p:grpSpPr>
+        <a:xfrm>
+          <a:off x="0" y="0"/>
+          <a:ext cx="0" cy="0"/>
+          <a:chOff x="0" y="0"/>
+          <a:chExt cx="0" cy="0"/>
+        </a:xfrm>
+      </p:grpSpPr>
+      <p:sp>
+        <p:nvSpPr>
+          <p:cNvPr id="2" name="Title 1">
+            <a:extLst>
+              <a:ext uri="{FF2B5EF4-FFF2-40B4-BE49-F238E27FC236}">
+                <a16:creationId xmlns:a16="http://schemas.microsoft.com/office/drawing/2014/main" id="{CF98189C-D735-4AAB-A713-6CF6A771F03B}"/>
+              </a:ext>
+            </a:extLst>
+          </p:cNvPr>
+          <p:cNvSpPr>
+            <a:spLocks noGrp="1"/>
+          </p:cNvSpPr>
+          <p:nvPr>
+            <p:ph type="title"/>
+          </p:nvPr>
+        </p:nvSpPr>
+        <p:spPr/>
+        <p:txBody>
+          <a:bodyPr/>
+          <a:lstStyle/>
+          <a:p>
+            <a:r>
+              <a:rPr lang="en-US"/>
+              <a:t>Click to edit Master title style</a:t>
+            </a:r>
+          </a:p>
+        </p:txBody>
+      </p:sp>
+      <p:sp>
+        <p:nvSpPr>
+          <p:cNvPr id="3" name="Content Placeholder 2">
+            <a:extLst>
+              <a:ext uri="{FF2B5EF4-FFF2-40B4-BE49-F238E27FC236}">
+                <a16:creationId xmlns:a16="http://schemas.microsoft.com/office/drawing/2014/main" id="{7FA8203F-9C97-4C83-8744-8CD0BF23FB46}"/>
+              </a:ext>
+            </a:extLst>
+          </p:cNvPr>
+          <p:cNvSpPr>
+            <a:spLocks noGrp="1"/>
+          </p:cNvSpPr>
+          <p:nvPr>
+            <p:ph sz="half" idx="1"/>
+          </p:nvPr>
+        </p:nvSpPr>
+        <p:spPr>
+          <a:xfrm>
+            <a:off x="838200" y="1825625"/>
+            <a:ext cx="5181600" cy="4351338"/>
+          </a:xfrm>
+        </p:spPr>
+        <p:txBody>
+          <a:bodyPr/>
+          <a:lstStyle/>
+          <a:p>
+            <a:pPr lvl="0"/>
+            <a:r>
+              <a:rPr lang="en-US"/>
+              <a:t>Click to edit Master text styles</a:t>
+            </a:r>
+          </a:p>
+          <a:p>
+            <a:pPr lvl="1"/>
+            <a:r>
+              <a:rPr lang="en-US"/>
+              <a:t>Second level</a:t>
+            </a:r>
+          </a:p>
+          <a:p>
+            <a:pPr lvl="2"/>
+            <a:r>
+              <a:rPr lang="en-US"/>
+              <a:t>Third level</a:t>
+            </a:r>
+          </a:p>
+          <a:p>
+            <a:pPr lvl="3"/>
+            <a:r>
+              <a:rPr lang="en-US"/>
+              <a:t>Fourth level</a:t>
+            </a:r>
+          </a:p>
+          <a:p>
+            <a:pPr lvl="4"/>
+            <a:r>
+              <a:rPr lang="en-US"/>
+              <a:t>Fifth level</a:t>
+            </a:r>
+          </a:p>
+        </p:txBody>
+      </p:sp>
+      <p:sp>
+        <p:nvSpPr>
+          <p:cNvPr id="4" name="Content Placeholder 3">
+            <a:extLst>
+              <a:ext uri="{FF2B5EF4-FFF2-40B4-BE49-F238E27FC236}">
+                <a16:creationId xmlns:a16="http://schemas.microsoft.com/office/drawing/2014/main" id="{80198D78-4265-4F83-AAE2-5C8388645FC8}"/>
+              </a:ext>
+            </a:extLst>
+          </p:cNvPr>
+          <p:cNvSpPr>
+            <a:spLocks noGrp="1"/>
+          </p:cNvSpPr>
+          <p:nvPr>
+            <p:ph sz="half" idx="2"/>
+          </p:nvPr>
+        </p:nvSpPr>
+        <p:spPr>
+          <a:xfrm>
+            <a:off x="6172200" y="1825625"/>
+            <a:ext cx="5181600" cy="4351338"/>
+          </a:xfrm>
+        </p:spPr>
+        <p:txBody>
+          <a:bodyPr/>
+          <a:lstStyle/>
+          <a:p>
+            <a:pPr lvl="0"/>
+            <a:r>
+              <a:rPr lang="en-US"/>
+              <a:t>Click to edit Master text styles</a:t>
+            </a:r>
+          </a:p>
+          <a:p>
+            <a:pPr lvl="1"/>
+            <a:r>
+              <a:rPr lang="en-US"/>
+              <a:t>Second level</a:t>
+            </a:r>
+          </a:p>
+          <a:p>
+            <a:pPr lvl="2"/>
+            <a:r>
+              <a:rPr lang="en-US"/>
+              <a:t>Third level</a:t>
+            </a:r>
+          </a:p>
+          <a:p>
+            <a:pPr lvl="3"/>
+            <a:r>
+              <a:rPr lang="en-US"/>
+              <a:t>Fourth level</a:t>
+            </a:r>
+          </a:p>
+          <a:p>
+            <a:pPr lvl="4"/>
+            <a:r>
+              <a:rPr lang="en-US"/>
+              <a:t>Fifth level</a:t>
+            </a:r>
+          </a:p>
+        </p:txBody>
+      </p:sp>
+      <p:sp>
+        <p:nvSpPr>
+          <p:cNvPr id="5" name="Date Placeholder 4">
+            <a:extLst>
+              <a:ext uri="{FF2B5EF4-FFF2-40B4-BE49-F238E27FC236}">
+                <a16:creationId xmlns:a16="http://schemas.microsoft.com/office/drawing/2014/main" id="{0386F3A5-18ED-48CC-ABA3-EB53AFFB66BB}"/>
+              </a:ext>
+            </a:extLst>
+          </p:cNvPr>
+          <p:cNvSpPr>
+            <a:spLocks noGrp="1"/>
+          </p:cNvSpPr>
+          <p:nvPr>
+            <p:ph type="dt" sz="half" idx="10"/>
+          </p:nvPr>
+        </p:nvSpPr>
+        <p:spPr/>
+        <p:txBody>
+          <a:bodyPr/>
+          <a:lstStyle/>
+          <a:p>
+            <a:fld id="{571179DB-8C0F-4DAE-A821-BADEDABE9281}" type="datetimeFigureOut">
+              <a:rPr lang="en-US" smtClean="0"/>
+              <a:t>5/18/2020</a:t>
+            </a:fld>
+            <a:endParaRPr lang="en-US"/>
+          </a:p>
+        </p:txBody>
+      </p:sp>
+      <p:sp>
+        <p:nvSpPr>
+          <p:cNvPr id="6" name="Footer Placeholder 5">
+            <a:extLst>
+              <a:ext uri="{FF2B5EF4-FFF2-40B4-BE49-F238E27FC236}">
+                <a16:creationId xmlns:a16="http://schemas.microsoft.com/office/drawing/2014/main" id="{E18A0B1F-53FD-4459-850F-DB732B74B0A4}"/>
+              </a:ext>
+            </a:extLst>
+          </p:cNvPr>
+          <p:cNvSpPr>
+            <a:spLocks noGrp="1"/>
+          </p:cNvSpPr>
+          <p:nvPr>
+            <p:ph type="ftr" sz="quarter" idx="11"/>
+          </p:nvPr>
+        </p:nvSpPr>
+        <p:spPr/>
+        <p:txBody>
+          <a:bodyPr/>
+          <a:lstStyle/>
+          <a:p>
+            <a:endParaRPr lang="en-US"/>
+          </a:p>
+        </p:txBody>
+      </p:sp>
+      <p:sp>
+        <p:nvSpPr>
+          <p:cNvPr id="7" name="Slide Number Placeholder 6">
+            <a:extLst>
+              <a:ext uri="{FF2B5EF4-FFF2-40B4-BE49-F238E27FC236}">
+                <a16:creationId xmlns:a16="http://schemas.microsoft.com/office/drawing/2014/main" id="{C755E30B-4CDC-46C4-A976-0199E9AD2746}"/>
+              </a:ext>
+            </a:extLst>
+          </p:cNvPr>
+          <p:cNvSpPr>
+            <a:spLocks noGrp="1"/>
+          </p:cNvSpPr>
+          <p:nvPr>
+            <p:ph type="sldNum" sz="quarter" idx="12"/>
+          </p:nvPr>
+        </p:nvSpPr>
+        <p:spPr/>
+        <p:txBody>
+          <a:bodyPr/>
+          <a:lstStyle/>
+          <a:p>
+            <a:fld id="{1753FD4B-41E0-4270-A5D2-7394C175DF7E}" type="slidenum">
+              <a:rPr lang="en-US" smtClean="0"/>
+              <a:t>‹#›</a:t>
+            </a:fld>
+            <a:endParaRPr lang="en-US"/>
+          </a:p>
+        </p:txBody>
+      </p:sp>
+    </p:spTree>
+    <p:extLst>
+      <p:ext uri="{BB962C8B-B14F-4D97-AF65-F5344CB8AC3E}">
+        <p14:creationId xmlns:p14="http://schemas.microsoft.com/office/powerpoint/2010/main" val="1086488092"/>
+      </p:ext>
+    </p:extLst>
+  </p:cSld>
+  <p:clrMapOvr>
+    <a:masterClrMapping/>
+  </p:clrMapOvr>
+</p:sldLayout>
+</file>
+
+<file path=ppt/slideLayouts/slideLayout5.xml><?xml version="1.0" encoding="utf-8"?>
+<p:sldLayout xmlns:a="http://schemas.openxmlformats.org/drawingml/2006/main" xmlns:r="http://schemas.openxmlformats.org/officeDocument/2006/relationships" xmlns:p="http://schemas.openxmlformats.org/presentationml/2006/main" type="twoTxTwoObj" preserve="1">
   <p:cSld name="Comparison">
     <p:spTree>
       <p:nvGrpSpPr>
@@ -2422,69 +2963,95 @@
       </p:grpSpPr>
       <p:sp>
         <p:nvSpPr>
-          <p:cNvPr id="3" name="Text Placeholder 2"/>
-          <p:cNvSpPr>
-            <a:spLocks noGrp="1"/>
-          </p:cNvSpPr>
-          <p:nvPr>
-            <p:ph type="body" idx="1"/>
+          <p:cNvPr id="2" name="Title 1">
+            <a:extLst>
+              <a:ext uri="{FF2B5EF4-FFF2-40B4-BE49-F238E27FC236}">
+                <a16:creationId xmlns:a16="http://schemas.microsoft.com/office/drawing/2014/main" id="{1E105F33-1AC8-4B4E-9BFF-30F81FAAE636}"/>
+              </a:ext>
+            </a:extLst>
+          </p:cNvPr>
+          <p:cNvSpPr>
+            <a:spLocks noGrp="1"/>
+          </p:cNvSpPr>
+          <p:nvPr>
+            <p:ph type="title"/>
           </p:nvPr>
         </p:nvSpPr>
         <p:spPr>
           <a:xfrm>
-            <a:off x="379511" y="1330656"/>
-            <a:ext cx="5616915" cy="639762"/>
+            <a:off x="839788" y="365125"/>
+            <a:ext cx="10515600" cy="1325563"/>
           </a:xfrm>
-          <a:prstGeom prst="rect">
-            <a:avLst/>
-          </a:prstGeom>
-          <a:solidFill>
-            <a:srgbClr val="86C400"/>
-          </a:solidFill>
         </p:spPr>
         <p:txBody>
-          <a:bodyPr anchor="b">
-            <a:normAutofit/>
-          </a:bodyPr>
+          <a:bodyPr/>
+          <a:lstStyle/>
+          <a:p>
+            <a:r>
+              <a:rPr lang="en-US"/>
+              <a:t>Click to edit Master title style</a:t>
+            </a:r>
+          </a:p>
+        </p:txBody>
+      </p:sp>
+      <p:sp>
+        <p:nvSpPr>
+          <p:cNvPr id="3" name="Text Placeholder 2">
+            <a:extLst>
+              <a:ext uri="{FF2B5EF4-FFF2-40B4-BE49-F238E27FC236}">
+                <a16:creationId xmlns:a16="http://schemas.microsoft.com/office/drawing/2014/main" id="{6CF5DDCD-BFF1-422A-97D3-4D9042F0BB30}"/>
+              </a:ext>
+            </a:extLst>
+          </p:cNvPr>
+          <p:cNvSpPr>
+            <a:spLocks noGrp="1"/>
+          </p:cNvSpPr>
+          <p:nvPr>
+            <p:ph type="body" idx="1"/>
+          </p:nvPr>
+        </p:nvSpPr>
+        <p:spPr>
+          <a:xfrm>
+            <a:off x="839788" y="1681163"/>
+            <a:ext cx="5157787" cy="823912"/>
+          </a:xfrm>
+        </p:spPr>
+        <p:txBody>
+          <a:bodyPr anchor="b"/>
           <a:lstStyle>
             <a:lvl1pPr marL="0" indent="0">
               <a:buNone/>
-              <a:defRPr sz="3200" b="1">
-                <a:solidFill>
-                  <a:schemeClr val="bg1"/>
-                </a:solidFill>
-                <a:effectLst/>
-              </a:defRPr>
+              <a:defRPr sz="2400" b="1"/>
             </a:lvl1pPr>
-            <a:lvl2pPr marL="457044" indent="0">
+            <a:lvl2pPr marL="457200" indent="0">
               <a:buNone/>
               <a:defRPr sz="2000" b="1"/>
             </a:lvl2pPr>
-            <a:lvl3pPr marL="914088" indent="0">
+            <a:lvl3pPr marL="914400" indent="0">
               <a:buNone/>
               <a:defRPr sz="1800" b="1"/>
             </a:lvl3pPr>
-            <a:lvl4pPr marL="1371133" indent="0">
+            <a:lvl4pPr marL="1371600" indent="0">
               <a:buNone/>
               <a:defRPr sz="1600" b="1"/>
             </a:lvl4pPr>
-            <a:lvl5pPr marL="1828178" indent="0">
+            <a:lvl5pPr marL="1828800" indent="0">
               <a:buNone/>
               <a:defRPr sz="1600" b="1"/>
             </a:lvl5pPr>
-            <a:lvl6pPr marL="2285222" indent="0">
+            <a:lvl6pPr marL="2286000" indent="0">
               <a:buNone/>
               <a:defRPr sz="1600" b="1"/>
             </a:lvl6pPr>
-            <a:lvl7pPr marL="2742267" indent="0">
+            <a:lvl7pPr marL="2743200" indent="0">
               <a:buNone/>
               <a:defRPr sz="1600" b="1"/>
             </a:lvl7pPr>
-            <a:lvl8pPr marL="3199311" indent="0">
+            <a:lvl8pPr marL="3200400" indent="0">
               <a:buNone/>
               <a:defRPr sz="1600" b="1"/>
             </a:lvl8pPr>
-            <a:lvl9pPr marL="3656358" indent="0">
+            <a:lvl9pPr marL="3657600" indent="0">
               <a:buNone/>
               <a:defRPr sz="1600" b="1"/>
             </a:lvl9pPr>
@@ -2500,7 +3067,13 @@
       </p:sp>
       <p:sp>
         <p:nvSpPr>
-          <p:cNvPr id="4" name="Content Placeholder 3"/>
+          <p:cNvPr id="4" name="Content Placeholder 3">
+            <a:extLst>
+              <a:ext uri="{FF2B5EF4-FFF2-40B4-BE49-F238E27FC236}">
+                <a16:creationId xmlns:a16="http://schemas.microsoft.com/office/drawing/2014/main" id="{A8AB48C4-F742-450F-8231-6470A1CACB7E}"/>
+              </a:ext>
+            </a:extLst>
+          </p:cNvPr>
           <p:cNvSpPr>
             <a:spLocks noGrp="1"/>
           </p:cNvSpPr>
@@ -2510,44 +3083,13 @@
         </p:nvSpPr>
         <p:spPr>
           <a:xfrm>
-            <a:off x="379511" y="1981200"/>
-            <a:ext cx="5616915" cy="4648200"/>
+            <a:off x="839788" y="2505075"/>
+            <a:ext cx="5157787" cy="3684588"/>
           </a:xfrm>
-          <a:prstGeom prst="rect">
-            <a:avLst/>
-          </a:prstGeom>
         </p:spPr>
         <p:txBody>
           <a:bodyPr/>
-          <a:lstStyle>
-            <a:lvl1pPr>
-              <a:defRPr sz="2800"/>
-            </a:lvl1pPr>
-            <a:lvl2pPr>
-              <a:defRPr sz="2400"/>
-            </a:lvl2pPr>
-            <a:lvl3pPr>
-              <a:defRPr sz="2000"/>
-            </a:lvl3pPr>
-            <a:lvl4pPr>
-              <a:defRPr sz="1800"/>
-            </a:lvl4pPr>
-            <a:lvl5pPr>
-              <a:defRPr sz="1800"/>
-            </a:lvl5pPr>
-            <a:lvl6pPr>
-              <a:defRPr sz="1600"/>
-            </a:lvl6pPr>
-            <a:lvl7pPr>
-              <a:defRPr sz="1600"/>
-            </a:lvl7pPr>
-            <a:lvl8pPr>
-              <a:defRPr sz="1600"/>
-            </a:lvl8pPr>
-            <a:lvl9pPr>
-              <a:defRPr sz="1600"/>
-            </a:lvl9pPr>
-          </a:lstStyle>
+          <a:lstStyle/>
           <a:p>
             <a:pPr lvl="0"/>
             <a:r>
@@ -2582,13 +3124,18 @@
               <a:rPr lang="en-US"/>
               <a:t>Fifth level</a:t>
             </a:r>
-            <a:endParaRPr lang="en-US" dirty="0"/>
-          </a:p>
-        </p:txBody>
-      </p:sp>
-      <p:sp>
-        <p:nvSpPr>
-          <p:cNvPr id="5" name="Text Placeholder 4"/>
+          </a:p>
+        </p:txBody>
+      </p:sp>
+      <p:sp>
+        <p:nvSpPr>
+          <p:cNvPr id="5" name="Text Placeholder 4">
+            <a:extLst>
+              <a:ext uri="{FF2B5EF4-FFF2-40B4-BE49-F238E27FC236}">
+                <a16:creationId xmlns:a16="http://schemas.microsoft.com/office/drawing/2014/main" id="{9F199247-649A-42CF-8E09-6D3C3F24B57B}"/>
+              </a:ext>
+            </a:extLst>
+          </p:cNvPr>
           <p:cNvSpPr>
             <a:spLocks noGrp="1"/>
           </p:cNvSpPr>
@@ -2598,59 +3145,46 @@
         </p:nvSpPr>
         <p:spPr>
           <a:xfrm>
-            <a:off x="6345807" y="1330656"/>
-            <a:ext cx="5619121" cy="639762"/>
+            <a:off x="6172200" y="1681163"/>
+            <a:ext cx="5183188" cy="823912"/>
           </a:xfrm>
-          <a:prstGeom prst="rect">
-            <a:avLst/>
-          </a:prstGeom>
-          <a:solidFill>
-            <a:srgbClr val="1F497D"/>
-          </a:solidFill>
         </p:spPr>
         <p:txBody>
-          <a:bodyPr anchor="b">
-            <a:normAutofit/>
-          </a:bodyPr>
+          <a:bodyPr anchor="b"/>
           <a:lstStyle>
             <a:lvl1pPr marL="0" indent="0">
               <a:buNone/>
-              <a:defRPr sz="3200" b="1">
-                <a:solidFill>
-                  <a:schemeClr val="bg1"/>
-                </a:solidFill>
-                <a:effectLst/>
-              </a:defRPr>
+              <a:defRPr sz="2400" b="1"/>
             </a:lvl1pPr>
-            <a:lvl2pPr marL="457044" indent="0">
+            <a:lvl2pPr marL="457200" indent="0">
               <a:buNone/>
               <a:defRPr sz="2000" b="1"/>
             </a:lvl2pPr>
-            <a:lvl3pPr marL="914088" indent="0">
+            <a:lvl3pPr marL="914400" indent="0">
               <a:buNone/>
               <a:defRPr sz="1800" b="1"/>
             </a:lvl3pPr>
-            <a:lvl4pPr marL="1371133" indent="0">
+            <a:lvl4pPr marL="1371600" indent="0">
               <a:buNone/>
               <a:defRPr sz="1600" b="1"/>
             </a:lvl4pPr>
-            <a:lvl5pPr marL="1828178" indent="0">
+            <a:lvl5pPr marL="1828800" indent="0">
               <a:buNone/>
               <a:defRPr sz="1600" b="1"/>
             </a:lvl5pPr>
-            <a:lvl6pPr marL="2285222" indent="0">
+            <a:lvl6pPr marL="2286000" indent="0">
               <a:buNone/>
               <a:defRPr sz="1600" b="1"/>
             </a:lvl6pPr>
-            <a:lvl7pPr marL="2742267" indent="0">
+            <a:lvl7pPr marL="2743200" indent="0">
               <a:buNone/>
               <a:defRPr sz="1600" b="1"/>
             </a:lvl7pPr>
-            <a:lvl8pPr marL="3199311" indent="0">
+            <a:lvl8pPr marL="3200400" indent="0">
               <a:buNone/>
               <a:defRPr sz="1600" b="1"/>
             </a:lvl8pPr>
-            <a:lvl9pPr marL="3656358" indent="0">
+            <a:lvl9pPr marL="3657600" indent="0">
               <a:buNone/>
               <a:defRPr sz="1600" b="1"/>
             </a:lvl9pPr>
@@ -2666,7 +3200,13 @@
       </p:sp>
       <p:sp>
         <p:nvSpPr>
-          <p:cNvPr id="6" name="Content Placeholder 5"/>
+          <p:cNvPr id="6" name="Content Placeholder 5">
+            <a:extLst>
+              <a:ext uri="{FF2B5EF4-FFF2-40B4-BE49-F238E27FC236}">
+                <a16:creationId xmlns:a16="http://schemas.microsoft.com/office/drawing/2014/main" id="{A118254A-31E8-4726-BC35-522C93034D3C}"/>
+              </a:ext>
+            </a:extLst>
+          </p:cNvPr>
           <p:cNvSpPr>
             <a:spLocks noGrp="1"/>
           </p:cNvSpPr>
@@ -2676,44 +3216,13 @@
         </p:nvSpPr>
         <p:spPr>
           <a:xfrm>
-            <a:off x="6345807" y="1981200"/>
-            <a:ext cx="5619121" cy="4648200"/>
+            <a:off x="6172200" y="2505075"/>
+            <a:ext cx="5183188" cy="3684588"/>
           </a:xfrm>
-          <a:prstGeom prst="rect">
-            <a:avLst/>
-          </a:prstGeom>
         </p:spPr>
         <p:txBody>
           <a:bodyPr/>
-          <a:lstStyle>
-            <a:lvl1pPr>
-              <a:defRPr sz="2800"/>
-            </a:lvl1pPr>
-            <a:lvl2pPr>
-              <a:defRPr sz="2400"/>
-            </a:lvl2pPr>
-            <a:lvl3pPr>
-              <a:defRPr sz="2000"/>
-            </a:lvl3pPr>
-            <a:lvl4pPr>
-              <a:defRPr sz="1800"/>
-            </a:lvl4pPr>
-            <a:lvl5pPr>
-              <a:defRPr sz="1800"/>
-            </a:lvl5pPr>
-            <a:lvl6pPr>
-              <a:defRPr sz="1600"/>
-            </a:lvl6pPr>
-            <a:lvl7pPr>
-              <a:defRPr sz="1600"/>
-            </a:lvl7pPr>
-            <a:lvl8pPr>
-              <a:defRPr sz="1600"/>
-            </a:lvl8pPr>
-            <a:lvl9pPr>
-              <a:defRPr sz="1600"/>
-            </a:lvl9pPr>
-          </a:lstStyle>
+          <a:lstStyle/>
           <a:p>
             <a:pPr lvl="0"/>
             <a:r>
@@ -2748,18 +3257,23 @@
               <a:rPr lang="en-US"/>
               <a:t>Fifth level</a:t>
             </a:r>
-            <a:endParaRPr lang="en-US" dirty="0"/>
-          </a:p>
-        </p:txBody>
-      </p:sp>
-      <p:sp>
-        <p:nvSpPr>
-          <p:cNvPr id="2" name="Title 1"/>
-          <p:cNvSpPr>
-            <a:spLocks noGrp="1"/>
-          </p:cNvSpPr>
-          <p:nvPr>
-            <p:ph type="title"/>
+          </a:p>
+        </p:txBody>
+      </p:sp>
+      <p:sp>
+        <p:nvSpPr>
+          <p:cNvPr id="7" name="Date Placeholder 6">
+            <a:extLst>
+              <a:ext uri="{FF2B5EF4-FFF2-40B4-BE49-F238E27FC236}">
+                <a16:creationId xmlns:a16="http://schemas.microsoft.com/office/drawing/2014/main" id="{90C6A89B-E871-4A88-8044-AE4F10DF0824}"/>
+              </a:ext>
+            </a:extLst>
+          </p:cNvPr>
+          <p:cNvSpPr>
+            <a:spLocks noGrp="1"/>
+          </p:cNvSpPr>
+          <p:nvPr>
+            <p:ph type="dt" sz="half" idx="10"/>
           </p:nvPr>
         </p:nvSpPr>
         <p:spPr/>
@@ -2767,17 +3281,72 @@
           <a:bodyPr/>
           <a:lstStyle/>
           <a:p>
-            <a:r>
-              <a:rPr lang="en-US"/>
-              <a:t>Click to edit Master title style</a:t>
-            </a:r>
+            <a:fld id="{571179DB-8C0F-4DAE-A821-BADEDABE9281}" type="datetimeFigureOut">
+              <a:rPr lang="en-US" smtClean="0"/>
+              <a:t>5/18/2020</a:t>
+            </a:fld>
+            <a:endParaRPr lang="en-US"/>
+          </a:p>
+        </p:txBody>
+      </p:sp>
+      <p:sp>
+        <p:nvSpPr>
+          <p:cNvPr id="8" name="Footer Placeholder 7">
+            <a:extLst>
+              <a:ext uri="{FF2B5EF4-FFF2-40B4-BE49-F238E27FC236}">
+                <a16:creationId xmlns:a16="http://schemas.microsoft.com/office/drawing/2014/main" id="{6EC80CB6-DBF6-44F0-AF5F-1498ED6A892D}"/>
+              </a:ext>
+            </a:extLst>
+          </p:cNvPr>
+          <p:cNvSpPr>
+            <a:spLocks noGrp="1"/>
+          </p:cNvSpPr>
+          <p:nvPr>
+            <p:ph type="ftr" sz="quarter" idx="11"/>
+          </p:nvPr>
+        </p:nvSpPr>
+        <p:spPr/>
+        <p:txBody>
+          <a:bodyPr/>
+          <a:lstStyle/>
+          <a:p>
+            <a:endParaRPr lang="en-US"/>
+          </a:p>
+        </p:txBody>
+      </p:sp>
+      <p:sp>
+        <p:nvSpPr>
+          <p:cNvPr id="9" name="Slide Number Placeholder 8">
+            <a:extLst>
+              <a:ext uri="{FF2B5EF4-FFF2-40B4-BE49-F238E27FC236}">
+                <a16:creationId xmlns:a16="http://schemas.microsoft.com/office/drawing/2014/main" id="{4D9094F6-70A0-4F9D-B76B-F8E22332F9B9}"/>
+              </a:ext>
+            </a:extLst>
+          </p:cNvPr>
+          <p:cNvSpPr>
+            <a:spLocks noGrp="1"/>
+          </p:cNvSpPr>
+          <p:nvPr>
+            <p:ph type="sldNum" sz="quarter" idx="12"/>
+          </p:nvPr>
+        </p:nvSpPr>
+        <p:spPr/>
+        <p:txBody>
+          <a:bodyPr/>
+          <a:lstStyle/>
+          <a:p>
+            <a:fld id="{1753FD4B-41E0-4270-A5D2-7394C175DF7E}" type="slidenum">
+              <a:rPr lang="en-US" smtClean="0"/>
+              <a:t>‹#›</a:t>
+            </a:fld>
+            <a:endParaRPr lang="en-US"/>
           </a:p>
         </p:txBody>
       </p:sp>
     </p:spTree>
     <p:extLst>
       <p:ext uri="{BB962C8B-B14F-4D97-AF65-F5344CB8AC3E}">
-        <p14:creationId xmlns:p14="http://schemas.microsoft.com/office/powerpoint/2010/main" val="669021601"/>
+        <p14:creationId xmlns:p14="http://schemas.microsoft.com/office/powerpoint/2010/main" val="98101045"/>
       </p:ext>
     </p:extLst>
   </p:cSld>
@@ -2787,8 +3356,8 @@
 </p:sldLayout>
 </file>
 
-<file path=ppt/slideLayouts/slideLayout7.xml><?xml version="1.0" encoding="utf-8"?>
-<p:sldLayout xmlns:a="http://schemas.openxmlformats.org/drawingml/2006/main" xmlns:r="http://schemas.openxmlformats.org/officeDocument/2006/relationships" xmlns:p="http://schemas.openxmlformats.org/presentationml/2006/main" preserve="1" userDrawn="1">
+<file path=ppt/slideLayouts/slideLayout6.xml><?xml version="1.0" encoding="utf-8"?>
+<p:sldLayout xmlns:a="http://schemas.openxmlformats.org/drawingml/2006/main" xmlns:r="http://schemas.openxmlformats.org/officeDocument/2006/relationships" xmlns:p="http://schemas.openxmlformats.org/presentationml/2006/main" type="titleOnly" preserve="1">
   <p:cSld name="Title Only">
     <p:spTree>
       <p:nvGrpSpPr>
@@ -2806,7 +3375,13 @@
       </p:grpSpPr>
       <p:sp>
         <p:nvSpPr>
-          <p:cNvPr id="2" name="Title 1"/>
+          <p:cNvPr id="2" name="Title 1">
+            <a:extLst>
+              <a:ext uri="{FF2B5EF4-FFF2-40B4-BE49-F238E27FC236}">
+                <a16:creationId xmlns:a16="http://schemas.microsoft.com/office/drawing/2014/main" id="{C6598D8E-73C2-4C69-8778-95D9BAF747CA}"/>
+              </a:ext>
+            </a:extLst>
+          </p:cNvPr>
           <p:cNvSpPr>
             <a:spLocks noGrp="1"/>
           </p:cNvSpPr>
@@ -2823,13 +3398,96 @@
               <a:rPr lang="en-US"/>
               <a:t>Click to edit Master title style</a:t>
             </a:r>
+          </a:p>
+        </p:txBody>
+      </p:sp>
+      <p:sp>
+        <p:nvSpPr>
+          <p:cNvPr id="3" name="Date Placeholder 2">
+            <a:extLst>
+              <a:ext uri="{FF2B5EF4-FFF2-40B4-BE49-F238E27FC236}">
+                <a16:creationId xmlns:a16="http://schemas.microsoft.com/office/drawing/2014/main" id="{6CA46CE8-4841-4F06-9967-E9C456E944E9}"/>
+              </a:ext>
+            </a:extLst>
+          </p:cNvPr>
+          <p:cNvSpPr>
+            <a:spLocks noGrp="1"/>
+          </p:cNvSpPr>
+          <p:nvPr>
+            <p:ph type="dt" sz="half" idx="10"/>
+          </p:nvPr>
+        </p:nvSpPr>
+        <p:spPr/>
+        <p:txBody>
+          <a:bodyPr/>
+          <a:lstStyle/>
+          <a:p>
+            <a:fld id="{571179DB-8C0F-4DAE-A821-BADEDABE9281}" type="datetimeFigureOut">
+              <a:rPr lang="en-US" smtClean="0"/>
+              <a:t>5/18/2020</a:t>
+            </a:fld>
+            <a:endParaRPr lang="en-US"/>
+          </a:p>
+        </p:txBody>
+      </p:sp>
+      <p:sp>
+        <p:nvSpPr>
+          <p:cNvPr id="4" name="Footer Placeholder 3">
+            <a:extLst>
+              <a:ext uri="{FF2B5EF4-FFF2-40B4-BE49-F238E27FC236}">
+                <a16:creationId xmlns:a16="http://schemas.microsoft.com/office/drawing/2014/main" id="{49377657-95AA-47D0-863D-A8826115AD86}"/>
+              </a:ext>
+            </a:extLst>
+          </p:cNvPr>
+          <p:cNvSpPr>
+            <a:spLocks noGrp="1"/>
+          </p:cNvSpPr>
+          <p:nvPr>
+            <p:ph type="ftr" sz="quarter" idx="11"/>
+          </p:nvPr>
+        </p:nvSpPr>
+        <p:spPr/>
+        <p:txBody>
+          <a:bodyPr/>
+          <a:lstStyle/>
+          <a:p>
+            <a:endParaRPr lang="en-US"/>
+          </a:p>
+        </p:txBody>
+      </p:sp>
+      <p:sp>
+        <p:nvSpPr>
+          <p:cNvPr id="5" name="Slide Number Placeholder 4">
+            <a:extLst>
+              <a:ext uri="{FF2B5EF4-FFF2-40B4-BE49-F238E27FC236}">
+                <a16:creationId xmlns:a16="http://schemas.microsoft.com/office/drawing/2014/main" id="{F9A4C5F6-A9B9-4428-AE8F-F1A193BCEC10}"/>
+              </a:ext>
+            </a:extLst>
+          </p:cNvPr>
+          <p:cNvSpPr>
+            <a:spLocks noGrp="1"/>
+          </p:cNvSpPr>
+          <p:nvPr>
+            <p:ph type="sldNum" sz="quarter" idx="12"/>
+          </p:nvPr>
+        </p:nvSpPr>
+        <p:spPr/>
+        <p:txBody>
+          <a:bodyPr/>
+          <a:lstStyle/>
+          <a:p>
+            <a:fld id="{1753FD4B-41E0-4270-A5D2-7394C175DF7E}" type="slidenum">
+              <a:rPr lang="en-US" smtClean="0"/>
+              <a:t>‹#›</a:t>
+            </a:fld>
+            <a:endParaRPr lang="en-US"/>
           </a:p>
         </p:txBody>
       </p:sp>
     </p:spTree>
     <p:extLst>
       <p:ext uri="{BB962C8B-B14F-4D97-AF65-F5344CB8AC3E}">
-        <p14:creationId xmlns:p14="http://schemas.microsoft.com/office/powerpoint/2010/main" val="67839895"/>
+        <p14:creationId xmlns:p14="http://schemas.microsoft.com/office/powerpoint/2010/main" val="3165174392"/>
       </p:ext>
     </p:extLst>
   </p:cSld>
@@ -2839,7 +3497,7 @@
 </p:sldLayout>
 </file>
 
-<file path=ppt/slideLayouts/slideLayout8.xml><?xml version="1.0" encoding="utf-8"?>
+<file path=ppt/slideLayouts/slideLayout7.xml><?xml version="1.0" encoding="utf-8"?>
 <p:sldLayout xmlns:a="http://schemas.openxmlformats.org/drawingml/2006/main" xmlns:r="http://schemas.openxmlformats.org/officeDocument/2006/relationships" xmlns:p="http://schemas.openxmlformats.org/presentationml/2006/main" type="blank" preserve="1">
   <p:cSld name="Blank">
     <p:spTree>
@@ -2856,10 +3514,93 @@
           <a:chExt cx="0" cy="0"/>
         </a:xfrm>
       </p:grpSpPr>
+      <p:sp>
+        <p:nvSpPr>
+          <p:cNvPr id="2" name="Date Placeholder 1">
+            <a:extLst>
+              <a:ext uri="{FF2B5EF4-FFF2-40B4-BE49-F238E27FC236}">
+                <a16:creationId xmlns:a16="http://schemas.microsoft.com/office/drawing/2014/main" id="{05D7ED66-8837-43B9-B63E-C529AADCF28F}"/>
+              </a:ext>
+            </a:extLst>
+          </p:cNvPr>
+          <p:cNvSpPr>
+            <a:spLocks noGrp="1"/>
+          </p:cNvSpPr>
+          <p:nvPr>
+            <p:ph type="dt" sz="half" idx="10"/>
+          </p:nvPr>
+        </p:nvSpPr>
+        <p:spPr/>
+        <p:txBody>
+          <a:bodyPr/>
+          <a:lstStyle/>
+          <a:p>
+            <a:fld id="{571179DB-8C0F-4DAE-A821-BADEDABE9281}" type="datetimeFigureOut">
+              <a:rPr lang="en-US" smtClean="0"/>
+              <a:t>5/18/2020</a:t>
+            </a:fld>
+            <a:endParaRPr lang="en-US"/>
+          </a:p>
+        </p:txBody>
+      </p:sp>
+      <p:sp>
+        <p:nvSpPr>
+          <p:cNvPr id="3" name="Footer Placeholder 2">
+            <a:extLst>
+              <a:ext uri="{FF2B5EF4-FFF2-40B4-BE49-F238E27FC236}">
+                <a16:creationId xmlns:a16="http://schemas.microsoft.com/office/drawing/2014/main" id="{1765F13A-D97C-4F11-8668-4FF9DC4FFFB8}"/>
+              </a:ext>
+            </a:extLst>
+          </p:cNvPr>
+          <p:cNvSpPr>
+            <a:spLocks noGrp="1"/>
+          </p:cNvSpPr>
+          <p:nvPr>
+            <p:ph type="ftr" sz="quarter" idx="11"/>
+          </p:nvPr>
+        </p:nvSpPr>
+        <p:spPr/>
+        <p:txBody>
+          <a:bodyPr/>
+          <a:lstStyle/>
+          <a:p>
+            <a:endParaRPr lang="en-US"/>
+          </a:p>
+        </p:txBody>
+      </p:sp>
+      <p:sp>
+        <p:nvSpPr>
+          <p:cNvPr id="4" name="Slide Number Placeholder 3">
+            <a:extLst>
+              <a:ext uri="{FF2B5EF4-FFF2-40B4-BE49-F238E27FC236}">
+                <a16:creationId xmlns:a16="http://schemas.microsoft.com/office/drawing/2014/main" id="{BEF35A0B-B45B-40C6-BD66-EE51A5902C14}"/>
+              </a:ext>
+            </a:extLst>
+          </p:cNvPr>
+          <p:cNvSpPr>
+            <a:spLocks noGrp="1"/>
+          </p:cNvSpPr>
+          <p:nvPr>
+            <p:ph type="sldNum" sz="quarter" idx="12"/>
+          </p:nvPr>
+        </p:nvSpPr>
+        <p:spPr/>
+        <p:txBody>
+          <a:bodyPr/>
+          <a:lstStyle/>
+          <a:p>
+            <a:fld id="{1753FD4B-41E0-4270-A5D2-7394C175DF7E}" type="slidenum">
+              <a:rPr lang="en-US" smtClean="0"/>
+              <a:t>‹#›</a:t>
+            </a:fld>
+            <a:endParaRPr lang="en-US"/>
+          </a:p>
+        </p:txBody>
+      </p:sp>
     </p:spTree>
     <p:extLst>
       <p:ext uri="{BB962C8B-B14F-4D97-AF65-F5344CB8AC3E}">
-        <p14:creationId xmlns:p14="http://schemas.microsoft.com/office/powerpoint/2010/main" val="1728541262"/>
+        <p14:creationId xmlns:p14="http://schemas.microsoft.com/office/powerpoint/2010/main" val="4134282660"/>
       </p:ext>
     </p:extLst>
   </p:cSld>
@@ -2869,9 +3610,9 @@
 </p:sldLayout>
 </file>
 
-<file path=ppt/slideLayouts/slideLayout9.xml><?xml version="1.0" encoding="utf-8"?>
-<p:sldLayout xmlns:a="http://schemas.openxmlformats.org/drawingml/2006/main" xmlns:r="http://schemas.openxmlformats.org/officeDocument/2006/relationships" xmlns:p="http://schemas.openxmlformats.org/presentationml/2006/main" preserve="1" userDrawn="1">
-  <p:cSld name="5_Blank Color 1 Layout">
+<file path=ppt/slideLayouts/slideLayout8.xml><?xml version="1.0" encoding="utf-8"?>
+<p:sldLayout xmlns:a="http://schemas.openxmlformats.org/drawingml/2006/main" xmlns:r="http://schemas.openxmlformats.org/officeDocument/2006/relationships" xmlns:p="http://schemas.openxmlformats.org/presentationml/2006/main" type="objTx" preserve="1">
+  <p:cSld name="Content with Caption">
     <p:spTree>
       <p:nvGrpSpPr>
         <p:cNvPr id="1" name=""/>
@@ -2888,154 +3629,577 @@
       </p:grpSpPr>
       <p:sp>
         <p:nvSpPr>
-          <p:cNvPr id="6" name="top right small rectangle"/>
-          <p:cNvSpPr/>
-          <p:nvPr userDrawn="1"/>
-        </p:nvSpPr>
-        <p:spPr bwMode="auto">
-          <a:xfrm>
-            <a:off x="0" y="0"/>
-            <a:ext cx="12192000" cy="6858000"/>
-          </a:xfrm>
-          <a:prstGeom prst="rect">
-            <a:avLst/>
-          </a:prstGeom>
-          <a:solidFill>
-            <a:schemeClr val="tx2"/>
-          </a:solidFill>
-          <a:ln>
-            <a:noFill/>
-            <a:headEnd type="none" w="med" len="med"/>
-            <a:tailEnd type="none" w="med" len="med"/>
-          </a:ln>
-        </p:spPr>
-        <p:style>
-          <a:lnRef idx="2">
-            <a:schemeClr val="accent5">
-              <a:shade val="50000"/>
-            </a:schemeClr>
-          </a:lnRef>
-          <a:fillRef idx="1">
-            <a:schemeClr val="accent5"/>
-          </a:fillRef>
-          <a:effectRef idx="0">
-            <a:schemeClr val="accent5"/>
-          </a:effectRef>
-          <a:fontRef idx="minor">
-            <a:schemeClr val="lt1"/>
-          </a:fontRef>
-        </p:style>
-        <p:txBody>
-          <a:bodyPr vert="horz" wrap="square" lIns="91404" tIns="45703" rIns="91404" bIns="45703" numCol="1" rtlCol="0" anchor="ctr" anchorCtr="0" compatLnSpc="1">
-            <a:prstTxWarp prst="textNoShape">
-              <a:avLst/>
-            </a:prstTxWarp>
-          </a:bodyPr>
-          <a:lstStyle/>
-          <a:p>
-            <a:pPr algn="ctr" defTabSz="913788" fontAlgn="base">
-              <a:spcBef>
-                <a:spcPct val="0"/>
-              </a:spcBef>
-              <a:spcAft>
-                <a:spcPct val="0"/>
-              </a:spcAft>
-            </a:pPr>
-            <a:endParaRPr lang="en-US" sz="2200" dirty="0">
-              <a:gradFill>
-                <a:gsLst>
-                  <a:gs pos="0">
-                    <a:srgbClr val="FFFFFF"/>
-                  </a:gs>
-                  <a:gs pos="100000">
-                    <a:srgbClr val="FFFFFF"/>
-                  </a:gs>
-                </a:gsLst>
-                <a:lin ang="5400000" scaled="0"/>
-              </a:gradFill>
-            </a:endParaRPr>
-          </a:p>
-        </p:txBody>
-      </p:sp>
-      <p:sp>
-        <p:nvSpPr>
-          <p:cNvPr id="11" name="Rectangle 2"/>
-          <p:cNvSpPr>
-            <a:spLocks noChangeArrowheads="1"/>
-          </p:cNvSpPr>
-          <p:nvPr userDrawn="1"/>
-        </p:nvSpPr>
-        <p:spPr bwMode="auto">
-          <a:xfrm>
-            <a:off x="530087" y="5960743"/>
-            <a:ext cx="11078818" cy="738664"/>
-          </a:xfrm>
-          <a:prstGeom prst="rect">
-            <a:avLst/>
-          </a:prstGeom>
-          <a:noFill/>
-          <a:ln w="9525">
-            <a:noFill/>
-            <a:miter lim="800000"/>
-            <a:headEnd/>
-            <a:tailEnd/>
-          </a:ln>
-        </p:spPr>
-        <p:txBody>
-          <a:bodyPr wrap="square">
-            <a:spAutoFit/>
-          </a:bodyPr>
-          <a:lstStyle/>
-          <a:p>
-            <a:pPr marL="0" lvl="1" defTabSz="914088">
-              <a:defRPr/>
-            </a:pPr>
-            <a:r>
-              <a:rPr lang="en-US" sz="1050" dirty="0">
-                <a:solidFill>
-                  <a:schemeClr val="bg1">
-                    <a:lumMod val="85000"/>
-                  </a:schemeClr>
-                </a:solidFill>
-              </a:rPr>
-              <a:t>©2013 Microsoft Corporation. All rights reserved. Microsoft, Windows, Office, Azure, System Center, Dynamics and other product names are or may be registered trademarks and/or trademarks in the U.S. and/or other countries. The information herein is for informational purposes only and represents the current view of Microsoft Corporation as of the date of this presentation. Because Microsoft must respond to changing market conditions, it should not be interpreted to be a commitment on the part of Microsoft, and Microsoft cannot guarantee the accuracy of any information provided after the date of this presentation. MICROSOFT MAKES NO WARRANTIES, EXPRESS, IMPLIED OR STATUTORY, AS TO THE INFORMATION IN THIS PRESENTATION.</a:t>
-            </a:r>
-          </a:p>
-        </p:txBody>
-      </p:sp>
-      <p:pic>
-        <p:nvPicPr>
-          <p:cNvPr id="5" name="Picture 4"/>
-          <p:cNvPicPr>
-            <a:picLocks noChangeAspect="1"/>
-          </p:cNvPicPr>
-          <p:nvPr userDrawn="1"/>
-        </p:nvPicPr>
-        <p:blipFill rotWithShape="1">
-          <a:blip r:embed="rId2" cstate="print">
+          <p:cNvPr id="2" name="Title 1">
             <a:extLst>
-              <a:ext uri="{28A0092B-C50C-407E-A947-70E740481C1C}">
-                <a14:useLocalDpi xmlns:a14="http://schemas.microsoft.com/office/drawing/2010/main" val="0"/>
+              <a:ext uri="{FF2B5EF4-FFF2-40B4-BE49-F238E27FC236}">
+                <a16:creationId xmlns:a16="http://schemas.microsoft.com/office/drawing/2014/main" id="{8A99B530-7C2C-4C36-A826-4E121C25897F}"/>
               </a:ext>
             </a:extLst>
-          </a:blip>
-          <a:srcRect l="9719"/>
-          <a:stretch/>
-        </p:blipFill>
+          </p:cNvPr>
+          <p:cNvSpPr>
+            <a:spLocks noGrp="1"/>
+          </p:cNvSpPr>
+          <p:nvPr>
+            <p:ph type="title"/>
+          </p:nvPr>
+        </p:nvSpPr>
         <p:spPr>
           <a:xfrm>
-            <a:off x="530087" y="2940117"/>
-            <a:ext cx="5473148" cy="2229412"/>
+            <a:off x="839788" y="457200"/>
+            <a:ext cx="3932237" cy="1600200"/>
           </a:xfrm>
-          <a:prstGeom prst="rect">
-            <a:avLst/>
-          </a:prstGeom>
         </p:spPr>
-      </p:pic>
+        <p:txBody>
+          <a:bodyPr anchor="b"/>
+          <a:lstStyle>
+            <a:lvl1pPr>
+              <a:defRPr sz="3200"/>
+            </a:lvl1pPr>
+          </a:lstStyle>
+          <a:p>
+            <a:r>
+              <a:rPr lang="en-US"/>
+              <a:t>Click to edit Master title style</a:t>
+            </a:r>
+          </a:p>
+        </p:txBody>
+      </p:sp>
+      <p:sp>
+        <p:nvSpPr>
+          <p:cNvPr id="3" name="Content Placeholder 2">
+            <a:extLst>
+              <a:ext uri="{FF2B5EF4-FFF2-40B4-BE49-F238E27FC236}">
+                <a16:creationId xmlns:a16="http://schemas.microsoft.com/office/drawing/2014/main" id="{BADAAFDA-8486-4C11-9628-AB3EF3387920}"/>
+              </a:ext>
+            </a:extLst>
+          </p:cNvPr>
+          <p:cNvSpPr>
+            <a:spLocks noGrp="1"/>
+          </p:cNvSpPr>
+          <p:nvPr>
+            <p:ph idx="1"/>
+          </p:nvPr>
+        </p:nvSpPr>
+        <p:spPr>
+          <a:xfrm>
+            <a:off x="5183188" y="987425"/>
+            <a:ext cx="6172200" cy="4873625"/>
+          </a:xfrm>
+        </p:spPr>
+        <p:txBody>
+          <a:bodyPr/>
+          <a:lstStyle>
+            <a:lvl1pPr>
+              <a:defRPr sz="3200"/>
+            </a:lvl1pPr>
+            <a:lvl2pPr>
+              <a:defRPr sz="2800"/>
+            </a:lvl2pPr>
+            <a:lvl3pPr>
+              <a:defRPr sz="2400"/>
+            </a:lvl3pPr>
+            <a:lvl4pPr>
+              <a:defRPr sz="2000"/>
+            </a:lvl4pPr>
+            <a:lvl5pPr>
+              <a:defRPr sz="2000"/>
+            </a:lvl5pPr>
+            <a:lvl6pPr>
+              <a:defRPr sz="2000"/>
+            </a:lvl6pPr>
+            <a:lvl7pPr>
+              <a:defRPr sz="2000"/>
+            </a:lvl7pPr>
+            <a:lvl8pPr>
+              <a:defRPr sz="2000"/>
+            </a:lvl8pPr>
+            <a:lvl9pPr>
+              <a:defRPr sz="2000"/>
+            </a:lvl9pPr>
+          </a:lstStyle>
+          <a:p>
+            <a:pPr lvl="0"/>
+            <a:r>
+              <a:rPr lang="en-US"/>
+              <a:t>Click to edit Master text styles</a:t>
+            </a:r>
+          </a:p>
+          <a:p>
+            <a:pPr lvl="1"/>
+            <a:r>
+              <a:rPr lang="en-US"/>
+              <a:t>Second level</a:t>
+            </a:r>
+          </a:p>
+          <a:p>
+            <a:pPr lvl="2"/>
+            <a:r>
+              <a:rPr lang="en-US"/>
+              <a:t>Third level</a:t>
+            </a:r>
+          </a:p>
+          <a:p>
+            <a:pPr lvl="3"/>
+            <a:r>
+              <a:rPr lang="en-US"/>
+              <a:t>Fourth level</a:t>
+            </a:r>
+          </a:p>
+          <a:p>
+            <a:pPr lvl="4"/>
+            <a:r>
+              <a:rPr lang="en-US"/>
+              <a:t>Fifth level</a:t>
+            </a:r>
+          </a:p>
+        </p:txBody>
+      </p:sp>
+      <p:sp>
+        <p:nvSpPr>
+          <p:cNvPr id="4" name="Text Placeholder 3">
+            <a:extLst>
+              <a:ext uri="{FF2B5EF4-FFF2-40B4-BE49-F238E27FC236}">
+                <a16:creationId xmlns:a16="http://schemas.microsoft.com/office/drawing/2014/main" id="{965036F9-A261-4426-88B2-1A6CBA14E1CF}"/>
+              </a:ext>
+            </a:extLst>
+          </p:cNvPr>
+          <p:cNvSpPr>
+            <a:spLocks noGrp="1"/>
+          </p:cNvSpPr>
+          <p:nvPr>
+            <p:ph type="body" sz="half" idx="2"/>
+          </p:nvPr>
+        </p:nvSpPr>
+        <p:spPr>
+          <a:xfrm>
+            <a:off x="839788" y="2057400"/>
+            <a:ext cx="3932237" cy="3811588"/>
+          </a:xfrm>
+        </p:spPr>
+        <p:txBody>
+          <a:bodyPr/>
+          <a:lstStyle>
+            <a:lvl1pPr marL="0" indent="0">
+              <a:buNone/>
+              <a:defRPr sz="1600"/>
+            </a:lvl1pPr>
+            <a:lvl2pPr marL="457200" indent="0">
+              <a:buNone/>
+              <a:defRPr sz="1400"/>
+            </a:lvl2pPr>
+            <a:lvl3pPr marL="914400" indent="0">
+              <a:buNone/>
+              <a:defRPr sz="1200"/>
+            </a:lvl3pPr>
+            <a:lvl4pPr marL="1371600" indent="0">
+              <a:buNone/>
+              <a:defRPr sz="1000"/>
+            </a:lvl4pPr>
+            <a:lvl5pPr marL="1828800" indent="0">
+              <a:buNone/>
+              <a:defRPr sz="1000"/>
+            </a:lvl5pPr>
+            <a:lvl6pPr marL="2286000" indent="0">
+              <a:buNone/>
+              <a:defRPr sz="1000"/>
+            </a:lvl6pPr>
+            <a:lvl7pPr marL="2743200" indent="0">
+              <a:buNone/>
+              <a:defRPr sz="1000"/>
+            </a:lvl7pPr>
+            <a:lvl8pPr marL="3200400" indent="0">
+              <a:buNone/>
+              <a:defRPr sz="1000"/>
+            </a:lvl8pPr>
+            <a:lvl9pPr marL="3657600" indent="0">
+              <a:buNone/>
+              <a:defRPr sz="1000"/>
+            </a:lvl9pPr>
+          </a:lstStyle>
+          <a:p>
+            <a:pPr lvl="0"/>
+            <a:r>
+              <a:rPr lang="en-US"/>
+              <a:t>Click to edit Master text styles</a:t>
+            </a:r>
+          </a:p>
+        </p:txBody>
+      </p:sp>
+      <p:sp>
+        <p:nvSpPr>
+          <p:cNvPr id="5" name="Date Placeholder 4">
+            <a:extLst>
+              <a:ext uri="{FF2B5EF4-FFF2-40B4-BE49-F238E27FC236}">
+                <a16:creationId xmlns:a16="http://schemas.microsoft.com/office/drawing/2014/main" id="{5B40DE1C-9999-4FB3-ABB6-6DF8CC1DE78F}"/>
+              </a:ext>
+            </a:extLst>
+          </p:cNvPr>
+          <p:cNvSpPr>
+            <a:spLocks noGrp="1"/>
+          </p:cNvSpPr>
+          <p:nvPr>
+            <p:ph type="dt" sz="half" idx="10"/>
+          </p:nvPr>
+        </p:nvSpPr>
+        <p:spPr/>
+        <p:txBody>
+          <a:bodyPr/>
+          <a:lstStyle/>
+          <a:p>
+            <a:fld id="{571179DB-8C0F-4DAE-A821-BADEDABE9281}" type="datetimeFigureOut">
+              <a:rPr lang="en-US" smtClean="0"/>
+              <a:t>5/18/2020</a:t>
+            </a:fld>
+            <a:endParaRPr lang="en-US"/>
+          </a:p>
+        </p:txBody>
+      </p:sp>
+      <p:sp>
+        <p:nvSpPr>
+          <p:cNvPr id="6" name="Footer Placeholder 5">
+            <a:extLst>
+              <a:ext uri="{FF2B5EF4-FFF2-40B4-BE49-F238E27FC236}">
+                <a16:creationId xmlns:a16="http://schemas.microsoft.com/office/drawing/2014/main" id="{3E85A129-DD68-47F0-83B0-4E2CBDEAF471}"/>
+              </a:ext>
+            </a:extLst>
+          </p:cNvPr>
+          <p:cNvSpPr>
+            <a:spLocks noGrp="1"/>
+          </p:cNvSpPr>
+          <p:nvPr>
+            <p:ph type="ftr" sz="quarter" idx="11"/>
+          </p:nvPr>
+        </p:nvSpPr>
+        <p:spPr/>
+        <p:txBody>
+          <a:bodyPr/>
+          <a:lstStyle/>
+          <a:p>
+            <a:endParaRPr lang="en-US"/>
+          </a:p>
+        </p:txBody>
+      </p:sp>
+      <p:sp>
+        <p:nvSpPr>
+          <p:cNvPr id="7" name="Slide Number Placeholder 6">
+            <a:extLst>
+              <a:ext uri="{FF2B5EF4-FFF2-40B4-BE49-F238E27FC236}">
+                <a16:creationId xmlns:a16="http://schemas.microsoft.com/office/drawing/2014/main" id="{650785B8-66C1-42CC-9BE4-93927EEAC132}"/>
+              </a:ext>
+            </a:extLst>
+          </p:cNvPr>
+          <p:cNvSpPr>
+            <a:spLocks noGrp="1"/>
+          </p:cNvSpPr>
+          <p:nvPr>
+            <p:ph type="sldNum" sz="quarter" idx="12"/>
+          </p:nvPr>
+        </p:nvSpPr>
+        <p:spPr/>
+        <p:txBody>
+          <a:bodyPr/>
+          <a:lstStyle/>
+          <a:p>
+            <a:fld id="{1753FD4B-41E0-4270-A5D2-7394C175DF7E}" type="slidenum">
+              <a:rPr lang="en-US" smtClean="0"/>
+              <a:t>‹#›</a:t>
+            </a:fld>
+            <a:endParaRPr lang="en-US"/>
+          </a:p>
+        </p:txBody>
+      </p:sp>
     </p:spTree>
     <p:extLst>
       <p:ext uri="{BB962C8B-B14F-4D97-AF65-F5344CB8AC3E}">
-        <p14:creationId xmlns:p14="http://schemas.microsoft.com/office/powerpoint/2010/main" val="2667837224"/>
+        <p14:creationId xmlns:p14="http://schemas.microsoft.com/office/powerpoint/2010/main" val="2647596914"/>
+      </p:ext>
+    </p:extLst>
+  </p:cSld>
+  <p:clrMapOvr>
+    <a:masterClrMapping/>
+  </p:clrMapOvr>
+</p:sldLayout>
+</file>
+
+<file path=ppt/slideLayouts/slideLayout9.xml><?xml version="1.0" encoding="utf-8"?>
+<p:sldLayout xmlns:a="http://schemas.openxmlformats.org/drawingml/2006/main" xmlns:r="http://schemas.openxmlformats.org/officeDocument/2006/relationships" xmlns:p="http://schemas.openxmlformats.org/presentationml/2006/main" type="picTx" preserve="1">
+  <p:cSld name="Picture with Caption">
+    <p:spTree>
+      <p:nvGrpSpPr>
+        <p:cNvPr id="1" name=""/>
+        <p:cNvGrpSpPr/>
+        <p:nvPr/>
+      </p:nvGrpSpPr>
+      <p:grpSpPr>
+        <a:xfrm>
+          <a:off x="0" y="0"/>
+          <a:ext cx="0" cy="0"/>
+          <a:chOff x="0" y="0"/>
+          <a:chExt cx="0" cy="0"/>
+        </a:xfrm>
+      </p:grpSpPr>
+      <p:sp>
+        <p:nvSpPr>
+          <p:cNvPr id="2" name="Title 1">
+            <a:extLst>
+              <a:ext uri="{FF2B5EF4-FFF2-40B4-BE49-F238E27FC236}">
+                <a16:creationId xmlns:a16="http://schemas.microsoft.com/office/drawing/2014/main" id="{78902DC2-FC1F-4A48-B134-1C668F41098B}"/>
+              </a:ext>
+            </a:extLst>
+          </p:cNvPr>
+          <p:cNvSpPr>
+            <a:spLocks noGrp="1"/>
+          </p:cNvSpPr>
+          <p:nvPr>
+            <p:ph type="title"/>
+          </p:nvPr>
+        </p:nvSpPr>
+        <p:spPr>
+          <a:xfrm>
+            <a:off x="839788" y="457200"/>
+            <a:ext cx="3932237" cy="1600200"/>
+          </a:xfrm>
+        </p:spPr>
+        <p:txBody>
+          <a:bodyPr anchor="b"/>
+          <a:lstStyle>
+            <a:lvl1pPr>
+              <a:defRPr sz="3200"/>
+            </a:lvl1pPr>
+          </a:lstStyle>
+          <a:p>
+            <a:r>
+              <a:rPr lang="en-US"/>
+              <a:t>Click to edit Master title style</a:t>
+            </a:r>
+          </a:p>
+        </p:txBody>
+      </p:sp>
+      <p:sp>
+        <p:nvSpPr>
+          <p:cNvPr id="3" name="Picture Placeholder 2">
+            <a:extLst>
+              <a:ext uri="{FF2B5EF4-FFF2-40B4-BE49-F238E27FC236}">
+                <a16:creationId xmlns:a16="http://schemas.microsoft.com/office/drawing/2014/main" id="{F5AFFC8E-3F13-4D22-9221-C47154570FB9}"/>
+              </a:ext>
+            </a:extLst>
+          </p:cNvPr>
+          <p:cNvSpPr>
+            <a:spLocks noGrp="1"/>
+          </p:cNvSpPr>
+          <p:nvPr>
+            <p:ph type="pic" idx="1"/>
+          </p:nvPr>
+        </p:nvSpPr>
+        <p:spPr>
+          <a:xfrm>
+            <a:off x="5183188" y="987425"/>
+            <a:ext cx="6172200" cy="4873625"/>
+          </a:xfrm>
+        </p:spPr>
+        <p:txBody>
+          <a:bodyPr/>
+          <a:lstStyle>
+            <a:lvl1pPr marL="0" indent="0">
+              <a:buNone/>
+              <a:defRPr sz="3200"/>
+            </a:lvl1pPr>
+            <a:lvl2pPr marL="457200" indent="0">
+              <a:buNone/>
+              <a:defRPr sz="2800"/>
+            </a:lvl2pPr>
+            <a:lvl3pPr marL="914400" indent="0">
+              <a:buNone/>
+              <a:defRPr sz="2400"/>
+            </a:lvl3pPr>
+            <a:lvl4pPr marL="1371600" indent="0">
+              <a:buNone/>
+              <a:defRPr sz="2000"/>
+            </a:lvl4pPr>
+            <a:lvl5pPr marL="1828800" indent="0">
+              <a:buNone/>
+              <a:defRPr sz="2000"/>
+            </a:lvl5pPr>
+            <a:lvl6pPr marL="2286000" indent="0">
+              <a:buNone/>
+              <a:defRPr sz="2000"/>
+            </a:lvl6pPr>
+            <a:lvl7pPr marL="2743200" indent="0">
+              <a:buNone/>
+              <a:defRPr sz="2000"/>
+            </a:lvl7pPr>
+            <a:lvl8pPr marL="3200400" indent="0">
+              <a:buNone/>
+              <a:defRPr sz="2000"/>
+            </a:lvl8pPr>
+            <a:lvl9pPr marL="3657600" indent="0">
+              <a:buNone/>
+              <a:defRPr sz="2000"/>
+            </a:lvl9pPr>
+          </a:lstStyle>
+          <a:p>
+            <a:endParaRPr lang="en-US"/>
+          </a:p>
+        </p:txBody>
+      </p:sp>
+      <p:sp>
+        <p:nvSpPr>
+          <p:cNvPr id="4" name="Text Placeholder 3">
+            <a:extLst>
+              <a:ext uri="{FF2B5EF4-FFF2-40B4-BE49-F238E27FC236}">
+                <a16:creationId xmlns:a16="http://schemas.microsoft.com/office/drawing/2014/main" id="{AEE3FD59-C6C7-43D2-9D74-13B269FFA12B}"/>
+              </a:ext>
+            </a:extLst>
+          </p:cNvPr>
+          <p:cNvSpPr>
+            <a:spLocks noGrp="1"/>
+          </p:cNvSpPr>
+          <p:nvPr>
+            <p:ph type="body" sz="half" idx="2"/>
+          </p:nvPr>
+        </p:nvSpPr>
+        <p:spPr>
+          <a:xfrm>
+            <a:off x="839788" y="2057400"/>
+            <a:ext cx="3932237" cy="3811588"/>
+          </a:xfrm>
+        </p:spPr>
+        <p:txBody>
+          <a:bodyPr/>
+          <a:lstStyle>
+            <a:lvl1pPr marL="0" indent="0">
+              <a:buNone/>
+              <a:defRPr sz="1600"/>
+            </a:lvl1pPr>
+            <a:lvl2pPr marL="457200" indent="0">
+              <a:buNone/>
+              <a:defRPr sz="1400"/>
+            </a:lvl2pPr>
+            <a:lvl3pPr marL="914400" indent="0">
+              <a:buNone/>
+              <a:defRPr sz="1200"/>
+            </a:lvl3pPr>
+            <a:lvl4pPr marL="1371600" indent="0">
+              <a:buNone/>
+              <a:defRPr sz="1000"/>
+            </a:lvl4pPr>
+            <a:lvl5pPr marL="1828800" indent="0">
+              <a:buNone/>
+              <a:defRPr sz="1000"/>
+            </a:lvl5pPr>
+            <a:lvl6pPr marL="2286000" indent="0">
+              <a:buNone/>
+              <a:defRPr sz="1000"/>
+            </a:lvl6pPr>
+            <a:lvl7pPr marL="2743200" indent="0">
+              <a:buNone/>
+              <a:defRPr sz="1000"/>
+            </a:lvl7pPr>
+            <a:lvl8pPr marL="3200400" indent="0">
+              <a:buNone/>
+              <a:defRPr sz="1000"/>
+            </a:lvl8pPr>
+            <a:lvl9pPr marL="3657600" indent="0">
+              <a:buNone/>
+              <a:defRPr sz="1000"/>
+            </a:lvl9pPr>
+          </a:lstStyle>
+          <a:p>
+            <a:pPr lvl="0"/>
+            <a:r>
+              <a:rPr lang="en-US"/>
+              <a:t>Click to edit Master text styles</a:t>
+            </a:r>
+          </a:p>
+        </p:txBody>
+      </p:sp>
+      <p:sp>
+        <p:nvSpPr>
+          <p:cNvPr id="5" name="Date Placeholder 4">
+            <a:extLst>
+              <a:ext uri="{FF2B5EF4-FFF2-40B4-BE49-F238E27FC236}">
+                <a16:creationId xmlns:a16="http://schemas.microsoft.com/office/drawing/2014/main" id="{0CC28519-45ED-42A5-9654-4C575CB842A7}"/>
+              </a:ext>
+            </a:extLst>
+          </p:cNvPr>
+          <p:cNvSpPr>
+            <a:spLocks noGrp="1"/>
+          </p:cNvSpPr>
+          <p:nvPr>
+            <p:ph type="dt" sz="half" idx="10"/>
+          </p:nvPr>
+        </p:nvSpPr>
+        <p:spPr/>
+        <p:txBody>
+          <a:bodyPr/>
+          <a:lstStyle/>
+          <a:p>
+            <a:fld id="{571179DB-8C0F-4DAE-A821-BADEDABE9281}" type="datetimeFigureOut">
+              <a:rPr lang="en-US" smtClean="0"/>
+              <a:t>5/18/2020</a:t>
+            </a:fld>
+            <a:endParaRPr lang="en-US"/>
+          </a:p>
+        </p:txBody>
+      </p:sp>
+      <p:sp>
+        <p:nvSpPr>
+          <p:cNvPr id="6" name="Footer Placeholder 5">
+            <a:extLst>
+              <a:ext uri="{FF2B5EF4-FFF2-40B4-BE49-F238E27FC236}">
+                <a16:creationId xmlns:a16="http://schemas.microsoft.com/office/drawing/2014/main" id="{D06ACD2B-65A1-4BA2-B194-865031374B5D}"/>
+              </a:ext>
+            </a:extLst>
+          </p:cNvPr>
+          <p:cNvSpPr>
+            <a:spLocks noGrp="1"/>
+          </p:cNvSpPr>
+          <p:nvPr>
+            <p:ph type="ftr" sz="quarter" idx="11"/>
+          </p:nvPr>
+        </p:nvSpPr>
+        <p:spPr/>
+        <p:txBody>
+          <a:bodyPr/>
+          <a:lstStyle/>
+          <a:p>
+            <a:endParaRPr lang="en-US"/>
+          </a:p>
+        </p:txBody>
+      </p:sp>
+      <p:sp>
+        <p:nvSpPr>
+          <p:cNvPr id="7" name="Slide Number Placeholder 6">
+            <a:extLst>
+              <a:ext uri="{FF2B5EF4-FFF2-40B4-BE49-F238E27FC236}">
+                <a16:creationId xmlns:a16="http://schemas.microsoft.com/office/drawing/2014/main" id="{E34A7309-9B41-48C7-B8E5-49B3F4E05B65}"/>
+              </a:ext>
+            </a:extLst>
+          </p:cNvPr>
+          <p:cNvSpPr>
+            <a:spLocks noGrp="1"/>
+          </p:cNvSpPr>
+          <p:nvPr>
+            <p:ph type="sldNum" sz="quarter" idx="12"/>
+          </p:nvPr>
+        </p:nvSpPr>
+        <p:spPr/>
+        <p:txBody>
+          <a:bodyPr/>
+          <a:lstStyle/>
+          <a:p>
+            <a:fld id="{1753FD4B-41E0-4270-A5D2-7394C175DF7E}" type="slidenum">
+              <a:rPr lang="en-US" smtClean="0"/>
+              <a:t>‹#›</a:t>
+            </a:fld>
+            <a:endParaRPr lang="en-US"/>
+          </a:p>
+        </p:txBody>
+      </p:sp>
+    </p:spTree>
+    <p:extLst>
+      <p:ext uri="{BB962C8B-B14F-4D97-AF65-F5344CB8AC3E}">
+        <p14:creationId xmlns:p14="http://schemas.microsoft.com/office/powerpoint/2010/main" val="2822740612"/>
       </p:ext>
     </p:extLst>
   </p:cSld>
@@ -3046,7 +4210,7 @@
 </file>
 
 <file path=ppt/slideMasters/slideMaster1.xml><?xml version="1.0" encoding="utf-8"?>
-<p:sldMaster xmlns:a="http://schemas.openxmlformats.org/drawingml/2006/main" xmlns:r="http://schemas.openxmlformats.org/officeDocument/2006/relationships" xmlns:p="http://schemas.openxmlformats.org/presentationml/2006/main" preserve="1">
+<p:sldMaster xmlns:a="http://schemas.openxmlformats.org/drawingml/2006/main" xmlns:r="http://schemas.openxmlformats.org/officeDocument/2006/relationships" xmlns:p="http://schemas.openxmlformats.org/presentationml/2006/main">
   <p:cSld>
     <p:bg>
       <p:bgRef idx="1001">
@@ -3069,7 +4233,13 @@
       </p:grpSpPr>
       <p:sp>
         <p:nvSpPr>
-          <p:cNvPr id="10" name="Title Placeholder 9"/>
+          <p:cNvPr id="2" name="Title Placeholder 1">
+            <a:extLst>
+              <a:ext uri="{FF2B5EF4-FFF2-40B4-BE49-F238E27FC236}">
+                <a16:creationId xmlns:a16="http://schemas.microsoft.com/office/drawing/2014/main" id="{7D6FB1F8-6149-47B8-9561-F294A03A760A}"/>
+              </a:ext>
+            </a:extLst>
+          </p:cNvPr>
           <p:cNvSpPr>
             <a:spLocks noGrp="1"/>
           </p:cNvSpPr>
@@ -3079,15 +4249,15 @@
         </p:nvSpPr>
         <p:spPr>
           <a:xfrm>
-            <a:off x="379514" y="182215"/>
-            <a:ext cx="11524432" cy="1063487"/>
+            <a:off x="838200" y="365125"/>
+            <a:ext cx="10515600" cy="1325563"/>
           </a:xfrm>
           <a:prstGeom prst="rect">
             <a:avLst/>
           </a:prstGeom>
         </p:spPr>
         <p:txBody>
-          <a:bodyPr vert="horz" lIns="91409" tIns="45705" rIns="91409" bIns="45705" rtlCol="0" anchor="t" anchorCtr="0">
+          <a:bodyPr vert="horz" lIns="91440" tIns="45720" rIns="91440" bIns="45720" rtlCol="0" anchor="ctr">
             <a:normAutofit/>
           </a:bodyPr>
           <a:lstStyle/>
@@ -3096,35 +4266,245 @@
               <a:rPr lang="en-US"/>
               <a:t>Click to edit Master title style</a:t>
             </a:r>
-            <a:endParaRPr lang="en-US" dirty="0"/>
+          </a:p>
+        </p:txBody>
+      </p:sp>
+      <p:sp>
+        <p:nvSpPr>
+          <p:cNvPr id="3" name="Text Placeholder 2">
+            <a:extLst>
+              <a:ext uri="{FF2B5EF4-FFF2-40B4-BE49-F238E27FC236}">
+                <a16:creationId xmlns:a16="http://schemas.microsoft.com/office/drawing/2014/main" id="{94832864-59B4-43C5-B9C7-CAB8E712A3DC}"/>
+              </a:ext>
+            </a:extLst>
+          </p:cNvPr>
+          <p:cNvSpPr>
+            <a:spLocks noGrp="1"/>
+          </p:cNvSpPr>
+          <p:nvPr>
+            <p:ph type="body" idx="1"/>
+          </p:nvPr>
+        </p:nvSpPr>
+        <p:spPr>
+          <a:xfrm>
+            <a:off x="838200" y="1825625"/>
+            <a:ext cx="10515600" cy="4351338"/>
+          </a:xfrm>
+          <a:prstGeom prst="rect">
+            <a:avLst/>
+          </a:prstGeom>
+        </p:spPr>
+        <p:txBody>
+          <a:bodyPr vert="horz" lIns="91440" tIns="45720" rIns="91440" bIns="45720" rtlCol="0">
+            <a:normAutofit/>
+          </a:bodyPr>
+          <a:lstStyle/>
+          <a:p>
+            <a:pPr lvl="0"/>
+            <a:r>
+              <a:rPr lang="en-US"/>
+              <a:t>Click to edit Master text styles</a:t>
+            </a:r>
+          </a:p>
+          <a:p>
+            <a:pPr lvl="1"/>
+            <a:r>
+              <a:rPr lang="en-US"/>
+              <a:t>Second level</a:t>
+            </a:r>
+          </a:p>
+          <a:p>
+            <a:pPr lvl="2"/>
+            <a:r>
+              <a:rPr lang="en-US"/>
+              <a:t>Third level</a:t>
+            </a:r>
+          </a:p>
+          <a:p>
+            <a:pPr lvl="3"/>
+            <a:r>
+              <a:rPr lang="en-US"/>
+              <a:t>Fourth level</a:t>
+            </a:r>
+          </a:p>
+          <a:p>
+            <a:pPr lvl="4"/>
+            <a:r>
+              <a:rPr lang="en-US"/>
+              <a:t>Fifth level</a:t>
+            </a:r>
+          </a:p>
+        </p:txBody>
+      </p:sp>
+      <p:sp>
+        <p:nvSpPr>
+          <p:cNvPr id="4" name="Date Placeholder 3">
+            <a:extLst>
+              <a:ext uri="{FF2B5EF4-FFF2-40B4-BE49-F238E27FC236}">
+                <a16:creationId xmlns:a16="http://schemas.microsoft.com/office/drawing/2014/main" id="{8B2B034A-EE0F-4E0F-8253-28EB4686ECA5}"/>
+              </a:ext>
+            </a:extLst>
+          </p:cNvPr>
+          <p:cNvSpPr>
+            <a:spLocks noGrp="1"/>
+          </p:cNvSpPr>
+          <p:nvPr>
+            <p:ph type="dt" sz="half" idx="2"/>
+          </p:nvPr>
+        </p:nvSpPr>
+        <p:spPr>
+          <a:xfrm>
+            <a:off x="838200" y="6356350"/>
+            <a:ext cx="2743200" cy="365125"/>
+          </a:xfrm>
+          <a:prstGeom prst="rect">
+            <a:avLst/>
+          </a:prstGeom>
+        </p:spPr>
+        <p:txBody>
+          <a:bodyPr vert="horz" lIns="91440" tIns="45720" rIns="91440" bIns="45720" rtlCol="0" anchor="ctr"/>
+          <a:lstStyle>
+            <a:lvl1pPr algn="l">
+              <a:defRPr sz="1200">
+                <a:solidFill>
+                  <a:schemeClr val="tx1">
+                    <a:tint val="75000"/>
+                  </a:schemeClr>
+                </a:solidFill>
+              </a:defRPr>
+            </a:lvl1pPr>
+          </a:lstStyle>
+          <a:p>
+            <a:fld id="{571179DB-8C0F-4DAE-A821-BADEDABE9281}" type="datetimeFigureOut">
+              <a:rPr lang="en-US" smtClean="0"/>
+              <a:t>5/18/2020</a:t>
+            </a:fld>
+            <a:endParaRPr lang="en-US"/>
+          </a:p>
+        </p:txBody>
+      </p:sp>
+      <p:sp>
+        <p:nvSpPr>
+          <p:cNvPr id="5" name="Footer Placeholder 4">
+            <a:extLst>
+              <a:ext uri="{FF2B5EF4-FFF2-40B4-BE49-F238E27FC236}">
+                <a16:creationId xmlns:a16="http://schemas.microsoft.com/office/drawing/2014/main" id="{D6B53B69-CB44-448B-B24D-085D2449C6DC}"/>
+              </a:ext>
+            </a:extLst>
+          </p:cNvPr>
+          <p:cNvSpPr>
+            <a:spLocks noGrp="1"/>
+          </p:cNvSpPr>
+          <p:nvPr>
+            <p:ph type="ftr" sz="quarter" idx="3"/>
+          </p:nvPr>
+        </p:nvSpPr>
+        <p:spPr>
+          <a:xfrm>
+            <a:off x="4038600" y="6356350"/>
+            <a:ext cx="4114800" cy="365125"/>
+          </a:xfrm>
+          <a:prstGeom prst="rect">
+            <a:avLst/>
+          </a:prstGeom>
+        </p:spPr>
+        <p:txBody>
+          <a:bodyPr vert="horz" lIns="91440" tIns="45720" rIns="91440" bIns="45720" rtlCol="0" anchor="ctr"/>
+          <a:lstStyle>
+            <a:lvl1pPr algn="ctr">
+              <a:defRPr sz="1200">
+                <a:solidFill>
+                  <a:schemeClr val="tx1">
+                    <a:tint val="75000"/>
+                  </a:schemeClr>
+                </a:solidFill>
+              </a:defRPr>
+            </a:lvl1pPr>
+          </a:lstStyle>
+          <a:p>
+            <a:endParaRPr lang="en-US"/>
+          </a:p>
+        </p:txBody>
+      </p:sp>
+      <p:sp>
+        <p:nvSpPr>
+          <p:cNvPr id="6" name="Slide Number Placeholder 5">
+            <a:extLst>
+              <a:ext uri="{FF2B5EF4-FFF2-40B4-BE49-F238E27FC236}">
+                <a16:creationId xmlns:a16="http://schemas.microsoft.com/office/drawing/2014/main" id="{C521284E-4FBA-459A-9871-B6C8CCC4D9D4}"/>
+              </a:ext>
+            </a:extLst>
+          </p:cNvPr>
+          <p:cNvSpPr>
+            <a:spLocks noGrp="1"/>
+          </p:cNvSpPr>
+          <p:nvPr>
+            <p:ph type="sldNum" sz="quarter" idx="4"/>
+          </p:nvPr>
+        </p:nvSpPr>
+        <p:spPr>
+          <a:xfrm>
+            <a:off x="8610600" y="6356350"/>
+            <a:ext cx="2743200" cy="365125"/>
+          </a:xfrm>
+          <a:prstGeom prst="rect">
+            <a:avLst/>
+          </a:prstGeom>
+        </p:spPr>
+        <p:txBody>
+          <a:bodyPr vert="horz" lIns="91440" tIns="45720" rIns="91440" bIns="45720" rtlCol="0" anchor="ctr"/>
+          <a:lstStyle>
+            <a:lvl1pPr algn="r">
+              <a:defRPr sz="1200">
+                <a:solidFill>
+                  <a:schemeClr val="tx1">
+                    <a:tint val="75000"/>
+                  </a:schemeClr>
+                </a:solidFill>
+              </a:defRPr>
+            </a:lvl1pPr>
+          </a:lstStyle>
+          <a:p>
+            <a:fld id="{1753FD4B-41E0-4270-A5D2-7394C175DF7E}" type="slidenum">
+              <a:rPr lang="en-US" smtClean="0"/>
+              <a:t>‹#›</a:t>
+            </a:fld>
+            <a:endParaRPr lang="en-US"/>
           </a:p>
         </p:txBody>
       </p:sp>
     </p:spTree>
     <p:extLst>
       <p:ext uri="{BB962C8B-B14F-4D97-AF65-F5344CB8AC3E}">
-        <p14:creationId xmlns:p14="http://schemas.microsoft.com/office/powerpoint/2010/main" val="3118783959"/>
+        <p14:creationId xmlns:p14="http://schemas.microsoft.com/office/powerpoint/2010/main" val="2712651147"/>
       </p:ext>
     </p:extLst>
   </p:cSld>
   <p:clrMap bg1="lt1" tx1="dk1" bg2="lt2" tx2="dk2" accent1="accent1" accent2="accent2" accent3="accent3" accent4="accent4" accent5="accent5" accent6="accent6" hlink="hlink" folHlink="folHlink"/>
   <p:sldLayoutIdLst>
-    <p:sldLayoutId id="2147483661" r:id="rId1"/>
-    <p:sldLayoutId id="2147483671" r:id="rId2"/>
-    <p:sldLayoutId id="2147483667" r:id="rId3"/>
-    <p:sldLayoutId id="2147483663" r:id="rId4"/>
-    <p:sldLayoutId id="2147483664" r:id="rId5"/>
-    <p:sldLayoutId id="2147483665" r:id="rId6"/>
-    <p:sldLayoutId id="2147483666" r:id="rId7"/>
-    <p:sldLayoutId id="2147483668" r:id="rId8"/>
-    <p:sldLayoutId id="2147483669" r:id="rId9"/>
-    <p:sldLayoutId id="2147483672" r:id="rId10"/>
+    <p:sldLayoutId id="2147483649" r:id="rId1"/>
+    <p:sldLayoutId id="2147483650" r:id="rId2"/>
+    <p:sldLayoutId id="2147483651" r:id="rId3"/>
+    <p:sldLayoutId id="2147483652" r:id="rId4"/>
+    <p:sldLayoutId id="2147483653" r:id="rId5"/>
+    <p:sldLayoutId id="2147483654" r:id="rId6"/>
+    <p:sldLayoutId id="2147483655" r:id="rId7"/>
+    <p:sldLayoutId id="2147483656" r:id="rId8"/>
+    <p:sldLayoutId id="2147483657" r:id="rId9"/>
+    <p:sldLayoutId id="2147483658" r:id="rId10"/>
+    <p:sldLayoutId id="2147483659" r:id="rId11"/>
+    <p:sldLayoutId id="2147483660" r:id="rId12"/>
+    <p:sldLayoutId id="2147483661" r:id="rId13"/>
+    <p:sldLayoutId id="2147483662" r:id="rId14"/>
+    <p:sldLayoutId id="2147483663" r:id="rId15"/>
+    <p:sldLayoutId id="2147483664" r:id="rId16"/>
+    <p:sldLayoutId id="2147483665" r:id="rId17"/>
   </p:sldLayoutIdLst>
   <p:txStyles>
     <p:titleStyle>
-      <a:lvl1pPr algn="l" defTabSz="914088" rtl="0" eaLnBrk="1" latinLnBrk="0" hangingPunct="1">
+      <a:lvl1pPr algn="l" defTabSz="914400" rtl="0" eaLnBrk="1" latinLnBrk="0" hangingPunct="1">
         <a:lnSpc>
-          <a:spcPct val="80000"/>
+          <a:spcPct val="90000"/>
         </a:lnSpc>
         <a:spcBef>
           <a:spcPct val="0"/>
@@ -3134,99 +4514,57 @@
           <a:solidFill>
             <a:schemeClr val="tx1"/>
           </a:solidFill>
-          <a:latin typeface="Segoe UI Light" panose="020B0502040204020203" pitchFamily="34" charset="0"/>
-          <a:ea typeface="Segoe UI Light" panose="020B0502040204020203" pitchFamily="34" charset="0"/>
-          <a:cs typeface="Segoe UI Light" panose="020B0502040204020203" pitchFamily="34" charset="0"/>
+          <a:latin typeface="+mj-lt"/>
+          <a:ea typeface="+mj-ea"/>
+          <a:cs typeface="+mj-cs"/>
         </a:defRPr>
       </a:lvl1pPr>
     </p:titleStyle>
     <p:bodyStyle>
-      <a:lvl1pPr marL="342783" indent="-342783" algn="l" defTabSz="914088" rtl="0" eaLnBrk="1" latinLnBrk="0" hangingPunct="1">
+      <a:lvl1pPr marL="228600" indent="-228600" algn="l" defTabSz="914400" rtl="0" eaLnBrk="1" latinLnBrk="0" hangingPunct="1">
+        <a:lnSpc>
+          <a:spcPct val="90000"/>
+        </a:lnSpc>
         <a:spcBef>
-          <a:spcPts val="1200"/>
+          <a:spcPts val="1000"/>
         </a:spcBef>
-        <a:buFont typeface="Arial" pitchFamily="34" charset="0"/>
+        <a:buFont typeface="Arial" panose="020B0604020202020204" pitchFamily="34" charset="0"/>
         <a:buChar char="•"/>
-        <a:defRPr sz="3200" b="1" kern="0" baseline="0">
+        <a:defRPr sz="2800" kern="1200">
           <a:solidFill>
             <a:schemeClr val="tx1"/>
           </a:solidFill>
-          <a:latin typeface="Segoe UI Light" panose="020B0502040204020203" pitchFamily="34" charset="0"/>
-          <a:ea typeface="Segoe UI Light" panose="020B0502040204020203" pitchFamily="34" charset="0"/>
-          <a:cs typeface="Segoe UI Light" panose="020B0502040204020203" pitchFamily="34" charset="0"/>
+          <a:latin typeface="+mn-lt"/>
+          <a:ea typeface="+mn-ea"/>
+          <a:cs typeface="+mn-cs"/>
         </a:defRPr>
       </a:lvl1pPr>
-      <a:lvl2pPr marL="742698" indent="-285652" algn="l" defTabSz="914088" rtl="0" eaLnBrk="1" latinLnBrk="0" hangingPunct="1">
+      <a:lvl2pPr marL="685800" indent="-228600" algn="l" defTabSz="914400" rtl="0" eaLnBrk="1" latinLnBrk="0" hangingPunct="1">
+        <a:lnSpc>
+          <a:spcPct val="90000"/>
+        </a:lnSpc>
         <a:spcBef>
-          <a:spcPts val="300"/>
+          <a:spcPts val="500"/>
         </a:spcBef>
-        <a:spcAft>
-          <a:spcPts val="300"/>
-        </a:spcAft>
-        <a:buFont typeface="Arial" pitchFamily="34" charset="0"/>
-        <a:buChar char="–"/>
-        <a:defRPr sz="2800" kern="0" baseline="0">
+        <a:buFont typeface="Arial" panose="020B0604020202020204" pitchFamily="34" charset="0"/>
+        <a:buChar char="•"/>
+        <a:defRPr sz="2400" kern="1200">
           <a:solidFill>
             <a:schemeClr val="tx1"/>
           </a:solidFill>
-          <a:latin typeface="Segoe UI Light" panose="020B0502040204020203" pitchFamily="34" charset="0"/>
-          <a:ea typeface="Segoe UI Light" panose="020B0502040204020203" pitchFamily="34" charset="0"/>
-          <a:cs typeface="Segoe UI Light" panose="020B0502040204020203" pitchFamily="34" charset="0"/>
+          <a:latin typeface="+mn-lt"/>
+          <a:ea typeface="+mn-ea"/>
+          <a:cs typeface="+mn-cs"/>
         </a:defRPr>
       </a:lvl2pPr>
-      <a:lvl3pPr marL="1142612" indent="-228522" algn="l" defTabSz="914088" rtl="0" eaLnBrk="1" latinLnBrk="0" hangingPunct="1">
+      <a:lvl3pPr marL="1143000" indent="-228600" algn="l" defTabSz="914400" rtl="0" eaLnBrk="1" latinLnBrk="0" hangingPunct="1">
+        <a:lnSpc>
+          <a:spcPct val="90000"/>
+        </a:lnSpc>
         <a:spcBef>
-          <a:spcPts val="200"/>
+          <a:spcPts val="500"/>
         </a:spcBef>
-        <a:spcAft>
-          <a:spcPts val="200"/>
-        </a:spcAft>
-        <a:buFont typeface="Arial" pitchFamily="34" charset="0"/>
-        <a:buChar char="•"/>
-        <a:defRPr sz="2400" kern="0" baseline="0">
-          <a:solidFill>
-            <a:schemeClr val="tx1"/>
-          </a:solidFill>
-          <a:latin typeface="Segoe UI Light" panose="020B0502040204020203" pitchFamily="34" charset="0"/>
-          <a:ea typeface="Segoe UI Light" panose="020B0502040204020203" pitchFamily="34" charset="0"/>
-          <a:cs typeface="Segoe UI Light" panose="020B0502040204020203" pitchFamily="34" charset="0"/>
-        </a:defRPr>
-      </a:lvl3pPr>
-      <a:lvl4pPr marL="1599657" indent="-228522" algn="l" defTabSz="914088" rtl="0" eaLnBrk="1" latinLnBrk="0" hangingPunct="1">
-        <a:spcBef>
-          <a:spcPct val="20000"/>
-        </a:spcBef>
-        <a:buFont typeface="Arial" pitchFamily="34" charset="0"/>
-        <a:buChar char="–"/>
-        <a:defRPr sz="2000" kern="0" baseline="0">
-          <a:solidFill>
-            <a:schemeClr val="tx1"/>
-          </a:solidFill>
-          <a:latin typeface="Segoe UI Light" panose="020B0502040204020203" pitchFamily="34" charset="0"/>
-          <a:ea typeface="Segoe UI Light" panose="020B0502040204020203" pitchFamily="34" charset="0"/>
-          <a:cs typeface="Segoe UI Light" panose="020B0502040204020203" pitchFamily="34" charset="0"/>
-        </a:defRPr>
-      </a:lvl4pPr>
-      <a:lvl5pPr marL="2056700" indent="-228522" algn="l" defTabSz="914088" rtl="0" eaLnBrk="1" latinLnBrk="0" hangingPunct="1">
-        <a:spcBef>
-          <a:spcPct val="20000"/>
-        </a:spcBef>
-        <a:buFont typeface="Arial" pitchFamily="34" charset="0"/>
-        <a:buChar char="»"/>
-        <a:defRPr sz="2000" kern="0" baseline="0">
-          <a:solidFill>
-            <a:schemeClr val="tx1"/>
-          </a:solidFill>
-          <a:latin typeface="Segoe UI Light" panose="020B0502040204020203" pitchFamily="34" charset="0"/>
-          <a:ea typeface="Segoe UI Light" panose="020B0502040204020203" pitchFamily="34" charset="0"/>
-          <a:cs typeface="Segoe UI Light" panose="020B0502040204020203" pitchFamily="34" charset="0"/>
-        </a:defRPr>
-      </a:lvl5pPr>
-      <a:lvl6pPr marL="2513745" indent="-228522" algn="l" defTabSz="914088" rtl="0" eaLnBrk="1" latinLnBrk="0" hangingPunct="1">
-        <a:spcBef>
-          <a:spcPct val="20000"/>
-        </a:spcBef>
-        <a:buFont typeface="Arial" pitchFamily="34" charset="0"/>
+        <a:buFont typeface="Arial" panose="020B0604020202020204" pitchFamily="34" charset="0"/>
         <a:buChar char="•"/>
         <a:defRPr sz="2000" kern="1200">
           <a:solidFill>
@@ -3236,14 +4574,71 @@
           <a:ea typeface="+mn-ea"/>
           <a:cs typeface="+mn-cs"/>
         </a:defRPr>
+      </a:lvl3pPr>
+      <a:lvl4pPr marL="1600200" indent="-228600" algn="l" defTabSz="914400" rtl="0" eaLnBrk="1" latinLnBrk="0" hangingPunct="1">
+        <a:lnSpc>
+          <a:spcPct val="90000"/>
+        </a:lnSpc>
+        <a:spcBef>
+          <a:spcPts val="500"/>
+        </a:spcBef>
+        <a:buFont typeface="Arial" panose="020B0604020202020204" pitchFamily="34" charset="0"/>
+        <a:buChar char="•"/>
+        <a:defRPr sz="1800" kern="1200">
+          <a:solidFill>
+            <a:schemeClr val="tx1"/>
+          </a:solidFill>
+          <a:latin typeface="+mn-lt"/>
+          <a:ea typeface="+mn-ea"/>
+          <a:cs typeface="+mn-cs"/>
+        </a:defRPr>
+      </a:lvl4pPr>
+      <a:lvl5pPr marL="2057400" indent="-228600" algn="l" defTabSz="914400" rtl="0" eaLnBrk="1" latinLnBrk="0" hangingPunct="1">
+        <a:lnSpc>
+          <a:spcPct val="90000"/>
+        </a:lnSpc>
+        <a:spcBef>
+          <a:spcPts val="500"/>
+        </a:spcBef>
+        <a:buFont typeface="Arial" panose="020B0604020202020204" pitchFamily="34" charset="0"/>
+        <a:buChar char="•"/>
+        <a:defRPr sz="1800" kern="1200">
+          <a:solidFill>
+            <a:schemeClr val="tx1"/>
+          </a:solidFill>
+          <a:latin typeface="+mn-lt"/>
+          <a:ea typeface="+mn-ea"/>
+          <a:cs typeface="+mn-cs"/>
+        </a:defRPr>
+      </a:lvl5pPr>
+      <a:lvl6pPr marL="2514600" indent="-228600" algn="l" defTabSz="914400" rtl="0" eaLnBrk="1" latinLnBrk="0" hangingPunct="1">
+        <a:lnSpc>
+          <a:spcPct val="90000"/>
+        </a:lnSpc>
+        <a:spcBef>
+          <a:spcPts val="500"/>
+        </a:spcBef>
+        <a:buFont typeface="Arial" panose="020B0604020202020204" pitchFamily="34" charset="0"/>
+        <a:buChar char="•"/>
+        <a:defRPr sz="1800" kern="1200">
+          <a:solidFill>
+            <a:schemeClr val="tx1"/>
+          </a:solidFill>
+          <a:latin typeface="+mn-lt"/>
+          <a:ea typeface="+mn-ea"/>
+          <a:cs typeface="+mn-cs"/>
+        </a:defRPr>
       </a:lvl6pPr>
-      <a:lvl7pPr marL="2970789" indent="-228522" algn="l" defTabSz="914088" rtl="0" eaLnBrk="1" latinLnBrk="0" hangingPunct="1">
+      <a:lvl7pPr marL="2971800" indent="-228600" algn="l" defTabSz="914400" rtl="0" eaLnBrk="1" latinLnBrk="0" hangingPunct="1">
+        <a:lnSpc>
+          <a:spcPct val="90000"/>
+        </a:lnSpc>
         <a:spcBef>
-          <a:spcPct val="20000"/>
+          <a:spcPts val="500"/>
         </a:spcBef>
-        <a:buFont typeface="Arial" pitchFamily="34" charset="0"/>
+        <a:buFont typeface="Arial" panose="020B0604020202020204" pitchFamily="34" charset="0"/>
         <a:buChar char="•"/>
-        <a:defRPr sz="2000" kern="1200">
+        <a:defRPr sz="1800" kern="1200">
           <a:solidFill>
             <a:schemeClr val="tx1"/>
           </a:solidFill>
@@ -3252,13 +4647,16 @@
           <a:cs typeface="+mn-cs"/>
         </a:defRPr>
       </a:lvl7pPr>
-      <a:lvl8pPr marL="3427833" indent="-228522" algn="l" defTabSz="914088" rtl="0" eaLnBrk="1" latinLnBrk="0" hangingPunct="1">
+      <a:lvl8pPr marL="3429000" indent="-228600" algn="l" defTabSz="914400" rtl="0" eaLnBrk="1" latinLnBrk="0" hangingPunct="1">
+        <a:lnSpc>
+          <a:spcPct val="90000"/>
+        </a:lnSpc>
         <a:spcBef>
-          <a:spcPct val="20000"/>
+          <a:spcPts val="500"/>
         </a:spcBef>
-        <a:buFont typeface="Arial" pitchFamily="34" charset="0"/>
+        <a:buFont typeface="Arial" panose="020B0604020202020204" pitchFamily="34" charset="0"/>
         <a:buChar char="•"/>
-        <a:defRPr sz="2000" kern="1200">
+        <a:defRPr sz="1800" kern="1200">
           <a:solidFill>
             <a:schemeClr val="tx1"/>
           </a:solidFill>
@@ -3267,13 +4665,16 @@
           <a:cs typeface="+mn-cs"/>
         </a:defRPr>
       </a:lvl8pPr>
-      <a:lvl9pPr marL="3884878" indent="-228522" algn="l" defTabSz="914088" rtl="0" eaLnBrk="1" latinLnBrk="0" hangingPunct="1">
+      <a:lvl9pPr marL="3886200" indent="-228600" algn="l" defTabSz="914400" rtl="0" eaLnBrk="1" latinLnBrk="0" hangingPunct="1">
+        <a:lnSpc>
+          <a:spcPct val="90000"/>
+        </a:lnSpc>
         <a:spcBef>
-          <a:spcPct val="20000"/>
+          <a:spcPts val="500"/>
         </a:spcBef>
-        <a:buFont typeface="Arial" pitchFamily="34" charset="0"/>
+        <a:buFont typeface="Arial" panose="020B0604020202020204" pitchFamily="34" charset="0"/>
         <a:buChar char="•"/>
-        <a:defRPr sz="2000" kern="1200">
+        <a:defRPr sz="1800" kern="1200">
           <a:solidFill>
             <a:schemeClr val="tx1"/>
           </a:solidFill>
@@ -3287,7 +4688,7 @@
       <a:defPPr>
         <a:defRPr lang="en-US"/>
       </a:defPPr>
-      <a:lvl1pPr marL="0" algn="l" defTabSz="914088" rtl="0" eaLnBrk="1" latinLnBrk="0" hangingPunct="1">
+      <a:lvl1pPr marL="0" algn="l" defTabSz="914400" rtl="0" eaLnBrk="1" latinLnBrk="0" hangingPunct="1">
         <a:defRPr sz="1800" kern="1200">
           <a:solidFill>
             <a:schemeClr val="tx1"/>
@@ -3297,7 +4698,7 @@
           <a:cs typeface="+mn-cs"/>
         </a:defRPr>
       </a:lvl1pPr>
-      <a:lvl2pPr marL="457044" algn="l" defTabSz="914088" rtl="0" eaLnBrk="1" latinLnBrk="0" hangingPunct="1">
+      <a:lvl2pPr marL="457200" algn="l" defTabSz="914400" rtl="0" eaLnBrk="1" latinLnBrk="0" hangingPunct="1">
         <a:defRPr sz="1800" kern="1200">
           <a:solidFill>
             <a:schemeClr val="tx1"/>
@@ -3307,7 +4708,7 @@
           <a:cs typeface="+mn-cs"/>
         </a:defRPr>
       </a:lvl2pPr>
-      <a:lvl3pPr marL="914088" algn="l" defTabSz="914088" rtl="0" eaLnBrk="1" latinLnBrk="0" hangingPunct="1">
+      <a:lvl3pPr marL="914400" algn="l" defTabSz="914400" rtl="0" eaLnBrk="1" latinLnBrk="0" hangingPunct="1">
         <a:defRPr sz="1800" kern="1200">
           <a:solidFill>
             <a:schemeClr val="tx1"/>
@@ -3317,7 +4718,7 @@
           <a:cs typeface="+mn-cs"/>
         </a:defRPr>
       </a:lvl3pPr>
-      <a:lvl4pPr marL="1371133" algn="l" defTabSz="914088" rtl="0" eaLnBrk="1" latinLnBrk="0" hangingPunct="1">
+      <a:lvl4pPr marL="1371600" algn="l" defTabSz="914400" rtl="0" eaLnBrk="1" latinLnBrk="0" hangingPunct="1">
         <a:defRPr sz="1800" kern="1200">
           <a:solidFill>
             <a:schemeClr val="tx1"/>
@@ -3327,7 +4728,7 @@
           <a:cs typeface="+mn-cs"/>
         </a:defRPr>
       </a:lvl4pPr>
-      <a:lvl5pPr marL="1828178" algn="l" defTabSz="914088" rtl="0" eaLnBrk="1" latinLnBrk="0" hangingPunct="1">
+      <a:lvl5pPr marL="1828800" algn="l" defTabSz="914400" rtl="0" eaLnBrk="1" latinLnBrk="0" hangingPunct="1">
         <a:defRPr sz="1800" kern="1200">
           <a:solidFill>
             <a:schemeClr val="tx1"/>
@@ -3337,7 +4738,7 @@
           <a:cs typeface="+mn-cs"/>
         </a:defRPr>
       </a:lvl5pPr>
-      <a:lvl6pPr marL="2285222" algn="l" defTabSz="914088" rtl="0" eaLnBrk="1" latinLnBrk="0" hangingPunct="1">
+      <a:lvl6pPr marL="2286000" algn="l" defTabSz="914400" rtl="0" eaLnBrk="1" latinLnBrk="0" hangingPunct="1">
         <a:defRPr sz="1800" kern="1200">
           <a:solidFill>
             <a:schemeClr val="tx1"/>
@@ -3347,7 +4748,7 @@
           <a:cs typeface="+mn-cs"/>
         </a:defRPr>
       </a:lvl6pPr>
-      <a:lvl7pPr marL="2742267" algn="l" defTabSz="914088" rtl="0" eaLnBrk="1" latinLnBrk="0" hangingPunct="1">
+      <a:lvl7pPr marL="2743200" algn="l" defTabSz="914400" rtl="0" eaLnBrk="1" latinLnBrk="0" hangingPunct="1">
         <a:defRPr sz="1800" kern="1200">
           <a:solidFill>
             <a:schemeClr val="tx1"/>
@@ -3357,7 +4758,7 @@
           <a:cs typeface="+mn-cs"/>
         </a:defRPr>
       </a:lvl7pPr>
-      <a:lvl8pPr marL="3199311" algn="l" defTabSz="914088" rtl="0" eaLnBrk="1" latinLnBrk="0" hangingPunct="1">
+      <a:lvl8pPr marL="3200400" algn="l" defTabSz="914400" rtl="0" eaLnBrk="1" latinLnBrk="0" hangingPunct="1">
         <a:defRPr sz="1800" kern="1200">
           <a:solidFill>
             <a:schemeClr val="tx1"/>
@@ -3367,7 +4768,7 @@
           <a:cs typeface="+mn-cs"/>
         </a:defRPr>
       </a:lvl8pPr>
-      <a:lvl9pPr marL="3656358" algn="l" defTabSz="914088" rtl="0" eaLnBrk="1" latinLnBrk="0" hangingPunct="1">
+      <a:lvl9pPr marL="3657600" algn="l" defTabSz="914400" rtl="0" eaLnBrk="1" latinLnBrk="0" hangingPunct="1">
         <a:defRPr sz="1800" kern="1200">
           <a:solidFill>
             <a:schemeClr val="tx1"/>
@@ -3383,6 +4784,339 @@
 </file>
 
 <file path=ppt/slides/slide1.xml><?xml version="1.0" encoding="utf-8"?>
+<p:sld xmlns:a="http://schemas.openxmlformats.org/drawingml/2006/main" xmlns:r="http://schemas.openxmlformats.org/officeDocument/2006/relationships" xmlns:p="http://schemas.openxmlformats.org/presentationml/2006/main">
+  <p:cSld>
+    <p:spTree>
+      <p:nvGrpSpPr>
+        <p:cNvPr id="1" name=""/>
+        <p:cNvGrpSpPr/>
+        <p:nvPr/>
+      </p:nvGrpSpPr>
+      <p:grpSpPr>
+        <a:xfrm>
+          <a:off x="0" y="0"/>
+          <a:ext cx="0" cy="0"/>
+          <a:chOff x="0" y="0"/>
+          <a:chExt cx="0" cy="0"/>
+        </a:xfrm>
+      </p:grpSpPr>
+      <p:sp>
+        <p:nvSpPr>
+          <p:cNvPr id="3" name="Subtitle 2">
+            <a:extLst>
+              <a:ext uri="{FF2B5EF4-FFF2-40B4-BE49-F238E27FC236}">
+                <a16:creationId xmlns:a16="http://schemas.microsoft.com/office/drawing/2014/main" id="{E75B4CCB-89CB-4499-A232-51D28F4372C9}"/>
+              </a:ext>
+            </a:extLst>
+          </p:cNvPr>
+          <p:cNvSpPr>
+            <a:spLocks noGrp="1"/>
+          </p:cNvSpPr>
+          <p:nvPr>
+            <p:ph type="subTitle" idx="1"/>
+          </p:nvPr>
+        </p:nvSpPr>
+        <p:spPr>
+          <a:xfrm>
+            <a:off x="1524000" y="4381759"/>
+            <a:ext cx="9144000" cy="1655762"/>
+          </a:xfrm>
+        </p:spPr>
+        <p:txBody>
+          <a:bodyPr>
+            <a:normAutofit/>
+          </a:bodyPr>
+          <a:lstStyle/>
+          <a:p>
+            <a:r>
+              <a:rPr lang="en-US" sz="5400" b="1" dirty="0"/>
+              <a:t>Internship, 2020</a:t>
+            </a:r>
+          </a:p>
+        </p:txBody>
+      </p:sp>
+      <p:pic>
+        <p:nvPicPr>
+          <p:cNvPr id="6" name="Picture 5">
+            <a:extLst>
+              <a:ext uri="{FF2B5EF4-FFF2-40B4-BE49-F238E27FC236}">
+                <a16:creationId xmlns:a16="http://schemas.microsoft.com/office/drawing/2014/main" id="{D5ADD0AA-D3A1-4193-94D6-6FFCDF7E2352}"/>
+              </a:ext>
+            </a:extLst>
+          </p:cNvPr>
+          <p:cNvPicPr>
+            <a:picLocks noChangeAspect="1"/>
+          </p:cNvPicPr>
+          <p:nvPr/>
+        </p:nvPicPr>
+        <p:blipFill>
+          <a:blip r:embed="rId2">
+            <a:extLst>
+              <a:ext uri="{28A0092B-C50C-407E-A947-70E740481C1C}">
+                <a14:useLocalDpi xmlns:a14="http://schemas.microsoft.com/office/drawing/2010/main" val="0"/>
+              </a:ext>
+            </a:extLst>
+          </a:blip>
+          <a:stretch>
+            <a:fillRect/>
+          </a:stretch>
+        </p:blipFill>
+        <p:spPr>
+          <a:xfrm>
+            <a:off x="3151527" y="2476241"/>
+            <a:ext cx="5888945" cy="1732480"/>
+          </a:xfrm>
+          <a:prstGeom prst="rect">
+            <a:avLst/>
+          </a:prstGeom>
+          <a:solidFill>
+            <a:srgbClr val="C00000"/>
+          </a:solidFill>
+        </p:spPr>
+      </p:pic>
+      <p:sp>
+        <p:nvSpPr>
+          <p:cNvPr id="4" name="Subtitle 2">
+            <a:extLst>
+              <a:ext uri="{FF2B5EF4-FFF2-40B4-BE49-F238E27FC236}">
+                <a16:creationId xmlns:a16="http://schemas.microsoft.com/office/drawing/2014/main" id="{C1B07998-0EB0-46DA-8772-91A09214938A}"/>
+              </a:ext>
+            </a:extLst>
+          </p:cNvPr>
+          <p:cNvSpPr txBox="1">
+            <a:spLocks/>
+          </p:cNvSpPr>
+          <p:nvPr/>
+        </p:nvSpPr>
+        <p:spPr>
+          <a:xfrm>
+            <a:off x="1293628" y="1561841"/>
+            <a:ext cx="9144000" cy="1655762"/>
+          </a:xfrm>
+          <a:prstGeom prst="rect">
+            <a:avLst/>
+          </a:prstGeom>
+        </p:spPr>
+        <p:txBody>
+          <a:bodyPr vert="horz" lIns="91440" tIns="45720" rIns="91440" bIns="45720" rtlCol="0">
+            <a:normAutofit/>
+          </a:bodyPr>
+          <a:lstStyle>
+            <a:lvl1pPr marL="0" indent="0" algn="ctr" defTabSz="914400" rtl="0" eaLnBrk="1" latinLnBrk="0" hangingPunct="1">
+              <a:lnSpc>
+                <a:spcPct val="90000"/>
+              </a:lnSpc>
+              <a:spcBef>
+                <a:spcPts val="1000"/>
+              </a:spcBef>
+              <a:buFont typeface="Arial" panose="020B0604020202020204" pitchFamily="34" charset="0"/>
+              <a:buNone/>
+              <a:defRPr sz="2400" kern="1200">
+                <a:solidFill>
+                  <a:schemeClr val="tx1"/>
+                </a:solidFill>
+                <a:latin typeface="+mn-lt"/>
+                <a:ea typeface="+mn-ea"/>
+                <a:cs typeface="+mn-cs"/>
+              </a:defRPr>
+            </a:lvl1pPr>
+            <a:lvl2pPr marL="457200" indent="0" algn="ctr" defTabSz="914400" rtl="0" eaLnBrk="1" latinLnBrk="0" hangingPunct="1">
+              <a:lnSpc>
+                <a:spcPct val="90000"/>
+              </a:lnSpc>
+              <a:spcBef>
+                <a:spcPts val="500"/>
+              </a:spcBef>
+              <a:buFont typeface="Arial" panose="020B0604020202020204" pitchFamily="34" charset="0"/>
+              <a:buNone/>
+              <a:defRPr sz="2000" kern="1200">
+                <a:solidFill>
+                  <a:schemeClr val="tx1"/>
+                </a:solidFill>
+                <a:latin typeface="+mn-lt"/>
+                <a:ea typeface="+mn-ea"/>
+                <a:cs typeface="+mn-cs"/>
+              </a:defRPr>
+            </a:lvl2pPr>
+            <a:lvl3pPr marL="914400" indent="0" algn="ctr" defTabSz="914400" rtl="0" eaLnBrk="1" latinLnBrk="0" hangingPunct="1">
+              <a:lnSpc>
+                <a:spcPct val="90000"/>
+              </a:lnSpc>
+              <a:spcBef>
+                <a:spcPts val="500"/>
+              </a:spcBef>
+              <a:buFont typeface="Arial" panose="020B0604020202020204" pitchFamily="34" charset="0"/>
+              <a:buNone/>
+              <a:defRPr sz="1800" kern="1200">
+                <a:solidFill>
+                  <a:schemeClr val="tx1"/>
+                </a:solidFill>
+                <a:latin typeface="+mn-lt"/>
+                <a:ea typeface="+mn-ea"/>
+                <a:cs typeface="+mn-cs"/>
+              </a:defRPr>
+            </a:lvl3pPr>
+            <a:lvl4pPr marL="1371600" indent="0" algn="ctr" defTabSz="914400" rtl="0" eaLnBrk="1" latinLnBrk="0" hangingPunct="1">
+              <a:lnSpc>
+                <a:spcPct val="90000"/>
+              </a:lnSpc>
+              <a:spcBef>
+                <a:spcPts val="500"/>
+              </a:spcBef>
+              <a:buFont typeface="Arial" panose="020B0604020202020204" pitchFamily="34" charset="0"/>
+              <a:buNone/>
+              <a:defRPr sz="1600" kern="1200">
+                <a:solidFill>
+                  <a:schemeClr val="tx1"/>
+                </a:solidFill>
+                <a:latin typeface="+mn-lt"/>
+                <a:ea typeface="+mn-ea"/>
+                <a:cs typeface="+mn-cs"/>
+              </a:defRPr>
+            </a:lvl4pPr>
+            <a:lvl5pPr marL="1828800" indent="0" algn="ctr" defTabSz="914400" rtl="0" eaLnBrk="1" latinLnBrk="0" hangingPunct="1">
+              <a:lnSpc>
+                <a:spcPct val="90000"/>
+              </a:lnSpc>
+              <a:spcBef>
+                <a:spcPts val="500"/>
+              </a:spcBef>
+              <a:buFont typeface="Arial" panose="020B0604020202020204" pitchFamily="34" charset="0"/>
+              <a:buNone/>
+              <a:defRPr sz="1600" kern="1200">
+                <a:solidFill>
+                  <a:schemeClr val="tx1"/>
+                </a:solidFill>
+                <a:latin typeface="+mn-lt"/>
+                <a:ea typeface="+mn-ea"/>
+                <a:cs typeface="+mn-cs"/>
+              </a:defRPr>
+            </a:lvl5pPr>
+            <a:lvl6pPr marL="2286000" indent="0" algn="ctr" defTabSz="914400" rtl="0" eaLnBrk="1" latinLnBrk="0" hangingPunct="1">
+              <a:lnSpc>
+                <a:spcPct val="90000"/>
+              </a:lnSpc>
+              <a:spcBef>
+                <a:spcPts val="500"/>
+              </a:spcBef>
+              <a:buFont typeface="Arial" panose="020B0604020202020204" pitchFamily="34" charset="0"/>
+              <a:buNone/>
+              <a:defRPr sz="1600" kern="1200">
+                <a:solidFill>
+                  <a:schemeClr val="tx1"/>
+                </a:solidFill>
+                <a:latin typeface="+mn-lt"/>
+                <a:ea typeface="+mn-ea"/>
+                <a:cs typeface="+mn-cs"/>
+              </a:defRPr>
+            </a:lvl6pPr>
+            <a:lvl7pPr marL="2743200" indent="0" algn="ctr" defTabSz="914400" rtl="0" eaLnBrk="1" latinLnBrk="0" hangingPunct="1">
+              <a:lnSpc>
+                <a:spcPct val="90000"/>
+              </a:lnSpc>
+              <a:spcBef>
+                <a:spcPts val="500"/>
+              </a:spcBef>
+              <a:buFont typeface="Arial" panose="020B0604020202020204" pitchFamily="34" charset="0"/>
+              <a:buNone/>
+              <a:defRPr sz="1600" kern="1200">
+                <a:solidFill>
+                  <a:schemeClr val="tx1"/>
+                </a:solidFill>
+                <a:latin typeface="+mn-lt"/>
+                <a:ea typeface="+mn-ea"/>
+                <a:cs typeface="+mn-cs"/>
+              </a:defRPr>
+            </a:lvl7pPr>
+            <a:lvl8pPr marL="3200400" indent="0" algn="ctr" defTabSz="914400" rtl="0" eaLnBrk="1" latinLnBrk="0" hangingPunct="1">
+              <a:lnSpc>
+                <a:spcPct val="90000"/>
+              </a:lnSpc>
+              <a:spcBef>
+                <a:spcPts val="500"/>
+              </a:spcBef>
+              <a:buFont typeface="Arial" panose="020B0604020202020204" pitchFamily="34" charset="0"/>
+              <a:buNone/>
+              <a:defRPr sz="1600" kern="1200">
+                <a:solidFill>
+                  <a:schemeClr val="tx1"/>
+                </a:solidFill>
+                <a:latin typeface="+mn-lt"/>
+                <a:ea typeface="+mn-ea"/>
+                <a:cs typeface="+mn-cs"/>
+              </a:defRPr>
+            </a:lvl8pPr>
+            <a:lvl9pPr marL="3657600" indent="0" algn="ctr" defTabSz="914400" rtl="0" eaLnBrk="1" latinLnBrk="0" hangingPunct="1">
+              <a:lnSpc>
+                <a:spcPct val="90000"/>
+              </a:lnSpc>
+              <a:spcBef>
+                <a:spcPts val="500"/>
+              </a:spcBef>
+              <a:buFont typeface="Arial" panose="020B0604020202020204" pitchFamily="34" charset="0"/>
+              <a:buNone/>
+              <a:defRPr sz="1600" kern="1200">
+                <a:solidFill>
+                  <a:schemeClr val="tx1"/>
+                </a:solidFill>
+                <a:latin typeface="+mn-lt"/>
+                <a:ea typeface="+mn-ea"/>
+                <a:cs typeface="+mn-cs"/>
+              </a:defRPr>
+            </a:lvl9pPr>
+          </a:lstStyle>
+          <a:p>
+            <a:pPr marL="0" marR="0" lvl="0" indent="0" algn="ctr" defTabSz="914400" rtl="0" eaLnBrk="1" fontAlgn="auto" latinLnBrk="0" hangingPunct="1">
+              <a:lnSpc>
+                <a:spcPct val="90000"/>
+              </a:lnSpc>
+              <a:spcBef>
+                <a:spcPts val="1000"/>
+              </a:spcBef>
+              <a:spcAft>
+                <a:spcPts val="0"/>
+              </a:spcAft>
+              <a:buClrTx/>
+              <a:buSzTx/>
+              <a:buFont typeface="Arial" panose="020B0604020202020204" pitchFamily="34" charset="0"/>
+              <a:buNone/>
+              <a:tabLst/>
+              <a:defRPr/>
+            </a:pPr>
+            <a:r>
+              <a:rPr kumimoji="0" lang="en-US" sz="5400" b="1" i="0" u="none" strike="noStrike" kern="1200" cap="none" spc="0" normalizeH="0" baseline="0" noProof="0" dirty="0">
+                <a:ln>
+                  <a:noFill/>
+                </a:ln>
+                <a:solidFill>
+                  <a:prstClr val="black"/>
+                </a:solidFill>
+                <a:effectLst/>
+                <a:uLnTx/>
+                <a:uFillTx/>
+                <a:latin typeface="Calibri" panose="020F0502020204030204"/>
+                <a:ea typeface="+mn-ea"/>
+                <a:cs typeface="+mn-cs"/>
+              </a:rPr>
+              <a:t>Welcome to </a:t>
+            </a:r>
+          </a:p>
+        </p:txBody>
+      </p:sp>
+    </p:spTree>
+    <p:extLst>
+      <p:ext uri="{BB962C8B-B14F-4D97-AF65-F5344CB8AC3E}">
+        <p14:creationId xmlns:p14="http://schemas.microsoft.com/office/powerpoint/2010/main" val="3517883754"/>
+      </p:ext>
+    </p:extLst>
+  </p:cSld>
+  <p:clrMapOvr>
+    <a:masterClrMapping/>
+  </p:clrMapOvr>
+</p:sld>
+</file>
+
+<file path=ppt/slides/slide2.xml><?xml version="1.0" encoding="utf-8"?>
 <p:sld xmlns:a="http://schemas.openxmlformats.org/drawingml/2006/main" xmlns:r="http://schemas.openxmlformats.org/officeDocument/2006/relationships" xmlns:p="http://schemas.openxmlformats.org/presentationml/2006/main">
   <p:cSld>
     <p:spTree>
@@ -3444,9 +5178,7 @@
             <a:avLst/>
           </a:prstGeom>
           <a:solidFill>
-            <a:srgbClr val="681684">
-              <a:alpha val="85000"/>
-            </a:srgbClr>
+            <a:srgbClr val="C00000"/>
           </a:solidFill>
         </p:spPr>
         <p:txBody>
@@ -3553,14 +5285,14 @@
               <a:defRPr/>
             </a:pPr>
             <a:r>
-              <a:rPr lang="en-US" sz="3600" kern="0" dirty="0">
+              <a:rPr lang="en-US" sz="3600" b="1" kern="0" dirty="0">
                 <a:solidFill>
                   <a:prstClr val="white"/>
                 </a:solidFill>
                 <a:latin typeface="Segoe UI Light" pitchFamily="34" charset="0"/>
                 <a:cs typeface="Segoe UI" pitchFamily="34" charset="0"/>
               </a:rPr>
-              <a:t>IDC Foundry Hyderabad</a:t>
+              <a:t>Garage India Internship 2020</a:t>
             </a:r>
           </a:p>
           <a:p>
@@ -3568,7 +5300,7 @@
               <a:defRPr/>
             </a:pPr>
             <a:r>
-              <a:rPr lang="en-US" sz="3600" kern="0" dirty="0">
+              <a:rPr lang="en-US" sz="3600" b="1" kern="0" dirty="0">
                 <a:solidFill>
                   <a:prstClr val="white"/>
                 </a:solidFill>
@@ -3593,163 +5325,6 @@
   <p:transition>
     <p:fade/>
   </p:transition>
-</p:sld>
-</file>
-
-<file path=ppt/slides/slide2.xml><?xml version="1.0" encoding="utf-8"?>
-<p:sld xmlns:a="http://schemas.openxmlformats.org/drawingml/2006/main" xmlns:r="http://schemas.openxmlformats.org/officeDocument/2006/relationships" xmlns:p="http://schemas.openxmlformats.org/presentationml/2006/main">
-  <p:cSld>
-    <p:spTree>
-      <p:nvGrpSpPr>
-        <p:cNvPr id="1" name=""/>
-        <p:cNvGrpSpPr/>
-        <p:nvPr/>
-      </p:nvGrpSpPr>
-      <p:grpSpPr>
-        <a:xfrm>
-          <a:off x="0" y="0"/>
-          <a:ext cx="0" cy="0"/>
-          <a:chOff x="0" y="0"/>
-          <a:chExt cx="0" cy="0"/>
-        </a:xfrm>
-      </p:grpSpPr>
-      <p:sp>
-        <p:nvSpPr>
-          <p:cNvPr id="5" name="Text Placeholder 4"/>
-          <p:cNvSpPr>
-            <a:spLocks noGrp="1"/>
-          </p:cNvSpPr>
-          <p:nvPr>
-            <p:ph type="body" sz="quarter" idx="10"/>
-          </p:nvPr>
-        </p:nvSpPr>
-        <p:spPr/>
-        <p:txBody>
-          <a:bodyPr/>
-          <a:lstStyle/>
-          <a:p>
-            <a:r>
-              <a:rPr lang="en-US" dirty="0"/>
-              <a:t>Introduction</a:t>
-            </a:r>
-          </a:p>
-        </p:txBody>
-      </p:sp>
-      <p:sp>
-        <p:nvSpPr>
-          <p:cNvPr id="4" name="Subtitle 3"/>
-          <p:cNvSpPr>
-            <a:spLocks noGrp="1"/>
-          </p:cNvSpPr>
-          <p:nvPr>
-            <p:ph type="subTitle" idx="1"/>
-          </p:nvPr>
-        </p:nvSpPr>
-        <p:spPr/>
-        <p:txBody>
-          <a:bodyPr/>
-          <a:lstStyle/>
-          <a:p>
-            <a:endParaRPr lang="en-US" dirty="0"/>
-          </a:p>
-        </p:txBody>
-      </p:sp>
-      <p:sp>
-        <p:nvSpPr>
-          <p:cNvPr id="2" name="Rectangle 1"/>
-          <p:cNvSpPr/>
-          <p:nvPr/>
-        </p:nvSpPr>
-        <p:spPr>
-          <a:xfrm>
-            <a:off x="2550695" y="216568"/>
-            <a:ext cx="3152273" cy="2057400"/>
-          </a:xfrm>
-          <a:prstGeom prst="rect">
-            <a:avLst/>
-          </a:prstGeom>
-          <a:ln>
-            <a:solidFill>
-              <a:schemeClr val="bg1"/>
-            </a:solidFill>
-          </a:ln>
-        </p:spPr>
-        <p:style>
-          <a:lnRef idx="2">
-            <a:schemeClr val="accent6"/>
-          </a:lnRef>
-          <a:fillRef idx="1">
-            <a:schemeClr val="lt1"/>
-          </a:fillRef>
-          <a:effectRef idx="0">
-            <a:schemeClr val="accent6"/>
-          </a:effectRef>
-          <a:fontRef idx="minor">
-            <a:schemeClr val="dk1"/>
-          </a:fontRef>
-        </p:style>
-        <p:txBody>
-          <a:bodyPr rtlCol="0" anchor="ctr"/>
-          <a:lstStyle/>
-          <a:p>
-            <a:pPr algn="ctr"/>
-            <a:endParaRPr lang="en-IN"/>
-          </a:p>
-        </p:txBody>
-      </p:sp>
-      <p:sp>
-        <p:nvSpPr>
-          <p:cNvPr id="6" name="Rectangle 5"/>
-          <p:cNvSpPr/>
-          <p:nvPr/>
-        </p:nvSpPr>
-        <p:spPr>
-          <a:xfrm>
-            <a:off x="193271" y="36062"/>
-            <a:ext cx="3152273" cy="2057400"/>
-          </a:xfrm>
-          <a:prstGeom prst="rect">
-            <a:avLst/>
-          </a:prstGeom>
-          <a:ln>
-            <a:solidFill>
-              <a:schemeClr val="bg1"/>
-            </a:solidFill>
-          </a:ln>
-        </p:spPr>
-        <p:style>
-          <a:lnRef idx="2">
-            <a:schemeClr val="accent6"/>
-          </a:lnRef>
-          <a:fillRef idx="1">
-            <a:schemeClr val="lt1"/>
-          </a:fillRef>
-          <a:effectRef idx="0">
-            <a:schemeClr val="accent6"/>
-          </a:effectRef>
-          <a:fontRef idx="minor">
-            <a:schemeClr val="dk1"/>
-          </a:fontRef>
-        </p:style>
-        <p:txBody>
-          <a:bodyPr rtlCol="0" anchor="ctr"/>
-          <a:lstStyle/>
-          <a:p>
-            <a:pPr algn="ctr"/>
-            <a:endParaRPr lang="en-IN"/>
-          </a:p>
-        </p:txBody>
-      </p:sp>
-    </p:spTree>
-    <p:extLst>
-      <p:ext uri="{BB962C8B-B14F-4D97-AF65-F5344CB8AC3E}">
-        <p14:creationId xmlns:p14="http://schemas.microsoft.com/office/powerpoint/2010/main" val="1003187277"/>
-      </p:ext>
-    </p:extLst>
-  </p:cSld>
-  <p:clrMapOvr>
-    <a:masterClrMapping/>
-  </p:clrMapOvr>
 </p:sld>
 </file>
 
@@ -3833,16 +5408,35 @@
           <a:p>
             <a:r>
               <a:rPr lang="en-IN" dirty="0"/>
-              <a:t>Speakers – </a:t>
+              <a:t>Speakers – Vinayak, Trilok, Prakash, </a:t>
             </a:r>
             <a:r>
               <a:rPr lang="en-IN" dirty="0" err="1"/>
-              <a:t>Vinayak,Trilok</a:t>
+              <a:t>Sravani</a:t>
             </a:r>
             <a:r>
               <a:rPr lang="en-IN" dirty="0"/>
-              <a:t>, Netaji, Lakshmi, Shubham</a:t>
-            </a:r>
+              <a:t>, </a:t>
+            </a:r>
+            <a:r>
+              <a:rPr lang="en-IN" dirty="0" err="1"/>
+              <a:t>Santhan</a:t>
+            </a:r>
+            <a:r>
+              <a:rPr lang="en-IN" dirty="0"/>
+              <a:t>, Mrinal,  </a:t>
+            </a:r>
+            <a:r>
+              <a:rPr lang="en-IN" dirty="0" err="1"/>
+              <a:t>Saiteja</a:t>
+            </a:r>
+            <a:r>
+              <a:rPr lang="en-IN" dirty="0"/>
+              <a:t>, Surya, Satish, Manjunath, Jeetendra Pandey and Sanjeev’s Team</a:t>
+            </a:r>
+          </a:p>
+          <a:p>
+            <a:endParaRPr lang="en-IN" dirty="0"/>
           </a:p>
         </p:txBody>
       </p:sp>
@@ -3903,14 +5497,8 @@
             </a:pPr>
             <a:r>
               <a:rPr lang="en-US" sz="1800" dirty="0"/>
-              <a:t>Life Compass - live your goals*</a:t>
-            </a:r>
-          </a:p>
-          <a:p>
-            <a:pPr marL="0" indent="0" algn="ctr">
-              <a:buNone/>
-            </a:pPr>
-            <a:endParaRPr lang="en-US" sz="1800" dirty="0"/>
+              <a:t>Carbon Dashboard</a:t>
+            </a:r>
           </a:p>
         </p:txBody>
       </p:sp>
@@ -3926,23 +5514,30 @@
         </p:nvSpPr>
         <p:spPr>
           <a:xfrm>
-            <a:off x="379514" y="132110"/>
-            <a:ext cx="11524432" cy="1063487"/>
+            <a:off x="83976" y="132110"/>
+            <a:ext cx="11819970" cy="1063487"/>
           </a:xfrm>
         </p:spPr>
         <p:txBody>
-          <a:bodyPr/>
+          <a:bodyPr>
+            <a:normAutofit/>
+          </a:bodyPr>
           <a:lstStyle/>
           <a:p>
             <a:pPr algn="ctr"/>
             <a:r>
-              <a:rPr lang="en-IN" dirty="0"/>
-              <a:t>Foundry Projects - Hyderabad</a:t>
+              <a:rPr lang="en-IN" dirty="0">
+                <a:latin typeface="Segoe UI Light"/>
+                <a:cs typeface="Segoe UI Light"/>
+              </a:rPr>
+              <a:t>The Garage India Internship Projects </a:t>
             </a:r>
             <a:endParaRPr lang="en-IN" dirty="0">
               <a:solidFill>
                 <a:srgbClr val="FF0000"/>
               </a:solidFill>
+              <a:latin typeface="Segoe UI Light"/>
+              <a:cs typeface="Segoe UI Light"/>
             </a:endParaRPr>
           </a:p>
         </p:txBody>
@@ -3973,13 +5568,10 @@
               <a:buNone/>
             </a:pPr>
             <a:r>
-              <a:rPr lang="fr-FR" sz="1800" dirty="0" err="1"/>
-              <a:t>Seshat</a:t>
-            </a:r>
-            <a:r>
-              <a:rPr lang="fr-FR" sz="1800" dirty="0"/>
-              <a:t>: a content intelligence platform</a:t>
-            </a:r>
+              <a:rPr lang="en-US" sz="1800" dirty="0"/>
+              <a:t>Operational Evolution and Sustainability Based on Megatrends</a:t>
+            </a:r>
+            <a:endParaRPr lang="fr-FR" sz="1800" dirty="0"/>
           </a:p>
         </p:txBody>
       </p:sp>
@@ -3995,13 +5587,13 @@
         </p:nvSpPr>
         <p:spPr>
           <a:xfrm>
-            <a:off x="8079897" y="1371599"/>
-            <a:ext cx="3283113" cy="788795"/>
+            <a:off x="354389" y="4165872"/>
+            <a:ext cx="3629781" cy="1133915"/>
           </a:xfrm>
         </p:spPr>
         <p:txBody>
           <a:bodyPr>
-            <a:normAutofit fontScale="92500"/>
+            <a:normAutofit/>
           </a:bodyPr>
           <a:lstStyle/>
           <a:p>
@@ -4010,13 +5602,8 @@
             </a:pPr>
             <a:r>
               <a:rPr lang="en-US" sz="1800" dirty="0"/>
-              <a:t>Surface action-oriented individual specific notifications on Teams</a:t>
-            </a:r>
-          </a:p>
-          <a:p>
-            <a:pPr marL="0" indent="0" algn="ctr">
-              <a:buNone/>
-            </a:pPr>
+              <a:t>Excel powered platform for making customized Cashflow Management Apps for mobile first Small Business customers</a:t>
+            </a:r>
             <a:endParaRPr lang="en-IN" sz="1200" dirty="0"/>
           </a:p>
         </p:txBody>
@@ -4048,13 +5635,8 @@
             </a:pPr>
             <a:r>
               <a:rPr lang="en-US" sz="1800" dirty="0"/>
-              <a:t>API evaluation of Lobby Depart Experience* </a:t>
-            </a:r>
-          </a:p>
-          <a:p>
-            <a:pPr marL="0" indent="0" algn="ctr">
-              <a:buNone/>
-            </a:pPr>
+              <a:t>Organization News in Teams</a:t>
+            </a:r>
             <a:endParaRPr lang="en-IN" sz="1200" dirty="0"/>
           </a:p>
         </p:txBody>
@@ -4086,13 +5668,8 @@
             </a:pPr>
             <a:r>
               <a:rPr lang="en-IN" sz="1800" dirty="0"/>
-              <a:t>Intelligent voice assistant for Azure monitor</a:t>
-            </a:r>
-          </a:p>
-          <a:p>
-            <a:pPr marL="0" indent="0" algn="ctr">
-              <a:buNone/>
-            </a:pPr>
+              <a:t>PDF Reflow</a:t>
+            </a:r>
             <a:endParaRPr lang="en-IN" sz="1200" dirty="0"/>
           </a:p>
         </p:txBody>
@@ -4124,13 +5701,8 @@
             </a:pPr>
             <a:r>
               <a:rPr lang="en-US" sz="1800" dirty="0"/>
-              <a:t>Azure DevOps Bots for Slack and Team</a:t>
-            </a:r>
-          </a:p>
-          <a:p>
-            <a:pPr marL="0" indent="0" algn="ctr">
-              <a:buNone/>
-            </a:pPr>
+              <a:t>Teams for EDU - differentiated experience</a:t>
+            </a:r>
             <a:endParaRPr lang="en-IN" sz="1200" dirty="0"/>
           </a:p>
         </p:txBody>
@@ -4147,24 +5719,22 @@
         </p:nvSpPr>
         <p:spPr>
           <a:xfrm>
-            <a:off x="505115" y="4228677"/>
-            <a:ext cx="3283113" cy="788795"/>
+            <a:off x="7996336" y="1392172"/>
+            <a:ext cx="3694922" cy="1063487"/>
           </a:xfrm>
         </p:spPr>
         <p:txBody>
-          <a:bodyPr/>
+          <a:bodyPr>
+            <a:normAutofit lnSpcReduction="10000"/>
+          </a:bodyPr>
           <a:lstStyle/>
           <a:p>
             <a:pPr marL="0" indent="0" algn="ctr">
               <a:buNone/>
             </a:pPr>
             <a:r>
-              <a:rPr lang="en-IN" sz="1800" dirty="0" err="1"/>
-              <a:t>Quditor</a:t>
-            </a:r>
-            <a:r>
-              <a:rPr lang="en-IN" sz="1800" dirty="0"/>
-              <a:t>*</a:t>
+              <a:rPr lang="en-US" sz="1800" dirty="0"/>
+              <a:t>Media sharing in Microsoft Teams mobile app: Best-in class video and image sharing platform for modern users.</a:t>
             </a:r>
             <a:endParaRPr lang="en-IN" sz="1200" dirty="0"/>
           </a:p>
@@ -4197,7 +5767,7 @@
             </a:pPr>
             <a:r>
               <a:rPr lang="en-IN" sz="1800" dirty="0"/>
-              <a:t>Microsoft Edge [Anaheim] on Android*</a:t>
+              <a:t>Skill based LU</a:t>
             </a:r>
           </a:p>
         </p:txBody>
@@ -4214,13 +5784,13 @@
         </p:nvSpPr>
         <p:spPr>
           <a:xfrm>
-            <a:off x="8130138" y="4228677"/>
-            <a:ext cx="3283113" cy="788795"/>
+            <a:off x="8130138" y="4228678"/>
+            <a:ext cx="3561120" cy="1071110"/>
           </a:xfrm>
         </p:spPr>
         <p:txBody>
           <a:bodyPr>
-            <a:normAutofit/>
+            <a:normAutofit lnSpcReduction="10000"/>
           </a:bodyPr>
           <a:lstStyle/>
           <a:p>
@@ -4229,7 +5799,7 @@
             </a:pPr>
             <a:r>
               <a:rPr lang="en-US" sz="1800" dirty="0"/>
-              <a:t>Defender End Point Protection for iOS*</a:t>
+              <a:t>Multi-Platform User Interface for Mixed and Virtual Reality App to Visualize and Simulate Quantum Computing</a:t>
             </a:r>
             <a:endParaRPr lang="en-IN" sz="1200" dirty="0"/>
           </a:p>
@@ -4262,7 +5832,7 @@
             </a:pPr>
             <a:r>
               <a:rPr lang="en-US" sz="1800" dirty="0"/>
-              <a:t>Activity Feed for One Drive Consumer Web*</a:t>
+              <a:t>Outlook on Jio Phone</a:t>
             </a:r>
           </a:p>
         </p:txBody>
@@ -4299,23 +5869,23 @@
       </p:grpSpPr>
       <p:sp>
         <p:nvSpPr>
-          <p:cNvPr id="2" name="Content Placeholder 1"/>
-          <p:cNvSpPr>
-            <a:spLocks noGrp="1"/>
-          </p:cNvSpPr>
-          <p:nvPr>
-            <p:ph sz="half" idx="2"/>
+          <p:cNvPr id="3" name="Content Placeholder 2"/>
+          <p:cNvSpPr>
+            <a:spLocks noGrp="1"/>
+          </p:cNvSpPr>
+          <p:nvPr>
+            <p:ph sz="quarter" idx="4"/>
           </p:nvPr>
         </p:nvSpPr>
         <p:spPr>
           <a:xfrm>
-            <a:off x="1" y="1371601"/>
-            <a:ext cx="3916392" cy="788793"/>
+            <a:off x="2526632" y="2779296"/>
+            <a:ext cx="7483642" cy="974557"/>
           </a:xfrm>
         </p:spPr>
         <p:txBody>
           <a:bodyPr>
-            <a:normAutofit fontScale="85000" lnSpcReduction="10000"/>
+            <a:noAutofit/>
           </a:bodyPr>
           <a:lstStyle/>
           <a:p>
@@ -4323,10 +5893,9 @@
               <a:buNone/>
             </a:pPr>
             <a:r>
-              <a:rPr lang="en-US" b="0" dirty="0"/>
-              <a:t>Fraud Linkage Analyzer* </a:t>
-            </a:r>
-            <a:endParaRPr lang="en-US" sz="1800" dirty="0"/>
+              <a:rPr lang="en-IN" sz="5400" dirty="0"/>
+              <a:t>How do we do this?</a:t>
+            </a:r>
           </a:p>
         </p:txBody>
       </p:sp>
@@ -4340,148 +5909,25 @@
             <p:ph type="title"/>
           </p:nvPr>
         </p:nvSpPr>
-        <p:spPr>
-          <a:xfrm>
-            <a:off x="379514" y="132110"/>
-            <a:ext cx="11524432" cy="1063487"/>
-          </a:xfrm>
-        </p:spPr>
-        <p:txBody>
-          <a:bodyPr/>
+        <p:spPr/>
+        <p:txBody>
+          <a:bodyPr>
+            <a:normAutofit/>
+          </a:bodyPr>
           <a:lstStyle/>
           <a:p>
             <a:pPr algn="ctr"/>
             <a:r>
               <a:rPr lang="en-IN" dirty="0"/>
-              <a:t>Foundry Projects - Bangalore</a:t>
-            </a:r>
-            <a:endParaRPr lang="en-IN" dirty="0">
-              <a:solidFill>
-                <a:srgbClr val="FF0000"/>
-              </a:solidFill>
-            </a:endParaRPr>
-          </a:p>
-        </p:txBody>
-      </p:sp>
-      <p:sp>
-        <p:nvSpPr>
-          <p:cNvPr id="10" name="Content Placeholder 1"/>
-          <p:cNvSpPr>
-            <a:spLocks noGrp="1"/>
-          </p:cNvSpPr>
-          <p:nvPr>
-            <p:ph sz="half" idx="2"/>
-          </p:nvPr>
-        </p:nvSpPr>
-        <p:spPr>
-          <a:xfrm>
-            <a:off x="7685389" y="1371601"/>
-            <a:ext cx="3809925" cy="788795"/>
-          </a:xfrm>
-        </p:spPr>
-        <p:txBody>
-          <a:bodyPr>
-            <a:normAutofit fontScale="85000" lnSpcReduction="20000"/>
-          </a:bodyPr>
-          <a:lstStyle/>
-          <a:p>
-            <a:pPr marL="0" indent="0" algn="ctr">
-              <a:buNone/>
-            </a:pPr>
-            <a:r>
-              <a:rPr lang="en-US" b="0" dirty="0" err="1"/>
-              <a:t>MyRA</a:t>
-            </a:r>
-            <a:r>
-              <a:rPr lang="en-US" b="0" dirty="0"/>
-              <a:t> - My Research Assistant*</a:t>
-            </a:r>
-            <a:r>
-              <a:rPr lang="en-US" sz="1800" dirty="0"/>
-              <a:t> </a:t>
-            </a:r>
-            <a:endParaRPr lang="fr-FR" sz="1800" dirty="0"/>
-          </a:p>
-        </p:txBody>
-      </p:sp>
-      <p:sp>
-        <p:nvSpPr>
-          <p:cNvPr id="13" name="Content Placeholder 1"/>
-          <p:cNvSpPr>
-            <a:spLocks noGrp="1"/>
-          </p:cNvSpPr>
-          <p:nvPr>
-            <p:ph sz="half" idx="2"/>
-          </p:nvPr>
-        </p:nvSpPr>
-        <p:spPr>
-          <a:xfrm>
-            <a:off x="1587991" y="2914015"/>
-            <a:ext cx="3558774" cy="1314662"/>
-          </a:xfrm>
-        </p:spPr>
-        <p:txBody>
-          <a:bodyPr>
-            <a:normAutofit fontScale="85000" lnSpcReduction="10000"/>
-          </a:bodyPr>
-          <a:lstStyle/>
-          <a:p>
-            <a:pPr marL="0" indent="0" algn="ctr">
-              <a:buNone/>
-            </a:pPr>
-            <a:r>
-              <a:rPr lang="en-US" b="0" dirty="0"/>
-              <a:t>Smart Walking Stick - Low cost edition for Developing markets</a:t>
-            </a:r>
-            <a:r>
-              <a:rPr lang="en-US" sz="1800" dirty="0"/>
-              <a:t> </a:t>
-            </a:r>
-            <a:endParaRPr lang="en-IN" sz="1200" dirty="0"/>
-          </a:p>
-        </p:txBody>
-      </p:sp>
-      <p:sp>
-        <p:nvSpPr>
-          <p:cNvPr id="17" name="Content Placeholder 1"/>
-          <p:cNvSpPr>
-            <a:spLocks noGrp="1"/>
-          </p:cNvSpPr>
-          <p:nvPr>
-            <p:ph sz="half" idx="2"/>
-          </p:nvPr>
-        </p:nvSpPr>
-        <p:spPr>
-          <a:xfrm>
-            <a:off x="6667098" y="2910326"/>
-            <a:ext cx="3378239" cy="1257724"/>
-          </a:xfrm>
-        </p:spPr>
-        <p:txBody>
-          <a:bodyPr>
-            <a:normAutofit fontScale="92500" lnSpcReduction="20000"/>
-          </a:bodyPr>
-          <a:lstStyle/>
-          <a:p>
-            <a:pPr marL="0" indent="0" algn="ctr">
-              <a:buNone/>
-            </a:pPr>
-            <a:r>
-              <a:rPr lang="en-US" b="0" dirty="0"/>
-              <a:t>Modern Employee Intranet on Microsoft Teams*</a:t>
-            </a:r>
-            <a:r>
-              <a:rPr lang="en-US" sz="1800" dirty="0"/>
-              <a:t> </a:t>
-            </a:r>
-            <a:endParaRPr lang="en-IN" sz="1200" dirty="0"/>
+              <a:t>The Garage India Internship Projects Projects</a:t>
+            </a:r>
           </a:p>
         </p:txBody>
       </p:sp>
     </p:spTree>
     <p:extLst>
       <p:ext uri="{BB962C8B-B14F-4D97-AF65-F5344CB8AC3E}">
-        <p14:creationId xmlns:p14="http://schemas.microsoft.com/office/powerpoint/2010/main" val="3409493168"/>
+        <p14:creationId xmlns:p14="http://schemas.microsoft.com/office/powerpoint/2010/main" val="1089944936"/>
       </p:ext>
     </p:extLst>
   </p:cSld>
@@ -4510,91 +5956,6 @@
       </p:grpSpPr>
       <p:sp>
         <p:nvSpPr>
-          <p:cNvPr id="3" name="Content Placeholder 2"/>
-          <p:cNvSpPr>
-            <a:spLocks noGrp="1"/>
-          </p:cNvSpPr>
-          <p:nvPr>
-            <p:ph sz="quarter" idx="4"/>
-          </p:nvPr>
-        </p:nvSpPr>
-        <p:spPr>
-          <a:xfrm>
-            <a:off x="2526632" y="2779296"/>
-            <a:ext cx="7483642" cy="974557"/>
-          </a:xfrm>
-        </p:spPr>
-        <p:txBody>
-          <a:bodyPr>
-            <a:noAutofit/>
-          </a:bodyPr>
-          <a:lstStyle/>
-          <a:p>
-            <a:pPr marL="0" indent="0" algn="ctr">
-              <a:buNone/>
-            </a:pPr>
-            <a:r>
-              <a:rPr lang="en-IN" sz="5400" dirty="0"/>
-              <a:t>How do we do this?</a:t>
-            </a:r>
-          </a:p>
-        </p:txBody>
-      </p:sp>
-      <p:sp>
-        <p:nvSpPr>
-          <p:cNvPr id="4" name="Title 3"/>
-          <p:cNvSpPr>
-            <a:spLocks noGrp="1"/>
-          </p:cNvSpPr>
-          <p:nvPr>
-            <p:ph type="title"/>
-          </p:nvPr>
-        </p:nvSpPr>
-        <p:spPr/>
-        <p:txBody>
-          <a:bodyPr/>
-          <a:lstStyle/>
-          <a:p>
-            <a:pPr algn="ctr"/>
-            <a:r>
-              <a:rPr lang="en-IN" dirty="0"/>
-              <a:t>Foundry Projects</a:t>
-            </a:r>
-          </a:p>
-        </p:txBody>
-      </p:sp>
-    </p:spTree>
-    <p:extLst>
-      <p:ext uri="{BB962C8B-B14F-4D97-AF65-F5344CB8AC3E}">
-        <p14:creationId xmlns:p14="http://schemas.microsoft.com/office/powerpoint/2010/main" val="1089944936"/>
-      </p:ext>
-    </p:extLst>
-  </p:cSld>
-  <p:clrMapOvr>
-    <a:masterClrMapping/>
-  </p:clrMapOvr>
-</p:sld>
-</file>
-
-<file path=ppt/slides/slide7.xml><?xml version="1.0" encoding="utf-8"?>
-<p:sld xmlns:a="http://schemas.openxmlformats.org/drawingml/2006/main" xmlns:r="http://schemas.openxmlformats.org/officeDocument/2006/relationships" xmlns:p="http://schemas.openxmlformats.org/presentationml/2006/main">
-  <p:cSld>
-    <p:spTree>
-      <p:nvGrpSpPr>
-        <p:cNvPr id="1" name=""/>
-        <p:cNvGrpSpPr/>
-        <p:nvPr/>
-      </p:nvGrpSpPr>
-      <p:grpSpPr>
-        <a:xfrm>
-          <a:off x="0" y="0"/>
-          <a:ext cx="0" cy="0"/>
-          <a:chOff x="0" y="0"/>
-          <a:chExt cx="0" cy="0"/>
-        </a:xfrm>
-      </p:grpSpPr>
-      <p:sp>
-        <p:nvSpPr>
           <p:cNvPr id="2" name="Title 1"/>
           <p:cNvSpPr>
             <a:spLocks noGrp="1"/>
@@ -4644,83 +6005,54 @@
             </a:r>
             <a:r>
               <a:rPr lang="en-IN" sz="1800" dirty="0"/>
-              <a:t> – Start 09:30</a:t>
+              <a:t> – Start 10:00</a:t>
             </a:r>
             <a:endParaRPr lang="en-IN" sz="2800" dirty="0"/>
           </a:p>
           <a:p>
             <a:r>
               <a:rPr lang="en-IN" sz="1400" dirty="0"/>
-              <a:t>Introduction to a lot of things </a:t>
-            </a:r>
-          </a:p>
-          <a:p>
+              <a:t>Agile/Git</a:t>
+            </a:r>
+          </a:p>
+          <a:p>
+            <a:r>
+              <a:rPr lang="en-IN" sz="1400" dirty="0" err="1"/>
+              <a:t>.Net</a:t>
+            </a:r>
             <a:r>
               <a:rPr lang="en-IN" sz="1400" dirty="0"/>
-              <a:t>Agile Methodology and Tools</a:t>
+              <a:t> /C# Sample hands on</a:t>
+            </a:r>
+          </a:p>
+          <a:p>
+            <a:r>
+              <a:rPr lang="en-IN" sz="1400" b="1" dirty="0"/>
+              <a:t>Lunch (13:00 – 14:00)</a:t>
             </a:r>
           </a:p>
           <a:p>
             <a:r>
               <a:rPr lang="en-IN" sz="1400" dirty="0"/>
-              <a:t>Introduction to </a:t>
-            </a:r>
-            <a:r>
-              <a:rPr lang="en-IN" sz="1400" dirty="0" err="1"/>
-              <a:t>.net</a:t>
-            </a:r>
+              <a:t>Web API, Sample</a:t>
+            </a:r>
+          </a:p>
+          <a:p>
             <a:r>
               <a:rPr lang="en-IN" sz="1400" dirty="0"/>
-              <a:t> and C#</a:t>
+              <a:t>Azure Fundamentals</a:t>
+            </a:r>
+          </a:p>
+          <a:p>
+            <a:r>
+              <a:rPr lang="en-IN" sz="1400" dirty="0"/>
+              <a:t>Node, Express, Mongo</a:t>
             </a:r>
           </a:p>
           <a:p>
             <a:r>
               <a:rPr lang="en-IN" sz="1400" b="1" dirty="0"/>
-              <a:t>Lunch (12:30 – 13:30)</a:t>
-            </a:r>
-          </a:p>
-          <a:p>
-            <a:r>
-              <a:rPr lang="en-IN" sz="1400" dirty="0"/>
-              <a:t>Python</a:t>
-            </a:r>
-          </a:p>
-          <a:p>
-            <a:r>
-              <a:rPr lang="en-IN" sz="1400" dirty="0" err="1"/>
-              <a:t>Javascript</a:t>
-            </a:r>
-            <a:endParaRPr lang="en-IN" sz="1400" dirty="0"/>
-          </a:p>
-          <a:p>
-            <a:r>
-              <a:rPr lang="en-IN" sz="1400" dirty="0"/>
-              <a:t>Browser extensions</a:t>
-            </a:r>
-          </a:p>
-          <a:p>
-            <a:r>
-              <a:rPr lang="en-IN" sz="1400" b="1" dirty="0"/>
-              <a:t>Snacks (16:00 - 16:30)</a:t>
-            </a:r>
-          </a:p>
-          <a:p>
-            <a:r>
-              <a:rPr lang="en-IN" sz="1400" dirty="0"/>
-              <a:t>Introduction to Azure</a:t>
-            </a:r>
-          </a:p>
-          <a:p>
-            <a:r>
-              <a:rPr lang="en-IN" sz="1400" dirty="0"/>
-              <a:t>Exercises of the day</a:t>
-            </a:r>
-          </a:p>
-          <a:p>
-            <a:r>
-              <a:rPr lang="en-IN" sz="1400" b="1" dirty="0"/>
-              <a:t>Day end (18:00)</a:t>
+              <a:t>Day end (17:00)</a:t>
             </a:r>
           </a:p>
         </p:txBody>
@@ -4900,68 +6232,61 @@
             </a:r>
             <a:r>
               <a:rPr lang="en-IN" sz="1800" dirty="0"/>
-              <a:t>– Start 09:30</a:t>
+              <a:t>– Start 10:00</a:t>
             </a:r>
           </a:p>
           <a:p>
             <a:r>
               <a:rPr lang="en-IN" sz="1400" dirty="0"/>
-              <a:t>Introduction to NodeJS and Angular</a:t>
+              <a:t>Android Programming</a:t>
             </a:r>
           </a:p>
           <a:p>
             <a:r>
               <a:rPr lang="en-IN" sz="1400" dirty="0"/>
-              <a:t>Introduction to ReactJS</a:t>
+              <a:t>React JS</a:t>
             </a:r>
           </a:p>
           <a:p>
             <a:r>
               <a:rPr lang="en-IN" sz="1400" dirty="0"/>
-              <a:t>Cognitive services</a:t>
+              <a:t>Quantum Basics</a:t>
             </a:r>
           </a:p>
           <a:p>
             <a:r>
               <a:rPr lang="en-IN" sz="1400" b="1" dirty="0"/>
-              <a:t>Lunch (12:30 – 13:30)</a:t>
+              <a:t>Lunch (13:00 – 14:00)</a:t>
             </a:r>
           </a:p>
           <a:p>
             <a:r>
               <a:rPr lang="en-IN" sz="1400" dirty="0"/>
-              <a:t>Azure SQL</a:t>
+              <a:t>Microsoft SQL Server</a:t>
             </a:r>
           </a:p>
           <a:p>
             <a:r>
               <a:rPr lang="en-IN" sz="1400" dirty="0"/>
-              <a:t>Web services</a:t>
+              <a:t>Azure Data factory</a:t>
+            </a:r>
+          </a:p>
+          <a:p>
+            <a:r>
+              <a:rPr lang="en-IN" sz="1400" dirty="0"/>
+              <a:t>Azure Data Lake</a:t>
+            </a:r>
+          </a:p>
+          <a:p>
+            <a:r>
+              <a:rPr lang="en-IN" sz="1400" dirty="0"/>
+              <a:t>Azure Databricks</a:t>
             </a:r>
           </a:p>
           <a:p>
             <a:r>
               <a:rPr lang="en-IN" sz="1400" b="1" dirty="0"/>
-              <a:t>Snacks (16:00 - 16:30)</a:t>
-            </a:r>
-          </a:p>
-          <a:p>
-            <a:r>
-              <a:rPr lang="en-IN" sz="1400" dirty="0"/>
-              <a:t>Bot Framework</a:t>
-            </a:r>
-          </a:p>
-          <a:p>
-            <a:r>
-              <a:rPr lang="en-IN" sz="1400" dirty="0" err="1"/>
-              <a:t>CosmosDB</a:t>
-            </a:r>
-            <a:endParaRPr lang="en-IN" sz="1400" dirty="0"/>
-          </a:p>
-          <a:p>
-            <a:r>
-              <a:rPr lang="en-IN" sz="1400" b="1" dirty="0"/>
-              <a:t>Day end (18:00)</a:t>
+              <a:t>Day end (17:30)</a:t>
             </a:r>
           </a:p>
         </p:txBody>
@@ -5145,72 +6470,49 @@
             </a:r>
             <a:r>
               <a:rPr lang="en-IN" sz="1800" dirty="0"/>
-              <a:t>– Start 09:30</a:t>
+              <a:t>– Start 10:00</a:t>
             </a:r>
           </a:p>
           <a:p>
             <a:r>
               <a:rPr lang="en-IN" sz="1400" dirty="0"/>
-              <a:t>Machine Learning</a:t>
+              <a:t>React Native</a:t>
             </a:r>
           </a:p>
           <a:p>
             <a:r>
               <a:rPr lang="en-IN" sz="1400" dirty="0"/>
-              <a:t>Deep Learning</a:t>
-            </a:r>
-          </a:p>
-          <a:p>
-            <a:r>
-              <a:rPr lang="en-IN" sz="1400" dirty="0" err="1"/>
-              <a:t>Scikit</a:t>
-            </a:r>
+              <a:t>Power BI</a:t>
+            </a:r>
+          </a:p>
+          <a:p>
             <a:r>
               <a:rPr lang="en-IN" sz="1400" dirty="0"/>
-              <a:t> learning</a:t>
+              <a:t>Basic ML and DL</a:t>
+            </a:r>
+          </a:p>
+          <a:p>
+            <a:r>
+              <a:rPr lang="en-IN" sz="1400" b="1" dirty="0"/>
+              <a:t>Lunch (12:30 – 14:00)</a:t>
             </a:r>
           </a:p>
           <a:p>
             <a:r>
               <a:rPr lang="en-IN" sz="1400" dirty="0"/>
-              <a:t>LUIS</a:t>
+              <a:t>Time series, LSTM, ARIMA</a:t>
+            </a:r>
+          </a:p>
+          <a:p>
+            <a:r>
+              <a:rPr lang="en-IN" sz="1400" dirty="0"/>
+              <a:t>Quantum - Advanced</a:t>
             </a:r>
           </a:p>
           <a:p>
             <a:r>
               <a:rPr lang="en-IN" sz="1400" b="1" dirty="0"/>
-              <a:t>Lunch (12:30 – 13:30)</a:t>
-            </a:r>
-          </a:p>
-          <a:p>
-            <a:r>
-              <a:rPr lang="en-IN" sz="1400" dirty="0"/>
-              <a:t>Android Development</a:t>
-            </a:r>
-          </a:p>
-          <a:p>
-            <a:r>
-              <a:rPr lang="en-IN" sz="1400" dirty="0"/>
-              <a:t>iOS development</a:t>
-            </a:r>
-          </a:p>
-          <a:p>
-            <a:r>
-              <a:rPr lang="en-IN" sz="1400" b="1" dirty="0"/>
-              <a:t>Snacks (16:00 - 16:30)</a:t>
-            </a:r>
-            <a:endParaRPr lang="en-IN" sz="1400" dirty="0"/>
-          </a:p>
-          <a:p>
-            <a:r>
-              <a:rPr lang="en-IN" sz="1400" dirty="0"/>
-              <a:t>Exercises of the day</a:t>
-            </a:r>
-          </a:p>
-          <a:p>
-            <a:r>
-              <a:rPr lang="en-IN" sz="1400" b="1" dirty="0"/>
-              <a:t>Day end (18:00)</a:t>
+              <a:t>Day end (16:00)</a:t>
             </a:r>
           </a:p>
           <a:p>
@@ -5235,7 +6537,7 @@
 </p:sld>
 </file>
 
-<file path=ppt/slides/slide8.xml><?xml version="1.0" encoding="utf-8"?>
+<file path=ppt/slides/slide7.xml><?xml version="1.0" encoding="utf-8"?>
 <p:sld xmlns:a="http://schemas.openxmlformats.org/drawingml/2006/main" xmlns:r="http://schemas.openxmlformats.org/officeDocument/2006/relationships" xmlns:p="http://schemas.openxmlformats.org/presentationml/2006/main">
   <p:cSld>
     <p:spTree>
@@ -5302,7 +6604,7 @@
             <a:pPr algn="ctr"/>
             <a:r>
               <a:rPr lang="en-IN" dirty="0"/>
-              <a:t>Foundry Projects</a:t>
+              <a:t>The Garage India Internship Projects Projects</a:t>
             </a:r>
           </a:p>
         </p:txBody>
@@ -5321,268 +6623,6 @@
 </file>
 
 <file path=ppt/theme/theme1.xml><?xml version="1.0" encoding="utf-8"?>
-<a:theme xmlns:a="http://schemas.openxmlformats.org/drawingml/2006/main" name="1_Office Theme">
-  <a:themeElements>
-    <a:clrScheme name="MVA Colors">
-      <a:dk1>
-        <a:sysClr val="windowText" lastClr="000000"/>
-      </a:dk1>
-      <a:lt1>
-        <a:sysClr val="window" lastClr="FFFFFF"/>
-      </a:lt1>
-      <a:dk2>
-        <a:srgbClr val="1F497D"/>
-      </a:dk2>
-      <a:lt2>
-        <a:srgbClr val="EEECE1"/>
-      </a:lt2>
-      <a:accent1>
-        <a:srgbClr val="4F81BD"/>
-      </a:accent1>
-      <a:accent2>
-        <a:srgbClr val="C0504D"/>
-      </a:accent2>
-      <a:accent3>
-        <a:srgbClr val="9BBB59"/>
-      </a:accent3>
-      <a:accent4>
-        <a:srgbClr val="8064A2"/>
-      </a:accent4>
-      <a:accent5>
-        <a:srgbClr val="4BACC6"/>
-      </a:accent5>
-      <a:accent6>
-        <a:srgbClr val="F79646"/>
-      </a:accent6>
-      <a:hlink>
-        <a:srgbClr val="0000FF"/>
-      </a:hlink>
-      <a:folHlink>
-        <a:srgbClr val="800080"/>
-      </a:folHlink>
-    </a:clrScheme>
-    <a:fontScheme name="MVA Fonts">
-      <a:majorFont>
-        <a:latin typeface="Segoe UI Light"/>
-        <a:ea typeface=""/>
-        <a:cs typeface=""/>
-      </a:majorFont>
-      <a:minorFont>
-        <a:latin typeface="Segoe UI Light"/>
-        <a:ea typeface=""/>
-        <a:cs typeface=""/>
-      </a:minorFont>
-    </a:fontScheme>
-    <a:fmtScheme name="Office">
-      <a:fillStyleLst>
-        <a:solidFill>
-          <a:schemeClr val="phClr"/>
-        </a:solidFill>
-        <a:gradFill rotWithShape="1">
-          <a:gsLst>
-            <a:gs pos="0">
-              <a:schemeClr val="phClr">
-                <a:tint val="50000"/>
-                <a:satMod val="300000"/>
-              </a:schemeClr>
-            </a:gs>
-            <a:gs pos="35000">
-              <a:schemeClr val="phClr">
-                <a:tint val="37000"/>
-                <a:satMod val="300000"/>
-              </a:schemeClr>
-            </a:gs>
-            <a:gs pos="100000">
-              <a:schemeClr val="phClr">
-                <a:tint val="15000"/>
-                <a:satMod val="350000"/>
-              </a:schemeClr>
-            </a:gs>
-          </a:gsLst>
-          <a:lin ang="16200000" scaled="1"/>
-        </a:gradFill>
-        <a:gradFill rotWithShape="1">
-          <a:gsLst>
-            <a:gs pos="0">
-              <a:schemeClr val="phClr">
-                <a:shade val="51000"/>
-                <a:satMod val="130000"/>
-              </a:schemeClr>
-            </a:gs>
-            <a:gs pos="80000">
-              <a:schemeClr val="phClr">
-                <a:shade val="93000"/>
-                <a:satMod val="130000"/>
-              </a:schemeClr>
-            </a:gs>
-            <a:gs pos="100000">
-              <a:schemeClr val="phClr">
-                <a:shade val="94000"/>
-                <a:satMod val="135000"/>
-              </a:schemeClr>
-            </a:gs>
-          </a:gsLst>
-          <a:lin ang="16200000" scaled="0"/>
-        </a:gradFill>
-      </a:fillStyleLst>
-      <a:lnStyleLst>
-        <a:ln w="9525" cap="flat" cmpd="sng" algn="ctr">
-          <a:solidFill>
-            <a:schemeClr val="phClr">
-              <a:shade val="95000"/>
-              <a:satMod val="105000"/>
-            </a:schemeClr>
-          </a:solidFill>
-          <a:prstDash val="solid"/>
-        </a:ln>
-        <a:ln w="25400" cap="flat" cmpd="sng" algn="ctr">
-          <a:solidFill>
-            <a:schemeClr val="phClr"/>
-          </a:solidFill>
-          <a:prstDash val="solid"/>
-        </a:ln>
-        <a:ln w="38100" cap="flat" cmpd="sng" algn="ctr">
-          <a:solidFill>
-            <a:schemeClr val="phClr"/>
-          </a:solidFill>
-          <a:prstDash val="solid"/>
-        </a:ln>
-      </a:lnStyleLst>
-      <a:effectStyleLst>
-        <a:effectStyle>
-          <a:effectLst>
-            <a:outerShdw blurRad="40000" dist="20000" dir="5400000" rotWithShape="0">
-              <a:srgbClr val="000000">
-                <a:alpha val="38000"/>
-              </a:srgbClr>
-            </a:outerShdw>
-          </a:effectLst>
-        </a:effectStyle>
-        <a:effectStyle>
-          <a:effectLst>
-            <a:outerShdw blurRad="40000" dist="23000" dir="5400000" rotWithShape="0">
-              <a:srgbClr val="000000">
-                <a:alpha val="35000"/>
-              </a:srgbClr>
-            </a:outerShdw>
-          </a:effectLst>
-        </a:effectStyle>
-        <a:effectStyle>
-          <a:effectLst>
-            <a:outerShdw blurRad="40000" dist="23000" dir="5400000" rotWithShape="0">
-              <a:srgbClr val="000000">
-                <a:alpha val="35000"/>
-              </a:srgbClr>
-            </a:outerShdw>
-          </a:effectLst>
-          <a:scene3d>
-            <a:camera prst="orthographicFront">
-              <a:rot lat="0" lon="0" rev="0"/>
-            </a:camera>
-            <a:lightRig rig="threePt" dir="t">
-              <a:rot lat="0" lon="0" rev="1200000"/>
-            </a:lightRig>
-          </a:scene3d>
-          <a:sp3d>
-            <a:bevelT w="63500" h="25400"/>
-          </a:sp3d>
-        </a:effectStyle>
-      </a:effectStyleLst>
-      <a:bgFillStyleLst>
-        <a:solidFill>
-          <a:schemeClr val="phClr"/>
-        </a:solidFill>
-        <a:gradFill rotWithShape="1">
-          <a:gsLst>
-            <a:gs pos="0">
-              <a:schemeClr val="phClr">
-                <a:tint val="40000"/>
-                <a:satMod val="350000"/>
-              </a:schemeClr>
-            </a:gs>
-            <a:gs pos="40000">
-              <a:schemeClr val="phClr">
-                <a:tint val="45000"/>
-                <a:shade val="99000"/>
-                <a:satMod val="350000"/>
-              </a:schemeClr>
-            </a:gs>
-            <a:gs pos="100000">
-              <a:schemeClr val="phClr">
-                <a:shade val="20000"/>
-                <a:satMod val="255000"/>
-              </a:schemeClr>
-            </a:gs>
-          </a:gsLst>
-          <a:path path="circle">
-            <a:fillToRect l="50000" t="-80000" r="50000" b="180000"/>
-          </a:path>
-        </a:gradFill>
-        <a:gradFill rotWithShape="1">
-          <a:gsLst>
-            <a:gs pos="0">
-              <a:schemeClr val="phClr">
-                <a:tint val="80000"/>
-                <a:satMod val="300000"/>
-              </a:schemeClr>
-            </a:gs>
-            <a:gs pos="100000">
-              <a:schemeClr val="phClr">
-                <a:shade val="30000"/>
-                <a:satMod val="200000"/>
-              </a:schemeClr>
-            </a:gs>
-          </a:gsLst>
-          <a:path path="circle">
-            <a:fillToRect l="50000" t="50000" r="50000" b="50000"/>
-          </a:path>
-        </a:gradFill>
-      </a:bgFillStyleLst>
-    </a:fmtScheme>
-  </a:themeElements>
-  <a:objectDefaults>
-    <a:txDef>
-      <a:spPr>
-        <a:ln>
-          <a:noFill/>
-        </a:ln>
-      </a:spPr>
-      <a:bodyPr vert="horz" lIns="91409" tIns="45705" rIns="91409" bIns="45705" rtlCol="0" anchor="ctr" anchorCtr="0">
-        <a:normAutofit/>
-      </a:bodyPr>
-      <a:lstStyle>
-        <a:defPPr algn="ctr">
-          <a:defRPr sz="4800" dirty="0" smtClean="0"/>
-        </a:defPPr>
-      </a:lstStyle>
-      <a:style>
-        <a:lnRef idx="2">
-          <a:schemeClr val="accent3">
-            <a:shade val="50000"/>
-          </a:schemeClr>
-        </a:lnRef>
-        <a:fillRef idx="1">
-          <a:schemeClr val="accent3"/>
-        </a:fillRef>
-        <a:effectRef idx="0">
-          <a:schemeClr val="accent3"/>
-        </a:effectRef>
-        <a:fontRef idx="minor">
-          <a:schemeClr val="lt1"/>
-        </a:fontRef>
-      </a:style>
-    </a:txDef>
-  </a:objectDefaults>
-  <a:extraClrSchemeLst/>
-  <a:extLst>
-    <a:ext uri="{05A4C25C-085E-4340-85A3-A5531E510DB2}">
-      <thm15:themeFamily xmlns:thm15="http://schemas.microsoft.com/office/thememl/2012/main" name="MVA-CourseTemplate-1.pptx" id="{44F1D109-0D62-4C50-A3FF-AB64ABB72DAD}" vid="{29F46DDF-BD45-4956-8C98-398EB1CD1615}"/>
-    </a:ext>
-  </a:extLst>
-</a:theme>
-</file>
-
-<file path=ppt/theme/theme2.xml><?xml version="1.0" encoding="utf-8"?>
 <a:theme xmlns:a="http://schemas.openxmlformats.org/drawingml/2006/main" name="Office Theme">
   <a:themeElements>
     <a:clrScheme name="Office">
@@ -5599,7 +6639,7 @@
         <a:srgbClr val="E7E6E6"/>
       </a:lt2>
       <a:accent1>
-        <a:srgbClr val="5B9BD5"/>
+        <a:srgbClr val="4472C4"/>
       </a:accent1>
       <a:accent2>
         <a:srgbClr val="ED7D31"/>
@@ -5611,7 +6651,7 @@
         <a:srgbClr val="FFC000"/>
       </a:accent4>
       <a:accent5>
-        <a:srgbClr val="4472C4"/>
+        <a:srgbClr val="5B9BD5"/>
       </a:accent5>
       <a:accent6>
         <a:srgbClr val="70AD47"/>
@@ -5628,9 +6668,9 @@
         <a:latin typeface="Calibri Light" panose="020F0302020204030204"/>
         <a:ea typeface=""/>
         <a:cs typeface=""/>
-        <a:font script="Jpan" typeface="ＭＳ Ｐゴシック"/>
+        <a:font script="Jpan" typeface="游ゴシック Light"/>
         <a:font script="Hang" typeface="맑은 고딕"/>
-        <a:font script="Hans" typeface="宋体"/>
+        <a:font script="Hans" typeface="等线 Light"/>
         <a:font script="Hant" typeface="新細明體"/>
         <a:font script="Arab" typeface="Times New Roman"/>
         <a:font script="Hebr" typeface="Times New Roman"/>
@@ -5658,14 +6698,31 @@
         <a:font script="Viet" typeface="Times New Roman"/>
         <a:font script="Uigh" typeface="Microsoft Uighur"/>
         <a:font script="Geor" typeface="Sylfaen"/>
+        <a:font script="Armn" typeface="Arial"/>
+        <a:font script="Bugi" typeface="Leelawadee UI"/>
+        <a:font script="Bopo" typeface="Microsoft JhengHei"/>
+        <a:font script="Java" typeface="Javanese Text"/>
+        <a:font script="Lisu" typeface="Segoe UI"/>
+        <a:font script="Mymr" typeface="Myanmar Text"/>
+        <a:font script="Nkoo" typeface="Ebrima"/>
+        <a:font script="Olck" typeface="Nirmala UI"/>
+        <a:font script="Osma" typeface="Ebrima"/>
+        <a:font script="Phag" typeface="Phagspa"/>
+        <a:font script="Syrn" typeface="Estrangelo Edessa"/>
+        <a:font script="Syrj" typeface="Estrangelo Edessa"/>
+        <a:font script="Syre" typeface="Estrangelo Edessa"/>
+        <a:font script="Sora" typeface="Nirmala UI"/>
+        <a:font script="Tale" typeface="Microsoft Tai Le"/>
+        <a:font script="Talu" typeface="Microsoft New Tai Lue"/>
+        <a:font script="Tfng" typeface="Ebrima"/>
       </a:majorFont>
       <a:minorFont>
         <a:latin typeface="Calibri" panose="020F0502020204030204"/>
         <a:ea typeface=""/>
         <a:cs typeface=""/>
-        <a:font script="Jpan" typeface="ＭＳ Ｐゴシック"/>
+        <a:font script="Jpan" typeface="游ゴシック"/>
         <a:font script="Hang" typeface="맑은 고딕"/>
-        <a:font script="Hans" typeface="宋体"/>
+        <a:font script="Hans" typeface="等线"/>
         <a:font script="Hant" typeface="新細明體"/>
         <a:font script="Arab" typeface="Arial"/>
         <a:font script="Hebr" typeface="Arial"/>
@@ -5693,6 +6750,23 @@
         <a:font script="Viet" typeface="Arial"/>
         <a:font script="Uigh" typeface="Microsoft Uighur"/>
         <a:font script="Geor" typeface="Sylfaen"/>
+        <a:font script="Armn" typeface="Arial"/>
+        <a:font script="Bugi" typeface="Leelawadee UI"/>
+        <a:font script="Bopo" typeface="Microsoft JhengHei"/>
+        <a:font script="Java" typeface="Javanese Text"/>
+        <a:font script="Lisu" typeface="Segoe UI"/>
+        <a:font script="Mymr" typeface="Myanmar Text"/>
+        <a:font script="Nkoo" typeface="Ebrima"/>
+        <a:font script="Olck" typeface="Nirmala UI"/>
+        <a:font script="Osma" typeface="Ebrima"/>
+        <a:font script="Phag" typeface="Phagspa"/>
+        <a:font script="Syrn" typeface="Estrangelo Edessa"/>
+        <a:font script="Syrj" typeface="Estrangelo Edessa"/>
+        <a:font script="Syre" typeface="Estrangelo Edessa"/>
+        <a:font script="Sora" typeface="Nirmala UI"/>
+        <a:font script="Tale" typeface="Microsoft Tai Le"/>
+        <a:font script="Talu" typeface="Microsoft New Tai Lue"/>
+        <a:font script="Tfng" typeface="Ebrima"/>
       </a:minorFont>
     </a:fontScheme>
     <a:fmtScheme name="Office">
@@ -5843,7 +6917,7 @@
 </a:theme>
 </file>
 
-<file path=ppt/theme/theme3.xml><?xml version="1.0" encoding="utf-8"?>
+<file path=ppt/theme/theme2.xml><?xml version="1.0" encoding="utf-8"?>
 <a:theme xmlns:a="http://schemas.openxmlformats.org/drawingml/2006/main" name="Office Theme">
   <a:themeElements>
     <a:clrScheme name="Office">
@@ -5860,7 +6934,7 @@
         <a:srgbClr val="E7E6E6"/>
       </a:lt2>
       <a:accent1>
-        <a:srgbClr val="5B9BD5"/>
+        <a:srgbClr val="4472C4"/>
       </a:accent1>
       <a:accent2>
         <a:srgbClr val="ED7D31"/>
@@ -5872,7 +6946,7 @@
         <a:srgbClr val="FFC000"/>
       </a:accent4>
       <a:accent5>
-        <a:srgbClr val="4472C4"/>
+        <a:srgbClr val="5B9BD5"/>
       </a:accent5>
       <a:accent6>
         <a:srgbClr val="70AD47"/>
@@ -5889,9 +6963,9 @@
         <a:latin typeface="Calibri Light" panose="020F0302020204030204"/>
         <a:ea typeface=""/>
         <a:cs typeface=""/>
-        <a:font script="Jpan" typeface="ＭＳ Ｐゴシック"/>
+        <a:font script="Jpan" typeface="游ゴシック Light"/>
         <a:font script="Hang" typeface="맑은 고딕"/>
-        <a:font script="Hans" typeface="宋体"/>
+        <a:font script="Hans" typeface="等线 Light"/>
         <a:font script="Hant" typeface="新細明體"/>
         <a:font script="Arab" typeface="Times New Roman"/>
         <a:font script="Hebr" typeface="Times New Roman"/>
@@ -5919,14 +6993,31 @@
         <a:font script="Viet" typeface="Times New Roman"/>
         <a:font script="Uigh" typeface="Microsoft Uighur"/>
         <a:font script="Geor" typeface="Sylfaen"/>
+        <a:font script="Armn" typeface="Arial"/>
+        <a:font script="Bugi" typeface="Leelawadee UI"/>
+        <a:font script="Bopo" typeface="Microsoft JhengHei"/>
+        <a:font script="Java" typeface="Javanese Text"/>
+        <a:font script="Lisu" typeface="Segoe UI"/>
+        <a:font script="Mymr" typeface="Myanmar Text"/>
+        <a:font script="Nkoo" typeface="Ebrima"/>
+        <a:font script="Olck" typeface="Nirmala UI"/>
+        <a:font script="Osma" typeface="Ebrima"/>
+        <a:font script="Phag" typeface="Phagspa"/>
+        <a:font script="Syrn" typeface="Estrangelo Edessa"/>
+        <a:font script="Syrj" typeface="Estrangelo Edessa"/>
+        <a:font script="Syre" typeface="Estrangelo Edessa"/>
+        <a:font script="Sora" typeface="Nirmala UI"/>
+        <a:font script="Tale" typeface="Microsoft Tai Le"/>
+        <a:font script="Talu" typeface="Microsoft New Tai Lue"/>
+        <a:font script="Tfng" typeface="Ebrima"/>
       </a:majorFont>
       <a:minorFont>
         <a:latin typeface="Calibri" panose="020F0502020204030204"/>
         <a:ea typeface=""/>
         <a:cs typeface=""/>
-        <a:font script="Jpan" typeface="ＭＳ Ｐゴシック"/>
+        <a:font script="Jpan" typeface="游ゴシック"/>
         <a:font script="Hang" typeface="맑은 고딕"/>
-        <a:font script="Hans" typeface="宋体"/>
+        <a:font script="Hans" typeface="等线"/>
         <a:font script="Hant" typeface="新細明體"/>
         <a:font script="Arab" typeface="Arial"/>
         <a:font script="Hebr" typeface="Arial"/>
@@ -5954,6 +7045,23 @@
         <a:font script="Viet" typeface="Arial"/>
         <a:font script="Uigh" typeface="Microsoft Uighur"/>
         <a:font script="Geor" typeface="Sylfaen"/>
+        <a:font script="Armn" typeface="Arial"/>
+        <a:font script="Bugi" typeface="Leelawadee UI"/>
+        <a:font script="Bopo" typeface="Microsoft JhengHei"/>
+        <a:font script="Java" typeface="Javanese Text"/>
+        <a:font script="Lisu" typeface="Segoe UI"/>
+        <a:font script="Mymr" typeface="Myanmar Text"/>
+        <a:font script="Nkoo" typeface="Ebrima"/>
+        <a:font script="Olck" typeface="Nirmala UI"/>
+        <a:font script="Osma" typeface="Ebrima"/>
+        <a:font script="Phag" typeface="Phagspa"/>
+        <a:font script="Syrn" typeface="Estrangelo Edessa"/>
+        <a:font script="Syrj" typeface="Estrangelo Edessa"/>
+        <a:font script="Syre" typeface="Estrangelo Edessa"/>
+        <a:font script="Sora" typeface="Nirmala UI"/>
+        <a:font script="Tale" typeface="Microsoft Tai Le"/>
+        <a:font script="Talu" typeface="Microsoft New Tai Lue"/>
+        <a:font script="Tfng" typeface="Ebrima"/>
       </a:minorFont>
     </a:fontScheme>
     <a:fmtScheme name="Office">
@@ -6102,211 +7210,4 @@
     </a:ext>
   </a:extLst>
 </a:theme>
-</file>
-
-<file path=customXml/item1.xml><?xml version="1.0" encoding="utf-8"?>
-<ct:contentTypeSchema xmlns:ct="http://schemas.microsoft.com/office/2006/metadata/contentType" xmlns:ma="http://schemas.microsoft.com/office/2006/metadata/properties/metaAttributes" ct:_="" ma:_="" ma:contentTypeName="Document" ma:contentTypeID="0x01010011DC54E8FA166940A7080F84F8CB43C0" ma:contentTypeVersion="5" ma:contentTypeDescription="Create a new document." ma:contentTypeScope="" ma:versionID="cf59c618f8906941c836d93f4042696d">
-  <xsd:schema xmlns:xsd="http://www.w3.org/2001/XMLSchema" xmlns:xs="http://www.w3.org/2001/XMLSchema" xmlns:p="http://schemas.microsoft.com/office/2006/metadata/properties" xmlns:ns2="49f23ff1-7de2-4e77-8ccc-6638caaacb57" targetNamespace="http://schemas.microsoft.com/office/2006/metadata/properties" ma:root="true" ma:fieldsID="2f21f176a9e5873be5e0250de8bfe910" ns2:_="">
-    <xsd:import namespace="49f23ff1-7de2-4e77-8ccc-6638caaacb57"/>
-    <xsd:element name="properties">
-      <xsd:complexType>
-        <xsd:sequence>
-          <xsd:element name="documentManagement">
-            <xsd:complexType>
-              <xsd:all>
-                <xsd:element ref="ns2:MediaServiceMetadata" minOccurs="0"/>
-                <xsd:element ref="ns2:MediaServiceFastMetadata" minOccurs="0"/>
-                <xsd:element ref="ns2:MediaServiceAutoTags" minOccurs="0"/>
-                <xsd:element ref="ns2:MediaServiceDateTaken" minOccurs="0"/>
-                <xsd:element ref="ns2:MediaServiceLocation" minOccurs="0"/>
-              </xsd:all>
-            </xsd:complexType>
-          </xsd:element>
-        </xsd:sequence>
-      </xsd:complexType>
-    </xsd:element>
-  </xsd:schema>
-  <xsd:schema xmlns:xsd="http://www.w3.org/2001/XMLSchema" xmlns:xs="http://www.w3.org/2001/XMLSchema" xmlns:dms="http://schemas.microsoft.com/office/2006/documentManagement/types" xmlns:pc="http://schemas.microsoft.com/office/infopath/2007/PartnerControls" targetNamespace="49f23ff1-7de2-4e77-8ccc-6638caaacb57" elementFormDefault="qualified">
-    <xsd:import namespace="http://schemas.microsoft.com/office/2006/documentManagement/types"/>
-    <xsd:import namespace="http://schemas.microsoft.com/office/infopath/2007/PartnerControls"/>
-    <xsd:element name="MediaServiceMetadata" ma:index="8" nillable="true" ma:displayName="MediaServiceMetadata" ma:description="" ma:hidden="true" ma:internalName="MediaServiceMetadata" ma:readOnly="true">
-      <xsd:simpleType>
-        <xsd:restriction base="dms:Note"/>
-      </xsd:simpleType>
-    </xsd:element>
-    <xsd:element name="MediaServiceFastMetadata" ma:index="9" nillable="true" ma:displayName="MediaServiceFastMetadata" ma:description="" ma:hidden="true" ma:internalName="MediaServiceFastMetadata" ma:readOnly="true">
-      <xsd:simpleType>
-        <xsd:restriction base="dms:Note"/>
-      </xsd:simpleType>
-    </xsd:element>
-    <xsd:element name="MediaServiceAutoTags" ma:index="10" nillable="true" ma:displayName="MediaServiceAutoTags" ma:description="" ma:internalName="MediaServiceAutoTags" ma:readOnly="true">
-      <xsd:simpleType>
-        <xsd:restriction base="dms:Text"/>
-      </xsd:simpleType>
-    </xsd:element>
-    <xsd:element name="MediaServiceDateTaken" ma:index="11" nillable="true" ma:displayName="MediaServiceDateTaken" ma:description="" ma:hidden="true" ma:internalName="MediaServiceDateTaken" ma:readOnly="true">
-      <xsd:simpleType>
-        <xsd:restriction base="dms:Text"/>
-      </xsd:simpleType>
-    </xsd:element>
-    <xsd:element name="MediaServiceLocation" ma:index="12" nillable="true" ma:displayName="MediaServiceLocation" ma:description="" ma:internalName="MediaServiceLocation" ma:readOnly="true">
-      <xsd:simpleType>
-        <xsd:restriction base="dms:Text"/>
-      </xsd:simpleType>
-    </xsd:element>
-  </xsd:schema>
-  <xsd:schema xmlns="http://schemas.openxmlformats.org/package/2006/metadata/core-properties" xmlns:xsd="http://www.w3.org/2001/XMLSchema" xmlns:xsi="http://www.w3.org/2001/XMLSchema-instance" xmlns:dc="http://purl.org/dc/elements/1.1/" xmlns:dcterms="http://purl.org/dc/terms/" xmlns:odoc="http://schemas.microsoft.com/internal/obd" targetNamespace="http://schemas.openxmlformats.org/package/2006/metadata/core-properties" elementFormDefault="qualified" attributeFormDefault="unqualified" blockDefault="#all">
-    <xsd:import namespace="http://purl.org/dc/elements/1.1/" schemaLocation="http://dublincore.org/schemas/xmls/qdc/2003/04/02/dc.xsd"/>
-    <xsd:import namespace="http://purl.org/dc/terms/" schemaLocation="http://dublincore.org/schemas/xmls/qdc/2003/04/02/dcterms.xsd"/>
-    <xsd:element name="coreProperties" type="CT_coreProperties"/>
-    <xsd:complexType name="CT_coreProperties">
-      <xsd:all>
-        <xsd:element ref="dc:creator" minOccurs="0" maxOccurs="1"/>
-        <xsd:element ref="dcterms:created" minOccurs="0" maxOccurs="1"/>
-        <xsd:element ref="dc:identifier" minOccurs="0" maxOccurs="1"/>
-        <xsd:element name="contentType" minOccurs="0" maxOccurs="1" type="xsd:string" ma:index="0" ma:displayName="Content Type"/>
-        <xsd:element ref="dc:title" minOccurs="0" maxOccurs="1" ma:index="4" ma:displayName="Title"/>
-        <xsd:element ref="dc:subject" minOccurs="0" maxOccurs="1"/>
-        <xsd:element ref="dc:description" minOccurs="0" maxOccurs="1"/>
-        <xsd:element name="keywords" minOccurs="0" maxOccurs="1" type="xsd:string"/>
-        <xsd:element ref="dc:language" minOccurs="0" maxOccurs="1"/>
-        <xsd:element name="category" minOccurs="0" maxOccurs="1" type="xsd:string"/>
-        <xsd:element name="version" minOccurs="0" maxOccurs="1" type="xsd:string"/>
-        <xsd:element name="revision" minOccurs="0" maxOccurs="1" type="xsd:string">
-          <xsd:annotation>
-            <xsd:documentation>
-                        This value indicates the number of saves or revisions. The application is responsible for updating this value after each revision.
-                    </xsd:documentation>
-          </xsd:annotation>
-        </xsd:element>
-        <xsd:element name="lastModifiedBy" minOccurs="0" maxOccurs="1" type="xsd:string"/>
-        <xsd:element ref="dcterms:modified" minOccurs="0" maxOccurs="1"/>
-        <xsd:element name="contentStatus" minOccurs="0" maxOccurs="1" type="xsd:string"/>
-      </xsd:all>
-    </xsd:complexType>
-  </xsd:schema>
-  <xs:schema xmlns:pc="http://schemas.microsoft.com/office/infopath/2007/PartnerControls" xmlns:xs="http://www.w3.org/2001/XMLSchema" targetNamespace="http://schemas.microsoft.com/office/infopath/2007/PartnerControls" elementFormDefault="qualified" attributeFormDefault="unqualified">
-    <xs:element name="Person">
-      <xs:complexType>
-        <xs:sequence>
-          <xs:element ref="pc:DisplayName" minOccurs="0"/>
-          <xs:element ref="pc:AccountId" minOccurs="0"/>
-          <xs:element ref="pc:AccountType" minOccurs="0"/>
-        </xs:sequence>
-      </xs:complexType>
-    </xs:element>
-    <xs:element name="DisplayName" type="xs:string"/>
-    <xs:element name="AccountId" type="xs:string"/>
-    <xs:element name="AccountType" type="xs:string"/>
-    <xs:element name="BDCAssociatedEntity">
-      <xs:complexType>
-        <xs:sequence>
-          <xs:element ref="pc:BDCEntity" minOccurs="0" maxOccurs="unbounded"/>
-        </xs:sequence>
-        <xs:attribute ref="pc:EntityNamespace"/>
-        <xs:attribute ref="pc:EntityName"/>
-        <xs:attribute ref="pc:SystemInstanceName"/>
-        <xs:attribute ref="pc:AssociationName"/>
-      </xs:complexType>
-    </xs:element>
-    <xs:attribute name="EntityNamespace" type="xs:string"/>
-    <xs:attribute name="EntityName" type="xs:string"/>
-    <xs:attribute name="SystemInstanceName" type="xs:string"/>
-    <xs:attribute name="AssociationName" type="xs:string"/>
-    <xs:element name="BDCEntity">
-      <xs:complexType>
-        <xs:sequence>
-          <xs:element ref="pc:EntityDisplayName" minOccurs="0"/>
-          <xs:element ref="pc:EntityInstanceReference" minOccurs="0"/>
-          <xs:element ref="pc:EntityId1" minOccurs="0"/>
-          <xs:element ref="pc:EntityId2" minOccurs="0"/>
-          <xs:element ref="pc:EntityId3" minOccurs="0"/>
-          <xs:element ref="pc:EntityId4" minOccurs="0"/>
-          <xs:element ref="pc:EntityId5" minOccurs="0"/>
-        </xs:sequence>
-      </xs:complexType>
-    </xs:element>
-    <xs:element name="EntityDisplayName" type="xs:string"/>
-    <xs:element name="EntityInstanceReference" type="xs:string"/>
-    <xs:element name="EntityId1" type="xs:string"/>
-    <xs:element name="EntityId2" type="xs:string"/>
-    <xs:element name="EntityId3" type="xs:string"/>
-    <xs:element name="EntityId4" type="xs:string"/>
-    <xs:element name="EntityId5" type="xs:string"/>
-    <xs:element name="Terms">
-      <xs:complexType>
-        <xs:sequence>
-          <xs:element ref="pc:TermInfo" minOccurs="0" maxOccurs="unbounded"/>
-        </xs:sequence>
-      </xs:complexType>
-    </xs:element>
-    <xs:element name="TermInfo">
-      <xs:complexType>
-        <xs:sequence>
-          <xs:element ref="pc:TermName" minOccurs="0"/>
-          <xs:element ref="pc:TermId" minOccurs="0"/>
-        </xs:sequence>
-      </xs:complexType>
-    </xs:element>
-    <xs:element name="TermName" type="xs:string"/>
-    <xs:element name="TermId" type="xs:string"/>
-  </xs:schema>
-</ct:contentTypeSchema>
-</file>
-
-<file path=customXml/item2.xml><?xml version="1.0" encoding="utf-8"?>
-<?mso-contentType ?>
-<FormTemplates xmlns="http://schemas.microsoft.com/sharepoint/v3/contenttype/forms">
-  <Display>DocumentLibraryForm</Display>
-  <Edit>DocumentLibraryForm</Edit>
-  <New>DocumentLibraryForm</New>
-</FormTemplates>
-</file>
-
-<file path=customXml/item3.xml><?xml version="1.0" encoding="utf-8"?>
-<p:properties xmlns:p="http://schemas.microsoft.com/office/2006/metadata/properties" xmlns:xsi="http://www.w3.org/2001/XMLSchema-instance" xmlns:pc="http://schemas.microsoft.com/office/infopath/2007/PartnerControls">
-  <documentManagement/>
-</p:properties>
-</file>
-
-<file path=customXml/itemProps1.xml><?xml version="1.0" encoding="utf-8"?>
-<ds:datastoreItem xmlns:ds="http://schemas.openxmlformats.org/officeDocument/2006/customXml" ds:itemID="{9981D766-8238-4C46-BFD3-328D25F01F6A}">
-  <ds:schemaRefs>
-    <ds:schemaRef ds:uri="http://schemas.microsoft.com/office/2006/metadata/contentType"/>
-    <ds:schemaRef ds:uri="http://schemas.microsoft.com/office/2006/metadata/properties/metaAttributes"/>
-    <ds:schemaRef ds:uri="http://www.w3.org/2001/XMLSchema"/>
-    <ds:schemaRef ds:uri="http://schemas.microsoft.com/office/2006/metadata/properties"/>
-    <ds:schemaRef ds:uri="49f23ff1-7de2-4e77-8ccc-6638caaacb57"/>
-    <ds:schemaRef ds:uri="http://schemas.microsoft.com/office/2006/documentManagement/types"/>
-    <ds:schemaRef ds:uri="http://schemas.microsoft.com/office/infopath/2007/PartnerControls"/>
-    <ds:schemaRef ds:uri="http://schemas.openxmlformats.org/package/2006/metadata/core-properties"/>
-    <ds:schemaRef ds:uri="http://purl.org/dc/elements/1.1/"/>
-    <ds:schemaRef ds:uri="http://purl.org/dc/terms/"/>
-    <ds:schemaRef ds:uri="http://schemas.microsoft.com/internal/obd"/>
-  </ds:schemaRefs>
-</ds:datastoreItem>
-</file>
-
-<file path=customXml/itemProps2.xml><?xml version="1.0" encoding="utf-8"?>
-<ds:datastoreItem xmlns:ds="http://schemas.openxmlformats.org/officeDocument/2006/customXml" ds:itemID="{B0CA13EC-1D3C-4D6F-8D1C-E8A452CFC79A}">
-  <ds:schemaRefs>
-    <ds:schemaRef ds:uri="http://schemas.microsoft.com/sharepoint/v3/contenttype/forms"/>
-  </ds:schemaRefs>
-</ds:datastoreItem>
-</file>
-
-<file path=customXml/itemProps3.xml><?xml version="1.0" encoding="utf-8"?>
-<ds:datastoreItem xmlns:ds="http://schemas.openxmlformats.org/officeDocument/2006/customXml" ds:itemID="{7025FDD9-4C58-4084-9F89-0E6ADD6FFF55}">
-  <ds:schemaRefs>
-    <ds:schemaRef ds:uri="http://purl.org/dc/dcmitype/"/>
-    <ds:schemaRef ds:uri="http://schemas.microsoft.com/office/2006/documentManagement/types"/>
-    <ds:schemaRef ds:uri="http://schemas.openxmlformats.org/package/2006/metadata/core-properties"/>
-    <ds:schemaRef ds:uri="http://schemas.microsoft.com/office/2006/metadata/properties"/>
-    <ds:schemaRef ds:uri="http://www.w3.org/XML/1998/namespace"/>
-    <ds:schemaRef ds:uri="http://purl.org/dc/elements/1.1/"/>
-    <ds:schemaRef ds:uri="http://schemas.microsoft.com/office/infopath/2007/PartnerControls"/>
-    <ds:schemaRef ds:uri="49f23ff1-7de2-4e77-8ccc-6638caaacb57"/>
-    <ds:schemaRef ds:uri="http://purl.org/dc/terms/"/>
-  </ds:schemaRefs>
-</ds:datastoreItem>
 </file>
--- a/1.Introduction.pptx
+++ b/1.Introduction.pptx
@@ -5,16 +5,17 @@
     <p:sldMasterId id="2147483648" r:id="rId1"/>
   </p:sldMasterIdLst>
   <p:notesMasterIdLst>
-    <p:notesMasterId r:id="rId9"/>
+    <p:notesMasterId r:id="rId10"/>
   </p:notesMasterIdLst>
   <p:sldIdLst>
     <p:sldId id="472" r:id="rId2"/>
     <p:sldId id="348" r:id="rId3"/>
     <p:sldId id="367" r:id="rId4"/>
-    <p:sldId id="392" r:id="rId5"/>
-    <p:sldId id="393" r:id="rId6"/>
-    <p:sldId id="396" r:id="rId7"/>
-    <p:sldId id="395" r:id="rId8"/>
+    <p:sldId id="474" r:id="rId5"/>
+    <p:sldId id="392" r:id="rId6"/>
+    <p:sldId id="393" r:id="rId7"/>
+    <p:sldId id="396" r:id="rId8"/>
+    <p:sldId id="395" r:id="rId9"/>
   </p:sldIdLst>
   <p:sldSz cx="12192000" cy="6858000"/>
   <p:notesSz cx="6858000" cy="9144000"/>
@@ -124,6 +125,7 @@
             <p14:sldId id="472"/>
             <p14:sldId id="348"/>
             <p14:sldId id="367"/>
+            <p14:sldId id="474"/>
             <p14:sldId id="392"/>
             <p14:sldId id="393"/>
             <p14:sldId id="396"/>
@@ -131,6 +133,9 @@
           </p14:sldIdLst>
         </p14:section>
       </p14:sectionLst>
+    </p:ext>
+    <p:ext uri="{EFAFB233-063F-42B5-8137-9DF3F51BA10A}">
+      <p15:sldGuideLst xmlns:p15="http://schemas.microsoft.com/office/powerpoint/2012/main"/>
     </p:ext>
   </p:extLst>
 </p:presentation>
@@ -218,7 +223,7 @@
           <a:p>
             <a:fld id="{0D50C8A0-1492-41D9-9DB7-EDFB53EA040E}" type="datetimeFigureOut">
               <a:rPr lang="en-US" smtClean="0"/>
-              <a:t>5/18/2020</a:t>
+              <a:t>5/20/2020</a:t>
             </a:fld>
             <a:endParaRPr lang="en-US"/>
           </a:p>
@@ -730,7 +735,7 @@
           <a:p>
             <a:fld id="{571179DB-8C0F-4DAE-A821-BADEDABE9281}" type="datetimeFigureOut">
               <a:rPr lang="en-US" smtClean="0"/>
-              <a:t>5/18/2020</a:t>
+              <a:t>5/20/2020</a:t>
             </a:fld>
             <a:endParaRPr lang="en-US"/>
           </a:p>
@@ -928,7 +933,7 @@
           <a:p>
             <a:fld id="{571179DB-8C0F-4DAE-A821-BADEDABE9281}" type="datetimeFigureOut">
               <a:rPr lang="en-US" smtClean="0"/>
-              <a:t>5/18/2020</a:t>
+              <a:t>5/20/2020</a:t>
             </a:fld>
             <a:endParaRPr lang="en-US"/>
           </a:p>
@@ -1136,7 +1141,7 @@
           <a:p>
             <a:fld id="{571179DB-8C0F-4DAE-A821-BADEDABE9281}" type="datetimeFigureOut">
               <a:rPr lang="en-US" smtClean="0"/>
-              <a:t>5/18/2020</a:t>
+              <a:t>5/20/2020</a:t>
             </a:fld>
             <a:endParaRPr lang="en-US"/>
           </a:p>
@@ -2331,7 +2336,7 @@
           <a:p>
             <a:fld id="{571179DB-8C0F-4DAE-A821-BADEDABE9281}" type="datetimeFigureOut">
               <a:rPr lang="en-US" smtClean="0"/>
-              <a:t>5/18/2020</a:t>
+              <a:t>5/20/2020</a:t>
             </a:fld>
             <a:endParaRPr lang="en-US"/>
           </a:p>
@@ -2606,7 +2611,7 @@
           <a:p>
             <a:fld id="{571179DB-8C0F-4DAE-A821-BADEDABE9281}" type="datetimeFigureOut">
               <a:rPr lang="en-US" smtClean="0"/>
-              <a:t>5/18/2020</a:t>
+              <a:t>5/20/2020</a:t>
             </a:fld>
             <a:endParaRPr lang="en-US"/>
           </a:p>
@@ -2871,7 +2876,7 @@
           <a:p>
             <a:fld id="{571179DB-8C0F-4DAE-A821-BADEDABE9281}" type="datetimeFigureOut">
               <a:rPr lang="en-US" smtClean="0"/>
-              <a:t>5/18/2020</a:t>
+              <a:t>5/20/2020</a:t>
             </a:fld>
             <a:endParaRPr lang="en-US"/>
           </a:p>
@@ -3283,7 +3288,7 @@
           <a:p>
             <a:fld id="{571179DB-8C0F-4DAE-A821-BADEDABE9281}" type="datetimeFigureOut">
               <a:rPr lang="en-US" smtClean="0"/>
-              <a:t>5/18/2020</a:t>
+              <a:t>5/20/2020</a:t>
             </a:fld>
             <a:endParaRPr lang="en-US"/>
           </a:p>
@@ -3424,7 +3429,7 @@
           <a:p>
             <a:fld id="{571179DB-8C0F-4DAE-A821-BADEDABE9281}" type="datetimeFigureOut">
               <a:rPr lang="en-US" smtClean="0"/>
-              <a:t>5/18/2020</a:t>
+              <a:t>5/20/2020</a:t>
             </a:fld>
             <a:endParaRPr lang="en-US"/>
           </a:p>
@@ -3537,7 +3542,7 @@
           <a:p>
             <a:fld id="{571179DB-8C0F-4DAE-A821-BADEDABE9281}" type="datetimeFigureOut">
               <a:rPr lang="en-US" smtClean="0"/>
-              <a:t>5/18/2020</a:t>
+              <a:t>5/20/2020</a:t>
             </a:fld>
             <a:endParaRPr lang="en-US"/>
           </a:p>
@@ -3848,7 +3853,7 @@
           <a:p>
             <a:fld id="{571179DB-8C0F-4DAE-A821-BADEDABE9281}" type="datetimeFigureOut">
               <a:rPr lang="en-US" smtClean="0"/>
-              <a:t>5/18/2020</a:t>
+              <a:t>5/20/2020</a:t>
             </a:fld>
             <a:endParaRPr lang="en-US"/>
           </a:p>
@@ -4136,7 +4141,7 @@
           <a:p>
             <a:fld id="{571179DB-8C0F-4DAE-A821-BADEDABE9281}" type="datetimeFigureOut">
               <a:rPr lang="en-US" smtClean="0"/>
-              <a:t>5/18/2020</a:t>
+              <a:t>5/20/2020</a:t>
             </a:fld>
             <a:endParaRPr lang="en-US"/>
           </a:p>
@@ -4377,7 +4382,7 @@
           <a:p>
             <a:fld id="{571179DB-8C0F-4DAE-A821-BADEDABE9281}" type="datetimeFigureOut">
               <a:rPr lang="en-US" smtClean="0"/>
-              <a:t>5/18/2020</a:t>
+              <a:t>5/20/2020</a:t>
             </a:fld>
             <a:endParaRPr lang="en-US"/>
           </a:p>
@@ -5345,98 +5350,143 @@
           <a:chExt cx="0" cy="0"/>
         </a:xfrm>
       </p:grpSpPr>
-      <p:sp>
-        <p:nvSpPr>
-          <p:cNvPr id="2" name="Title 1"/>
-          <p:cNvSpPr>
-            <a:spLocks noGrp="1"/>
-          </p:cNvSpPr>
-          <p:nvPr>
-            <p:ph type="title"/>
-          </p:nvPr>
-        </p:nvSpPr>
-        <p:spPr/>
-        <p:txBody>
-          <a:bodyPr/>
-          <a:lstStyle/>
-          <a:p>
-            <a:r>
-              <a:rPr lang="en-IN" dirty="0"/>
-              <a:t>Introduction</a:t>
-            </a:r>
-          </a:p>
-        </p:txBody>
-      </p:sp>
-      <p:sp>
-        <p:nvSpPr>
-          <p:cNvPr id="3" name="Content Placeholder 2"/>
-          <p:cNvSpPr>
-            <a:spLocks noGrp="1"/>
-          </p:cNvSpPr>
-          <p:nvPr>
-            <p:ph sz="quarter" idx="10"/>
-          </p:nvPr>
-        </p:nvSpPr>
-        <p:spPr/>
-        <p:txBody>
-          <a:bodyPr/>
-          <a:lstStyle/>
-          <a:p>
-            <a:r>
-              <a:rPr lang="en-IN" dirty="0"/>
-              <a:t>Bootcamp to get your started on Tools and Technology</a:t>
-            </a:r>
-          </a:p>
-          <a:p>
-            <a:r>
-              <a:rPr lang="en-IN" dirty="0"/>
-              <a:t>Three day hands on lab – Some slides, Some demos and a lot of coding</a:t>
-            </a:r>
-          </a:p>
-          <a:p>
-            <a:r>
-              <a:rPr lang="en-IN" dirty="0"/>
-              <a:t>Use your desktop, devices and Subscriptions</a:t>
-            </a:r>
-          </a:p>
-          <a:p>
-            <a:r>
-              <a:rPr lang="en-IN" dirty="0"/>
-              <a:t>Build along with us, Ask questions, Tell us what you know.</a:t>
-            </a:r>
-          </a:p>
-          <a:p>
-            <a:r>
-              <a:rPr lang="en-IN" dirty="0"/>
-              <a:t>Speakers – Vinayak, Trilok, Prakash, </a:t>
-            </a:r>
-            <a:r>
-              <a:rPr lang="en-IN" dirty="0" err="1"/>
-              <a:t>Sravani</a:t>
-            </a:r>
-            <a:r>
-              <a:rPr lang="en-IN" dirty="0"/>
-              <a:t>, </a:t>
-            </a:r>
-            <a:r>
-              <a:rPr lang="en-IN" dirty="0" err="1"/>
-              <a:t>Santhan</a:t>
-            </a:r>
-            <a:r>
-              <a:rPr lang="en-IN" dirty="0"/>
-              <a:t>, Mrinal,  </a:t>
-            </a:r>
-            <a:r>
-              <a:rPr lang="en-IN" dirty="0" err="1"/>
-              <a:t>Saiteja</a:t>
-            </a:r>
-            <a:r>
-              <a:rPr lang="en-IN" dirty="0"/>
-              <a:t>, Surya, Satish, Manjunath, Jeetendra Pandey and Sanjeev’s Team</a:t>
-            </a:r>
-          </a:p>
-          <a:p>
-            <a:endParaRPr lang="en-IN" dirty="0"/>
+      <p:pic>
+        <p:nvPicPr>
+          <p:cNvPr id="9" name="Picture 8" descr="A person wearing glasses and smiling at the camera&#10;&#10;Description automatically generated">
+            <a:extLst>
+              <a:ext uri="{FF2B5EF4-FFF2-40B4-BE49-F238E27FC236}">
+                <a16:creationId xmlns:a16="http://schemas.microsoft.com/office/drawing/2014/main" id="{8FB0904F-62DA-4639-A200-DCE5B05F2F5D}"/>
+              </a:ext>
+            </a:extLst>
+          </p:cNvPr>
+          <p:cNvPicPr>
+            <a:picLocks noChangeAspect="1"/>
+          </p:cNvPicPr>
+          <p:nvPr/>
+        </p:nvPicPr>
+        <p:blipFill>
+          <a:blip r:embed="rId2">
+            <a:extLst>
+              <a:ext uri="{28A0092B-C50C-407E-A947-70E740481C1C}">
+                <a14:useLocalDpi xmlns:a14="http://schemas.microsoft.com/office/drawing/2010/main" val="0"/>
+              </a:ext>
+            </a:extLst>
+          </a:blip>
+          <a:stretch>
+            <a:fillRect/>
+          </a:stretch>
+        </p:blipFill>
+        <p:spPr>
+          <a:xfrm>
+            <a:off x="1212979" y="1827276"/>
+            <a:ext cx="2413518" cy="2363694"/>
+          </a:xfrm>
+          <a:prstGeom prst="rect">
+            <a:avLst/>
+          </a:prstGeom>
+        </p:spPr>
+      </p:pic>
+      <p:sp>
+        <p:nvSpPr>
+          <p:cNvPr id="10" name="TextBox 9">
+            <a:extLst>
+              <a:ext uri="{FF2B5EF4-FFF2-40B4-BE49-F238E27FC236}">
+                <a16:creationId xmlns:a16="http://schemas.microsoft.com/office/drawing/2014/main" id="{13BF56DE-7AAC-4F98-9720-A6C5DC122B50}"/>
+              </a:ext>
+            </a:extLst>
+          </p:cNvPr>
+          <p:cNvSpPr txBox="1"/>
+          <p:nvPr/>
+        </p:nvSpPr>
+        <p:spPr>
+          <a:xfrm>
+            <a:off x="4702629" y="1352939"/>
+            <a:ext cx="6276392" cy="4247317"/>
+          </a:xfrm>
+          <a:prstGeom prst="rect">
+            <a:avLst/>
+          </a:prstGeom>
+          <a:noFill/>
+        </p:spPr>
+        <p:txBody>
+          <a:bodyPr wrap="square" rtlCol="0">
+            <a:spAutoFit/>
+          </a:bodyPr>
+          <a:lstStyle/>
+          <a:p>
+            <a:r>
+              <a:rPr lang="en-US" sz="5400" dirty="0">
+                <a:solidFill>
+                  <a:srgbClr val="FF0000"/>
+                </a:solidFill>
+              </a:rPr>
+              <a:t>Trilok Chowdary </a:t>
+            </a:r>
+          </a:p>
+          <a:p>
+            <a:r>
+              <a:rPr lang="en-US" dirty="0"/>
+              <a:t>Technical Program Manager</a:t>
+            </a:r>
+          </a:p>
+          <a:p>
+            <a:r>
+              <a:rPr lang="en-US" dirty="0"/>
+              <a:t>Garage India Internship</a:t>
+            </a:r>
+          </a:p>
+          <a:p>
+            <a:endParaRPr lang="en-US" dirty="0"/>
+          </a:p>
+          <a:p>
+            <a:r>
+              <a:rPr lang="en-US" dirty="0"/>
+              <a:t>Technical Program Lead</a:t>
+            </a:r>
+          </a:p>
+          <a:p>
+            <a:r>
+              <a:rPr lang="en-US" dirty="0"/>
+              <a:t>Byteridge Software PVT LTD</a:t>
+            </a:r>
+          </a:p>
+          <a:p>
+            <a:endParaRPr lang="en-US" dirty="0"/>
+          </a:p>
+          <a:p>
+            <a:endParaRPr lang="en-US" dirty="0"/>
+          </a:p>
+          <a:p>
+            <a:r>
+              <a:rPr lang="en-US" dirty="0"/>
+              <a:t>ML Spokes person at Byteridge, </a:t>
+            </a:r>
+          </a:p>
+          <a:p>
+            <a:r>
+              <a:rPr lang="en-US" dirty="0"/>
+              <a:t>Working with Microsoft for 5 years for now on various</a:t>
+            </a:r>
+          </a:p>
+          <a:p>
+            <a:endParaRPr lang="en-US" dirty="0"/>
+          </a:p>
+          <a:p>
+            <a:r>
+              <a:rPr lang="en-US" dirty="0"/>
+              <a:t>Aka.ms/</a:t>
+            </a:r>
+            <a:r>
+              <a:rPr lang="en-US" dirty="0" err="1"/>
+              <a:t>Garagebot</a:t>
+            </a:r>
+            <a:r>
+              <a:rPr lang="en-US" dirty="0"/>
+              <a:t> </a:t>
+            </a:r>
+          </a:p>
+          <a:p>
+            <a:endParaRPr lang="en-US" dirty="0"/>
           </a:p>
         </p:txBody>
       </p:sp>
@@ -5472,39 +5522,7 @@
       </p:grpSpPr>
       <p:sp>
         <p:nvSpPr>
-          <p:cNvPr id="2" name="Content Placeholder 1"/>
-          <p:cNvSpPr>
-            <a:spLocks noGrp="1"/>
-          </p:cNvSpPr>
-          <p:nvPr>
-            <p:ph sz="half" idx="2"/>
-          </p:nvPr>
-        </p:nvSpPr>
-        <p:spPr>
-          <a:xfrm>
-            <a:off x="1" y="1371601"/>
-            <a:ext cx="3916392" cy="788793"/>
-          </a:xfrm>
-        </p:spPr>
-        <p:txBody>
-          <a:bodyPr>
-            <a:normAutofit/>
-          </a:bodyPr>
-          <a:lstStyle/>
-          <a:p>
-            <a:pPr marL="0" indent="0" algn="ctr">
-              <a:buNone/>
-            </a:pPr>
-            <a:r>
-              <a:rPr lang="en-US" sz="1800" dirty="0"/>
-              <a:t>Carbon Dashboard</a:t>
-            </a:r>
-          </a:p>
-        </p:txBody>
-      </p:sp>
-      <p:sp>
-        <p:nvSpPr>
-          <p:cNvPr id="4" name="Title 3"/>
+          <p:cNvPr id="2" name="Title 1"/>
           <p:cNvSpPr>
             <a:spLocks noGrp="1"/>
           </p:cNvSpPr>
@@ -5512,335 +5530,99 @@
             <p:ph type="title"/>
           </p:nvPr>
         </p:nvSpPr>
-        <p:spPr>
-          <a:xfrm>
-            <a:off x="83976" y="132110"/>
-            <a:ext cx="11819970" cy="1063487"/>
-          </a:xfrm>
-        </p:spPr>
-        <p:txBody>
-          <a:bodyPr>
-            <a:normAutofit/>
-          </a:bodyPr>
-          <a:lstStyle/>
-          <a:p>
-            <a:pPr algn="ctr"/>
+        <p:spPr/>
+        <p:txBody>
+          <a:bodyPr/>
+          <a:lstStyle/>
+          <a:p>
+            <a:r>
+              <a:rPr lang="en-IN" dirty="0"/>
+              <a:t>Introduction</a:t>
+            </a:r>
+          </a:p>
+        </p:txBody>
+      </p:sp>
+      <p:sp>
+        <p:nvSpPr>
+          <p:cNvPr id="3" name="Content Placeholder 2"/>
+          <p:cNvSpPr>
+            <a:spLocks noGrp="1"/>
+          </p:cNvSpPr>
+          <p:nvPr>
+            <p:ph sz="quarter" idx="10"/>
+          </p:nvPr>
+        </p:nvSpPr>
+        <p:spPr/>
+        <p:txBody>
+          <a:bodyPr/>
+          <a:lstStyle/>
+          <a:p>
+            <a:r>
+              <a:rPr lang="en-IN" dirty="0"/>
+              <a:t>Bootcamp to get your started on Tools and Technology</a:t>
+            </a:r>
+          </a:p>
+          <a:p>
             <a:r>
               <a:rPr lang="en-IN" dirty="0">
-                <a:latin typeface="Segoe UI Light"/>
-                <a:cs typeface="Segoe UI Light"/>
+                <a:solidFill>
+                  <a:srgbClr val="FF0000"/>
+                </a:solidFill>
               </a:rPr>
-              <a:t>The Garage India Internship Projects </a:t>
-            </a:r>
-            <a:endParaRPr lang="en-IN" dirty="0">
-              <a:solidFill>
-                <a:srgbClr val="FF0000"/>
-              </a:solidFill>
-              <a:latin typeface="Segoe UI Light"/>
-              <a:cs typeface="Segoe UI Light"/>
-            </a:endParaRPr>
-          </a:p>
-        </p:txBody>
-      </p:sp>
-      <p:sp>
-        <p:nvSpPr>
-          <p:cNvPr id="10" name="Content Placeholder 1"/>
-          <p:cNvSpPr>
-            <a:spLocks noGrp="1"/>
-          </p:cNvSpPr>
-          <p:nvPr>
-            <p:ph sz="half" idx="2"/>
-          </p:nvPr>
-        </p:nvSpPr>
-        <p:spPr>
-          <a:xfrm>
-            <a:off x="4109124" y="1371600"/>
-            <a:ext cx="3809925" cy="788795"/>
-          </a:xfrm>
-        </p:spPr>
-        <p:txBody>
-          <a:bodyPr>
-            <a:normAutofit/>
-          </a:bodyPr>
-          <a:lstStyle/>
-          <a:p>
-            <a:pPr marL="0" indent="0" algn="ctr">
-              <a:buNone/>
-            </a:pPr>
-            <a:r>
-              <a:rPr lang="en-US" sz="1800" dirty="0"/>
-              <a:t>Operational Evolution and Sustainability Based on Megatrends</a:t>
-            </a:r>
-            <a:endParaRPr lang="fr-FR" sz="1800" dirty="0"/>
-          </a:p>
-        </p:txBody>
-      </p:sp>
-      <p:sp>
-        <p:nvSpPr>
-          <p:cNvPr id="11" name="Content Placeholder 1"/>
-          <p:cNvSpPr>
-            <a:spLocks noGrp="1"/>
-          </p:cNvSpPr>
-          <p:nvPr>
-            <p:ph sz="half" idx="2"/>
-          </p:nvPr>
-        </p:nvSpPr>
-        <p:spPr>
-          <a:xfrm>
-            <a:off x="354389" y="4165872"/>
-            <a:ext cx="3629781" cy="1133915"/>
-          </a:xfrm>
-        </p:spPr>
-        <p:txBody>
-          <a:bodyPr>
-            <a:normAutofit/>
-          </a:bodyPr>
-          <a:lstStyle/>
-          <a:p>
-            <a:pPr marL="0" indent="0" algn="ctr">
-              <a:buNone/>
-            </a:pPr>
-            <a:r>
-              <a:rPr lang="en-US" sz="1800" dirty="0"/>
-              <a:t>Excel powered platform for making customized Cashflow Management Apps for mobile first Small Business customers</a:t>
-            </a:r>
-            <a:endParaRPr lang="en-IN" sz="1200" dirty="0"/>
-          </a:p>
-        </p:txBody>
-      </p:sp>
-      <p:sp>
-        <p:nvSpPr>
-          <p:cNvPr id="12" name="Content Placeholder 1"/>
-          <p:cNvSpPr>
-            <a:spLocks noGrp="1"/>
-          </p:cNvSpPr>
-          <p:nvPr>
-            <p:ph sz="half" idx="2"/>
-          </p:nvPr>
-        </p:nvSpPr>
-        <p:spPr>
-          <a:xfrm>
-            <a:off x="379511" y="2800139"/>
-            <a:ext cx="3283113" cy="788795"/>
-          </a:xfrm>
-        </p:spPr>
-        <p:txBody>
-          <a:bodyPr>
-            <a:normAutofit/>
-          </a:bodyPr>
-          <a:lstStyle/>
-          <a:p>
-            <a:pPr marL="0" indent="0" algn="ctr">
-              <a:buNone/>
-            </a:pPr>
-            <a:r>
-              <a:rPr lang="en-US" sz="1800" dirty="0"/>
-              <a:t>Organization News in Teams</a:t>
-            </a:r>
-            <a:endParaRPr lang="en-IN" sz="1200" dirty="0"/>
-          </a:p>
-        </p:txBody>
-      </p:sp>
-      <p:sp>
-        <p:nvSpPr>
-          <p:cNvPr id="13" name="Content Placeholder 1"/>
-          <p:cNvSpPr>
-            <a:spLocks noGrp="1"/>
-          </p:cNvSpPr>
-          <p:nvPr>
-            <p:ph sz="half" idx="2"/>
-          </p:nvPr>
-        </p:nvSpPr>
-        <p:spPr>
-          <a:xfrm>
-            <a:off x="4109123" y="2800138"/>
-            <a:ext cx="3283113" cy="788795"/>
-          </a:xfrm>
-        </p:spPr>
-        <p:txBody>
-          <a:bodyPr>
-            <a:normAutofit/>
-          </a:bodyPr>
-          <a:lstStyle/>
-          <a:p>
-            <a:pPr marL="0" indent="0" algn="ctr">
-              <a:buNone/>
-            </a:pPr>
-            <a:r>
-              <a:rPr lang="en-IN" sz="1800" dirty="0"/>
-              <a:t>PDF Reflow</a:t>
-            </a:r>
-            <a:endParaRPr lang="en-IN" sz="1200" dirty="0"/>
-          </a:p>
-        </p:txBody>
-      </p:sp>
-      <p:sp>
-        <p:nvSpPr>
-          <p:cNvPr id="14" name="Content Placeholder 1"/>
-          <p:cNvSpPr>
-            <a:spLocks noGrp="1"/>
-          </p:cNvSpPr>
-          <p:nvPr>
-            <p:ph sz="half" idx="2"/>
-          </p:nvPr>
-        </p:nvSpPr>
-        <p:spPr>
-          <a:xfrm>
-            <a:off x="8130139" y="2800138"/>
-            <a:ext cx="3283113" cy="788795"/>
-          </a:xfrm>
-        </p:spPr>
-        <p:txBody>
-          <a:bodyPr>
-            <a:normAutofit/>
-          </a:bodyPr>
-          <a:lstStyle/>
-          <a:p>
-            <a:pPr marL="0" indent="0" algn="ctr">
-              <a:buNone/>
-            </a:pPr>
-            <a:r>
-              <a:rPr lang="en-US" sz="1800" dirty="0"/>
-              <a:t>Teams for EDU - differentiated experience</a:t>
-            </a:r>
-            <a:endParaRPr lang="en-IN" sz="1200" dirty="0"/>
-          </a:p>
-        </p:txBody>
-      </p:sp>
-      <p:sp>
-        <p:nvSpPr>
-          <p:cNvPr id="15" name="Content Placeholder 1"/>
-          <p:cNvSpPr>
-            <a:spLocks noGrp="1"/>
-          </p:cNvSpPr>
-          <p:nvPr>
-            <p:ph sz="half" idx="2"/>
-          </p:nvPr>
-        </p:nvSpPr>
-        <p:spPr>
-          <a:xfrm>
-            <a:off x="7996336" y="1392172"/>
-            <a:ext cx="3694922" cy="1063487"/>
-          </a:xfrm>
-        </p:spPr>
-        <p:txBody>
-          <a:bodyPr>
-            <a:normAutofit lnSpcReduction="10000"/>
-          </a:bodyPr>
-          <a:lstStyle/>
-          <a:p>
-            <a:pPr marL="0" indent="0" algn="ctr">
-              <a:buNone/>
-            </a:pPr>
-            <a:r>
-              <a:rPr lang="en-US" sz="1800" dirty="0"/>
-              <a:t>Media sharing in Microsoft Teams mobile app: Best-in class video and image sharing platform for modern users.</a:t>
-            </a:r>
-            <a:endParaRPr lang="en-IN" sz="1200" dirty="0"/>
-          </a:p>
-        </p:txBody>
-      </p:sp>
-      <p:sp>
-        <p:nvSpPr>
-          <p:cNvPr id="16" name="Content Placeholder 1"/>
-          <p:cNvSpPr>
-            <a:spLocks noGrp="1"/>
-          </p:cNvSpPr>
-          <p:nvPr>
-            <p:ph sz="half" idx="2"/>
-          </p:nvPr>
-        </p:nvSpPr>
-        <p:spPr>
-          <a:xfrm>
-            <a:off x="4174438" y="4228677"/>
-            <a:ext cx="3283113" cy="788795"/>
-          </a:xfrm>
-        </p:spPr>
-        <p:txBody>
-          <a:bodyPr>
-            <a:normAutofit/>
-          </a:bodyPr>
-          <a:lstStyle/>
-          <a:p>
-            <a:pPr marL="0" indent="0" algn="ctr">
-              <a:buNone/>
-            </a:pPr>
-            <a:r>
-              <a:rPr lang="en-IN" sz="1800" dirty="0"/>
-              <a:t>Skill based LU</a:t>
-            </a:r>
-          </a:p>
-        </p:txBody>
-      </p:sp>
-      <p:sp>
-        <p:nvSpPr>
-          <p:cNvPr id="17" name="Content Placeholder 1"/>
-          <p:cNvSpPr>
-            <a:spLocks noGrp="1"/>
-          </p:cNvSpPr>
-          <p:nvPr>
-            <p:ph sz="half" idx="2"/>
-          </p:nvPr>
-        </p:nvSpPr>
-        <p:spPr>
-          <a:xfrm>
-            <a:off x="8130138" y="4228678"/>
-            <a:ext cx="3561120" cy="1071110"/>
-          </a:xfrm>
-        </p:spPr>
-        <p:txBody>
-          <a:bodyPr>
-            <a:normAutofit lnSpcReduction="10000"/>
-          </a:bodyPr>
-          <a:lstStyle/>
-          <a:p>
-            <a:pPr marL="0" indent="0" algn="ctr">
-              <a:buNone/>
-            </a:pPr>
-            <a:r>
-              <a:rPr lang="en-US" sz="1800" dirty="0"/>
-              <a:t>Multi-Platform User Interface for Mixed and Virtual Reality App to Visualize and Simulate Quantum Computing</a:t>
-            </a:r>
-            <a:endParaRPr lang="en-IN" sz="1200" dirty="0"/>
-          </a:p>
-        </p:txBody>
-      </p:sp>
-      <p:sp>
-        <p:nvSpPr>
-          <p:cNvPr id="18" name="Content Placeholder 1"/>
-          <p:cNvSpPr>
-            <a:spLocks noGrp="1"/>
-          </p:cNvSpPr>
-          <p:nvPr>
-            <p:ph sz="half" idx="2"/>
-          </p:nvPr>
-        </p:nvSpPr>
-        <p:spPr>
-          <a:xfrm>
-            <a:off x="4174437" y="5657215"/>
-            <a:ext cx="3283113" cy="788795"/>
-          </a:xfrm>
-        </p:spPr>
-        <p:txBody>
-          <a:bodyPr>
-            <a:normAutofit/>
-          </a:bodyPr>
-          <a:lstStyle/>
-          <a:p>
-            <a:pPr marL="0" indent="0" algn="ctr">
-              <a:buNone/>
-            </a:pPr>
-            <a:r>
-              <a:rPr lang="en-US" sz="1800" dirty="0"/>
-              <a:t>Outlook on Jio Phone</a:t>
-            </a:r>
+              <a:t>Three day hands on lab – Some slides, Some demos and a lot of coding</a:t>
+            </a:r>
+          </a:p>
+          <a:p>
+            <a:r>
+              <a:rPr lang="en-IN" dirty="0"/>
+              <a:t>Use your desktop, devices and Subscriptions</a:t>
+            </a:r>
+          </a:p>
+          <a:p>
+            <a:r>
+              <a:rPr lang="en-IN" dirty="0"/>
+              <a:t>Build along with us, Ask questions, Tell us what you know.</a:t>
+            </a:r>
+          </a:p>
+          <a:p>
+            <a:r>
+              <a:rPr lang="en-IN" dirty="0"/>
+              <a:t>Speakers – Vinayak, Trilok, Prakash, </a:t>
+            </a:r>
+            <a:r>
+              <a:rPr lang="en-IN" dirty="0" err="1"/>
+              <a:t>Sravani</a:t>
+            </a:r>
+            <a:r>
+              <a:rPr lang="en-IN" dirty="0"/>
+              <a:t>, </a:t>
+            </a:r>
+            <a:r>
+              <a:rPr lang="en-IN" dirty="0" err="1"/>
+              <a:t>Santhan</a:t>
+            </a:r>
+            <a:r>
+              <a:rPr lang="en-IN" dirty="0"/>
+              <a:t>, Mrinal,  </a:t>
+            </a:r>
+            <a:r>
+              <a:rPr lang="en-IN" dirty="0" err="1"/>
+              <a:t>Saiteja</a:t>
+            </a:r>
+            <a:r>
+              <a:rPr lang="en-IN" dirty="0"/>
+              <a:t>, Surya, Satish, Manjunath, Jeetendra Pandey and Sanjeev’s Team</a:t>
+            </a:r>
+          </a:p>
+          <a:p>
+            <a:endParaRPr lang="en-IN" dirty="0"/>
           </a:p>
         </p:txBody>
       </p:sp>
     </p:spTree>
     <p:extLst>
       <p:ext uri="{BB962C8B-B14F-4D97-AF65-F5344CB8AC3E}">
-        <p14:creationId xmlns:p14="http://schemas.microsoft.com/office/powerpoint/2010/main" val="2373576358"/>
+        <p14:creationId xmlns:p14="http://schemas.microsoft.com/office/powerpoint/2010/main" val="614357102"/>
       </p:ext>
     </p:extLst>
   </p:cSld>
@@ -5869,6 +5651,403 @@
       </p:grpSpPr>
       <p:sp>
         <p:nvSpPr>
+          <p:cNvPr id="2" name="Content Placeholder 1"/>
+          <p:cNvSpPr>
+            <a:spLocks noGrp="1"/>
+          </p:cNvSpPr>
+          <p:nvPr>
+            <p:ph sz="half" idx="2"/>
+          </p:nvPr>
+        </p:nvSpPr>
+        <p:spPr>
+          <a:xfrm>
+            <a:off x="1" y="1371601"/>
+            <a:ext cx="3916392" cy="788793"/>
+          </a:xfrm>
+        </p:spPr>
+        <p:txBody>
+          <a:bodyPr>
+            <a:normAutofit/>
+          </a:bodyPr>
+          <a:lstStyle/>
+          <a:p>
+            <a:pPr marL="0" indent="0" algn="ctr">
+              <a:buNone/>
+            </a:pPr>
+            <a:r>
+              <a:rPr lang="en-US" sz="1800" dirty="0"/>
+              <a:t>Carbon Dashboard</a:t>
+            </a:r>
+          </a:p>
+        </p:txBody>
+      </p:sp>
+      <p:sp>
+        <p:nvSpPr>
+          <p:cNvPr id="4" name="Title 3"/>
+          <p:cNvSpPr>
+            <a:spLocks noGrp="1"/>
+          </p:cNvSpPr>
+          <p:nvPr>
+            <p:ph type="title"/>
+          </p:nvPr>
+        </p:nvSpPr>
+        <p:spPr>
+          <a:xfrm>
+            <a:off x="83976" y="132110"/>
+            <a:ext cx="11819970" cy="1063487"/>
+          </a:xfrm>
+        </p:spPr>
+        <p:txBody>
+          <a:bodyPr>
+            <a:normAutofit/>
+          </a:bodyPr>
+          <a:lstStyle/>
+          <a:p>
+            <a:pPr algn="ctr"/>
+            <a:r>
+              <a:rPr lang="en-IN" dirty="0">
+                <a:latin typeface="Segoe UI Light"/>
+                <a:cs typeface="Segoe UI Light"/>
+              </a:rPr>
+              <a:t>The Garage India Internship Projects </a:t>
+            </a:r>
+            <a:endParaRPr lang="en-IN" dirty="0">
+              <a:solidFill>
+                <a:srgbClr val="FF0000"/>
+              </a:solidFill>
+              <a:latin typeface="Segoe UI Light"/>
+              <a:cs typeface="Segoe UI Light"/>
+            </a:endParaRPr>
+          </a:p>
+        </p:txBody>
+      </p:sp>
+      <p:sp>
+        <p:nvSpPr>
+          <p:cNvPr id="10" name="Content Placeholder 1"/>
+          <p:cNvSpPr>
+            <a:spLocks noGrp="1"/>
+          </p:cNvSpPr>
+          <p:nvPr>
+            <p:ph sz="half" idx="2"/>
+          </p:nvPr>
+        </p:nvSpPr>
+        <p:spPr>
+          <a:xfrm>
+            <a:off x="4109124" y="1371600"/>
+            <a:ext cx="3809925" cy="788795"/>
+          </a:xfrm>
+        </p:spPr>
+        <p:txBody>
+          <a:bodyPr>
+            <a:normAutofit/>
+          </a:bodyPr>
+          <a:lstStyle/>
+          <a:p>
+            <a:pPr marL="0" indent="0" algn="ctr">
+              <a:buNone/>
+            </a:pPr>
+            <a:r>
+              <a:rPr lang="en-US" sz="1800" dirty="0"/>
+              <a:t>Operational Evolution and Sustainability Based on Megatrends</a:t>
+            </a:r>
+            <a:endParaRPr lang="fr-FR" sz="1800" dirty="0"/>
+          </a:p>
+        </p:txBody>
+      </p:sp>
+      <p:sp>
+        <p:nvSpPr>
+          <p:cNvPr id="11" name="Content Placeholder 1"/>
+          <p:cNvSpPr>
+            <a:spLocks noGrp="1"/>
+          </p:cNvSpPr>
+          <p:nvPr>
+            <p:ph sz="half" idx="2"/>
+          </p:nvPr>
+        </p:nvSpPr>
+        <p:spPr>
+          <a:xfrm>
+            <a:off x="354389" y="4165872"/>
+            <a:ext cx="3629781" cy="1133915"/>
+          </a:xfrm>
+        </p:spPr>
+        <p:txBody>
+          <a:bodyPr>
+            <a:normAutofit/>
+          </a:bodyPr>
+          <a:lstStyle/>
+          <a:p>
+            <a:pPr marL="0" indent="0" algn="ctr">
+              <a:buNone/>
+            </a:pPr>
+            <a:r>
+              <a:rPr lang="en-US" sz="1800" dirty="0"/>
+              <a:t>Excel powered platform for making customized Cashflow Management Apps for mobile first Small Business customers</a:t>
+            </a:r>
+            <a:endParaRPr lang="en-IN" sz="1200" dirty="0"/>
+          </a:p>
+        </p:txBody>
+      </p:sp>
+      <p:sp>
+        <p:nvSpPr>
+          <p:cNvPr id="12" name="Content Placeholder 1"/>
+          <p:cNvSpPr>
+            <a:spLocks noGrp="1"/>
+          </p:cNvSpPr>
+          <p:nvPr>
+            <p:ph sz="half" idx="2"/>
+          </p:nvPr>
+        </p:nvSpPr>
+        <p:spPr>
+          <a:xfrm>
+            <a:off x="379511" y="2800139"/>
+            <a:ext cx="3283113" cy="788795"/>
+          </a:xfrm>
+        </p:spPr>
+        <p:txBody>
+          <a:bodyPr>
+            <a:normAutofit/>
+          </a:bodyPr>
+          <a:lstStyle/>
+          <a:p>
+            <a:pPr marL="0" indent="0" algn="ctr">
+              <a:buNone/>
+            </a:pPr>
+            <a:r>
+              <a:rPr lang="en-US" sz="1800" dirty="0"/>
+              <a:t>Organization News in Teams</a:t>
+            </a:r>
+            <a:endParaRPr lang="en-IN" sz="1200" dirty="0"/>
+          </a:p>
+        </p:txBody>
+      </p:sp>
+      <p:sp>
+        <p:nvSpPr>
+          <p:cNvPr id="13" name="Content Placeholder 1"/>
+          <p:cNvSpPr>
+            <a:spLocks noGrp="1"/>
+          </p:cNvSpPr>
+          <p:nvPr>
+            <p:ph sz="half" idx="2"/>
+          </p:nvPr>
+        </p:nvSpPr>
+        <p:spPr>
+          <a:xfrm>
+            <a:off x="4109123" y="2800138"/>
+            <a:ext cx="3283113" cy="788795"/>
+          </a:xfrm>
+        </p:spPr>
+        <p:txBody>
+          <a:bodyPr>
+            <a:normAutofit/>
+          </a:bodyPr>
+          <a:lstStyle/>
+          <a:p>
+            <a:pPr marL="0" indent="0" algn="ctr">
+              <a:buNone/>
+            </a:pPr>
+            <a:r>
+              <a:rPr lang="en-IN" sz="1800" dirty="0"/>
+              <a:t>PDF Reflow</a:t>
+            </a:r>
+            <a:endParaRPr lang="en-IN" sz="1200" dirty="0"/>
+          </a:p>
+        </p:txBody>
+      </p:sp>
+      <p:sp>
+        <p:nvSpPr>
+          <p:cNvPr id="14" name="Content Placeholder 1"/>
+          <p:cNvSpPr>
+            <a:spLocks noGrp="1"/>
+          </p:cNvSpPr>
+          <p:nvPr>
+            <p:ph sz="half" idx="2"/>
+          </p:nvPr>
+        </p:nvSpPr>
+        <p:spPr>
+          <a:xfrm>
+            <a:off x="8130139" y="2800138"/>
+            <a:ext cx="3283113" cy="788795"/>
+          </a:xfrm>
+        </p:spPr>
+        <p:txBody>
+          <a:bodyPr>
+            <a:normAutofit/>
+          </a:bodyPr>
+          <a:lstStyle/>
+          <a:p>
+            <a:pPr marL="0" indent="0" algn="ctr">
+              <a:buNone/>
+            </a:pPr>
+            <a:r>
+              <a:rPr lang="en-US" sz="1800" dirty="0"/>
+              <a:t>Teams for EDU - differentiated experience</a:t>
+            </a:r>
+            <a:endParaRPr lang="en-IN" sz="1200" dirty="0"/>
+          </a:p>
+        </p:txBody>
+      </p:sp>
+      <p:sp>
+        <p:nvSpPr>
+          <p:cNvPr id="15" name="Content Placeholder 1"/>
+          <p:cNvSpPr>
+            <a:spLocks noGrp="1"/>
+          </p:cNvSpPr>
+          <p:nvPr>
+            <p:ph sz="half" idx="2"/>
+          </p:nvPr>
+        </p:nvSpPr>
+        <p:spPr>
+          <a:xfrm>
+            <a:off x="7996336" y="1392172"/>
+            <a:ext cx="3694922" cy="1063487"/>
+          </a:xfrm>
+        </p:spPr>
+        <p:txBody>
+          <a:bodyPr>
+            <a:normAutofit lnSpcReduction="10000"/>
+          </a:bodyPr>
+          <a:lstStyle/>
+          <a:p>
+            <a:pPr marL="0" indent="0" algn="ctr">
+              <a:buNone/>
+            </a:pPr>
+            <a:r>
+              <a:rPr lang="en-US" sz="1800" dirty="0"/>
+              <a:t>Media sharing in Microsoft Teams mobile app: Best-in class video and image sharing platform for modern users.</a:t>
+            </a:r>
+            <a:endParaRPr lang="en-IN" sz="1200" dirty="0"/>
+          </a:p>
+        </p:txBody>
+      </p:sp>
+      <p:sp>
+        <p:nvSpPr>
+          <p:cNvPr id="16" name="Content Placeholder 1"/>
+          <p:cNvSpPr>
+            <a:spLocks noGrp="1"/>
+          </p:cNvSpPr>
+          <p:nvPr>
+            <p:ph sz="half" idx="2"/>
+          </p:nvPr>
+        </p:nvSpPr>
+        <p:spPr>
+          <a:xfrm>
+            <a:off x="4174438" y="4228677"/>
+            <a:ext cx="3283113" cy="788795"/>
+          </a:xfrm>
+        </p:spPr>
+        <p:txBody>
+          <a:bodyPr>
+            <a:normAutofit/>
+          </a:bodyPr>
+          <a:lstStyle/>
+          <a:p>
+            <a:pPr marL="0" indent="0" algn="ctr">
+              <a:buNone/>
+            </a:pPr>
+            <a:r>
+              <a:rPr lang="en-IN" sz="1800" dirty="0"/>
+              <a:t>Skill based LU</a:t>
+            </a:r>
+          </a:p>
+        </p:txBody>
+      </p:sp>
+      <p:sp>
+        <p:nvSpPr>
+          <p:cNvPr id="17" name="Content Placeholder 1"/>
+          <p:cNvSpPr>
+            <a:spLocks noGrp="1"/>
+          </p:cNvSpPr>
+          <p:nvPr>
+            <p:ph sz="half" idx="2"/>
+          </p:nvPr>
+        </p:nvSpPr>
+        <p:spPr>
+          <a:xfrm>
+            <a:off x="8130138" y="4228678"/>
+            <a:ext cx="3561120" cy="1071110"/>
+          </a:xfrm>
+        </p:spPr>
+        <p:txBody>
+          <a:bodyPr>
+            <a:normAutofit lnSpcReduction="10000"/>
+          </a:bodyPr>
+          <a:lstStyle/>
+          <a:p>
+            <a:pPr marL="0" indent="0" algn="ctr">
+              <a:buNone/>
+            </a:pPr>
+            <a:r>
+              <a:rPr lang="en-US" sz="1800" dirty="0"/>
+              <a:t>Multi-Platform User Interface for Mixed and Virtual Reality App to Visualize and Simulate Quantum Computing</a:t>
+            </a:r>
+            <a:endParaRPr lang="en-IN" sz="1200" dirty="0"/>
+          </a:p>
+        </p:txBody>
+      </p:sp>
+      <p:sp>
+        <p:nvSpPr>
+          <p:cNvPr id="18" name="Content Placeholder 1"/>
+          <p:cNvSpPr>
+            <a:spLocks noGrp="1"/>
+          </p:cNvSpPr>
+          <p:nvPr>
+            <p:ph sz="half" idx="2"/>
+          </p:nvPr>
+        </p:nvSpPr>
+        <p:spPr>
+          <a:xfrm>
+            <a:off x="4174437" y="5657215"/>
+            <a:ext cx="3283113" cy="788795"/>
+          </a:xfrm>
+        </p:spPr>
+        <p:txBody>
+          <a:bodyPr>
+            <a:normAutofit/>
+          </a:bodyPr>
+          <a:lstStyle/>
+          <a:p>
+            <a:pPr marL="0" indent="0" algn="ctr">
+              <a:buNone/>
+            </a:pPr>
+            <a:r>
+              <a:rPr lang="en-US" sz="1800" dirty="0"/>
+              <a:t>Outlook on Jio Phone</a:t>
+            </a:r>
+          </a:p>
+        </p:txBody>
+      </p:sp>
+    </p:spTree>
+    <p:extLst>
+      <p:ext uri="{BB962C8B-B14F-4D97-AF65-F5344CB8AC3E}">
+        <p14:creationId xmlns:p14="http://schemas.microsoft.com/office/powerpoint/2010/main" val="2373576358"/>
+      </p:ext>
+    </p:extLst>
+  </p:cSld>
+  <p:clrMapOvr>
+    <a:masterClrMapping/>
+  </p:clrMapOvr>
+</p:sld>
+</file>
+
+<file path=ppt/slides/slide6.xml><?xml version="1.0" encoding="utf-8"?>
+<p:sld xmlns:a="http://schemas.openxmlformats.org/drawingml/2006/main" xmlns:r="http://schemas.openxmlformats.org/officeDocument/2006/relationships" xmlns:p="http://schemas.openxmlformats.org/presentationml/2006/main">
+  <p:cSld>
+    <p:spTree>
+      <p:nvGrpSpPr>
+        <p:cNvPr id="1" name=""/>
+        <p:cNvGrpSpPr/>
+        <p:nvPr/>
+      </p:nvGrpSpPr>
+      <p:grpSpPr>
+        <a:xfrm>
+          <a:off x="0" y="0"/>
+          <a:ext cx="0" cy="0"/>
+          <a:chOff x="0" y="0"/>
+          <a:chExt cx="0" cy="0"/>
+        </a:xfrm>
+      </p:grpSpPr>
+      <p:sp>
+        <p:nvSpPr>
           <p:cNvPr id="3" name="Content Placeholder 2"/>
           <p:cNvSpPr>
             <a:spLocks noGrp="1"/>
@@ -5937,7 +6116,7 @@
 </p:sld>
 </file>
 
-<file path=ppt/slides/slide6.xml><?xml version="1.0" encoding="utf-8"?>
+<file path=ppt/slides/slide7.xml><?xml version="1.0" encoding="utf-8"?>
 <p:sld xmlns:a="http://schemas.openxmlformats.org/drawingml/2006/main" xmlns:r="http://schemas.openxmlformats.org/officeDocument/2006/relationships" xmlns:p="http://schemas.openxmlformats.org/presentationml/2006/main">
   <p:cSld>
     <p:spTree>
@@ -6537,7 +6716,7 @@
 </p:sld>
 </file>
 
-<file path=ppt/slides/slide7.xml><?xml version="1.0" encoding="utf-8"?>
+<file path=ppt/slides/slide8.xml><?xml version="1.0" encoding="utf-8"?>
 <p:sld xmlns:a="http://schemas.openxmlformats.org/drawingml/2006/main" xmlns:r="http://schemas.openxmlformats.org/officeDocument/2006/relationships" xmlns:p="http://schemas.openxmlformats.org/presentationml/2006/main">
   <p:cSld>
     <p:spTree>
